--- a/REST API & Web Server.pptx
+++ b/REST API & Web Server.pptx
@@ -4,6 +4,9 @@
   <p:sldMasterIdLst>
     <p:sldMasterId id="2147483648" r:id="rId4"/>
   </p:sldMasterIdLst>
+  <p:notesMasterIdLst>
+    <p:notesMasterId r:id="rId35"/>
+  </p:notesMasterIdLst>
   <p:sldIdLst>
     <p:sldId id="256" r:id="rId5"/>
     <p:sldId id="257" r:id="rId6"/>
@@ -20,19 +23,21 @@
     <p:sldId id="267" r:id="rId17"/>
     <p:sldId id="268" r:id="rId18"/>
     <p:sldId id="269" r:id="rId19"/>
-    <p:sldId id="270" r:id="rId20"/>
-    <p:sldId id="271" r:id="rId21"/>
-    <p:sldId id="272" r:id="rId22"/>
-    <p:sldId id="273" r:id="rId23"/>
+    <p:sldId id="287" r:id="rId20"/>
+    <p:sldId id="270" r:id="rId21"/>
+    <p:sldId id="271" r:id="rId22"/>
+    <p:sldId id="286" r:id="rId23"/>
     <p:sldId id="275" r:id="rId24"/>
-    <p:sldId id="276" r:id="rId25"/>
-    <p:sldId id="277" r:id="rId26"/>
-    <p:sldId id="284" r:id="rId27"/>
-    <p:sldId id="279" r:id="rId28"/>
-    <p:sldId id="283" r:id="rId29"/>
-    <p:sldId id="280" r:id="rId30"/>
-    <p:sldId id="281" r:id="rId31"/>
-    <p:sldId id="282" r:id="rId32"/>
+    <p:sldId id="272" r:id="rId25"/>
+    <p:sldId id="273" r:id="rId26"/>
+    <p:sldId id="276" r:id="rId27"/>
+    <p:sldId id="277" r:id="rId28"/>
+    <p:sldId id="284" r:id="rId29"/>
+    <p:sldId id="279" r:id="rId30"/>
+    <p:sldId id="283" r:id="rId31"/>
+    <p:sldId id="280" r:id="rId32"/>
+    <p:sldId id="281" r:id="rId33"/>
+    <p:sldId id="282" r:id="rId34"/>
   </p:sldIdLst>
   <p:sldSz cx="12192000" cy="6858000"/>
   <p:notesSz cx="6858000" cy="9144000"/>
@@ -13313,6 +13318,543 @@
 </dgm:styleDef>
 </file>
 
+<file path=ppt/notesMasters/notesMaster1.xml><?xml version="1.0" encoding="utf-8"?>
+<p:notesMaster xmlns:a="http://schemas.openxmlformats.org/drawingml/2006/main" xmlns:r="http://schemas.openxmlformats.org/officeDocument/2006/relationships" xmlns:p="http://schemas.openxmlformats.org/presentationml/2006/main">
+  <p:cSld>
+    <p:bg>
+      <p:bgRef idx="1001">
+        <a:schemeClr val="bg1"/>
+      </p:bgRef>
+    </p:bg>
+    <p:spTree>
+      <p:nvGrpSpPr>
+        <p:cNvPr id="1" name=""/>
+        <p:cNvGrpSpPr/>
+        <p:nvPr/>
+      </p:nvGrpSpPr>
+      <p:grpSpPr>
+        <a:xfrm>
+          <a:off x="0" y="0"/>
+          <a:ext cx="0" cy="0"/>
+          <a:chOff x="0" y="0"/>
+          <a:chExt cx="0" cy="0"/>
+        </a:xfrm>
+      </p:grpSpPr>
+      <p:sp>
+        <p:nvSpPr>
+          <p:cNvPr id="2" name="Header Placeholder 1"/>
+          <p:cNvSpPr>
+            <a:spLocks noGrp="1"/>
+          </p:cNvSpPr>
+          <p:nvPr>
+            <p:ph type="hdr" sz="quarter"/>
+          </p:nvPr>
+        </p:nvSpPr>
+        <p:spPr>
+          <a:xfrm>
+            <a:off x="0" y="0"/>
+            <a:ext cx="2971800" cy="458788"/>
+          </a:xfrm>
+          <a:prstGeom prst="rect">
+            <a:avLst/>
+          </a:prstGeom>
+        </p:spPr>
+        <p:txBody>
+          <a:bodyPr vert="horz" lIns="91440" tIns="45720" rIns="91440" bIns="45720" rtlCol="0"/>
+          <a:lstStyle>
+            <a:lvl1pPr algn="l">
+              <a:defRPr sz="1200"/>
+            </a:lvl1pPr>
+          </a:lstStyle>
+          <a:p>
+            <a:endParaRPr lang="en-US"/>
+          </a:p>
+        </p:txBody>
+      </p:sp>
+      <p:sp>
+        <p:nvSpPr>
+          <p:cNvPr id="3" name="Date Placeholder 2"/>
+          <p:cNvSpPr>
+            <a:spLocks noGrp="1"/>
+          </p:cNvSpPr>
+          <p:nvPr>
+            <p:ph type="dt" idx="1"/>
+          </p:nvPr>
+        </p:nvSpPr>
+        <p:spPr>
+          <a:xfrm>
+            <a:off x="3884613" y="0"/>
+            <a:ext cx="2971800" cy="458788"/>
+          </a:xfrm>
+          <a:prstGeom prst="rect">
+            <a:avLst/>
+          </a:prstGeom>
+        </p:spPr>
+        <p:txBody>
+          <a:bodyPr vert="horz" lIns="91440" tIns="45720" rIns="91440" bIns="45720" rtlCol="0"/>
+          <a:lstStyle>
+            <a:lvl1pPr algn="r">
+              <a:defRPr sz="1200"/>
+            </a:lvl1pPr>
+          </a:lstStyle>
+          <a:p>
+            <a:fld id="{373DF420-A3BE-46B3-962A-898EE35BA918}" type="datetimeFigureOut">
+              <a:rPr lang="en-US" smtClean="0"/>
+              <a:t>2/8/2023</a:t>
+            </a:fld>
+            <a:endParaRPr lang="en-US"/>
+          </a:p>
+        </p:txBody>
+      </p:sp>
+      <p:sp>
+        <p:nvSpPr>
+          <p:cNvPr id="4" name="Slide Image Placeholder 3"/>
+          <p:cNvSpPr>
+            <a:spLocks noGrp="1" noRot="1" noChangeAspect="1"/>
+          </p:cNvSpPr>
+          <p:nvPr>
+            <p:ph type="sldImg" idx="2"/>
+          </p:nvPr>
+        </p:nvSpPr>
+        <p:spPr>
+          <a:xfrm>
+            <a:off x="685800" y="1143000"/>
+            <a:ext cx="5486400" cy="3086100"/>
+          </a:xfrm>
+          <a:prstGeom prst="rect">
+            <a:avLst/>
+          </a:prstGeom>
+          <a:noFill/>
+          <a:ln w="12700">
+            <a:solidFill>
+              <a:prstClr val="black"/>
+            </a:solidFill>
+          </a:ln>
+        </p:spPr>
+        <p:txBody>
+          <a:bodyPr vert="horz" lIns="91440" tIns="45720" rIns="91440" bIns="45720" rtlCol="0" anchor="ctr"/>
+          <a:lstStyle/>
+          <a:p>
+            <a:endParaRPr lang="en-US"/>
+          </a:p>
+        </p:txBody>
+      </p:sp>
+      <p:sp>
+        <p:nvSpPr>
+          <p:cNvPr id="5" name="Notes Placeholder 4"/>
+          <p:cNvSpPr>
+            <a:spLocks noGrp="1"/>
+          </p:cNvSpPr>
+          <p:nvPr>
+            <p:ph type="body" sz="quarter" idx="3"/>
+          </p:nvPr>
+        </p:nvSpPr>
+        <p:spPr>
+          <a:xfrm>
+            <a:off x="685800" y="4400550"/>
+            <a:ext cx="5486400" cy="3600450"/>
+          </a:xfrm>
+          <a:prstGeom prst="rect">
+            <a:avLst/>
+          </a:prstGeom>
+        </p:spPr>
+        <p:txBody>
+          <a:bodyPr vert="horz" lIns="91440" tIns="45720" rIns="91440" bIns="45720" rtlCol="0"/>
+          <a:lstStyle/>
+          <a:p>
+            <a:pPr lvl="0"/>
+            <a:r>
+              <a:rPr lang="en-US"/>
+              <a:t>Click to edit Master text styles</a:t>
+            </a:r>
+          </a:p>
+          <a:p>
+            <a:pPr lvl="1"/>
+            <a:r>
+              <a:rPr lang="en-US"/>
+              <a:t>Second level</a:t>
+            </a:r>
+          </a:p>
+          <a:p>
+            <a:pPr lvl="2"/>
+            <a:r>
+              <a:rPr lang="en-US"/>
+              <a:t>Third level</a:t>
+            </a:r>
+          </a:p>
+          <a:p>
+            <a:pPr lvl="3"/>
+            <a:r>
+              <a:rPr lang="en-US"/>
+              <a:t>Fourth level</a:t>
+            </a:r>
+          </a:p>
+          <a:p>
+            <a:pPr lvl="4"/>
+            <a:r>
+              <a:rPr lang="en-US"/>
+              <a:t>Fifth level</a:t>
+            </a:r>
+          </a:p>
+        </p:txBody>
+      </p:sp>
+      <p:sp>
+        <p:nvSpPr>
+          <p:cNvPr id="6" name="Footer Placeholder 5"/>
+          <p:cNvSpPr>
+            <a:spLocks noGrp="1"/>
+          </p:cNvSpPr>
+          <p:nvPr>
+            <p:ph type="ftr" sz="quarter" idx="4"/>
+          </p:nvPr>
+        </p:nvSpPr>
+        <p:spPr>
+          <a:xfrm>
+            <a:off x="0" y="8685213"/>
+            <a:ext cx="2971800" cy="458787"/>
+          </a:xfrm>
+          <a:prstGeom prst="rect">
+            <a:avLst/>
+          </a:prstGeom>
+        </p:spPr>
+        <p:txBody>
+          <a:bodyPr vert="horz" lIns="91440" tIns="45720" rIns="91440" bIns="45720" rtlCol="0" anchor="b"/>
+          <a:lstStyle>
+            <a:lvl1pPr algn="l">
+              <a:defRPr sz="1200"/>
+            </a:lvl1pPr>
+          </a:lstStyle>
+          <a:p>
+            <a:endParaRPr lang="en-US"/>
+          </a:p>
+        </p:txBody>
+      </p:sp>
+      <p:sp>
+        <p:nvSpPr>
+          <p:cNvPr id="7" name="Slide Number Placeholder 6"/>
+          <p:cNvSpPr>
+            <a:spLocks noGrp="1"/>
+          </p:cNvSpPr>
+          <p:nvPr>
+            <p:ph type="sldNum" sz="quarter" idx="5"/>
+          </p:nvPr>
+        </p:nvSpPr>
+        <p:spPr>
+          <a:xfrm>
+            <a:off x="3884613" y="8685213"/>
+            <a:ext cx="2971800" cy="458787"/>
+          </a:xfrm>
+          <a:prstGeom prst="rect">
+            <a:avLst/>
+          </a:prstGeom>
+        </p:spPr>
+        <p:txBody>
+          <a:bodyPr vert="horz" lIns="91440" tIns="45720" rIns="91440" bIns="45720" rtlCol="0" anchor="b"/>
+          <a:lstStyle>
+            <a:lvl1pPr algn="r">
+              <a:defRPr sz="1200"/>
+            </a:lvl1pPr>
+          </a:lstStyle>
+          <a:p>
+            <a:fld id="{AFCF8B46-D255-46A4-AAC0-0F7C0BF4C699}" type="slidenum">
+              <a:rPr lang="en-US" smtClean="0"/>
+              <a:t>‹#›</a:t>
+            </a:fld>
+            <a:endParaRPr lang="en-US"/>
+          </a:p>
+        </p:txBody>
+      </p:sp>
+    </p:spTree>
+    <p:extLst>
+      <p:ext uri="{BB962C8B-B14F-4D97-AF65-F5344CB8AC3E}">
+        <p14:creationId xmlns:p14="http://schemas.microsoft.com/office/powerpoint/2010/main" val="2424491035"/>
+      </p:ext>
+    </p:extLst>
+  </p:cSld>
+  <p:clrMap bg1="lt1" tx1="dk1" bg2="lt2" tx2="dk2" accent1="accent1" accent2="accent2" accent3="accent3" accent4="accent4" accent5="accent5" accent6="accent6" hlink="hlink" folHlink="folHlink"/>
+  <p:notesStyle>
+    <a:lvl1pPr marL="0" algn="l" defTabSz="914400" rtl="0" eaLnBrk="1" latinLnBrk="0" hangingPunct="1">
+      <a:defRPr sz="1200" kern="1200">
+        <a:solidFill>
+          <a:schemeClr val="tx1"/>
+        </a:solidFill>
+        <a:latin typeface="+mn-lt"/>
+        <a:ea typeface="+mn-ea"/>
+        <a:cs typeface="+mn-cs"/>
+      </a:defRPr>
+    </a:lvl1pPr>
+    <a:lvl2pPr marL="457200" algn="l" defTabSz="914400" rtl="0" eaLnBrk="1" latinLnBrk="0" hangingPunct="1">
+      <a:defRPr sz="1200" kern="1200">
+        <a:solidFill>
+          <a:schemeClr val="tx1"/>
+        </a:solidFill>
+        <a:latin typeface="+mn-lt"/>
+        <a:ea typeface="+mn-ea"/>
+        <a:cs typeface="+mn-cs"/>
+      </a:defRPr>
+    </a:lvl2pPr>
+    <a:lvl3pPr marL="914400" algn="l" defTabSz="914400" rtl="0" eaLnBrk="1" latinLnBrk="0" hangingPunct="1">
+      <a:defRPr sz="1200" kern="1200">
+        <a:solidFill>
+          <a:schemeClr val="tx1"/>
+        </a:solidFill>
+        <a:latin typeface="+mn-lt"/>
+        <a:ea typeface="+mn-ea"/>
+        <a:cs typeface="+mn-cs"/>
+      </a:defRPr>
+    </a:lvl3pPr>
+    <a:lvl4pPr marL="1371600" algn="l" defTabSz="914400" rtl="0" eaLnBrk="1" latinLnBrk="0" hangingPunct="1">
+      <a:defRPr sz="1200" kern="1200">
+        <a:solidFill>
+          <a:schemeClr val="tx1"/>
+        </a:solidFill>
+        <a:latin typeface="+mn-lt"/>
+        <a:ea typeface="+mn-ea"/>
+        <a:cs typeface="+mn-cs"/>
+      </a:defRPr>
+    </a:lvl4pPr>
+    <a:lvl5pPr marL="1828800" algn="l" defTabSz="914400" rtl="0" eaLnBrk="1" latinLnBrk="0" hangingPunct="1">
+      <a:defRPr sz="1200" kern="1200">
+        <a:solidFill>
+          <a:schemeClr val="tx1"/>
+        </a:solidFill>
+        <a:latin typeface="+mn-lt"/>
+        <a:ea typeface="+mn-ea"/>
+        <a:cs typeface="+mn-cs"/>
+      </a:defRPr>
+    </a:lvl5pPr>
+    <a:lvl6pPr marL="2286000" algn="l" defTabSz="914400" rtl="0" eaLnBrk="1" latinLnBrk="0" hangingPunct="1">
+      <a:defRPr sz="1200" kern="1200">
+        <a:solidFill>
+          <a:schemeClr val="tx1"/>
+        </a:solidFill>
+        <a:latin typeface="+mn-lt"/>
+        <a:ea typeface="+mn-ea"/>
+        <a:cs typeface="+mn-cs"/>
+      </a:defRPr>
+    </a:lvl6pPr>
+    <a:lvl7pPr marL="2743200" algn="l" defTabSz="914400" rtl="0" eaLnBrk="1" latinLnBrk="0" hangingPunct="1">
+      <a:defRPr sz="1200" kern="1200">
+        <a:solidFill>
+          <a:schemeClr val="tx1"/>
+        </a:solidFill>
+        <a:latin typeface="+mn-lt"/>
+        <a:ea typeface="+mn-ea"/>
+        <a:cs typeface="+mn-cs"/>
+      </a:defRPr>
+    </a:lvl7pPr>
+    <a:lvl8pPr marL="3200400" algn="l" defTabSz="914400" rtl="0" eaLnBrk="1" latinLnBrk="0" hangingPunct="1">
+      <a:defRPr sz="1200" kern="1200">
+        <a:solidFill>
+          <a:schemeClr val="tx1"/>
+        </a:solidFill>
+        <a:latin typeface="+mn-lt"/>
+        <a:ea typeface="+mn-ea"/>
+        <a:cs typeface="+mn-cs"/>
+      </a:defRPr>
+    </a:lvl8pPr>
+    <a:lvl9pPr marL="3657600" algn="l" defTabSz="914400" rtl="0" eaLnBrk="1" latinLnBrk="0" hangingPunct="1">
+      <a:defRPr sz="1200" kern="1200">
+        <a:solidFill>
+          <a:schemeClr val="tx1"/>
+        </a:solidFill>
+        <a:latin typeface="+mn-lt"/>
+        <a:ea typeface="+mn-ea"/>
+        <a:cs typeface="+mn-cs"/>
+      </a:defRPr>
+    </a:lvl9pPr>
+  </p:notesStyle>
+</p:notesMaster>
+</file>
+
+<file path=ppt/notesSlides/notesSlide1.xml><?xml version="1.0" encoding="utf-8"?>
+<p:notes xmlns:a="http://schemas.openxmlformats.org/drawingml/2006/main" xmlns:r="http://schemas.openxmlformats.org/officeDocument/2006/relationships" xmlns:p="http://schemas.openxmlformats.org/presentationml/2006/main">
+  <p:cSld>
+    <p:spTree>
+      <p:nvGrpSpPr>
+        <p:cNvPr id="1" name=""/>
+        <p:cNvGrpSpPr/>
+        <p:nvPr/>
+      </p:nvGrpSpPr>
+      <p:grpSpPr>
+        <a:xfrm>
+          <a:off x="0" y="0"/>
+          <a:ext cx="0" cy="0"/>
+          <a:chOff x="0" y="0"/>
+          <a:chExt cx="0" cy="0"/>
+        </a:xfrm>
+      </p:grpSpPr>
+      <p:sp>
+        <p:nvSpPr>
+          <p:cNvPr id="2" name="Slide Image Placeholder 1"/>
+          <p:cNvSpPr>
+            <a:spLocks noGrp="1" noRot="1" noChangeAspect="1"/>
+          </p:cNvSpPr>
+          <p:nvPr>
+            <p:ph type="sldImg"/>
+          </p:nvPr>
+        </p:nvSpPr>
+        <p:spPr/>
+      </p:sp>
+      <p:sp>
+        <p:nvSpPr>
+          <p:cNvPr id="3" name="Notes Placeholder 2"/>
+          <p:cNvSpPr>
+            <a:spLocks noGrp="1"/>
+          </p:cNvSpPr>
+          <p:nvPr>
+            <p:ph type="body" idx="1"/>
+          </p:nvPr>
+        </p:nvSpPr>
+        <p:spPr/>
+        <p:txBody>
+          <a:bodyPr/>
+          <a:lstStyle/>
+          <a:p>
+            <a:r>
+              <a:rPr lang="en-US" b="0" i="0" dirty="0">
+                <a:solidFill>
+                  <a:srgbClr val="212121"/>
+                </a:solidFill>
+                <a:effectLst/>
+                <a:latin typeface="Inter"/>
+              </a:rPr>
+              <a:t>https://github.com/fawazahmed0/currency-api#readme</a:t>
+            </a:r>
+            <a:endParaRPr lang="en-US" dirty="0"/>
+          </a:p>
+        </p:txBody>
+      </p:sp>
+      <p:sp>
+        <p:nvSpPr>
+          <p:cNvPr id="4" name="Slide Number Placeholder 3"/>
+          <p:cNvSpPr>
+            <a:spLocks noGrp="1"/>
+          </p:cNvSpPr>
+          <p:nvPr>
+            <p:ph type="sldNum" sz="quarter" idx="5"/>
+          </p:nvPr>
+        </p:nvSpPr>
+        <p:spPr/>
+        <p:txBody>
+          <a:bodyPr/>
+          <a:lstStyle/>
+          <a:p>
+            <a:fld id="{AFCF8B46-D255-46A4-AAC0-0F7C0BF4C699}" type="slidenum">
+              <a:rPr lang="en-US" smtClean="0"/>
+              <a:t>16</a:t>
+            </a:fld>
+            <a:endParaRPr lang="en-US"/>
+          </a:p>
+        </p:txBody>
+      </p:sp>
+    </p:spTree>
+    <p:extLst>
+      <p:ext uri="{BB962C8B-B14F-4D97-AF65-F5344CB8AC3E}">
+        <p14:creationId xmlns:p14="http://schemas.microsoft.com/office/powerpoint/2010/main" val="1154710544"/>
+      </p:ext>
+    </p:extLst>
+  </p:cSld>
+  <p:clrMapOvr>
+    <a:masterClrMapping/>
+  </p:clrMapOvr>
+</p:notes>
+</file>
+
+<file path=ppt/notesSlides/notesSlide2.xml><?xml version="1.0" encoding="utf-8"?>
+<p:notes xmlns:a="http://schemas.openxmlformats.org/drawingml/2006/main" xmlns:r="http://schemas.openxmlformats.org/officeDocument/2006/relationships" xmlns:p="http://schemas.openxmlformats.org/presentationml/2006/main">
+  <p:cSld>
+    <p:spTree>
+      <p:nvGrpSpPr>
+        <p:cNvPr id="1" name=""/>
+        <p:cNvGrpSpPr/>
+        <p:nvPr/>
+      </p:nvGrpSpPr>
+      <p:grpSpPr>
+        <a:xfrm>
+          <a:off x="0" y="0"/>
+          <a:ext cx="0" cy="0"/>
+          <a:chOff x="0" y="0"/>
+          <a:chExt cx="0" cy="0"/>
+        </a:xfrm>
+      </p:grpSpPr>
+      <p:sp>
+        <p:nvSpPr>
+          <p:cNvPr id="2" name="Slide Image Placeholder 1"/>
+          <p:cNvSpPr>
+            <a:spLocks noGrp="1" noRot="1" noChangeAspect="1"/>
+          </p:cNvSpPr>
+          <p:nvPr>
+            <p:ph type="sldImg"/>
+          </p:nvPr>
+        </p:nvSpPr>
+        <p:spPr/>
+      </p:sp>
+      <p:sp>
+        <p:nvSpPr>
+          <p:cNvPr id="3" name="Notes Placeholder 2"/>
+          <p:cNvSpPr>
+            <a:spLocks noGrp="1"/>
+          </p:cNvSpPr>
+          <p:nvPr>
+            <p:ph type="body" idx="1"/>
+          </p:nvPr>
+        </p:nvSpPr>
+        <p:spPr/>
+        <p:txBody>
+          <a:bodyPr/>
+          <a:lstStyle/>
+          <a:p>
+            <a:r>
+              <a:rPr lang="en-US" b="0" i="0" dirty="0">
+                <a:solidFill>
+                  <a:srgbClr val="212121"/>
+                </a:solidFill>
+                <a:effectLst/>
+                <a:latin typeface="Inter"/>
+              </a:rPr>
+              <a:t>https://github.com/fawazahmed0/currency-api#readme</a:t>
+            </a:r>
+            <a:endParaRPr lang="en-US" dirty="0"/>
+          </a:p>
+        </p:txBody>
+      </p:sp>
+      <p:sp>
+        <p:nvSpPr>
+          <p:cNvPr id="4" name="Slide Number Placeholder 3"/>
+          <p:cNvSpPr>
+            <a:spLocks noGrp="1"/>
+          </p:cNvSpPr>
+          <p:nvPr>
+            <p:ph type="sldNum" sz="quarter" idx="5"/>
+          </p:nvPr>
+        </p:nvSpPr>
+        <p:spPr/>
+        <p:txBody>
+          <a:bodyPr/>
+          <a:lstStyle/>
+          <a:p>
+            <a:fld id="{AFCF8B46-D255-46A4-AAC0-0F7C0BF4C699}" type="slidenum">
+              <a:rPr lang="en-US" smtClean="0"/>
+              <a:t>17</a:t>
+            </a:fld>
+            <a:endParaRPr lang="en-US"/>
+          </a:p>
+        </p:txBody>
+      </p:sp>
+    </p:spTree>
+    <p:extLst>
+      <p:ext uri="{BB962C8B-B14F-4D97-AF65-F5344CB8AC3E}">
+        <p14:creationId xmlns:p14="http://schemas.microsoft.com/office/powerpoint/2010/main" val="2671310221"/>
+      </p:ext>
+    </p:extLst>
+  </p:cSld>
+  <p:clrMapOvr>
+    <a:masterClrMapping/>
+  </p:clrMapOvr>
+</p:notes>
+</file>
+
 <file path=ppt/slideLayouts/slideLayout1.xml><?xml version="1.0" encoding="utf-8"?>
 <p:sldLayout xmlns:a="http://schemas.openxmlformats.org/drawingml/2006/main" xmlns:r="http://schemas.openxmlformats.org/officeDocument/2006/relationships" xmlns:p="http://schemas.openxmlformats.org/presentationml/2006/main" type="title" preserve="1">
   <p:cSld name="Title Slide">
@@ -13460,7 +14002,7 @@
           <a:p>
             <a:fld id="{BF1DFA11-0F76-4E7C-88D0-D58C3FBC35E6}" type="datetimeFigureOut">
               <a:rPr lang="en-US" smtClean="0"/>
-              <a:t>1/14/2023</a:t>
+              <a:t>2/8/2023</a:t>
             </a:fld>
             <a:endParaRPr lang="en-US"/>
           </a:p>
@@ -13658,7 +14200,7 @@
           <a:p>
             <a:fld id="{BF1DFA11-0F76-4E7C-88D0-D58C3FBC35E6}" type="datetimeFigureOut">
               <a:rPr lang="en-US" smtClean="0"/>
-              <a:t>1/14/2023</a:t>
+              <a:t>2/8/2023</a:t>
             </a:fld>
             <a:endParaRPr lang="en-US"/>
           </a:p>
@@ -13866,7 +14408,7 @@
           <a:p>
             <a:fld id="{BF1DFA11-0F76-4E7C-88D0-D58C3FBC35E6}" type="datetimeFigureOut">
               <a:rPr lang="en-US" smtClean="0"/>
-              <a:t>1/14/2023</a:t>
+              <a:t>2/8/2023</a:t>
             </a:fld>
             <a:endParaRPr lang="en-US"/>
           </a:p>
@@ -14064,7 +14606,7 @@
           <a:p>
             <a:fld id="{BF1DFA11-0F76-4E7C-88D0-D58C3FBC35E6}" type="datetimeFigureOut">
               <a:rPr lang="en-US" smtClean="0"/>
-              <a:t>1/14/2023</a:t>
+              <a:t>2/8/2023</a:t>
             </a:fld>
             <a:endParaRPr lang="en-US"/>
           </a:p>
@@ -14339,7 +14881,7 @@
           <a:p>
             <a:fld id="{BF1DFA11-0F76-4E7C-88D0-D58C3FBC35E6}" type="datetimeFigureOut">
               <a:rPr lang="en-US" smtClean="0"/>
-              <a:t>1/14/2023</a:t>
+              <a:t>2/8/2023</a:t>
             </a:fld>
             <a:endParaRPr lang="en-US"/>
           </a:p>
@@ -14604,7 +15146,7 @@
           <a:p>
             <a:fld id="{BF1DFA11-0F76-4E7C-88D0-D58C3FBC35E6}" type="datetimeFigureOut">
               <a:rPr lang="en-US" smtClean="0"/>
-              <a:t>1/14/2023</a:t>
+              <a:t>2/8/2023</a:t>
             </a:fld>
             <a:endParaRPr lang="en-US"/>
           </a:p>
@@ -15016,7 +15558,7 @@
           <a:p>
             <a:fld id="{BF1DFA11-0F76-4E7C-88D0-D58C3FBC35E6}" type="datetimeFigureOut">
               <a:rPr lang="en-US" smtClean="0"/>
-              <a:t>1/14/2023</a:t>
+              <a:t>2/8/2023</a:t>
             </a:fld>
             <a:endParaRPr lang="en-US"/>
           </a:p>
@@ -15157,7 +15699,7 @@
           <a:p>
             <a:fld id="{BF1DFA11-0F76-4E7C-88D0-D58C3FBC35E6}" type="datetimeFigureOut">
               <a:rPr lang="en-US" smtClean="0"/>
-              <a:t>1/14/2023</a:t>
+              <a:t>2/8/2023</a:t>
             </a:fld>
             <a:endParaRPr lang="en-US"/>
           </a:p>
@@ -15270,7 +15812,7 @@
           <a:p>
             <a:fld id="{BF1DFA11-0F76-4E7C-88D0-D58C3FBC35E6}" type="datetimeFigureOut">
               <a:rPr lang="en-US" smtClean="0"/>
-              <a:t>1/14/2023</a:t>
+              <a:t>2/8/2023</a:t>
             </a:fld>
             <a:endParaRPr lang="en-US"/>
           </a:p>
@@ -15581,7 +16123,7 @@
           <a:p>
             <a:fld id="{BF1DFA11-0F76-4E7C-88D0-D58C3FBC35E6}" type="datetimeFigureOut">
               <a:rPr lang="en-US" smtClean="0"/>
-              <a:t>1/14/2023</a:t>
+              <a:t>2/8/2023</a:t>
             </a:fld>
             <a:endParaRPr lang="en-US"/>
           </a:p>
@@ -15869,7 +16411,7 @@
           <a:p>
             <a:fld id="{BF1DFA11-0F76-4E7C-88D0-D58C3FBC35E6}" type="datetimeFigureOut">
               <a:rPr lang="en-US" smtClean="0"/>
-              <a:t>1/14/2023</a:t>
+              <a:t>2/8/2023</a:t>
             </a:fld>
             <a:endParaRPr lang="en-US"/>
           </a:p>
@@ -16110,7 +16652,7 @@
           <a:p>
             <a:fld id="{BF1DFA11-0F76-4E7C-88D0-D58C3FBC35E6}" type="datetimeFigureOut">
               <a:rPr lang="en-US" smtClean="0"/>
-              <a:t>1/14/2023</a:t>
+              <a:t>2/8/2023</a:t>
             </a:fld>
             <a:endParaRPr lang="en-US"/>
           </a:p>
@@ -23793,7 +24335,7 @@
           <a:lstStyle/>
           <a:p>
             <a:r>
-              <a:rPr lang="en-US" sz="6600" kern="1200">
+              <a:rPr lang="en-US" sz="6600" kern="1200" dirty="0">
                 <a:solidFill>
                   <a:srgbClr val="FFFFFF"/>
                 </a:solidFill>
@@ -23801,7 +24343,7 @@
                 <a:ea typeface="+mj-ea"/>
                 <a:cs typeface="+mj-cs"/>
               </a:rPr>
-              <a:t>Quiz 1 – Currency Convert</a:t>
+              <a:t>Quiz 1 – Processing JSON</a:t>
             </a:r>
           </a:p>
         </p:txBody>
@@ -24152,6 +24694,571 @@
     </p:spTree>
     <p:extLst>
       <p:ext uri="{BB962C8B-B14F-4D97-AF65-F5344CB8AC3E}">
+        <p14:creationId xmlns:p14="http://schemas.microsoft.com/office/powerpoint/2010/main" val="930958211"/>
+      </p:ext>
+    </p:extLst>
+  </p:cSld>
+  <p:clrMapOvr>
+    <a:masterClrMapping/>
+  </p:clrMapOvr>
+</p:sld>
+</file>
+
+<file path=ppt/slides/slide17.xml><?xml version="1.0" encoding="utf-8"?>
+<p:sld xmlns:a="http://schemas.openxmlformats.org/drawingml/2006/main" xmlns:r="http://schemas.openxmlformats.org/officeDocument/2006/relationships" xmlns:p="http://schemas.openxmlformats.org/presentationml/2006/main">
+  <p:cSld>
+    <p:bg>
+      <p:bgPr>
+        <a:solidFill>
+          <a:schemeClr val="bg1"/>
+        </a:solidFill>
+        <a:effectLst/>
+      </p:bgPr>
+    </p:bg>
+    <p:spTree>
+      <p:nvGrpSpPr>
+        <p:cNvPr id="1" name=""/>
+        <p:cNvGrpSpPr/>
+        <p:nvPr/>
+      </p:nvGrpSpPr>
+      <p:grpSpPr>
+        <a:xfrm>
+          <a:off x="0" y="0"/>
+          <a:ext cx="0" cy="0"/>
+          <a:chOff x="0" y="0"/>
+          <a:chExt cx="0" cy="0"/>
+        </a:xfrm>
+      </p:grpSpPr>
+      <p:sp useBgFill="1">
+        <p:nvSpPr>
+          <p:cNvPr id="8" name="Rectangle 7">
+            <a:extLst>
+              <a:ext uri="{FF2B5EF4-FFF2-40B4-BE49-F238E27FC236}">
+                <a16:creationId xmlns:a16="http://schemas.microsoft.com/office/drawing/2014/main" id="{B768BC45-6978-4563-AFFC-4378E82C53D8}"/>
+              </a:ext>
+              <a:ext uri="{C183D7F6-B498-43B3-948B-1728B52AA6E4}">
+                <adec:decorative xmlns:adec="http://schemas.microsoft.com/office/drawing/2017/decorative" val="1"/>
+              </a:ext>
+            </a:extLst>
+          </p:cNvPr>
+          <p:cNvSpPr>
+            <a:spLocks noGrp="1" noRot="1" noChangeAspect="1" noMove="1" noResize="1" noEditPoints="1" noAdjustHandles="1" noChangeArrowheads="1" noChangeShapeType="1" noTextEdit="1"/>
+          </p:cNvSpPr>
+          <p:nvPr>
+            <p:extLst>
+              <p:ext uri="{386F3935-93C4-4BCD-93E2-E3B085C9AB24}">
+                <p16:designElem xmlns:p16="http://schemas.microsoft.com/office/powerpoint/2015/main" val="1"/>
+              </p:ext>
+            </p:extLst>
+          </p:nvPr>
+        </p:nvSpPr>
+        <p:spPr>
+          <a:xfrm>
+            <a:off x="0" y="0"/>
+            <a:ext cx="12188952" cy="6858000"/>
+          </a:xfrm>
+          <a:prstGeom prst="rect">
+            <a:avLst/>
+          </a:prstGeom>
+          <a:ln>
+            <a:noFill/>
+          </a:ln>
+        </p:spPr>
+        <p:style>
+          <a:lnRef idx="2">
+            <a:schemeClr val="accent1">
+              <a:shade val="50000"/>
+            </a:schemeClr>
+          </a:lnRef>
+          <a:fillRef idx="1">
+            <a:schemeClr val="accent1"/>
+          </a:fillRef>
+          <a:effectRef idx="0">
+            <a:schemeClr val="accent1"/>
+          </a:effectRef>
+          <a:fontRef idx="minor">
+            <a:schemeClr val="lt1"/>
+          </a:fontRef>
+        </p:style>
+        <p:txBody>
+          <a:bodyPr rtlCol="0" anchor="ctr"/>
+          <a:lstStyle/>
+          <a:p>
+            <a:pPr algn="ctr"/>
+            <a:endParaRPr lang="en-US"/>
+          </a:p>
+        </p:txBody>
+      </p:sp>
+      <p:sp>
+        <p:nvSpPr>
+          <p:cNvPr id="10" name="colored rectangle">
+            <a:extLst>
+              <a:ext uri="{FF2B5EF4-FFF2-40B4-BE49-F238E27FC236}">
+                <a16:creationId xmlns:a16="http://schemas.microsoft.com/office/drawing/2014/main" id="{A80A8067-64B4-47DF-9C4D-88D9ADEC21BB}"/>
+              </a:ext>
+              <a:ext uri="{C183D7F6-B498-43B3-948B-1728B52AA6E4}">
+                <adec:decorative xmlns:adec="http://schemas.microsoft.com/office/drawing/2017/decorative" val="1"/>
+              </a:ext>
+            </a:extLst>
+          </p:cNvPr>
+          <p:cNvSpPr>
+            <a:spLocks noGrp="1" noRot="1" noChangeAspect="1" noMove="1" noResize="1" noEditPoints="1" noAdjustHandles="1" noChangeArrowheads="1" noChangeShapeType="1" noTextEdit="1"/>
+          </p:cNvSpPr>
+          <p:nvPr>
+            <p:extLst>
+              <p:ext uri="{386F3935-93C4-4BCD-93E2-E3B085C9AB24}">
+                <p16:designElem xmlns:p16="http://schemas.microsoft.com/office/powerpoint/2015/main" val="1"/>
+              </p:ext>
+            </p:extLst>
+          </p:nvPr>
+        </p:nvSpPr>
+        <p:spPr>
+          <a:xfrm>
+            <a:off x="0" y="0"/>
+            <a:ext cx="12192000" cy="6858000"/>
+          </a:xfrm>
+          <a:prstGeom prst="rect">
+            <a:avLst/>
+          </a:prstGeom>
+          <a:solidFill>
+            <a:schemeClr val="accent2"/>
+          </a:solidFill>
+          <a:ln>
+            <a:noFill/>
+          </a:ln>
+        </p:spPr>
+        <p:style>
+          <a:lnRef idx="2">
+            <a:schemeClr val="accent1">
+              <a:shade val="50000"/>
+            </a:schemeClr>
+          </a:lnRef>
+          <a:fillRef idx="1">
+            <a:schemeClr val="accent1"/>
+          </a:fillRef>
+          <a:effectRef idx="0">
+            <a:schemeClr val="accent1"/>
+          </a:effectRef>
+          <a:fontRef idx="minor">
+            <a:schemeClr val="lt1"/>
+          </a:fontRef>
+        </p:style>
+        <p:txBody>
+          <a:bodyPr rtlCol="0" anchor="ctr"/>
+          <a:lstStyle/>
+          <a:p>
+            <a:pPr algn="ctr"/>
+            <a:endParaRPr lang="en-US"/>
+          </a:p>
+        </p:txBody>
+      </p:sp>
+      <p:sp>
+        <p:nvSpPr>
+          <p:cNvPr id="2" name="Title 1">
+            <a:extLst>
+              <a:ext uri="{FF2B5EF4-FFF2-40B4-BE49-F238E27FC236}">
+                <a16:creationId xmlns:a16="http://schemas.microsoft.com/office/drawing/2014/main" id="{368BCA61-B305-83C4-A554-EF034C4640DB}"/>
+              </a:ext>
+            </a:extLst>
+          </p:cNvPr>
+          <p:cNvSpPr>
+            <a:spLocks noGrp="1"/>
+          </p:cNvSpPr>
+          <p:nvPr>
+            <p:ph type="title"/>
+          </p:nvPr>
+        </p:nvSpPr>
+        <p:spPr>
+          <a:xfrm>
+            <a:off x="838199" y="451381"/>
+            <a:ext cx="10512552" cy="4066540"/>
+          </a:xfrm>
+        </p:spPr>
+        <p:txBody>
+          <a:bodyPr vert="horz" lIns="91440" tIns="45720" rIns="91440" bIns="45720" rtlCol="0" anchor="b">
+            <a:normAutofit/>
+          </a:bodyPr>
+          <a:lstStyle/>
+          <a:p>
+            <a:r>
+              <a:rPr lang="en-US" sz="6600" kern="1200" dirty="0">
+                <a:solidFill>
+                  <a:srgbClr val="FFFFFF"/>
+                </a:solidFill>
+                <a:latin typeface="+mj-lt"/>
+                <a:ea typeface="+mj-ea"/>
+                <a:cs typeface="+mj-cs"/>
+              </a:rPr>
+              <a:t>Quiz </a:t>
+            </a:r>
+            <a:r>
+              <a:rPr lang="en-US" sz="6600" dirty="0">
+                <a:solidFill>
+                  <a:srgbClr val="FFFFFF"/>
+                </a:solidFill>
+              </a:rPr>
+              <a:t>2</a:t>
+            </a:r>
+            <a:r>
+              <a:rPr lang="en-US" sz="6600" kern="1200" dirty="0">
+                <a:solidFill>
+                  <a:srgbClr val="FFFFFF"/>
+                </a:solidFill>
+                <a:latin typeface="+mj-lt"/>
+                <a:ea typeface="+mj-ea"/>
+                <a:cs typeface="+mj-cs"/>
+              </a:rPr>
+              <a:t> – Currency Convert</a:t>
+            </a:r>
+          </a:p>
+        </p:txBody>
+      </p:sp>
+      <p:sp>
+        <p:nvSpPr>
+          <p:cNvPr id="12" name="sketch line">
+            <a:extLst>
+              <a:ext uri="{FF2B5EF4-FFF2-40B4-BE49-F238E27FC236}">
+                <a16:creationId xmlns:a16="http://schemas.microsoft.com/office/drawing/2014/main" id="{9D1E2788-F6B5-40EE-A733-8187EB22BD13}"/>
+              </a:ext>
+              <a:ext uri="{C183D7F6-B498-43B3-948B-1728B52AA6E4}">
+                <adec:decorative xmlns:adec="http://schemas.microsoft.com/office/drawing/2017/decorative" val="1"/>
+              </a:ext>
+            </a:extLst>
+          </p:cNvPr>
+          <p:cNvSpPr>
+            <a:spLocks noGrp="1" noRot="1" noChangeAspect="1" noMove="1" noResize="1" noEditPoints="1" noAdjustHandles="1" noChangeArrowheads="1" noChangeShapeType="1" noTextEdit="1"/>
+          </p:cNvSpPr>
+          <p:nvPr>
+            <p:extLst>
+              <p:ext uri="{386F3935-93C4-4BCD-93E2-E3B085C9AB24}">
+                <p16:designElem xmlns:p16="http://schemas.microsoft.com/office/powerpoint/2015/main" val="1"/>
+              </p:ext>
+            </p:extLst>
+          </p:nvPr>
+        </p:nvSpPr>
+        <p:spPr>
+          <a:xfrm>
+            <a:off x="838199" y="4747614"/>
+            <a:ext cx="4243589" cy="18288"/>
+          </a:xfrm>
+          <a:custGeom>
+            <a:avLst/>
+            <a:gdLst>
+              <a:gd name="connsiteX0" fmla="*/ 0 w 4243589"/>
+              <a:gd name="connsiteY0" fmla="*/ 0 h 18288"/>
+              <a:gd name="connsiteX1" fmla="*/ 563791 w 4243589"/>
+              <a:gd name="connsiteY1" fmla="*/ 0 h 18288"/>
+              <a:gd name="connsiteX2" fmla="*/ 1042710 w 4243589"/>
+              <a:gd name="connsiteY2" fmla="*/ 0 h 18288"/>
+              <a:gd name="connsiteX3" fmla="*/ 1564066 w 4243589"/>
+              <a:gd name="connsiteY3" fmla="*/ 0 h 18288"/>
+              <a:gd name="connsiteX4" fmla="*/ 2212729 w 4243589"/>
+              <a:gd name="connsiteY4" fmla="*/ 0 h 18288"/>
+              <a:gd name="connsiteX5" fmla="*/ 2776520 w 4243589"/>
+              <a:gd name="connsiteY5" fmla="*/ 0 h 18288"/>
+              <a:gd name="connsiteX6" fmla="*/ 3297875 w 4243589"/>
+              <a:gd name="connsiteY6" fmla="*/ 0 h 18288"/>
+              <a:gd name="connsiteX7" fmla="*/ 4243589 w 4243589"/>
+              <a:gd name="connsiteY7" fmla="*/ 0 h 18288"/>
+              <a:gd name="connsiteX8" fmla="*/ 4243589 w 4243589"/>
+              <a:gd name="connsiteY8" fmla="*/ 18288 h 18288"/>
+              <a:gd name="connsiteX9" fmla="*/ 3637362 w 4243589"/>
+              <a:gd name="connsiteY9" fmla="*/ 18288 h 18288"/>
+              <a:gd name="connsiteX10" fmla="*/ 3116007 w 4243589"/>
+              <a:gd name="connsiteY10" fmla="*/ 18288 h 18288"/>
+              <a:gd name="connsiteX11" fmla="*/ 2424908 w 4243589"/>
+              <a:gd name="connsiteY11" fmla="*/ 18288 h 18288"/>
+              <a:gd name="connsiteX12" fmla="*/ 1861117 w 4243589"/>
+              <a:gd name="connsiteY12" fmla="*/ 18288 h 18288"/>
+              <a:gd name="connsiteX13" fmla="*/ 1382198 w 4243589"/>
+              <a:gd name="connsiteY13" fmla="*/ 18288 h 18288"/>
+              <a:gd name="connsiteX14" fmla="*/ 733535 w 4243589"/>
+              <a:gd name="connsiteY14" fmla="*/ 18288 h 18288"/>
+              <a:gd name="connsiteX15" fmla="*/ 0 w 4243589"/>
+              <a:gd name="connsiteY15" fmla="*/ 18288 h 18288"/>
+              <a:gd name="connsiteX16" fmla="*/ 0 w 4243589"/>
+              <a:gd name="connsiteY16" fmla="*/ 0 h 18288"/>
+            </a:gdLst>
+            <a:ahLst/>
+            <a:cxnLst>
+              <a:cxn ang="0">
+                <a:pos x="connsiteX0" y="connsiteY0"/>
+              </a:cxn>
+              <a:cxn ang="0">
+                <a:pos x="connsiteX1" y="connsiteY1"/>
+              </a:cxn>
+              <a:cxn ang="0">
+                <a:pos x="connsiteX2" y="connsiteY2"/>
+              </a:cxn>
+              <a:cxn ang="0">
+                <a:pos x="connsiteX3" y="connsiteY3"/>
+              </a:cxn>
+              <a:cxn ang="0">
+                <a:pos x="connsiteX4" y="connsiteY4"/>
+              </a:cxn>
+              <a:cxn ang="0">
+                <a:pos x="connsiteX5" y="connsiteY5"/>
+              </a:cxn>
+              <a:cxn ang="0">
+                <a:pos x="connsiteX6" y="connsiteY6"/>
+              </a:cxn>
+              <a:cxn ang="0">
+                <a:pos x="connsiteX7" y="connsiteY7"/>
+              </a:cxn>
+              <a:cxn ang="0">
+                <a:pos x="connsiteX8" y="connsiteY8"/>
+              </a:cxn>
+              <a:cxn ang="0">
+                <a:pos x="connsiteX9" y="connsiteY9"/>
+              </a:cxn>
+              <a:cxn ang="0">
+                <a:pos x="connsiteX10" y="connsiteY10"/>
+              </a:cxn>
+              <a:cxn ang="0">
+                <a:pos x="connsiteX11" y="connsiteY11"/>
+              </a:cxn>
+              <a:cxn ang="0">
+                <a:pos x="connsiteX12" y="connsiteY12"/>
+              </a:cxn>
+              <a:cxn ang="0">
+                <a:pos x="connsiteX13" y="connsiteY13"/>
+              </a:cxn>
+              <a:cxn ang="0">
+                <a:pos x="connsiteX14" y="connsiteY14"/>
+              </a:cxn>
+              <a:cxn ang="0">
+                <a:pos x="connsiteX15" y="connsiteY15"/>
+              </a:cxn>
+              <a:cxn ang="0">
+                <a:pos x="connsiteX16" y="connsiteY16"/>
+              </a:cxn>
+            </a:cxnLst>
+            <a:rect l="l" t="t" r="r" b="b"/>
+            <a:pathLst>
+              <a:path w="4243589" h="18288" fill="none" extrusionOk="0">
+                <a:moveTo>
+                  <a:pt x="0" y="0"/>
+                </a:moveTo>
+                <a:cubicBezTo>
+                  <a:pt x="157351" y="-15653"/>
+                  <a:pt x="378877" y="-5828"/>
+                  <a:pt x="563791" y="0"/>
+                </a:cubicBezTo>
+                <a:cubicBezTo>
+                  <a:pt x="748705" y="5828"/>
+                  <a:pt x="905659" y="-5525"/>
+                  <a:pt x="1042710" y="0"/>
+                </a:cubicBezTo>
+                <a:cubicBezTo>
+                  <a:pt x="1179761" y="5525"/>
+                  <a:pt x="1356845" y="-21288"/>
+                  <a:pt x="1564066" y="0"/>
+                </a:cubicBezTo>
+                <a:cubicBezTo>
+                  <a:pt x="1771287" y="21288"/>
+                  <a:pt x="1912099" y="25135"/>
+                  <a:pt x="2212729" y="0"/>
+                </a:cubicBezTo>
+                <a:cubicBezTo>
+                  <a:pt x="2513359" y="-25135"/>
+                  <a:pt x="2514918" y="-27119"/>
+                  <a:pt x="2776520" y="0"/>
+                </a:cubicBezTo>
+                <a:cubicBezTo>
+                  <a:pt x="3038122" y="27119"/>
+                  <a:pt x="3178771" y="18116"/>
+                  <a:pt x="3297875" y="0"/>
+                </a:cubicBezTo>
+                <a:cubicBezTo>
+                  <a:pt x="3416980" y="-18116"/>
+                  <a:pt x="4012240" y="-40869"/>
+                  <a:pt x="4243589" y="0"/>
+                </a:cubicBezTo>
+                <a:cubicBezTo>
+                  <a:pt x="4243987" y="7429"/>
+                  <a:pt x="4243569" y="10822"/>
+                  <a:pt x="4243589" y="18288"/>
+                </a:cubicBezTo>
+                <a:cubicBezTo>
+                  <a:pt x="4112949" y="-2855"/>
+                  <a:pt x="3928037" y="1831"/>
+                  <a:pt x="3637362" y="18288"/>
+                </a:cubicBezTo>
+                <a:cubicBezTo>
+                  <a:pt x="3346687" y="34745"/>
+                  <a:pt x="3254446" y="26669"/>
+                  <a:pt x="3116007" y="18288"/>
+                </a:cubicBezTo>
+                <a:cubicBezTo>
+                  <a:pt x="2977569" y="9907"/>
+                  <a:pt x="2620228" y="28873"/>
+                  <a:pt x="2424908" y="18288"/>
+                </a:cubicBezTo>
+                <a:cubicBezTo>
+                  <a:pt x="2229588" y="7703"/>
+                  <a:pt x="2088287" y="-3854"/>
+                  <a:pt x="1861117" y="18288"/>
+                </a:cubicBezTo>
+                <a:cubicBezTo>
+                  <a:pt x="1633947" y="40430"/>
+                  <a:pt x="1502447" y="-871"/>
+                  <a:pt x="1382198" y="18288"/>
+                </a:cubicBezTo>
+                <a:cubicBezTo>
+                  <a:pt x="1261949" y="37447"/>
+                  <a:pt x="1045440" y="28353"/>
+                  <a:pt x="733535" y="18288"/>
+                </a:cubicBezTo>
+                <a:cubicBezTo>
+                  <a:pt x="421630" y="8223"/>
+                  <a:pt x="341257" y="-18359"/>
+                  <a:pt x="0" y="18288"/>
+                </a:cubicBezTo>
+                <a:cubicBezTo>
+                  <a:pt x="-591" y="13205"/>
+                  <a:pt x="-663" y="6329"/>
+                  <a:pt x="0" y="0"/>
+                </a:cubicBezTo>
+                <a:close/>
+              </a:path>
+              <a:path w="4243589" h="18288" stroke="0" extrusionOk="0">
+                <a:moveTo>
+                  <a:pt x="0" y="0"/>
+                </a:moveTo>
+                <a:cubicBezTo>
+                  <a:pt x="128164" y="17204"/>
+                  <a:pt x="312653" y="1129"/>
+                  <a:pt x="563791" y="0"/>
+                </a:cubicBezTo>
+                <a:cubicBezTo>
+                  <a:pt x="814929" y="-1129"/>
+                  <a:pt x="837271" y="8503"/>
+                  <a:pt x="1042710" y="0"/>
+                </a:cubicBezTo>
+                <a:cubicBezTo>
+                  <a:pt x="1248149" y="-8503"/>
+                  <a:pt x="1588432" y="-28862"/>
+                  <a:pt x="1733809" y="0"/>
+                </a:cubicBezTo>
+                <a:cubicBezTo>
+                  <a:pt x="1879186" y="28862"/>
+                  <a:pt x="2052815" y="5974"/>
+                  <a:pt x="2297600" y="0"/>
+                </a:cubicBezTo>
+                <a:cubicBezTo>
+                  <a:pt x="2542385" y="-5974"/>
+                  <a:pt x="2699960" y="-23550"/>
+                  <a:pt x="2861391" y="0"/>
+                </a:cubicBezTo>
+                <a:cubicBezTo>
+                  <a:pt x="3022822" y="23550"/>
+                  <a:pt x="3390411" y="25272"/>
+                  <a:pt x="3552490" y="0"/>
+                </a:cubicBezTo>
+                <a:cubicBezTo>
+                  <a:pt x="3714569" y="-25272"/>
+                  <a:pt x="3950585" y="-31327"/>
+                  <a:pt x="4243589" y="0"/>
+                </a:cubicBezTo>
+                <a:cubicBezTo>
+                  <a:pt x="4242703" y="5429"/>
+                  <a:pt x="4244410" y="14046"/>
+                  <a:pt x="4243589" y="18288"/>
+                </a:cubicBezTo>
+                <a:cubicBezTo>
+                  <a:pt x="4130424" y="-1240"/>
+                  <a:pt x="3932803" y="42249"/>
+                  <a:pt x="3722234" y="18288"/>
+                </a:cubicBezTo>
+                <a:cubicBezTo>
+                  <a:pt x="3511665" y="-5673"/>
+                  <a:pt x="3269903" y="45994"/>
+                  <a:pt x="3116007" y="18288"/>
+                </a:cubicBezTo>
+                <a:cubicBezTo>
+                  <a:pt x="2962111" y="-9418"/>
+                  <a:pt x="2744280" y="23224"/>
+                  <a:pt x="2509780" y="18288"/>
+                </a:cubicBezTo>
+                <a:cubicBezTo>
+                  <a:pt x="2275280" y="13352"/>
+                  <a:pt x="2066059" y="43664"/>
+                  <a:pt x="1945989" y="18288"/>
+                </a:cubicBezTo>
+                <a:cubicBezTo>
+                  <a:pt x="1825919" y="-7088"/>
+                  <a:pt x="1407329" y="12616"/>
+                  <a:pt x="1254890" y="18288"/>
+                </a:cubicBezTo>
+                <a:cubicBezTo>
+                  <a:pt x="1102451" y="23960"/>
+                  <a:pt x="837950" y="31673"/>
+                  <a:pt x="563791" y="18288"/>
+                </a:cubicBezTo>
+                <a:cubicBezTo>
+                  <a:pt x="289632" y="4903"/>
+                  <a:pt x="132768" y="7105"/>
+                  <a:pt x="0" y="18288"/>
+                </a:cubicBezTo>
+                <a:cubicBezTo>
+                  <a:pt x="668" y="13665"/>
+                  <a:pt x="578" y="5675"/>
+                  <a:pt x="0" y="0"/>
+                </a:cubicBezTo>
+                <a:close/>
+              </a:path>
+            </a:pathLst>
+          </a:custGeom>
+          <a:solidFill>
+            <a:srgbClr val="FFFFFF"/>
+          </a:solidFill>
+          <a:ln w="41275" cap="rnd">
+            <a:solidFill>
+              <a:srgbClr val="FFFFFF"/>
+            </a:solidFill>
+            <a:round/>
+            <a:extLst>
+              <a:ext uri="{C807C97D-BFC1-408E-A445-0C87EB9F89A2}">
+                <ask:lineSketchStyleProps xmlns:ask="http://schemas.microsoft.com/office/drawing/2018/sketchyshapes" sd="1219033472">
+                  <a:prstGeom prst="rect">
+                    <a:avLst/>
+                  </a:prstGeom>
+                  <ask:type>
+                    <ask:lineSketchFreehand/>
+                  </ask:type>
+                </ask:lineSketchStyleProps>
+              </a:ext>
+            </a:extLst>
+          </a:ln>
+        </p:spPr>
+        <p:style>
+          <a:lnRef idx="2">
+            <a:schemeClr val="accent1">
+              <a:shade val="50000"/>
+            </a:schemeClr>
+          </a:lnRef>
+          <a:fillRef idx="1">
+            <a:schemeClr val="accent1"/>
+          </a:fillRef>
+          <a:effectRef idx="0">
+            <a:schemeClr val="accent1"/>
+          </a:effectRef>
+          <a:fontRef idx="minor">
+            <a:schemeClr val="lt1"/>
+          </a:fontRef>
+        </p:style>
+        <p:txBody>
+          <a:bodyPr rtlCol="0" anchor="ctr"/>
+          <a:lstStyle/>
+          <a:p>
+            <a:pPr algn="ctr"/>
+            <a:endParaRPr lang="en-US"/>
+          </a:p>
+        </p:txBody>
+      </p:sp>
+    </p:spTree>
+    <p:extLst>
+      <p:ext uri="{BB962C8B-B14F-4D97-AF65-F5344CB8AC3E}">
         <p14:creationId xmlns:p14="http://schemas.microsoft.com/office/powerpoint/2010/main" val="410506619"/>
       </p:ext>
     </p:extLst>
@@ -24162,7 +25269,7 @@
 </p:sld>
 </file>
 
-<file path=ppt/slides/slide17.xml><?xml version="1.0" encoding="utf-8"?>
+<file path=ppt/slides/slide18.xml><?xml version="1.0" encoding="utf-8"?>
 <p:sld xmlns:a="http://schemas.openxmlformats.org/drawingml/2006/main" xmlns:r="http://schemas.openxmlformats.org/officeDocument/2006/relationships" xmlns:p="http://schemas.openxmlformats.org/presentationml/2006/main">
   <p:cSld>
     <p:bg>
@@ -24347,7 +25454,7 @@
                 <a:ea typeface="+mj-ea"/>
                 <a:cs typeface="+mj-cs"/>
               </a:rPr>
-              <a:t>Quiz 2 – Study Case </a:t>
+              <a:t>Quiz 3 – Study Case </a:t>
             </a:r>
             <a:br>
               <a:rPr lang="en-US" sz="6600" kern="1200" dirty="0">
@@ -24729,1090 +25836,6 @@
 </p:sld>
 </file>
 
-<file path=ppt/slides/slide18.xml><?xml version="1.0" encoding="utf-8"?>
-<p:sld xmlns:a="http://schemas.openxmlformats.org/drawingml/2006/main" xmlns:r="http://schemas.openxmlformats.org/officeDocument/2006/relationships" xmlns:p="http://schemas.openxmlformats.org/presentationml/2006/main">
-  <p:cSld>
-    <p:bg>
-      <p:bgPr>
-        <a:solidFill>
-          <a:schemeClr val="bg1"/>
-        </a:solidFill>
-        <a:effectLst/>
-      </p:bgPr>
-    </p:bg>
-    <p:spTree>
-      <p:nvGrpSpPr>
-        <p:cNvPr id="1" name=""/>
-        <p:cNvGrpSpPr/>
-        <p:nvPr/>
-      </p:nvGrpSpPr>
-      <p:grpSpPr>
-        <a:xfrm>
-          <a:off x="0" y="0"/>
-          <a:ext cx="0" cy="0"/>
-          <a:chOff x="0" y="0"/>
-          <a:chExt cx="0" cy="0"/>
-        </a:xfrm>
-      </p:grpSpPr>
-      <p:sp useBgFill="1">
-        <p:nvSpPr>
-          <p:cNvPr id="8" name="Rectangle 7">
-            <a:extLst>
-              <a:ext uri="{FF2B5EF4-FFF2-40B4-BE49-F238E27FC236}">
-                <a16:creationId xmlns:a16="http://schemas.microsoft.com/office/drawing/2014/main" id="{AC17DE74-01C9-4859-B65A-85CF999E8580}"/>
-              </a:ext>
-              <a:ext uri="{C183D7F6-B498-43B3-948B-1728B52AA6E4}">
-                <adec:decorative xmlns:adec="http://schemas.microsoft.com/office/drawing/2017/decorative" val="1"/>
-              </a:ext>
-            </a:extLst>
-          </p:cNvPr>
-          <p:cNvSpPr>
-            <a:spLocks noGrp="1" noRot="1" noChangeAspect="1" noMove="1" noResize="1" noEditPoints="1" noAdjustHandles="1" noChangeArrowheads="1" noChangeShapeType="1" noTextEdit="1"/>
-          </p:cNvSpPr>
-          <p:nvPr>
-            <p:extLst>
-              <p:ext uri="{386F3935-93C4-4BCD-93E2-E3B085C9AB24}">
-                <p16:designElem xmlns:p16="http://schemas.microsoft.com/office/powerpoint/2015/main" val="1"/>
-              </p:ext>
-            </p:extLst>
-          </p:nvPr>
-        </p:nvSpPr>
-        <p:spPr>
-          <a:xfrm>
-            <a:off x="0" y="0"/>
-            <a:ext cx="12188952" cy="6858000"/>
-          </a:xfrm>
-          <a:prstGeom prst="rect">
-            <a:avLst/>
-          </a:prstGeom>
-          <a:ln>
-            <a:noFill/>
-          </a:ln>
-        </p:spPr>
-        <p:style>
-          <a:lnRef idx="2">
-            <a:schemeClr val="accent1">
-              <a:shade val="50000"/>
-            </a:schemeClr>
-          </a:lnRef>
-          <a:fillRef idx="1">
-            <a:schemeClr val="accent1"/>
-          </a:fillRef>
-          <a:effectRef idx="0">
-            <a:schemeClr val="accent1"/>
-          </a:effectRef>
-          <a:fontRef idx="minor">
-            <a:schemeClr val="lt1"/>
-          </a:fontRef>
-        </p:style>
-        <p:txBody>
-          <a:bodyPr rtlCol="0" anchor="ctr"/>
-          <a:lstStyle/>
-          <a:p>
-            <a:pPr algn="ctr"/>
-            <a:endParaRPr lang="en-US"/>
-          </a:p>
-        </p:txBody>
-      </p:sp>
-      <p:sp>
-        <p:nvSpPr>
-          <p:cNvPr id="10" name="Freeform: Shape 9">
-            <a:extLst>
-              <a:ext uri="{FF2B5EF4-FFF2-40B4-BE49-F238E27FC236}">
-                <a16:creationId xmlns:a16="http://schemas.microsoft.com/office/drawing/2014/main" id="{068C0432-0E90-4CC1-8CD3-D44A90DF07EF}"/>
-              </a:ext>
-              <a:ext uri="{C183D7F6-B498-43B3-948B-1728B52AA6E4}">
-                <adec:decorative xmlns:adec="http://schemas.microsoft.com/office/drawing/2017/decorative" val="1"/>
-              </a:ext>
-            </a:extLst>
-          </p:cNvPr>
-          <p:cNvSpPr>
-            <a:spLocks noGrp="1" noRot="1" noChangeAspect="1" noMove="1" noResize="1" noEditPoints="1" noAdjustHandles="1" noChangeArrowheads="1" noChangeShapeType="1" noTextEdit="1"/>
-          </p:cNvSpPr>
-          <p:nvPr>
-            <p:extLst>
-              <p:ext uri="{386F3935-93C4-4BCD-93E2-E3B085C9AB24}">
-                <p16:designElem xmlns:p16="http://schemas.microsoft.com/office/powerpoint/2015/main" val="1"/>
-              </p:ext>
-            </p:extLst>
-          </p:nvPr>
-        </p:nvSpPr>
-        <p:spPr>
-          <a:xfrm>
-            <a:off x="0" y="0"/>
-            <a:ext cx="12192000" cy="2347414"/>
-          </a:xfrm>
-          <a:custGeom>
-            <a:avLst/>
-            <a:gdLst>
-              <a:gd name="connsiteX0" fmla="*/ 0 w 12192000"/>
-              <a:gd name="connsiteY0" fmla="*/ 0 h 2347414"/>
-              <a:gd name="connsiteX1" fmla="*/ 12192000 w 12192000"/>
-              <a:gd name="connsiteY1" fmla="*/ 0 h 2347414"/>
-              <a:gd name="connsiteX2" fmla="*/ 12192000 w 12192000"/>
-              <a:gd name="connsiteY2" fmla="*/ 1736458 h 2347414"/>
-              <a:gd name="connsiteX3" fmla="*/ 11967601 w 12192000"/>
-              <a:gd name="connsiteY3" fmla="*/ 1784034 h 2347414"/>
-              <a:gd name="connsiteX4" fmla="*/ 10829000 w 12192000"/>
-              <a:gd name="connsiteY4" fmla="*/ 1983294 h 2347414"/>
-              <a:gd name="connsiteX5" fmla="*/ 10743779 w 12192000"/>
-              <a:gd name="connsiteY5" fmla="*/ 1996027 h 2347414"/>
-              <a:gd name="connsiteX6" fmla="*/ 10829254 w 12192000"/>
-              <a:gd name="connsiteY6" fmla="*/ 1987751 h 2347414"/>
-              <a:gd name="connsiteX7" fmla="*/ 10847162 w 12192000"/>
-              <a:gd name="connsiteY7" fmla="*/ 1988388 h 2347414"/>
-              <a:gd name="connsiteX8" fmla="*/ 11575155 w 12192000"/>
-              <a:gd name="connsiteY8" fmla="*/ 1921415 h 2347414"/>
-              <a:gd name="connsiteX9" fmla="*/ 12192000 w 12192000"/>
-              <a:gd name="connsiteY9" fmla="*/ 1851213 h 2347414"/>
-              <a:gd name="connsiteX10" fmla="*/ 12192000 w 12192000"/>
-              <a:gd name="connsiteY10" fmla="*/ 1907356 h 2347414"/>
-              <a:gd name="connsiteX11" fmla="*/ 12035532 w 12192000"/>
-              <a:gd name="connsiteY11" fmla="*/ 1927033 h 2347414"/>
-              <a:gd name="connsiteX12" fmla="*/ 11576932 w 12192000"/>
-              <a:gd name="connsiteY12" fmla="*/ 1976291 h 2347414"/>
-              <a:gd name="connsiteX13" fmla="*/ 10627316 w 12192000"/>
-              <a:gd name="connsiteY13" fmla="*/ 2061470 h 2347414"/>
-              <a:gd name="connsiteX14" fmla="*/ 9804196 w 12192000"/>
-              <a:gd name="connsiteY14" fmla="*/ 2123478 h 2347414"/>
-              <a:gd name="connsiteX15" fmla="*/ 9243851 w 12192000"/>
-              <a:gd name="connsiteY15" fmla="*/ 2180008 h 2347414"/>
-              <a:gd name="connsiteX16" fmla="*/ 8731259 w 12192000"/>
-              <a:gd name="connsiteY16" fmla="*/ 2225081 h 2347414"/>
-              <a:gd name="connsiteX17" fmla="*/ 8065752 w 12192000"/>
-              <a:gd name="connsiteY17" fmla="*/ 2271681 h 2347414"/>
-              <a:gd name="connsiteX18" fmla="*/ 7658065 w 12192000"/>
-              <a:gd name="connsiteY18" fmla="*/ 2292562 h 2347414"/>
-              <a:gd name="connsiteX19" fmla="*/ 6531024 w 12192000"/>
-              <a:gd name="connsiteY19" fmla="*/ 2324138 h 2347414"/>
-              <a:gd name="connsiteX20" fmla="*/ 6178331 w 12192000"/>
-              <a:gd name="connsiteY20" fmla="*/ 2345655 h 2347414"/>
-              <a:gd name="connsiteX21" fmla="*/ 5977282 w 12192000"/>
-              <a:gd name="connsiteY21" fmla="*/ 2344127 h 2347414"/>
-              <a:gd name="connsiteX22" fmla="*/ 5367658 w 12192000"/>
-              <a:gd name="connsiteY22" fmla="*/ 2329230 h 2347414"/>
-              <a:gd name="connsiteX23" fmla="*/ 4387306 w 12192000"/>
-              <a:gd name="connsiteY23" fmla="*/ 2288614 h 2347414"/>
-              <a:gd name="connsiteX24" fmla="*/ 4180287 w 12192000"/>
-              <a:gd name="connsiteY24" fmla="*/ 2280211 h 2347414"/>
-              <a:gd name="connsiteX25" fmla="*/ 3842199 w 12192000"/>
-              <a:gd name="connsiteY25" fmla="*/ 2257039 h 2347414"/>
-              <a:gd name="connsiteX26" fmla="*/ 3730309 w 12192000"/>
-              <a:gd name="connsiteY26" fmla="*/ 2251182 h 2347414"/>
-              <a:gd name="connsiteX27" fmla="*/ 3425496 w 12192000"/>
-              <a:gd name="connsiteY27" fmla="*/ 2231320 h 2347414"/>
-              <a:gd name="connsiteX28" fmla="*/ 3076106 w 12192000"/>
-              <a:gd name="connsiteY28" fmla="*/ 2201781 h 2347414"/>
-              <a:gd name="connsiteX29" fmla="*/ 2819682 w 12192000"/>
-              <a:gd name="connsiteY29" fmla="*/ 2182427 h 2347414"/>
-              <a:gd name="connsiteX30" fmla="*/ 2525539 w 12192000"/>
-              <a:gd name="connsiteY30" fmla="*/ 2152888 h 2347414"/>
-              <a:gd name="connsiteX31" fmla="*/ 2311915 w 12192000"/>
-              <a:gd name="connsiteY31" fmla="*/ 2133536 h 2347414"/>
-              <a:gd name="connsiteX32" fmla="*/ 2054223 w 12192000"/>
-              <a:gd name="connsiteY32" fmla="*/ 2104760 h 2347414"/>
-              <a:gd name="connsiteX33" fmla="*/ 1865367 w 12192000"/>
-              <a:gd name="connsiteY33" fmla="*/ 2084770 h 2347414"/>
-              <a:gd name="connsiteX34" fmla="*/ 1629263 w 12192000"/>
-              <a:gd name="connsiteY34" fmla="*/ 2055996 h 2347414"/>
-              <a:gd name="connsiteX35" fmla="*/ 1458823 w 12192000"/>
-              <a:gd name="connsiteY35" fmla="*/ 2035751 h 2347414"/>
-              <a:gd name="connsiteX36" fmla="*/ 1241390 w 12192000"/>
-              <a:gd name="connsiteY36" fmla="*/ 2007103 h 2347414"/>
-              <a:gd name="connsiteX37" fmla="*/ 1047453 w 12192000"/>
-              <a:gd name="connsiteY37" fmla="*/ 1980748 h 2347414"/>
-              <a:gd name="connsiteX38" fmla="*/ 814907 w 12192000"/>
-              <a:gd name="connsiteY38" fmla="*/ 1949045 h 2347414"/>
-              <a:gd name="connsiteX39" fmla="*/ 592649 w 12192000"/>
-              <a:gd name="connsiteY39" fmla="*/ 1913776 h 2347414"/>
-              <a:gd name="connsiteX40" fmla="*/ 343591 w 12192000"/>
-              <a:gd name="connsiteY40" fmla="*/ 1872650 h 2347414"/>
-              <a:gd name="connsiteX41" fmla="*/ 35731 w 12192000"/>
-              <a:gd name="connsiteY41" fmla="*/ 1821722 h 2347414"/>
-              <a:gd name="connsiteX42" fmla="*/ 0 w 12192000"/>
-              <a:gd name="connsiteY42" fmla="*/ 1814848 h 2347414"/>
-              <a:gd name="connsiteX43" fmla="*/ 0 w 12192000"/>
-              <a:gd name="connsiteY43" fmla="*/ 1758489 h 2347414"/>
-              <a:gd name="connsiteX44" fmla="*/ 274248 w 12192000"/>
-              <a:gd name="connsiteY44" fmla="*/ 1808735 h 2347414"/>
-              <a:gd name="connsiteX45" fmla="*/ 498157 w 12192000"/>
-              <a:gd name="connsiteY45" fmla="*/ 1846167 h 2347414"/>
-              <a:gd name="connsiteX46" fmla="*/ 722828 w 12192000"/>
-              <a:gd name="connsiteY46" fmla="*/ 1878635 h 2347414"/>
-              <a:gd name="connsiteX47" fmla="*/ 949913 w 12192000"/>
-              <a:gd name="connsiteY47" fmla="*/ 1912375 h 2347414"/>
-              <a:gd name="connsiteX48" fmla="*/ 1195414 w 12192000"/>
-              <a:gd name="connsiteY48" fmla="*/ 1947516 h 2347414"/>
-              <a:gd name="connsiteX49" fmla="*/ 1342867 w 12192000"/>
-              <a:gd name="connsiteY49" fmla="*/ 1968397 h 2347414"/>
-              <a:gd name="connsiteX50" fmla="*/ 1518007 w 12192000"/>
-              <a:gd name="connsiteY50" fmla="*/ 1988006 h 2347414"/>
-              <a:gd name="connsiteX51" fmla="*/ 1701403 w 12192000"/>
-              <a:gd name="connsiteY51" fmla="*/ 2010669 h 2347414"/>
-              <a:gd name="connsiteX52" fmla="*/ 1879210 w 12192000"/>
-              <a:gd name="connsiteY52" fmla="*/ 2031167 h 2347414"/>
-              <a:gd name="connsiteX53" fmla="*/ 2068702 w 12192000"/>
-              <a:gd name="connsiteY53" fmla="*/ 2052940 h 2347414"/>
-              <a:gd name="connsiteX54" fmla="*/ 2212090 w 12192000"/>
-              <a:gd name="connsiteY54" fmla="*/ 2067583 h 2347414"/>
-              <a:gd name="connsiteX55" fmla="*/ 2416949 w 12192000"/>
-              <a:gd name="connsiteY55" fmla="*/ 2089609 h 2347414"/>
-              <a:gd name="connsiteX56" fmla="*/ 2582055 w 12192000"/>
-              <a:gd name="connsiteY56" fmla="*/ 2105397 h 2347414"/>
-              <a:gd name="connsiteX57" fmla="*/ 2802282 w 12192000"/>
-              <a:gd name="connsiteY57" fmla="*/ 2126405 h 2347414"/>
-              <a:gd name="connsiteX58" fmla="*/ 2984916 w 12192000"/>
-              <a:gd name="connsiteY58" fmla="*/ 2141684 h 2347414"/>
-              <a:gd name="connsiteX59" fmla="*/ 3241847 w 12192000"/>
-              <a:gd name="connsiteY59" fmla="*/ 2164094 h 2347414"/>
-              <a:gd name="connsiteX60" fmla="*/ 3439848 w 12192000"/>
-              <a:gd name="connsiteY60" fmla="*/ 2176826 h 2347414"/>
-              <a:gd name="connsiteX61" fmla="*/ 3658678 w 12192000"/>
-              <a:gd name="connsiteY61" fmla="*/ 2194523 h 2347414"/>
-              <a:gd name="connsiteX62" fmla="*/ 3881317 w 12192000"/>
-              <a:gd name="connsiteY62" fmla="*/ 2206491 h 2347414"/>
-              <a:gd name="connsiteX63" fmla="*/ 4148916 w 12192000"/>
-              <a:gd name="connsiteY63" fmla="*/ 2225081 h 2347414"/>
-              <a:gd name="connsiteX64" fmla="*/ 4468337 w 12192000"/>
-              <a:gd name="connsiteY64" fmla="*/ 2237813 h 2347414"/>
-              <a:gd name="connsiteX65" fmla="*/ 4605375 w 12192000"/>
-              <a:gd name="connsiteY65" fmla="*/ 2240232 h 2347414"/>
-              <a:gd name="connsiteX66" fmla="*/ 4527647 w 12192000"/>
-              <a:gd name="connsiteY66" fmla="*/ 2236412 h 2347414"/>
-              <a:gd name="connsiteX67" fmla="*/ 4175589 w 12192000"/>
-              <a:gd name="connsiteY67" fmla="*/ 2212985 h 2347414"/>
-              <a:gd name="connsiteX68" fmla="*/ 3988255 w 12192000"/>
-              <a:gd name="connsiteY68" fmla="*/ 2200253 h 2347414"/>
-              <a:gd name="connsiteX69" fmla="*/ 3686492 w 12192000"/>
-              <a:gd name="connsiteY69" fmla="*/ 2176062 h 2347414"/>
-              <a:gd name="connsiteX70" fmla="*/ 3517320 w 12192000"/>
-              <a:gd name="connsiteY70" fmla="*/ 2163330 h 2347414"/>
-              <a:gd name="connsiteX71" fmla="*/ 3258357 w 12192000"/>
-              <a:gd name="connsiteY71" fmla="*/ 2139519 h 2347414"/>
-              <a:gd name="connsiteX72" fmla="*/ 3101506 w 12192000"/>
-              <a:gd name="connsiteY72" fmla="*/ 2126787 h 2347414"/>
-              <a:gd name="connsiteX73" fmla="*/ 2809395 w 12192000"/>
-              <a:gd name="connsiteY73" fmla="*/ 2097502 h 2347414"/>
-              <a:gd name="connsiteX74" fmla="*/ 2598566 w 12192000"/>
-              <a:gd name="connsiteY74" fmla="*/ 2078532 h 2347414"/>
-              <a:gd name="connsiteX75" fmla="*/ 2337444 w 12192000"/>
-              <a:gd name="connsiteY75" fmla="*/ 2048611 h 2347414"/>
-              <a:gd name="connsiteX76" fmla="*/ 2091054 w 12192000"/>
-              <a:gd name="connsiteY76" fmla="*/ 2023146 h 2347414"/>
-              <a:gd name="connsiteX77" fmla="*/ 1755761 w 12192000"/>
-              <a:gd name="connsiteY77" fmla="*/ 1981384 h 2347414"/>
-              <a:gd name="connsiteX78" fmla="*/ 1441169 w 12192000"/>
-              <a:gd name="connsiteY78" fmla="*/ 1943824 h 2347414"/>
-              <a:gd name="connsiteX79" fmla="*/ 1017607 w 12192000"/>
-              <a:gd name="connsiteY79" fmla="*/ 1883345 h 2347414"/>
-              <a:gd name="connsiteX80" fmla="*/ 594427 w 12192000"/>
-              <a:gd name="connsiteY80" fmla="*/ 1821849 h 2347414"/>
-              <a:gd name="connsiteX81" fmla="*/ 200711 w 12192000"/>
-              <a:gd name="connsiteY81" fmla="*/ 1755132 h 2347414"/>
-              <a:gd name="connsiteX82" fmla="*/ 0 w 12192000"/>
-              <a:gd name="connsiteY82" fmla="*/ 1718743 h 2347414"/>
-            </a:gdLst>
-            <a:ahLst/>
-            <a:cxnLst>
-              <a:cxn ang="0">
-                <a:pos x="connsiteX0" y="connsiteY0"/>
-              </a:cxn>
-              <a:cxn ang="0">
-                <a:pos x="connsiteX1" y="connsiteY1"/>
-              </a:cxn>
-              <a:cxn ang="0">
-                <a:pos x="connsiteX2" y="connsiteY2"/>
-              </a:cxn>
-              <a:cxn ang="0">
-                <a:pos x="connsiteX3" y="connsiteY3"/>
-              </a:cxn>
-              <a:cxn ang="0">
-                <a:pos x="connsiteX4" y="connsiteY4"/>
-              </a:cxn>
-              <a:cxn ang="0">
-                <a:pos x="connsiteX5" y="connsiteY5"/>
-              </a:cxn>
-              <a:cxn ang="0">
-                <a:pos x="connsiteX6" y="connsiteY6"/>
-              </a:cxn>
-              <a:cxn ang="0">
-                <a:pos x="connsiteX7" y="connsiteY7"/>
-              </a:cxn>
-              <a:cxn ang="0">
-                <a:pos x="connsiteX8" y="connsiteY8"/>
-              </a:cxn>
-              <a:cxn ang="0">
-                <a:pos x="connsiteX9" y="connsiteY9"/>
-              </a:cxn>
-              <a:cxn ang="0">
-                <a:pos x="connsiteX10" y="connsiteY10"/>
-              </a:cxn>
-              <a:cxn ang="0">
-                <a:pos x="connsiteX11" y="connsiteY11"/>
-              </a:cxn>
-              <a:cxn ang="0">
-                <a:pos x="connsiteX12" y="connsiteY12"/>
-              </a:cxn>
-              <a:cxn ang="0">
-                <a:pos x="connsiteX13" y="connsiteY13"/>
-              </a:cxn>
-              <a:cxn ang="0">
-                <a:pos x="connsiteX14" y="connsiteY14"/>
-              </a:cxn>
-              <a:cxn ang="0">
-                <a:pos x="connsiteX15" y="connsiteY15"/>
-              </a:cxn>
-              <a:cxn ang="0">
-                <a:pos x="connsiteX16" y="connsiteY16"/>
-              </a:cxn>
-              <a:cxn ang="0">
-                <a:pos x="connsiteX17" y="connsiteY17"/>
-              </a:cxn>
-              <a:cxn ang="0">
-                <a:pos x="connsiteX18" y="connsiteY18"/>
-              </a:cxn>
-              <a:cxn ang="0">
-                <a:pos x="connsiteX19" y="connsiteY19"/>
-              </a:cxn>
-              <a:cxn ang="0">
-                <a:pos x="connsiteX20" y="connsiteY20"/>
-              </a:cxn>
-              <a:cxn ang="0">
-                <a:pos x="connsiteX21" y="connsiteY21"/>
-              </a:cxn>
-              <a:cxn ang="0">
-                <a:pos x="connsiteX22" y="connsiteY22"/>
-              </a:cxn>
-              <a:cxn ang="0">
-                <a:pos x="connsiteX23" y="connsiteY23"/>
-              </a:cxn>
-              <a:cxn ang="0">
-                <a:pos x="connsiteX24" y="connsiteY24"/>
-              </a:cxn>
-              <a:cxn ang="0">
-                <a:pos x="connsiteX25" y="connsiteY25"/>
-              </a:cxn>
-              <a:cxn ang="0">
-                <a:pos x="connsiteX26" y="connsiteY26"/>
-              </a:cxn>
-              <a:cxn ang="0">
-                <a:pos x="connsiteX27" y="connsiteY27"/>
-              </a:cxn>
-              <a:cxn ang="0">
-                <a:pos x="connsiteX28" y="connsiteY28"/>
-              </a:cxn>
-              <a:cxn ang="0">
-                <a:pos x="connsiteX29" y="connsiteY29"/>
-              </a:cxn>
-              <a:cxn ang="0">
-                <a:pos x="connsiteX30" y="connsiteY30"/>
-              </a:cxn>
-              <a:cxn ang="0">
-                <a:pos x="connsiteX31" y="connsiteY31"/>
-              </a:cxn>
-              <a:cxn ang="0">
-                <a:pos x="connsiteX32" y="connsiteY32"/>
-              </a:cxn>
-              <a:cxn ang="0">
-                <a:pos x="connsiteX33" y="connsiteY33"/>
-              </a:cxn>
-              <a:cxn ang="0">
-                <a:pos x="connsiteX34" y="connsiteY34"/>
-              </a:cxn>
-              <a:cxn ang="0">
-                <a:pos x="connsiteX35" y="connsiteY35"/>
-              </a:cxn>
-              <a:cxn ang="0">
-                <a:pos x="connsiteX36" y="connsiteY36"/>
-              </a:cxn>
-              <a:cxn ang="0">
-                <a:pos x="connsiteX37" y="connsiteY37"/>
-              </a:cxn>
-              <a:cxn ang="0">
-                <a:pos x="connsiteX38" y="connsiteY38"/>
-              </a:cxn>
-              <a:cxn ang="0">
-                <a:pos x="connsiteX39" y="connsiteY39"/>
-              </a:cxn>
-              <a:cxn ang="0">
-                <a:pos x="connsiteX40" y="connsiteY40"/>
-              </a:cxn>
-              <a:cxn ang="0">
-                <a:pos x="connsiteX41" y="connsiteY41"/>
-              </a:cxn>
-              <a:cxn ang="0">
-                <a:pos x="connsiteX42" y="connsiteY42"/>
-              </a:cxn>
-              <a:cxn ang="0">
-                <a:pos x="connsiteX43" y="connsiteY43"/>
-              </a:cxn>
-              <a:cxn ang="0">
-                <a:pos x="connsiteX44" y="connsiteY44"/>
-              </a:cxn>
-              <a:cxn ang="0">
-                <a:pos x="connsiteX45" y="connsiteY45"/>
-              </a:cxn>
-              <a:cxn ang="0">
-                <a:pos x="connsiteX46" y="connsiteY46"/>
-              </a:cxn>
-              <a:cxn ang="0">
-                <a:pos x="connsiteX47" y="connsiteY47"/>
-              </a:cxn>
-              <a:cxn ang="0">
-                <a:pos x="connsiteX48" y="connsiteY48"/>
-              </a:cxn>
-              <a:cxn ang="0">
-                <a:pos x="connsiteX49" y="connsiteY49"/>
-              </a:cxn>
-              <a:cxn ang="0">
-                <a:pos x="connsiteX50" y="connsiteY50"/>
-              </a:cxn>
-              <a:cxn ang="0">
-                <a:pos x="connsiteX51" y="connsiteY51"/>
-              </a:cxn>
-              <a:cxn ang="0">
-                <a:pos x="connsiteX52" y="connsiteY52"/>
-              </a:cxn>
-              <a:cxn ang="0">
-                <a:pos x="connsiteX53" y="connsiteY53"/>
-              </a:cxn>
-              <a:cxn ang="0">
-                <a:pos x="connsiteX54" y="connsiteY54"/>
-              </a:cxn>
-              <a:cxn ang="0">
-                <a:pos x="connsiteX55" y="connsiteY55"/>
-              </a:cxn>
-              <a:cxn ang="0">
-                <a:pos x="connsiteX56" y="connsiteY56"/>
-              </a:cxn>
-              <a:cxn ang="0">
-                <a:pos x="connsiteX57" y="connsiteY57"/>
-              </a:cxn>
-              <a:cxn ang="0">
-                <a:pos x="connsiteX58" y="connsiteY58"/>
-              </a:cxn>
-              <a:cxn ang="0">
-                <a:pos x="connsiteX59" y="connsiteY59"/>
-              </a:cxn>
-              <a:cxn ang="0">
-                <a:pos x="connsiteX60" y="connsiteY60"/>
-              </a:cxn>
-              <a:cxn ang="0">
-                <a:pos x="connsiteX61" y="connsiteY61"/>
-              </a:cxn>
-              <a:cxn ang="0">
-                <a:pos x="connsiteX62" y="connsiteY62"/>
-              </a:cxn>
-              <a:cxn ang="0">
-                <a:pos x="connsiteX63" y="connsiteY63"/>
-              </a:cxn>
-              <a:cxn ang="0">
-                <a:pos x="connsiteX64" y="connsiteY64"/>
-              </a:cxn>
-              <a:cxn ang="0">
-                <a:pos x="connsiteX65" y="connsiteY65"/>
-              </a:cxn>
-              <a:cxn ang="0">
-                <a:pos x="connsiteX66" y="connsiteY66"/>
-              </a:cxn>
-              <a:cxn ang="0">
-                <a:pos x="connsiteX67" y="connsiteY67"/>
-              </a:cxn>
-              <a:cxn ang="0">
-                <a:pos x="connsiteX68" y="connsiteY68"/>
-              </a:cxn>
-              <a:cxn ang="0">
-                <a:pos x="connsiteX69" y="connsiteY69"/>
-              </a:cxn>
-              <a:cxn ang="0">
-                <a:pos x="connsiteX70" y="connsiteY70"/>
-              </a:cxn>
-              <a:cxn ang="0">
-                <a:pos x="connsiteX71" y="connsiteY71"/>
-              </a:cxn>
-              <a:cxn ang="0">
-                <a:pos x="connsiteX72" y="connsiteY72"/>
-              </a:cxn>
-              <a:cxn ang="0">
-                <a:pos x="connsiteX73" y="connsiteY73"/>
-              </a:cxn>
-              <a:cxn ang="0">
-                <a:pos x="connsiteX74" y="connsiteY74"/>
-              </a:cxn>
-              <a:cxn ang="0">
-                <a:pos x="connsiteX75" y="connsiteY75"/>
-              </a:cxn>
-              <a:cxn ang="0">
-                <a:pos x="connsiteX76" y="connsiteY76"/>
-              </a:cxn>
-              <a:cxn ang="0">
-                <a:pos x="connsiteX77" y="connsiteY77"/>
-              </a:cxn>
-              <a:cxn ang="0">
-                <a:pos x="connsiteX78" y="connsiteY78"/>
-              </a:cxn>
-              <a:cxn ang="0">
-                <a:pos x="connsiteX79" y="connsiteY79"/>
-              </a:cxn>
-              <a:cxn ang="0">
-                <a:pos x="connsiteX80" y="connsiteY80"/>
-              </a:cxn>
-              <a:cxn ang="0">
-                <a:pos x="connsiteX81" y="connsiteY81"/>
-              </a:cxn>
-              <a:cxn ang="0">
-                <a:pos x="connsiteX82" y="connsiteY82"/>
-              </a:cxn>
-            </a:cxnLst>
-            <a:rect l="l" t="t" r="r" b="b"/>
-            <a:pathLst>
-              <a:path w="12192000" h="2347414">
-                <a:moveTo>
-                  <a:pt x="0" y="0"/>
-                </a:moveTo>
-                <a:lnTo>
-                  <a:pt x="12192000" y="0"/>
-                </a:lnTo>
-                <a:lnTo>
-                  <a:pt x="12192000" y="1736458"/>
-                </a:lnTo>
-                <a:lnTo>
-                  <a:pt x="11967601" y="1784034"/>
-                </a:lnTo>
-                <a:cubicBezTo>
-                  <a:pt x="11589888" y="1859409"/>
-                  <a:pt x="11209762" y="1923961"/>
-                  <a:pt x="10829000" y="1983294"/>
-                </a:cubicBezTo>
-                <a:lnTo>
-                  <a:pt x="10743779" y="1996027"/>
-                </a:lnTo>
-                <a:cubicBezTo>
-                  <a:pt x="10772495" y="1996778"/>
-                  <a:pt x="10801211" y="1993989"/>
-                  <a:pt x="10829254" y="1987751"/>
-                </a:cubicBezTo>
-                <a:cubicBezTo>
-                  <a:pt x="10835198" y="1988337"/>
-                  <a:pt x="10841180" y="1988553"/>
-                  <a:pt x="10847162" y="1988388"/>
-                </a:cubicBezTo>
-                <a:cubicBezTo>
-                  <a:pt x="11090123" y="1968907"/>
-                  <a:pt x="11332703" y="1945734"/>
-                  <a:pt x="11575155" y="1921415"/>
-                </a:cubicBezTo>
-                <a:lnTo>
-                  <a:pt x="12192000" y="1851213"/>
-                </a:lnTo>
-                <a:lnTo>
-                  <a:pt x="12192000" y="1907356"/>
-                </a:lnTo>
-                <a:lnTo>
-                  <a:pt x="12035532" y="1927033"/>
-                </a:lnTo>
-                <a:cubicBezTo>
-                  <a:pt x="11882793" y="1944747"/>
-                  <a:pt x="11729910" y="1961077"/>
-                  <a:pt x="11576932" y="1976291"/>
-                </a:cubicBezTo>
-                <a:cubicBezTo>
-                  <a:pt x="11260690" y="2008122"/>
-                  <a:pt x="10944193" y="2037279"/>
-                  <a:pt x="10627316" y="2061470"/>
-                </a:cubicBezTo>
-                <a:cubicBezTo>
-                  <a:pt x="10352985" y="2082351"/>
-                  <a:pt x="10078401" y="2100431"/>
-                  <a:pt x="9804196" y="2123478"/>
-                </a:cubicBezTo>
-                <a:cubicBezTo>
-                  <a:pt x="9617118" y="2139137"/>
-                  <a:pt x="9430675" y="2161674"/>
-                  <a:pt x="9243851" y="2180008"/>
-                </a:cubicBezTo>
-                <a:cubicBezTo>
-                  <a:pt x="9073157" y="2196433"/>
-                  <a:pt x="8902207" y="2211966"/>
-                  <a:pt x="8731259" y="2225081"/>
-                </a:cubicBezTo>
-                <a:cubicBezTo>
-                  <a:pt x="8509507" y="2242054"/>
-                  <a:pt x="8287667" y="2257586"/>
-                  <a:pt x="8065752" y="2271681"/>
-                </a:cubicBezTo>
-                <a:cubicBezTo>
-                  <a:pt x="7929984" y="2280466"/>
-                  <a:pt x="7793961" y="2285814"/>
-                  <a:pt x="7658065" y="2292562"/>
-                </a:cubicBezTo>
-                <a:cubicBezTo>
-                  <a:pt x="7282640" y="2311661"/>
-                  <a:pt x="6906704" y="2314208"/>
-                  <a:pt x="6531024" y="2324138"/>
-                </a:cubicBezTo>
-                <a:cubicBezTo>
-                  <a:pt x="6413417" y="2327322"/>
-                  <a:pt x="6295937" y="2338399"/>
-                  <a:pt x="6178331" y="2345655"/>
-                </a:cubicBezTo>
-                <a:cubicBezTo>
-                  <a:pt x="6111271" y="2349730"/>
-                  <a:pt x="6044342" y="2345655"/>
-                  <a:pt x="5977282" y="2344127"/>
-                </a:cubicBezTo>
-                <a:cubicBezTo>
-                  <a:pt x="5774073" y="2338908"/>
-                  <a:pt x="5570866" y="2334960"/>
-                  <a:pt x="5367658" y="2329230"/>
-                </a:cubicBezTo>
-                <a:cubicBezTo>
-                  <a:pt x="5040746" y="2319809"/>
-                  <a:pt x="4713963" y="2306274"/>
-                  <a:pt x="4387306" y="2288614"/>
-                </a:cubicBezTo>
-                <a:cubicBezTo>
-                  <a:pt x="4318342" y="2284796"/>
-                  <a:pt x="4249253" y="2284286"/>
-                  <a:pt x="4180287" y="2280211"/>
-                </a:cubicBezTo>
-                <a:cubicBezTo>
-                  <a:pt x="4067634" y="2273463"/>
-                  <a:pt x="3954980" y="2265060"/>
-                  <a:pt x="3842199" y="2257039"/>
-                </a:cubicBezTo>
-                <a:cubicBezTo>
-                  <a:pt x="3804988" y="2254492"/>
-                  <a:pt x="3767648" y="2254620"/>
-                  <a:pt x="3730309" y="2251182"/>
-                </a:cubicBezTo>
-                <a:cubicBezTo>
-                  <a:pt x="3628704" y="2242142"/>
-                  <a:pt x="3527101" y="2238449"/>
-                  <a:pt x="3425496" y="2231320"/>
-                </a:cubicBezTo>
-                <a:cubicBezTo>
-                  <a:pt x="3308906" y="2222534"/>
-                  <a:pt x="3192569" y="2211330"/>
-                  <a:pt x="3076106" y="2201781"/>
-                </a:cubicBezTo>
-                <a:cubicBezTo>
-                  <a:pt x="2990757" y="2194905"/>
-                  <a:pt x="2905157" y="2190067"/>
-                  <a:pt x="2819682" y="2182427"/>
-                </a:cubicBezTo>
-                <a:cubicBezTo>
-                  <a:pt x="2721507" y="2173515"/>
-                  <a:pt x="2623586" y="2162311"/>
-                  <a:pt x="2525539" y="2152888"/>
-                </a:cubicBezTo>
-                <a:cubicBezTo>
-                  <a:pt x="2454289" y="2145886"/>
-                  <a:pt x="2383038" y="2140920"/>
-                  <a:pt x="2311915" y="2133536"/>
-                </a:cubicBezTo>
-                <a:cubicBezTo>
-                  <a:pt x="2225933" y="2124749"/>
-                  <a:pt x="2140204" y="2114182"/>
-                  <a:pt x="2054223" y="2104760"/>
-                </a:cubicBezTo>
-                <a:cubicBezTo>
-                  <a:pt x="1990719" y="2097758"/>
-                  <a:pt x="1928233" y="2092028"/>
-                  <a:pt x="1865367" y="2084770"/>
-                </a:cubicBezTo>
-                <a:cubicBezTo>
-                  <a:pt x="1786622" y="2075603"/>
-                  <a:pt x="1708006" y="2065545"/>
-                  <a:pt x="1629263" y="2055996"/>
-                </a:cubicBezTo>
-                <a:cubicBezTo>
-                  <a:pt x="1572492" y="2049120"/>
-                  <a:pt x="1515595" y="2043264"/>
-                  <a:pt x="1458823" y="2035751"/>
-                </a:cubicBezTo>
-                <a:cubicBezTo>
-                  <a:pt x="1386303" y="2026585"/>
-                  <a:pt x="1313784" y="2016780"/>
-                  <a:pt x="1241390" y="2007103"/>
-                </a:cubicBezTo>
-                <a:lnTo>
-                  <a:pt x="1047453" y="1980748"/>
-                </a:lnTo>
-                <a:cubicBezTo>
-                  <a:pt x="969980" y="1970180"/>
-                  <a:pt x="892254" y="1960377"/>
-                  <a:pt x="814907" y="1949045"/>
-                </a:cubicBezTo>
-                <a:cubicBezTo>
-                  <a:pt x="740609" y="1938094"/>
-                  <a:pt x="666692" y="1925744"/>
-                  <a:pt x="592649" y="1913776"/>
-                </a:cubicBezTo>
-                <a:cubicBezTo>
-                  <a:pt x="509587" y="1900280"/>
-                  <a:pt x="426653" y="1886274"/>
-                  <a:pt x="343591" y="1872650"/>
-                </a:cubicBezTo>
-                <a:cubicBezTo>
-                  <a:pt x="240972" y="1855716"/>
-                  <a:pt x="138225" y="1839673"/>
-                  <a:pt x="35731" y="1821722"/>
-                </a:cubicBezTo>
-                <a:lnTo>
-                  <a:pt x="0" y="1814848"/>
-                </a:lnTo>
-                <a:lnTo>
-                  <a:pt x="0" y="1758489"/>
-                </a:lnTo>
-                <a:lnTo>
-                  <a:pt x="274248" y="1808735"/>
-                </a:lnTo>
-                <a:cubicBezTo>
-                  <a:pt x="348926" y="1821467"/>
-                  <a:pt x="423604" y="1832798"/>
-                  <a:pt x="498157" y="1846167"/>
-                </a:cubicBezTo>
-                <a:cubicBezTo>
-                  <a:pt x="572708" y="1859536"/>
-                  <a:pt x="647896" y="1867813"/>
-                  <a:pt x="722828" y="1878635"/>
-                </a:cubicBezTo>
-                <a:cubicBezTo>
-                  <a:pt x="797762" y="1889457"/>
-                  <a:pt x="874219" y="1901426"/>
-                  <a:pt x="949913" y="1912375"/>
-                </a:cubicBezTo>
-                <a:cubicBezTo>
-                  <a:pt x="1031704" y="1924343"/>
-                  <a:pt x="1113496" y="1935802"/>
-                  <a:pt x="1195414" y="1947516"/>
-                </a:cubicBezTo>
-                <a:cubicBezTo>
-                  <a:pt x="1244566" y="1954519"/>
-                  <a:pt x="1293589" y="1962285"/>
-                  <a:pt x="1342867" y="1968397"/>
-                </a:cubicBezTo>
-                <a:cubicBezTo>
-                  <a:pt x="1401162" y="1975656"/>
-                  <a:pt x="1459712" y="1981130"/>
-                  <a:pt x="1518007" y="1988006"/>
-                </a:cubicBezTo>
-                <a:cubicBezTo>
-                  <a:pt x="1579224" y="1995263"/>
-                  <a:pt x="1640186" y="2003411"/>
-                  <a:pt x="1701403" y="2010669"/>
-                </a:cubicBezTo>
-                <a:cubicBezTo>
-                  <a:pt x="1762618" y="2017926"/>
-                  <a:pt x="1820279" y="2024292"/>
-                  <a:pt x="1879210" y="2031167"/>
-                </a:cubicBezTo>
-                <a:cubicBezTo>
-                  <a:pt x="1942712" y="2038425"/>
-                  <a:pt x="2006214" y="2046064"/>
-                  <a:pt x="2068702" y="2052940"/>
-                </a:cubicBezTo>
-                <a:cubicBezTo>
-                  <a:pt x="2116455" y="2058160"/>
-                  <a:pt x="2164335" y="2062362"/>
-                  <a:pt x="2212090" y="2067583"/>
-                </a:cubicBezTo>
-                <a:cubicBezTo>
-                  <a:pt x="2280419" y="2074967"/>
-                  <a:pt x="2348493" y="2085152"/>
-                  <a:pt x="2416949" y="2089609"/>
-                </a:cubicBezTo>
-                <a:cubicBezTo>
-                  <a:pt x="2472070" y="2093302"/>
-                  <a:pt x="2526936" y="2099540"/>
-                  <a:pt x="2582055" y="2105397"/>
-                </a:cubicBezTo>
-                <a:cubicBezTo>
-                  <a:pt x="2655337" y="2113291"/>
-                  <a:pt x="2729001" y="2119785"/>
-                  <a:pt x="2802282" y="2126405"/>
-                </a:cubicBezTo>
-                <a:cubicBezTo>
-                  <a:pt x="2862991" y="2131753"/>
-                  <a:pt x="2924207" y="2136337"/>
-                  <a:pt x="2984916" y="2141684"/>
-                </a:cubicBezTo>
-                <a:cubicBezTo>
-                  <a:pt x="3070516" y="2149324"/>
-                  <a:pt x="3156373" y="2152888"/>
-                  <a:pt x="3241847" y="2164094"/>
-                </a:cubicBezTo>
-                <a:cubicBezTo>
-                  <a:pt x="3307255" y="2172624"/>
-                  <a:pt x="3374060" y="2169822"/>
-                  <a:pt x="3439848" y="2176826"/>
-                </a:cubicBezTo>
-                <a:cubicBezTo>
-                  <a:pt x="3512622" y="2184592"/>
-                  <a:pt x="3585777" y="2186247"/>
-                  <a:pt x="3658678" y="2194523"/>
-                </a:cubicBezTo>
-                <a:cubicBezTo>
-                  <a:pt x="3731578" y="2202800"/>
-                  <a:pt x="3807019" y="2201781"/>
-                  <a:pt x="3881317" y="2206491"/>
-                </a:cubicBezTo>
-                <a:cubicBezTo>
-                  <a:pt x="3970222" y="2212094"/>
-                  <a:pt x="4059124" y="2223552"/>
-                  <a:pt x="4148916" y="2225081"/>
-                </a:cubicBezTo>
-                <a:cubicBezTo>
-                  <a:pt x="4255600" y="2226736"/>
-                  <a:pt x="4361779" y="2236539"/>
-                  <a:pt x="4468337" y="2237813"/>
-                </a:cubicBezTo>
-                <a:cubicBezTo>
-                  <a:pt x="4511390" y="2238577"/>
-                  <a:pt x="4554190" y="2246852"/>
-                  <a:pt x="4605375" y="2240232"/>
-                </a:cubicBezTo>
-                <a:cubicBezTo>
-                  <a:pt x="4574131" y="2238704"/>
-                  <a:pt x="4550762" y="2237940"/>
-                  <a:pt x="4527647" y="2236412"/>
-                </a:cubicBezTo>
-                <a:cubicBezTo>
-                  <a:pt x="4410293" y="2228773"/>
-                  <a:pt x="4292942" y="2220751"/>
-                  <a:pt x="4175589" y="2212985"/>
-                </a:cubicBezTo>
-                <a:cubicBezTo>
-                  <a:pt x="4113101" y="2208783"/>
-                  <a:pt x="4050615" y="2205219"/>
-                  <a:pt x="3988255" y="2200253"/>
-                </a:cubicBezTo>
-                <a:cubicBezTo>
-                  <a:pt x="3887668" y="2192487"/>
-                  <a:pt x="3787079" y="2184082"/>
-                  <a:pt x="3686492" y="2176062"/>
-                </a:cubicBezTo>
-                <a:cubicBezTo>
-                  <a:pt x="3630102" y="2171605"/>
-                  <a:pt x="3573711" y="2168040"/>
-                  <a:pt x="3517320" y="2163330"/>
-                </a:cubicBezTo>
-                <a:cubicBezTo>
-                  <a:pt x="3430958" y="2155689"/>
-                  <a:pt x="3344721" y="2147159"/>
-                  <a:pt x="3258357" y="2139519"/>
-                </a:cubicBezTo>
-                <a:cubicBezTo>
-                  <a:pt x="3206031" y="2134809"/>
-                  <a:pt x="3153705" y="2131371"/>
-                  <a:pt x="3101506" y="2126787"/>
-                </a:cubicBezTo>
-                <a:cubicBezTo>
-                  <a:pt x="3004220" y="2117365"/>
-                  <a:pt x="2907061" y="2106798"/>
-                  <a:pt x="2809395" y="2097502"/>
-                </a:cubicBezTo>
-                <a:cubicBezTo>
-                  <a:pt x="2739161" y="2090628"/>
-                  <a:pt x="2668673" y="2085916"/>
-                  <a:pt x="2598566" y="2078532"/>
-                </a:cubicBezTo>
-                <a:cubicBezTo>
-                  <a:pt x="2511441" y="2069365"/>
-                  <a:pt x="2424569" y="2058160"/>
-                  <a:pt x="2337444" y="2048611"/>
-                </a:cubicBezTo>
-                <a:cubicBezTo>
-                  <a:pt x="2255399" y="2039699"/>
-                  <a:pt x="2173099" y="2032950"/>
-                  <a:pt x="2091054" y="2023146"/>
-                </a:cubicBezTo>
-                <a:cubicBezTo>
-                  <a:pt x="1979162" y="2010414"/>
-                  <a:pt x="1867524" y="1995008"/>
-                  <a:pt x="1755761" y="1981384"/>
-                </a:cubicBezTo>
-                <a:cubicBezTo>
-                  <a:pt x="1650982" y="1968652"/>
-                  <a:pt x="1545821" y="1957830"/>
-                  <a:pt x="1441169" y="1943824"/>
-                </a:cubicBezTo>
-                <a:cubicBezTo>
-                  <a:pt x="1299813" y="1924980"/>
-                  <a:pt x="1158837" y="1903718"/>
-                  <a:pt x="1017607" y="1883345"/>
-                </a:cubicBezTo>
-                <a:cubicBezTo>
-                  <a:pt x="876378" y="1862974"/>
-                  <a:pt x="735402" y="1844003"/>
-                  <a:pt x="594427" y="1821849"/>
-                </a:cubicBezTo>
-                <a:cubicBezTo>
-                  <a:pt x="462850" y="1801222"/>
-                  <a:pt x="331526" y="1778304"/>
-                  <a:pt x="200711" y="1755132"/>
-                </a:cubicBezTo>
-                <a:lnTo>
-                  <a:pt x="0" y="1718743"/>
-                </a:lnTo>
-                <a:close/>
-              </a:path>
-            </a:pathLst>
-          </a:custGeom>
-          <a:solidFill>
-            <a:schemeClr val="accent2"/>
-          </a:solidFill>
-          <a:ln w="8199" cap="flat">
-            <a:noFill/>
-            <a:prstDash val="solid"/>
-            <a:miter/>
-          </a:ln>
-        </p:spPr>
-        <p:txBody>
-          <a:bodyPr rtlCol="0" anchor="ctr"/>
-          <a:lstStyle/>
-          <a:p>
-            <a:endParaRPr lang="en-US"/>
-          </a:p>
-        </p:txBody>
-      </p:sp>
-      <p:sp>
-        <p:nvSpPr>
-          <p:cNvPr id="2" name="Title 1">
-            <a:extLst>
-              <a:ext uri="{FF2B5EF4-FFF2-40B4-BE49-F238E27FC236}">
-                <a16:creationId xmlns:a16="http://schemas.microsoft.com/office/drawing/2014/main" id="{06F0442F-6A90-DD71-F7CA-6C5C5127A688}"/>
-              </a:ext>
-            </a:extLst>
-          </p:cNvPr>
-          <p:cNvSpPr>
-            <a:spLocks noGrp="1"/>
-          </p:cNvSpPr>
-          <p:nvPr>
-            <p:ph type="title"/>
-          </p:nvPr>
-        </p:nvSpPr>
-        <p:spPr>
-          <a:xfrm>
-            <a:off x="838200" y="401221"/>
-            <a:ext cx="10515600" cy="1348065"/>
-          </a:xfrm>
-        </p:spPr>
-        <p:txBody>
-          <a:bodyPr>
-            <a:normAutofit/>
-          </a:bodyPr>
-          <a:lstStyle/>
-          <a:p>
-            <a:r>
-              <a:rPr lang="en-US" sz="5400">
-                <a:solidFill>
-                  <a:srgbClr val="FFFFFF"/>
-                </a:solidFill>
-              </a:rPr>
-              <a:t>Response</a:t>
-            </a:r>
-          </a:p>
-        </p:txBody>
-      </p:sp>
-      <p:sp>
-        <p:nvSpPr>
-          <p:cNvPr id="3" name="Content Placeholder 2">
-            <a:extLst>
-              <a:ext uri="{FF2B5EF4-FFF2-40B4-BE49-F238E27FC236}">
-                <a16:creationId xmlns:a16="http://schemas.microsoft.com/office/drawing/2014/main" id="{A23BB213-F652-D465-BA19-6EE3B563A0F2}"/>
-              </a:ext>
-            </a:extLst>
-          </p:cNvPr>
-          <p:cNvSpPr>
-            <a:spLocks noGrp="1"/>
-          </p:cNvSpPr>
-          <p:nvPr>
-            <p:ph idx="1"/>
-          </p:nvPr>
-        </p:nvSpPr>
-        <p:spPr>
-          <a:xfrm>
-            <a:off x="838200" y="2586789"/>
-            <a:ext cx="10515600" cy="3590174"/>
-          </a:xfrm>
-        </p:spPr>
-        <p:txBody>
-          <a:bodyPr>
-            <a:normAutofit fontScale="92500" lnSpcReduction="20000"/>
-          </a:bodyPr>
-          <a:lstStyle/>
-          <a:p>
-            <a:pPr>
-              <a:lnSpc>
-                <a:spcPct val="150000"/>
-              </a:lnSpc>
-            </a:pPr>
-            <a:r>
-              <a:rPr lang="en-US" sz="3200" dirty="0"/>
-              <a:t>Response 1XX - Information</a:t>
-            </a:r>
-          </a:p>
-          <a:p>
-            <a:pPr>
-              <a:lnSpc>
-                <a:spcPct val="150000"/>
-              </a:lnSpc>
-            </a:pPr>
-            <a:r>
-              <a:rPr lang="en-US" sz="3200" dirty="0"/>
-              <a:t>Response 2XX - Successful</a:t>
-            </a:r>
-          </a:p>
-          <a:p>
-            <a:pPr>
-              <a:lnSpc>
-                <a:spcPct val="150000"/>
-              </a:lnSpc>
-            </a:pPr>
-            <a:r>
-              <a:rPr lang="en-US" sz="3200" dirty="0"/>
-              <a:t>Response 3XX - Redirection</a:t>
-            </a:r>
-          </a:p>
-          <a:p>
-            <a:pPr>
-              <a:lnSpc>
-                <a:spcPct val="150000"/>
-              </a:lnSpc>
-            </a:pPr>
-            <a:r>
-              <a:rPr lang="en-US" sz="3200" dirty="0"/>
-              <a:t>Response 4XX - Client Error</a:t>
-            </a:r>
-          </a:p>
-          <a:p>
-            <a:pPr>
-              <a:lnSpc>
-                <a:spcPct val="150000"/>
-              </a:lnSpc>
-            </a:pPr>
-            <a:r>
-              <a:rPr lang="en-US" sz="3200" dirty="0"/>
-              <a:t>Response 5XX - Server Error</a:t>
-            </a:r>
-          </a:p>
-        </p:txBody>
-      </p:sp>
-    </p:spTree>
-    <p:extLst>
-      <p:ext uri="{BB962C8B-B14F-4D97-AF65-F5344CB8AC3E}">
-        <p14:creationId xmlns:p14="http://schemas.microsoft.com/office/powerpoint/2010/main" val="2818251461"/>
-      </p:ext>
-    </p:extLst>
-  </p:cSld>
-  <p:clrMapOvr>
-    <a:masterClrMapping/>
-  </p:clrMapOvr>
-</p:sld>
-</file>
-
 <file path=ppt/slides/slide19.xml><?xml version="1.0" encoding="utf-8"?>
 <p:sld xmlns:a="http://schemas.openxmlformats.org/drawingml/2006/main" xmlns:r="http://schemas.openxmlformats.org/officeDocument/2006/relationships" xmlns:p="http://schemas.openxmlformats.org/presentationml/2006/main">
   <p:cSld>
@@ -25838,72 +25861,12 @@
           <a:chExt cx="0" cy="0"/>
         </a:xfrm>
       </p:grpSpPr>
-      <p:sp useBgFill="1">
+      <p:sp>
         <p:nvSpPr>
-          <p:cNvPr id="8" name="Rectangle 7">
+          <p:cNvPr id="17" name="Rectangle 16">
             <a:extLst>
               <a:ext uri="{FF2B5EF4-FFF2-40B4-BE49-F238E27FC236}">
-                <a16:creationId xmlns:a16="http://schemas.microsoft.com/office/drawing/2014/main" id="{B768BC45-6978-4563-AFFC-4378E82C53D8}"/>
-              </a:ext>
-              <a:ext uri="{C183D7F6-B498-43B3-948B-1728B52AA6E4}">
-                <adec:decorative xmlns:adec="http://schemas.microsoft.com/office/drawing/2017/decorative" val="1"/>
-              </a:ext>
-            </a:extLst>
-          </p:cNvPr>
-          <p:cNvSpPr>
-            <a:spLocks noGrp="1" noRot="1" noChangeAspect="1" noMove="1" noResize="1" noEditPoints="1" noAdjustHandles="1" noChangeArrowheads="1" noChangeShapeType="1" noTextEdit="1"/>
-          </p:cNvSpPr>
-          <p:nvPr>
-            <p:extLst>
-              <p:ext uri="{386F3935-93C4-4BCD-93E2-E3B085C9AB24}">
-                <p16:designElem xmlns:p16="http://schemas.microsoft.com/office/powerpoint/2015/main" val="1"/>
-              </p:ext>
-            </p:extLst>
-          </p:nvPr>
-        </p:nvSpPr>
-        <p:spPr>
-          <a:xfrm>
-            <a:off x="0" y="0"/>
-            <a:ext cx="12188952" cy="6858000"/>
-          </a:xfrm>
-          <a:prstGeom prst="rect">
-            <a:avLst/>
-          </a:prstGeom>
-          <a:ln>
-            <a:noFill/>
-          </a:ln>
-        </p:spPr>
-        <p:style>
-          <a:lnRef idx="2">
-            <a:schemeClr val="accent1">
-              <a:shade val="50000"/>
-            </a:schemeClr>
-          </a:lnRef>
-          <a:fillRef idx="1">
-            <a:schemeClr val="accent1"/>
-          </a:fillRef>
-          <a:effectRef idx="0">
-            <a:schemeClr val="accent1"/>
-          </a:effectRef>
-          <a:fontRef idx="minor">
-            <a:schemeClr val="lt1"/>
-          </a:fontRef>
-        </p:style>
-        <p:txBody>
-          <a:bodyPr rtlCol="0" anchor="ctr"/>
-          <a:lstStyle/>
-          <a:p>
-            <a:pPr algn="ctr"/>
-            <a:endParaRPr lang="en-US"/>
-          </a:p>
-        </p:txBody>
-      </p:sp>
-      <p:sp>
-        <p:nvSpPr>
-          <p:cNvPr id="10" name="colored rectangle">
-            <a:extLst>
-              <a:ext uri="{FF2B5EF4-FFF2-40B4-BE49-F238E27FC236}">
-                <a16:creationId xmlns:a16="http://schemas.microsoft.com/office/drawing/2014/main" id="{A80A8067-64B4-47DF-9C4D-88D9ADEC21BB}"/>
+                <a16:creationId xmlns:a16="http://schemas.microsoft.com/office/drawing/2014/main" id="{F3060C83-F051-4F0E-ABAD-AA0DFC48B218}"/>
               </a:ext>
               <a:ext uri="{C183D7F6-B498-43B3-948B-1728B52AA6E4}">
                 <adec:decorative xmlns:adec="http://schemas.microsoft.com/office/drawing/2017/decorative" val="1"/>
@@ -25930,7 +25893,188 @@
             <a:avLst/>
           </a:prstGeom>
           <a:solidFill>
-            <a:schemeClr val="accent2"/>
+            <a:schemeClr val="bg1"/>
+          </a:solidFill>
+          <a:ln>
+            <a:noFill/>
+          </a:ln>
+        </p:spPr>
+        <p:style>
+          <a:lnRef idx="2">
+            <a:schemeClr val="accent1">
+              <a:shade val="50000"/>
+            </a:schemeClr>
+          </a:lnRef>
+          <a:fillRef idx="1">
+            <a:schemeClr val="accent1"/>
+          </a:fillRef>
+          <a:effectRef idx="0">
+            <a:schemeClr val="accent1"/>
+          </a:effectRef>
+          <a:fontRef idx="minor">
+            <a:schemeClr val="lt1"/>
+          </a:fontRef>
+        </p:style>
+        <p:txBody>
+          <a:bodyPr rtlCol="0" anchor="ctr"/>
+          <a:lstStyle/>
+          <a:p>
+            <a:pPr algn="ctr"/>
+            <a:endParaRPr lang="en-US" dirty="0"/>
+          </a:p>
+        </p:txBody>
+      </p:sp>
+      <p:sp>
+        <p:nvSpPr>
+          <p:cNvPr id="19" name="Freeform: Shape 18">
+            <a:extLst>
+              <a:ext uri="{FF2B5EF4-FFF2-40B4-BE49-F238E27FC236}">
+                <a16:creationId xmlns:a16="http://schemas.microsoft.com/office/drawing/2014/main" id="{83C98ABE-055B-441F-B07E-44F97F083C39}"/>
+              </a:ext>
+              <a:ext uri="{C183D7F6-B498-43B3-948B-1728B52AA6E4}">
+                <adec:decorative xmlns:adec="http://schemas.microsoft.com/office/drawing/2017/decorative" val="1"/>
+              </a:ext>
+            </a:extLst>
+          </p:cNvPr>
+          <p:cNvSpPr>
+            <a:spLocks noGrp="1" noRot="1" noChangeAspect="1" noMove="1" noResize="1" noEditPoints="1" noAdjustHandles="1" noChangeArrowheads="1" noChangeShapeType="1" noTextEdit="1"/>
+          </p:cNvSpPr>
+          <p:nvPr>
+            <p:extLst>
+              <p:ext uri="{386F3935-93C4-4BCD-93E2-E3B085C9AB24}">
+                <p16:designElem xmlns:p16="http://schemas.microsoft.com/office/powerpoint/2015/main" val="1"/>
+              </p:ext>
+            </p:extLst>
+          </p:nvPr>
+        </p:nvSpPr>
+        <p:spPr>
+          <a:xfrm rot="18900000" flipH="1">
+            <a:off x="-376156" y="-253670"/>
+            <a:ext cx="1827638" cy="1376989"/>
+          </a:xfrm>
+          <a:custGeom>
+            <a:avLst/>
+            <a:gdLst>
+              <a:gd name="connsiteX0" fmla="*/ 0 w 1827638"/>
+              <a:gd name="connsiteY0" fmla="*/ 987379 h 1376989"/>
+              <a:gd name="connsiteX1" fmla="*/ 987379 w 1827638"/>
+              <a:gd name="connsiteY1" fmla="*/ 0 h 1376989"/>
+              <a:gd name="connsiteX2" fmla="*/ 1827638 w 1827638"/>
+              <a:gd name="connsiteY2" fmla="*/ 840260 h 1376989"/>
+              <a:gd name="connsiteX3" fmla="*/ 1827638 w 1827638"/>
+              <a:gd name="connsiteY3" fmla="*/ 1376989 h 1376989"/>
+              <a:gd name="connsiteX4" fmla="*/ 0 w 1827638"/>
+              <a:gd name="connsiteY4" fmla="*/ 1376989 h 1376989"/>
+            </a:gdLst>
+            <a:ahLst/>
+            <a:cxnLst>
+              <a:cxn ang="0">
+                <a:pos x="connsiteX0" y="connsiteY0"/>
+              </a:cxn>
+              <a:cxn ang="0">
+                <a:pos x="connsiteX1" y="connsiteY1"/>
+              </a:cxn>
+              <a:cxn ang="0">
+                <a:pos x="connsiteX2" y="connsiteY2"/>
+              </a:cxn>
+              <a:cxn ang="0">
+                <a:pos x="connsiteX3" y="connsiteY3"/>
+              </a:cxn>
+              <a:cxn ang="0">
+                <a:pos x="connsiteX4" y="connsiteY4"/>
+              </a:cxn>
+            </a:cxnLst>
+            <a:rect l="l" t="t" r="r" b="b"/>
+            <a:pathLst>
+              <a:path w="1827638" h="1376989">
+                <a:moveTo>
+                  <a:pt x="0" y="987379"/>
+                </a:moveTo>
+                <a:lnTo>
+                  <a:pt x="987379" y="0"/>
+                </a:lnTo>
+                <a:lnTo>
+                  <a:pt x="1827638" y="840260"/>
+                </a:lnTo>
+                <a:lnTo>
+                  <a:pt x="1827638" y="1376989"/>
+                </a:lnTo>
+                <a:lnTo>
+                  <a:pt x="0" y="1376989"/>
+                </a:lnTo>
+                <a:close/>
+              </a:path>
+            </a:pathLst>
+          </a:custGeom>
+          <a:solidFill>
+            <a:schemeClr val="accent1">
+              <a:alpha val="30000"/>
+            </a:schemeClr>
+          </a:solidFill>
+          <a:ln>
+            <a:noFill/>
+          </a:ln>
+        </p:spPr>
+        <p:style>
+          <a:lnRef idx="2">
+            <a:schemeClr val="accent1">
+              <a:shade val="50000"/>
+            </a:schemeClr>
+          </a:lnRef>
+          <a:fillRef idx="1">
+            <a:schemeClr val="accent1"/>
+          </a:fillRef>
+          <a:effectRef idx="0">
+            <a:schemeClr val="accent1"/>
+          </a:effectRef>
+          <a:fontRef idx="minor">
+            <a:schemeClr val="lt1"/>
+          </a:fontRef>
+        </p:style>
+        <p:txBody>
+          <a:bodyPr rtlCol="0" anchor="ctr"/>
+          <a:lstStyle/>
+          <a:p>
+            <a:pPr algn="ctr"/>
+            <a:endParaRPr lang="en-US" dirty="0"/>
+          </a:p>
+        </p:txBody>
+      </p:sp>
+      <p:sp>
+        <p:nvSpPr>
+          <p:cNvPr id="21" name="Rectangle 20">
+            <a:extLst>
+              <a:ext uri="{FF2B5EF4-FFF2-40B4-BE49-F238E27FC236}">
+                <a16:creationId xmlns:a16="http://schemas.microsoft.com/office/drawing/2014/main" id="{29FDB030-9B49-4CED-8CCD-4D99382388AC}"/>
+              </a:ext>
+              <a:ext uri="{C183D7F6-B498-43B3-948B-1728B52AA6E4}">
+                <adec:decorative xmlns:adec="http://schemas.microsoft.com/office/drawing/2017/decorative" val="1"/>
+              </a:ext>
+            </a:extLst>
+          </p:cNvPr>
+          <p:cNvSpPr>
+            <a:spLocks noGrp="1" noRot="1" noChangeAspect="1" noMove="1" noResize="1" noEditPoints="1" noAdjustHandles="1" noChangeArrowheads="1" noChangeShapeType="1" noTextEdit="1"/>
+          </p:cNvSpPr>
+          <p:nvPr>
+            <p:extLst>
+              <p:ext uri="{386F3935-93C4-4BCD-93E2-E3B085C9AB24}">
+                <p16:designElem xmlns:p16="http://schemas.microsoft.com/office/powerpoint/2015/main" val="1"/>
+              </p:ext>
+            </p:extLst>
+          </p:nvPr>
+        </p:nvSpPr>
+        <p:spPr>
+          <a:xfrm rot="18900000" flipH="1">
+            <a:off x="891641" y="422146"/>
+            <a:ext cx="645368" cy="645368"/>
+          </a:xfrm>
+          <a:prstGeom prst="rect">
+            <a:avLst/>
+          </a:prstGeom>
+          <a:solidFill>
+            <a:schemeClr val="accent1">
+              <a:alpha val="30000"/>
+            </a:schemeClr>
           </a:solidFill>
           <a:ln>
             <a:noFill/>
@@ -25963,52 +26107,10 @@
       </p:sp>
       <p:sp>
         <p:nvSpPr>
-          <p:cNvPr id="2" name="Title 1">
+          <p:cNvPr id="23" name="Rectangle 22">
             <a:extLst>
               <a:ext uri="{FF2B5EF4-FFF2-40B4-BE49-F238E27FC236}">
-                <a16:creationId xmlns:a16="http://schemas.microsoft.com/office/drawing/2014/main" id="{4B5C28F3-DCAA-4825-431B-C2FE4EF32935}"/>
-              </a:ext>
-            </a:extLst>
-          </p:cNvPr>
-          <p:cNvSpPr>
-            <a:spLocks noGrp="1"/>
-          </p:cNvSpPr>
-          <p:nvPr>
-            <p:ph type="title"/>
-          </p:nvPr>
-        </p:nvSpPr>
-        <p:spPr>
-          <a:xfrm>
-            <a:off x="838199" y="451381"/>
-            <a:ext cx="10512552" cy="4066540"/>
-          </a:xfrm>
-        </p:spPr>
-        <p:txBody>
-          <a:bodyPr vert="horz" lIns="91440" tIns="45720" rIns="91440" bIns="45720" rtlCol="0" anchor="b">
-            <a:normAutofit/>
-          </a:bodyPr>
-          <a:lstStyle/>
-          <a:p>
-            <a:r>
-              <a:rPr lang="en-US" sz="6600" kern="1200">
-                <a:solidFill>
-                  <a:srgbClr val="FFFFFF"/>
-                </a:solidFill>
-                <a:latin typeface="+mj-lt"/>
-                <a:ea typeface="+mj-ea"/>
-                <a:cs typeface="+mj-cs"/>
-              </a:rPr>
-              <a:t>Quiz 3 – Handle Response</a:t>
-            </a:r>
-          </a:p>
-        </p:txBody>
-      </p:sp>
-      <p:sp>
-        <p:nvSpPr>
-          <p:cNvPr id="12" name="sketch line">
-            <a:extLst>
-              <a:ext uri="{FF2B5EF4-FFF2-40B4-BE49-F238E27FC236}">
-                <a16:creationId xmlns:a16="http://schemas.microsoft.com/office/drawing/2014/main" id="{9D1E2788-F6B5-40EE-A733-8187EB22BD13}"/>
+                <a16:creationId xmlns:a16="http://schemas.microsoft.com/office/drawing/2014/main" id="{3783CA14-24A1-485C-8B30-D6A5D87987AD}"/>
               </a:ext>
               <a:ext uri="{C183D7F6-B498-43B3-948B-1728B52AA6E4}">
                 <adec:decorative xmlns:adec="http://schemas.microsoft.com/office/drawing/2017/decorative" val="1"/>
@@ -26027,298 +26129,20 @@
           </p:nvPr>
         </p:nvSpPr>
         <p:spPr>
-          <a:xfrm>
-            <a:off x="838199" y="4747614"/>
-            <a:ext cx="4243589" cy="18288"/>
+          <a:xfrm rot="18900000" flipH="1">
+            <a:off x="10043482" y="655140"/>
+            <a:ext cx="687472" cy="687472"/>
           </a:xfrm>
-          <a:custGeom>
+          <a:prstGeom prst="rect">
             <a:avLst/>
-            <a:gdLst>
-              <a:gd name="connsiteX0" fmla="*/ 0 w 4243589"/>
-              <a:gd name="connsiteY0" fmla="*/ 0 h 18288"/>
-              <a:gd name="connsiteX1" fmla="*/ 563791 w 4243589"/>
-              <a:gd name="connsiteY1" fmla="*/ 0 h 18288"/>
-              <a:gd name="connsiteX2" fmla="*/ 1042710 w 4243589"/>
-              <a:gd name="connsiteY2" fmla="*/ 0 h 18288"/>
-              <a:gd name="connsiteX3" fmla="*/ 1564066 w 4243589"/>
-              <a:gd name="connsiteY3" fmla="*/ 0 h 18288"/>
-              <a:gd name="connsiteX4" fmla="*/ 2212729 w 4243589"/>
-              <a:gd name="connsiteY4" fmla="*/ 0 h 18288"/>
-              <a:gd name="connsiteX5" fmla="*/ 2776520 w 4243589"/>
-              <a:gd name="connsiteY5" fmla="*/ 0 h 18288"/>
-              <a:gd name="connsiteX6" fmla="*/ 3297875 w 4243589"/>
-              <a:gd name="connsiteY6" fmla="*/ 0 h 18288"/>
-              <a:gd name="connsiteX7" fmla="*/ 4243589 w 4243589"/>
-              <a:gd name="connsiteY7" fmla="*/ 0 h 18288"/>
-              <a:gd name="connsiteX8" fmla="*/ 4243589 w 4243589"/>
-              <a:gd name="connsiteY8" fmla="*/ 18288 h 18288"/>
-              <a:gd name="connsiteX9" fmla="*/ 3637362 w 4243589"/>
-              <a:gd name="connsiteY9" fmla="*/ 18288 h 18288"/>
-              <a:gd name="connsiteX10" fmla="*/ 3116007 w 4243589"/>
-              <a:gd name="connsiteY10" fmla="*/ 18288 h 18288"/>
-              <a:gd name="connsiteX11" fmla="*/ 2424908 w 4243589"/>
-              <a:gd name="connsiteY11" fmla="*/ 18288 h 18288"/>
-              <a:gd name="connsiteX12" fmla="*/ 1861117 w 4243589"/>
-              <a:gd name="connsiteY12" fmla="*/ 18288 h 18288"/>
-              <a:gd name="connsiteX13" fmla="*/ 1382198 w 4243589"/>
-              <a:gd name="connsiteY13" fmla="*/ 18288 h 18288"/>
-              <a:gd name="connsiteX14" fmla="*/ 733535 w 4243589"/>
-              <a:gd name="connsiteY14" fmla="*/ 18288 h 18288"/>
-              <a:gd name="connsiteX15" fmla="*/ 0 w 4243589"/>
-              <a:gd name="connsiteY15" fmla="*/ 18288 h 18288"/>
-              <a:gd name="connsiteX16" fmla="*/ 0 w 4243589"/>
-              <a:gd name="connsiteY16" fmla="*/ 0 h 18288"/>
-            </a:gdLst>
-            <a:ahLst/>
-            <a:cxnLst>
-              <a:cxn ang="0">
-                <a:pos x="connsiteX0" y="connsiteY0"/>
-              </a:cxn>
-              <a:cxn ang="0">
-                <a:pos x="connsiteX1" y="connsiteY1"/>
-              </a:cxn>
-              <a:cxn ang="0">
-                <a:pos x="connsiteX2" y="connsiteY2"/>
-              </a:cxn>
-              <a:cxn ang="0">
-                <a:pos x="connsiteX3" y="connsiteY3"/>
-              </a:cxn>
-              <a:cxn ang="0">
-                <a:pos x="connsiteX4" y="connsiteY4"/>
-              </a:cxn>
-              <a:cxn ang="0">
-                <a:pos x="connsiteX5" y="connsiteY5"/>
-              </a:cxn>
-              <a:cxn ang="0">
-                <a:pos x="connsiteX6" y="connsiteY6"/>
-              </a:cxn>
-              <a:cxn ang="0">
-                <a:pos x="connsiteX7" y="connsiteY7"/>
-              </a:cxn>
-              <a:cxn ang="0">
-                <a:pos x="connsiteX8" y="connsiteY8"/>
-              </a:cxn>
-              <a:cxn ang="0">
-                <a:pos x="connsiteX9" y="connsiteY9"/>
-              </a:cxn>
-              <a:cxn ang="0">
-                <a:pos x="connsiteX10" y="connsiteY10"/>
-              </a:cxn>
-              <a:cxn ang="0">
-                <a:pos x="connsiteX11" y="connsiteY11"/>
-              </a:cxn>
-              <a:cxn ang="0">
-                <a:pos x="connsiteX12" y="connsiteY12"/>
-              </a:cxn>
-              <a:cxn ang="0">
-                <a:pos x="connsiteX13" y="connsiteY13"/>
-              </a:cxn>
-              <a:cxn ang="0">
-                <a:pos x="connsiteX14" y="connsiteY14"/>
-              </a:cxn>
-              <a:cxn ang="0">
-                <a:pos x="connsiteX15" y="connsiteY15"/>
-              </a:cxn>
-              <a:cxn ang="0">
-                <a:pos x="connsiteX16" y="connsiteY16"/>
-              </a:cxn>
-            </a:cxnLst>
-            <a:rect l="l" t="t" r="r" b="b"/>
-            <a:pathLst>
-              <a:path w="4243589" h="18288" fill="none" extrusionOk="0">
-                <a:moveTo>
-                  <a:pt x="0" y="0"/>
-                </a:moveTo>
-                <a:cubicBezTo>
-                  <a:pt x="157351" y="-15653"/>
-                  <a:pt x="378877" y="-5828"/>
-                  <a:pt x="563791" y="0"/>
-                </a:cubicBezTo>
-                <a:cubicBezTo>
-                  <a:pt x="748705" y="5828"/>
-                  <a:pt x="905659" y="-5525"/>
-                  <a:pt x="1042710" y="0"/>
-                </a:cubicBezTo>
-                <a:cubicBezTo>
-                  <a:pt x="1179761" y="5525"/>
-                  <a:pt x="1356845" y="-21288"/>
-                  <a:pt x="1564066" y="0"/>
-                </a:cubicBezTo>
-                <a:cubicBezTo>
-                  <a:pt x="1771287" y="21288"/>
-                  <a:pt x="1912099" y="25135"/>
-                  <a:pt x="2212729" y="0"/>
-                </a:cubicBezTo>
-                <a:cubicBezTo>
-                  <a:pt x="2513359" y="-25135"/>
-                  <a:pt x="2514918" y="-27119"/>
-                  <a:pt x="2776520" y="0"/>
-                </a:cubicBezTo>
-                <a:cubicBezTo>
-                  <a:pt x="3038122" y="27119"/>
-                  <a:pt x="3178771" y="18116"/>
-                  <a:pt x="3297875" y="0"/>
-                </a:cubicBezTo>
-                <a:cubicBezTo>
-                  <a:pt x="3416980" y="-18116"/>
-                  <a:pt x="4012240" y="-40869"/>
-                  <a:pt x="4243589" y="0"/>
-                </a:cubicBezTo>
-                <a:cubicBezTo>
-                  <a:pt x="4243987" y="7429"/>
-                  <a:pt x="4243569" y="10822"/>
-                  <a:pt x="4243589" y="18288"/>
-                </a:cubicBezTo>
-                <a:cubicBezTo>
-                  <a:pt x="4112949" y="-2855"/>
-                  <a:pt x="3928037" y="1831"/>
-                  <a:pt x="3637362" y="18288"/>
-                </a:cubicBezTo>
-                <a:cubicBezTo>
-                  <a:pt x="3346687" y="34745"/>
-                  <a:pt x="3254446" y="26669"/>
-                  <a:pt x="3116007" y="18288"/>
-                </a:cubicBezTo>
-                <a:cubicBezTo>
-                  <a:pt x="2977569" y="9907"/>
-                  <a:pt x="2620228" y="28873"/>
-                  <a:pt x="2424908" y="18288"/>
-                </a:cubicBezTo>
-                <a:cubicBezTo>
-                  <a:pt x="2229588" y="7703"/>
-                  <a:pt x="2088287" y="-3854"/>
-                  <a:pt x="1861117" y="18288"/>
-                </a:cubicBezTo>
-                <a:cubicBezTo>
-                  <a:pt x="1633947" y="40430"/>
-                  <a:pt x="1502447" y="-871"/>
-                  <a:pt x="1382198" y="18288"/>
-                </a:cubicBezTo>
-                <a:cubicBezTo>
-                  <a:pt x="1261949" y="37447"/>
-                  <a:pt x="1045440" y="28353"/>
-                  <a:pt x="733535" y="18288"/>
-                </a:cubicBezTo>
-                <a:cubicBezTo>
-                  <a:pt x="421630" y="8223"/>
-                  <a:pt x="341257" y="-18359"/>
-                  <a:pt x="0" y="18288"/>
-                </a:cubicBezTo>
-                <a:cubicBezTo>
-                  <a:pt x="-591" y="13205"/>
-                  <a:pt x="-663" y="6329"/>
-                  <a:pt x="0" y="0"/>
-                </a:cubicBezTo>
-                <a:close/>
-              </a:path>
-              <a:path w="4243589" h="18288" stroke="0" extrusionOk="0">
-                <a:moveTo>
-                  <a:pt x="0" y="0"/>
-                </a:moveTo>
-                <a:cubicBezTo>
-                  <a:pt x="128164" y="17204"/>
-                  <a:pt x="312653" y="1129"/>
-                  <a:pt x="563791" y="0"/>
-                </a:cubicBezTo>
-                <a:cubicBezTo>
-                  <a:pt x="814929" y="-1129"/>
-                  <a:pt x="837271" y="8503"/>
-                  <a:pt x="1042710" y="0"/>
-                </a:cubicBezTo>
-                <a:cubicBezTo>
-                  <a:pt x="1248149" y="-8503"/>
-                  <a:pt x="1588432" y="-28862"/>
-                  <a:pt x="1733809" y="0"/>
-                </a:cubicBezTo>
-                <a:cubicBezTo>
-                  <a:pt x="1879186" y="28862"/>
-                  <a:pt x="2052815" y="5974"/>
-                  <a:pt x="2297600" y="0"/>
-                </a:cubicBezTo>
-                <a:cubicBezTo>
-                  <a:pt x="2542385" y="-5974"/>
-                  <a:pt x="2699960" y="-23550"/>
-                  <a:pt x="2861391" y="0"/>
-                </a:cubicBezTo>
-                <a:cubicBezTo>
-                  <a:pt x="3022822" y="23550"/>
-                  <a:pt x="3390411" y="25272"/>
-                  <a:pt x="3552490" y="0"/>
-                </a:cubicBezTo>
-                <a:cubicBezTo>
-                  <a:pt x="3714569" y="-25272"/>
-                  <a:pt x="3950585" y="-31327"/>
-                  <a:pt x="4243589" y="0"/>
-                </a:cubicBezTo>
-                <a:cubicBezTo>
-                  <a:pt x="4242703" y="5429"/>
-                  <a:pt x="4244410" y="14046"/>
-                  <a:pt x="4243589" y="18288"/>
-                </a:cubicBezTo>
-                <a:cubicBezTo>
-                  <a:pt x="4130424" y="-1240"/>
-                  <a:pt x="3932803" y="42249"/>
-                  <a:pt x="3722234" y="18288"/>
-                </a:cubicBezTo>
-                <a:cubicBezTo>
-                  <a:pt x="3511665" y="-5673"/>
-                  <a:pt x="3269903" y="45994"/>
-                  <a:pt x="3116007" y="18288"/>
-                </a:cubicBezTo>
-                <a:cubicBezTo>
-                  <a:pt x="2962111" y="-9418"/>
-                  <a:pt x="2744280" y="23224"/>
-                  <a:pt x="2509780" y="18288"/>
-                </a:cubicBezTo>
-                <a:cubicBezTo>
-                  <a:pt x="2275280" y="13352"/>
-                  <a:pt x="2066059" y="43664"/>
-                  <a:pt x="1945989" y="18288"/>
-                </a:cubicBezTo>
-                <a:cubicBezTo>
-                  <a:pt x="1825919" y="-7088"/>
-                  <a:pt x="1407329" y="12616"/>
-                  <a:pt x="1254890" y="18288"/>
-                </a:cubicBezTo>
-                <a:cubicBezTo>
-                  <a:pt x="1102451" y="23960"/>
-                  <a:pt x="837950" y="31673"/>
-                  <a:pt x="563791" y="18288"/>
-                </a:cubicBezTo>
-                <a:cubicBezTo>
-                  <a:pt x="289632" y="4903"/>
-                  <a:pt x="132768" y="7105"/>
-                  <a:pt x="0" y="18288"/>
-                </a:cubicBezTo>
-                <a:cubicBezTo>
-                  <a:pt x="668" y="13665"/>
-                  <a:pt x="578" y="5675"/>
-                  <a:pt x="0" y="0"/>
-                </a:cubicBezTo>
-                <a:close/>
-              </a:path>
-            </a:pathLst>
-          </a:custGeom>
+          </a:prstGeom>
           <a:solidFill>
-            <a:srgbClr val="FFFFFF"/>
+            <a:schemeClr val="accent4">
+              <a:alpha val="30000"/>
+            </a:schemeClr>
           </a:solidFill>
-          <a:ln w="41275" cap="rnd">
-            <a:solidFill>
-              <a:srgbClr val="FFFFFF"/>
-            </a:solidFill>
-            <a:round/>
-            <a:extLst>
-              <a:ext uri="{C807C97D-BFC1-408E-A445-0C87EB9F89A2}">
-                <ask:lineSketchStyleProps xmlns:ask="http://schemas.microsoft.com/office/drawing/2018/sketchyshapes" sd="1219033472">
-                  <a:prstGeom prst="rect">
-                    <a:avLst/>
-                  </a:prstGeom>
-                  <ask:type>
-                    <ask:lineSketchFreehand/>
-                  </ask:type>
-                </ask:lineSketchStyleProps>
-              </a:ext>
-            </a:extLst>
+          <a:ln>
+            <a:noFill/>
           </a:ln>
         </p:spPr>
         <p:style>
@@ -26346,10 +26170,285 @@
           </a:p>
         </p:txBody>
       </p:sp>
+      <p:sp>
+        <p:nvSpPr>
+          <p:cNvPr id="25" name="Freeform: Shape 24">
+            <a:extLst>
+              <a:ext uri="{FF2B5EF4-FFF2-40B4-BE49-F238E27FC236}">
+                <a16:creationId xmlns:a16="http://schemas.microsoft.com/office/drawing/2014/main" id="{9A97C86A-04D6-40F7-AE84-31AB43E6A846}"/>
+              </a:ext>
+              <a:ext uri="{C183D7F6-B498-43B3-948B-1728B52AA6E4}">
+                <adec:decorative xmlns:adec="http://schemas.microsoft.com/office/drawing/2017/decorative" val="1"/>
+              </a:ext>
+            </a:extLst>
+          </p:cNvPr>
+          <p:cNvSpPr>
+            <a:spLocks noGrp="1" noRot="1" noChangeAspect="1" noMove="1" noResize="1" noEditPoints="1" noAdjustHandles="1" noChangeArrowheads="1" noChangeShapeType="1" noTextEdit="1"/>
+          </p:cNvSpPr>
+          <p:nvPr>
+            <p:extLst>
+              <p:ext uri="{386F3935-93C4-4BCD-93E2-E3B085C9AB24}">
+                <p16:designElem xmlns:p16="http://schemas.microsoft.com/office/powerpoint/2015/main" val="1"/>
+              </p:ext>
+            </p:extLst>
+          </p:nvPr>
+        </p:nvSpPr>
+        <p:spPr>
+          <a:xfrm rot="10800000" flipH="1">
+            <a:off x="9356643" y="0"/>
+            <a:ext cx="2835357" cy="1480837"/>
+          </a:xfrm>
+          <a:custGeom>
+            <a:avLst/>
+            <a:gdLst>
+              <a:gd name="connsiteX0" fmla="*/ 2835357 w 2835357"/>
+              <a:gd name="connsiteY0" fmla="*/ 1480837 h 1480837"/>
+              <a:gd name="connsiteX1" fmla="*/ 0 w 2835357"/>
+              <a:gd name="connsiteY1" fmla="*/ 1480837 h 1480837"/>
+              <a:gd name="connsiteX2" fmla="*/ 1552727 w 2835357"/>
+              <a:gd name="connsiteY2" fmla="*/ 0 h 1480837"/>
+              <a:gd name="connsiteX3" fmla="*/ 2835357 w 2835357"/>
+              <a:gd name="connsiteY3" fmla="*/ 1223245 h 1480837"/>
+            </a:gdLst>
+            <a:ahLst/>
+            <a:cxnLst>
+              <a:cxn ang="0">
+                <a:pos x="connsiteX0" y="connsiteY0"/>
+              </a:cxn>
+              <a:cxn ang="0">
+                <a:pos x="connsiteX1" y="connsiteY1"/>
+              </a:cxn>
+              <a:cxn ang="0">
+                <a:pos x="connsiteX2" y="connsiteY2"/>
+              </a:cxn>
+              <a:cxn ang="0">
+                <a:pos x="connsiteX3" y="connsiteY3"/>
+              </a:cxn>
+            </a:cxnLst>
+            <a:rect l="l" t="t" r="r" b="b"/>
+            <a:pathLst>
+              <a:path w="2835357" h="1480837">
+                <a:moveTo>
+                  <a:pt x="2835357" y="1480837"/>
+                </a:moveTo>
+                <a:lnTo>
+                  <a:pt x="0" y="1480837"/>
+                </a:lnTo>
+                <a:lnTo>
+                  <a:pt x="1552727" y="0"/>
+                </a:lnTo>
+                <a:lnTo>
+                  <a:pt x="2835357" y="1223245"/>
+                </a:lnTo>
+                <a:close/>
+              </a:path>
+            </a:pathLst>
+          </a:custGeom>
+          <a:solidFill>
+            <a:schemeClr val="accent4">
+              <a:alpha val="30000"/>
+            </a:schemeClr>
+          </a:solidFill>
+          <a:ln>
+            <a:noFill/>
+          </a:ln>
+        </p:spPr>
+        <p:style>
+          <a:lnRef idx="2">
+            <a:schemeClr val="accent1">
+              <a:shade val="50000"/>
+            </a:schemeClr>
+          </a:lnRef>
+          <a:fillRef idx="1">
+            <a:schemeClr val="accent1"/>
+          </a:fillRef>
+          <a:effectRef idx="0">
+            <a:schemeClr val="accent1"/>
+          </a:effectRef>
+          <a:fontRef idx="minor">
+            <a:schemeClr val="lt1"/>
+          </a:fontRef>
+        </p:style>
+        <p:txBody>
+          <a:bodyPr wrap="square" rtlCol="0" anchor="ctr">
+            <a:noAutofit/>
+          </a:bodyPr>
+          <a:lstStyle/>
+          <a:p>
+            <a:pPr algn="ctr"/>
+            <a:endParaRPr lang="en-US" dirty="0"/>
+          </a:p>
+        </p:txBody>
+      </p:sp>
+      <p:sp>
+        <p:nvSpPr>
+          <p:cNvPr id="27" name="Isosceles Triangle 26">
+            <a:extLst>
+              <a:ext uri="{FF2B5EF4-FFF2-40B4-BE49-F238E27FC236}">
+                <a16:creationId xmlns:a16="http://schemas.microsoft.com/office/drawing/2014/main" id="{FF9F2414-84E8-453E-B1F3-389FDE8192D9}"/>
+              </a:ext>
+              <a:ext uri="{C183D7F6-B498-43B3-948B-1728B52AA6E4}">
+                <adec:decorative xmlns:adec="http://schemas.microsoft.com/office/drawing/2017/decorative" val="1"/>
+              </a:ext>
+            </a:extLst>
+          </p:cNvPr>
+          <p:cNvSpPr>
+            <a:spLocks noGrp="1" noRot="1" noChangeAspect="1" noMove="1" noResize="1" noEditPoints="1" noAdjustHandles="1" noChangeArrowheads="1" noChangeShapeType="1" noTextEdit="1"/>
+          </p:cNvSpPr>
+          <p:nvPr>
+            <p:extLst>
+              <p:ext uri="{386F3935-93C4-4BCD-93E2-E3B085C9AB24}">
+                <p16:designElem xmlns:p16="http://schemas.microsoft.com/office/powerpoint/2015/main" val="1"/>
+              </p:ext>
+            </p:extLst>
+          </p:nvPr>
+        </p:nvSpPr>
+        <p:spPr>
+          <a:xfrm flipH="1">
+            <a:off x="7976344" y="6115501"/>
+            <a:ext cx="1494513" cy="742499"/>
+          </a:xfrm>
+          <a:prstGeom prst="triangle">
+            <a:avLst/>
+          </a:prstGeom>
+          <a:solidFill>
+            <a:schemeClr val="accent1">
+              <a:alpha val="30000"/>
+            </a:schemeClr>
+          </a:solidFill>
+          <a:ln>
+            <a:noFill/>
+          </a:ln>
+        </p:spPr>
+        <p:style>
+          <a:lnRef idx="2">
+            <a:schemeClr val="accent1">
+              <a:shade val="50000"/>
+            </a:schemeClr>
+          </a:lnRef>
+          <a:fillRef idx="1">
+            <a:schemeClr val="accent1"/>
+          </a:fillRef>
+          <a:effectRef idx="0">
+            <a:schemeClr val="accent1"/>
+          </a:effectRef>
+          <a:fontRef idx="minor">
+            <a:schemeClr val="lt1"/>
+          </a:fontRef>
+        </p:style>
+        <p:txBody>
+          <a:bodyPr rtlCol="0" anchor="ctr"/>
+          <a:lstStyle/>
+          <a:p>
+            <a:pPr algn="ctr"/>
+            <a:endParaRPr lang="en-US"/>
+          </a:p>
+        </p:txBody>
+      </p:sp>
+      <p:sp>
+        <p:nvSpPr>
+          <p:cNvPr id="29" name="Isosceles Triangle 28">
+            <a:extLst>
+              <a:ext uri="{FF2B5EF4-FFF2-40B4-BE49-F238E27FC236}">
+                <a16:creationId xmlns:a16="http://schemas.microsoft.com/office/drawing/2014/main" id="{3ECA69A1-7536-43AC-85EF-C7106179F5ED}"/>
+              </a:ext>
+              <a:ext uri="{C183D7F6-B498-43B3-948B-1728B52AA6E4}">
+                <adec:decorative xmlns:adec="http://schemas.microsoft.com/office/drawing/2017/decorative" val="1"/>
+              </a:ext>
+            </a:extLst>
+          </p:cNvPr>
+          <p:cNvSpPr>
+            <a:spLocks noGrp="1" noRot="1" noChangeAspect="1" noMove="1" noResize="1" noEditPoints="1" noAdjustHandles="1" noChangeArrowheads="1" noChangeShapeType="1" noTextEdit="1"/>
+          </p:cNvSpPr>
+          <p:nvPr>
+            <p:extLst>
+              <p:ext uri="{386F3935-93C4-4BCD-93E2-E3B085C9AB24}">
+                <p16:designElem xmlns:p16="http://schemas.microsoft.com/office/powerpoint/2015/main" val="1"/>
+              </p:ext>
+            </p:extLst>
+          </p:nvPr>
+        </p:nvSpPr>
+        <p:spPr>
+          <a:xfrm flipH="1">
+            <a:off x="7604080" y="6453143"/>
+            <a:ext cx="814903" cy="404857"/>
+          </a:xfrm>
+          <a:prstGeom prst="triangle">
+            <a:avLst/>
+          </a:prstGeom>
+          <a:solidFill>
+            <a:schemeClr val="accent1">
+              <a:alpha val="30000"/>
+            </a:schemeClr>
+          </a:solidFill>
+          <a:ln>
+            <a:noFill/>
+          </a:ln>
+        </p:spPr>
+        <p:style>
+          <a:lnRef idx="2">
+            <a:schemeClr val="accent1">
+              <a:shade val="50000"/>
+            </a:schemeClr>
+          </a:lnRef>
+          <a:fillRef idx="1">
+            <a:schemeClr val="accent1"/>
+          </a:fillRef>
+          <a:effectRef idx="0">
+            <a:schemeClr val="accent1"/>
+          </a:effectRef>
+          <a:fontRef idx="minor">
+            <a:schemeClr val="lt1"/>
+          </a:fontRef>
+        </p:style>
+        <p:txBody>
+          <a:bodyPr rtlCol="0" anchor="ctr"/>
+          <a:lstStyle/>
+          <a:p>
+            <a:pPr algn="ctr"/>
+            <a:endParaRPr lang="en-US"/>
+          </a:p>
+        </p:txBody>
+      </p:sp>
+      <p:pic>
+        <p:nvPicPr>
+          <p:cNvPr id="11" name="Content Placeholder 10" descr="Qr code">
+            <a:extLst>
+              <a:ext uri="{FF2B5EF4-FFF2-40B4-BE49-F238E27FC236}">
+                <a16:creationId xmlns:a16="http://schemas.microsoft.com/office/drawing/2014/main" id="{FF0B62EA-59A1-8BEF-D1AB-3704DF920580}"/>
+              </a:ext>
+            </a:extLst>
+          </p:cNvPr>
+          <p:cNvPicPr>
+            <a:picLocks noGrp="1" noChangeAspect="1"/>
+          </p:cNvPicPr>
+          <p:nvPr>
+            <p:ph idx="1"/>
+          </p:nvPr>
+        </p:nvPicPr>
+        <p:blipFill>
+          <a:blip r:embed="rId2">
+            <a:extLst>
+              <a:ext uri="{28A0092B-C50C-407E-A947-70E740481C1C}">
+                <a14:useLocalDpi xmlns:a14="http://schemas.microsoft.com/office/drawing/2010/main" val="0"/>
+              </a:ext>
+            </a:extLst>
+          </a:blip>
+          <a:stretch>
+            <a:fillRect/>
+          </a:stretch>
+        </p:blipFill>
+        <p:spPr>
+          <a:xfrm>
+            <a:off x="3920331" y="1415072"/>
+            <a:ext cx="4351338" cy="4351338"/>
+          </a:xfrm>
+        </p:spPr>
+      </p:pic>
     </p:spTree>
     <p:extLst>
       <p:ext uri="{BB962C8B-B14F-4D97-AF65-F5344CB8AC3E}">
-        <p14:creationId xmlns:p14="http://schemas.microsoft.com/office/powerpoint/2010/main" val="1326731530"/>
+        <p14:creationId xmlns:p14="http://schemas.microsoft.com/office/powerpoint/2010/main" val="494908057"/>
       </p:ext>
     </p:extLst>
   </p:cSld>
@@ -28445,7 +28544,7 @@
           <p:cNvPr id="2" name="Title 1">
             <a:extLst>
               <a:ext uri="{FF2B5EF4-FFF2-40B4-BE49-F238E27FC236}">
-                <a16:creationId xmlns:a16="http://schemas.microsoft.com/office/drawing/2014/main" id="{AF23883E-941A-23B4-B010-8A7BBF787315}"/>
+                <a16:creationId xmlns:a16="http://schemas.microsoft.com/office/drawing/2014/main" id="{06F0442F-6A90-DD71-F7CA-6C5C5127A688}"/>
               </a:ext>
             </a:extLst>
           </p:cNvPr>
@@ -28474,7 +28573,7 @@
                   <a:srgbClr val="FFFFFF"/>
                 </a:solidFill>
               </a:rPr>
-              <a:t>What is Web Server</a:t>
+              <a:t>Response</a:t>
             </a:r>
           </a:p>
         </p:txBody>
@@ -28484,7 +28583,7 @@
           <p:cNvPr id="3" name="Content Placeholder 2">
             <a:extLst>
               <a:ext uri="{FF2B5EF4-FFF2-40B4-BE49-F238E27FC236}">
-                <a16:creationId xmlns:a16="http://schemas.microsoft.com/office/drawing/2014/main" id="{154733B4-D9BF-68B4-F489-873D10B103AA}"/>
+                <a16:creationId xmlns:a16="http://schemas.microsoft.com/office/drawing/2014/main" id="{A23BB213-F652-D465-BA19-6EE3B563A0F2}"/>
               </a:ext>
             </a:extLst>
           </p:cNvPr>
@@ -28502,48 +28601,71 @@
           </a:xfrm>
         </p:spPr>
         <p:txBody>
-          <a:bodyPr vert="horz" lIns="91440" tIns="45720" rIns="91440" bIns="45720" rtlCol="0" anchor="t">
-            <a:normAutofit/>
+          <a:bodyPr>
+            <a:normAutofit fontScale="92500" lnSpcReduction="20000"/>
           </a:bodyPr>
           <a:lstStyle/>
           <a:p>
-            <a:pPr marL="0" indent="0">
+            <a:pPr>
               <a:lnSpc>
                 <a:spcPct val="150000"/>
               </a:lnSpc>
-              <a:buNone/>
             </a:pPr>
             <a:r>
-              <a:rPr lang="en-US" sz="3200" dirty="0">
-                <a:ea typeface="+mn-lt"/>
-                <a:cs typeface="+mn-lt"/>
-              </a:rPr>
-              <a:t>A </a:t>
+              <a:rPr lang="en-US" sz="3200" dirty="0"/>
+              <a:t>Response 1XX - Information</a:t>
             </a:r>
+          </a:p>
+          <a:p>
+            <a:pPr>
+              <a:lnSpc>
+                <a:spcPct val="150000"/>
+              </a:lnSpc>
+            </a:pPr>
             <a:r>
-              <a:rPr lang="en-US" sz="3200" b="1" dirty="0">
-                <a:ea typeface="+mn-lt"/>
-                <a:cs typeface="+mn-lt"/>
-              </a:rPr>
-              <a:t>web server</a:t>
+              <a:rPr lang="en-US" sz="3200" dirty="0"/>
+              <a:t>Response 2XX - Successful</a:t>
             </a:r>
+          </a:p>
+          <a:p>
+            <a:pPr>
+              <a:lnSpc>
+                <a:spcPct val="150000"/>
+              </a:lnSpc>
+            </a:pPr>
             <a:r>
-              <a:rPr lang="en-US" sz="3200" dirty="0">
-                <a:ea typeface="+mn-lt"/>
-                <a:cs typeface="+mn-lt"/>
-              </a:rPr>
-              <a:t> is computer software and underlying hardware  that accepts requests via HTTP or its secure variant HTTPS.</a:t>
+              <a:rPr lang="en-US" sz="3200" dirty="0"/>
+              <a:t>Response 3XX - Redirection</a:t>
             </a:r>
-            <a:endParaRPr lang="en-US" sz="3200">
-              <a:cs typeface="Calibri" panose="020F0502020204030204"/>
-            </a:endParaRPr>
+          </a:p>
+          <a:p>
+            <a:pPr>
+              <a:lnSpc>
+                <a:spcPct val="150000"/>
+              </a:lnSpc>
+            </a:pPr>
+            <a:r>
+              <a:rPr lang="en-US" sz="3200" dirty="0"/>
+              <a:t>Response 4XX - Client Error</a:t>
+            </a:r>
+          </a:p>
+          <a:p>
+            <a:pPr>
+              <a:lnSpc>
+                <a:spcPct val="150000"/>
+              </a:lnSpc>
+            </a:pPr>
+            <a:r>
+              <a:rPr lang="en-US" sz="3200" dirty="0"/>
+              <a:t>Response 5XX - Server Error</a:t>
+            </a:r>
           </a:p>
         </p:txBody>
       </p:sp>
     </p:spTree>
     <p:extLst>
       <p:ext uri="{BB962C8B-B14F-4D97-AF65-F5344CB8AC3E}">
-        <p14:creationId xmlns:p14="http://schemas.microsoft.com/office/powerpoint/2010/main" val="290066214"/>
+        <p14:creationId xmlns:p14="http://schemas.microsoft.com/office/powerpoint/2010/main" val="2818251461"/>
       </p:ext>
     </p:extLst>
   </p:cSld>
@@ -28583,7 +28705,7 @@
           <p:cNvPr id="8" name="Rectangle 7">
             <a:extLst>
               <a:ext uri="{FF2B5EF4-FFF2-40B4-BE49-F238E27FC236}">
-                <a16:creationId xmlns:a16="http://schemas.microsoft.com/office/drawing/2014/main" id="{AC17DE74-01C9-4859-B65A-85CF999E8580}"/>
+                <a16:creationId xmlns:a16="http://schemas.microsoft.com/office/drawing/2014/main" id="{B768BC45-6978-4563-AFFC-4378E82C53D8}"/>
               </a:ext>
               <a:ext uri="{C183D7F6-B498-43B3-948B-1728B52AA6E4}">
                 <adec:decorative xmlns:adec="http://schemas.microsoft.com/office/drawing/2017/decorative" val="1"/>
@@ -28640,10 +28762,10 @@
       </p:sp>
       <p:sp>
         <p:nvSpPr>
-          <p:cNvPr id="10" name="Freeform: Shape 9">
+          <p:cNvPr id="10" name="colored rectangle">
             <a:extLst>
               <a:ext uri="{FF2B5EF4-FFF2-40B4-BE49-F238E27FC236}">
-                <a16:creationId xmlns:a16="http://schemas.microsoft.com/office/drawing/2014/main" id="{068C0432-0E90-4CC1-8CD3-D44A90DF07EF}"/>
+                <a16:creationId xmlns:a16="http://schemas.microsoft.com/office/drawing/2014/main" id="{A80A8067-64B4-47DF-9C4D-88D9ADEC21BB}"/>
               </a:ext>
               <a:ext uri="{C183D7F6-B498-43B3-948B-1728B52AA6E4}">
                 <adec:decorative xmlns:adec="http://schemas.microsoft.com/office/drawing/2017/decorative" val="1"/>
@@ -28664,839 +28786,39 @@
         <p:spPr>
           <a:xfrm>
             <a:off x="0" y="0"/>
-            <a:ext cx="12192000" cy="2347414"/>
+            <a:ext cx="12192000" cy="6858000"/>
           </a:xfrm>
-          <a:custGeom>
+          <a:prstGeom prst="rect">
             <a:avLst/>
-            <a:gdLst>
-              <a:gd name="connsiteX0" fmla="*/ 0 w 12192000"/>
-              <a:gd name="connsiteY0" fmla="*/ 0 h 2347414"/>
-              <a:gd name="connsiteX1" fmla="*/ 12192000 w 12192000"/>
-              <a:gd name="connsiteY1" fmla="*/ 0 h 2347414"/>
-              <a:gd name="connsiteX2" fmla="*/ 12192000 w 12192000"/>
-              <a:gd name="connsiteY2" fmla="*/ 1736458 h 2347414"/>
-              <a:gd name="connsiteX3" fmla="*/ 11967601 w 12192000"/>
-              <a:gd name="connsiteY3" fmla="*/ 1784034 h 2347414"/>
-              <a:gd name="connsiteX4" fmla="*/ 10829000 w 12192000"/>
-              <a:gd name="connsiteY4" fmla="*/ 1983294 h 2347414"/>
-              <a:gd name="connsiteX5" fmla="*/ 10743779 w 12192000"/>
-              <a:gd name="connsiteY5" fmla="*/ 1996027 h 2347414"/>
-              <a:gd name="connsiteX6" fmla="*/ 10829254 w 12192000"/>
-              <a:gd name="connsiteY6" fmla="*/ 1987751 h 2347414"/>
-              <a:gd name="connsiteX7" fmla="*/ 10847162 w 12192000"/>
-              <a:gd name="connsiteY7" fmla="*/ 1988388 h 2347414"/>
-              <a:gd name="connsiteX8" fmla="*/ 11575155 w 12192000"/>
-              <a:gd name="connsiteY8" fmla="*/ 1921415 h 2347414"/>
-              <a:gd name="connsiteX9" fmla="*/ 12192000 w 12192000"/>
-              <a:gd name="connsiteY9" fmla="*/ 1851213 h 2347414"/>
-              <a:gd name="connsiteX10" fmla="*/ 12192000 w 12192000"/>
-              <a:gd name="connsiteY10" fmla="*/ 1907356 h 2347414"/>
-              <a:gd name="connsiteX11" fmla="*/ 12035532 w 12192000"/>
-              <a:gd name="connsiteY11" fmla="*/ 1927033 h 2347414"/>
-              <a:gd name="connsiteX12" fmla="*/ 11576932 w 12192000"/>
-              <a:gd name="connsiteY12" fmla="*/ 1976291 h 2347414"/>
-              <a:gd name="connsiteX13" fmla="*/ 10627316 w 12192000"/>
-              <a:gd name="connsiteY13" fmla="*/ 2061470 h 2347414"/>
-              <a:gd name="connsiteX14" fmla="*/ 9804196 w 12192000"/>
-              <a:gd name="connsiteY14" fmla="*/ 2123478 h 2347414"/>
-              <a:gd name="connsiteX15" fmla="*/ 9243851 w 12192000"/>
-              <a:gd name="connsiteY15" fmla="*/ 2180008 h 2347414"/>
-              <a:gd name="connsiteX16" fmla="*/ 8731259 w 12192000"/>
-              <a:gd name="connsiteY16" fmla="*/ 2225081 h 2347414"/>
-              <a:gd name="connsiteX17" fmla="*/ 8065752 w 12192000"/>
-              <a:gd name="connsiteY17" fmla="*/ 2271681 h 2347414"/>
-              <a:gd name="connsiteX18" fmla="*/ 7658065 w 12192000"/>
-              <a:gd name="connsiteY18" fmla="*/ 2292562 h 2347414"/>
-              <a:gd name="connsiteX19" fmla="*/ 6531024 w 12192000"/>
-              <a:gd name="connsiteY19" fmla="*/ 2324138 h 2347414"/>
-              <a:gd name="connsiteX20" fmla="*/ 6178331 w 12192000"/>
-              <a:gd name="connsiteY20" fmla="*/ 2345655 h 2347414"/>
-              <a:gd name="connsiteX21" fmla="*/ 5977282 w 12192000"/>
-              <a:gd name="connsiteY21" fmla="*/ 2344127 h 2347414"/>
-              <a:gd name="connsiteX22" fmla="*/ 5367658 w 12192000"/>
-              <a:gd name="connsiteY22" fmla="*/ 2329230 h 2347414"/>
-              <a:gd name="connsiteX23" fmla="*/ 4387306 w 12192000"/>
-              <a:gd name="connsiteY23" fmla="*/ 2288614 h 2347414"/>
-              <a:gd name="connsiteX24" fmla="*/ 4180287 w 12192000"/>
-              <a:gd name="connsiteY24" fmla="*/ 2280211 h 2347414"/>
-              <a:gd name="connsiteX25" fmla="*/ 3842199 w 12192000"/>
-              <a:gd name="connsiteY25" fmla="*/ 2257039 h 2347414"/>
-              <a:gd name="connsiteX26" fmla="*/ 3730309 w 12192000"/>
-              <a:gd name="connsiteY26" fmla="*/ 2251182 h 2347414"/>
-              <a:gd name="connsiteX27" fmla="*/ 3425496 w 12192000"/>
-              <a:gd name="connsiteY27" fmla="*/ 2231320 h 2347414"/>
-              <a:gd name="connsiteX28" fmla="*/ 3076106 w 12192000"/>
-              <a:gd name="connsiteY28" fmla="*/ 2201781 h 2347414"/>
-              <a:gd name="connsiteX29" fmla="*/ 2819682 w 12192000"/>
-              <a:gd name="connsiteY29" fmla="*/ 2182427 h 2347414"/>
-              <a:gd name="connsiteX30" fmla="*/ 2525539 w 12192000"/>
-              <a:gd name="connsiteY30" fmla="*/ 2152888 h 2347414"/>
-              <a:gd name="connsiteX31" fmla="*/ 2311915 w 12192000"/>
-              <a:gd name="connsiteY31" fmla="*/ 2133536 h 2347414"/>
-              <a:gd name="connsiteX32" fmla="*/ 2054223 w 12192000"/>
-              <a:gd name="connsiteY32" fmla="*/ 2104760 h 2347414"/>
-              <a:gd name="connsiteX33" fmla="*/ 1865367 w 12192000"/>
-              <a:gd name="connsiteY33" fmla="*/ 2084770 h 2347414"/>
-              <a:gd name="connsiteX34" fmla="*/ 1629263 w 12192000"/>
-              <a:gd name="connsiteY34" fmla="*/ 2055996 h 2347414"/>
-              <a:gd name="connsiteX35" fmla="*/ 1458823 w 12192000"/>
-              <a:gd name="connsiteY35" fmla="*/ 2035751 h 2347414"/>
-              <a:gd name="connsiteX36" fmla="*/ 1241390 w 12192000"/>
-              <a:gd name="connsiteY36" fmla="*/ 2007103 h 2347414"/>
-              <a:gd name="connsiteX37" fmla="*/ 1047453 w 12192000"/>
-              <a:gd name="connsiteY37" fmla="*/ 1980748 h 2347414"/>
-              <a:gd name="connsiteX38" fmla="*/ 814907 w 12192000"/>
-              <a:gd name="connsiteY38" fmla="*/ 1949045 h 2347414"/>
-              <a:gd name="connsiteX39" fmla="*/ 592649 w 12192000"/>
-              <a:gd name="connsiteY39" fmla="*/ 1913776 h 2347414"/>
-              <a:gd name="connsiteX40" fmla="*/ 343591 w 12192000"/>
-              <a:gd name="connsiteY40" fmla="*/ 1872650 h 2347414"/>
-              <a:gd name="connsiteX41" fmla="*/ 35731 w 12192000"/>
-              <a:gd name="connsiteY41" fmla="*/ 1821722 h 2347414"/>
-              <a:gd name="connsiteX42" fmla="*/ 0 w 12192000"/>
-              <a:gd name="connsiteY42" fmla="*/ 1814848 h 2347414"/>
-              <a:gd name="connsiteX43" fmla="*/ 0 w 12192000"/>
-              <a:gd name="connsiteY43" fmla="*/ 1758489 h 2347414"/>
-              <a:gd name="connsiteX44" fmla="*/ 274248 w 12192000"/>
-              <a:gd name="connsiteY44" fmla="*/ 1808735 h 2347414"/>
-              <a:gd name="connsiteX45" fmla="*/ 498157 w 12192000"/>
-              <a:gd name="connsiteY45" fmla="*/ 1846167 h 2347414"/>
-              <a:gd name="connsiteX46" fmla="*/ 722828 w 12192000"/>
-              <a:gd name="connsiteY46" fmla="*/ 1878635 h 2347414"/>
-              <a:gd name="connsiteX47" fmla="*/ 949913 w 12192000"/>
-              <a:gd name="connsiteY47" fmla="*/ 1912375 h 2347414"/>
-              <a:gd name="connsiteX48" fmla="*/ 1195414 w 12192000"/>
-              <a:gd name="connsiteY48" fmla="*/ 1947516 h 2347414"/>
-              <a:gd name="connsiteX49" fmla="*/ 1342867 w 12192000"/>
-              <a:gd name="connsiteY49" fmla="*/ 1968397 h 2347414"/>
-              <a:gd name="connsiteX50" fmla="*/ 1518007 w 12192000"/>
-              <a:gd name="connsiteY50" fmla="*/ 1988006 h 2347414"/>
-              <a:gd name="connsiteX51" fmla="*/ 1701403 w 12192000"/>
-              <a:gd name="connsiteY51" fmla="*/ 2010669 h 2347414"/>
-              <a:gd name="connsiteX52" fmla="*/ 1879210 w 12192000"/>
-              <a:gd name="connsiteY52" fmla="*/ 2031167 h 2347414"/>
-              <a:gd name="connsiteX53" fmla="*/ 2068702 w 12192000"/>
-              <a:gd name="connsiteY53" fmla="*/ 2052940 h 2347414"/>
-              <a:gd name="connsiteX54" fmla="*/ 2212090 w 12192000"/>
-              <a:gd name="connsiteY54" fmla="*/ 2067583 h 2347414"/>
-              <a:gd name="connsiteX55" fmla="*/ 2416949 w 12192000"/>
-              <a:gd name="connsiteY55" fmla="*/ 2089609 h 2347414"/>
-              <a:gd name="connsiteX56" fmla="*/ 2582055 w 12192000"/>
-              <a:gd name="connsiteY56" fmla="*/ 2105397 h 2347414"/>
-              <a:gd name="connsiteX57" fmla="*/ 2802282 w 12192000"/>
-              <a:gd name="connsiteY57" fmla="*/ 2126405 h 2347414"/>
-              <a:gd name="connsiteX58" fmla="*/ 2984916 w 12192000"/>
-              <a:gd name="connsiteY58" fmla="*/ 2141684 h 2347414"/>
-              <a:gd name="connsiteX59" fmla="*/ 3241847 w 12192000"/>
-              <a:gd name="connsiteY59" fmla="*/ 2164094 h 2347414"/>
-              <a:gd name="connsiteX60" fmla="*/ 3439848 w 12192000"/>
-              <a:gd name="connsiteY60" fmla="*/ 2176826 h 2347414"/>
-              <a:gd name="connsiteX61" fmla="*/ 3658678 w 12192000"/>
-              <a:gd name="connsiteY61" fmla="*/ 2194523 h 2347414"/>
-              <a:gd name="connsiteX62" fmla="*/ 3881317 w 12192000"/>
-              <a:gd name="connsiteY62" fmla="*/ 2206491 h 2347414"/>
-              <a:gd name="connsiteX63" fmla="*/ 4148916 w 12192000"/>
-              <a:gd name="connsiteY63" fmla="*/ 2225081 h 2347414"/>
-              <a:gd name="connsiteX64" fmla="*/ 4468337 w 12192000"/>
-              <a:gd name="connsiteY64" fmla="*/ 2237813 h 2347414"/>
-              <a:gd name="connsiteX65" fmla="*/ 4605375 w 12192000"/>
-              <a:gd name="connsiteY65" fmla="*/ 2240232 h 2347414"/>
-              <a:gd name="connsiteX66" fmla="*/ 4527647 w 12192000"/>
-              <a:gd name="connsiteY66" fmla="*/ 2236412 h 2347414"/>
-              <a:gd name="connsiteX67" fmla="*/ 4175589 w 12192000"/>
-              <a:gd name="connsiteY67" fmla="*/ 2212985 h 2347414"/>
-              <a:gd name="connsiteX68" fmla="*/ 3988255 w 12192000"/>
-              <a:gd name="connsiteY68" fmla="*/ 2200253 h 2347414"/>
-              <a:gd name="connsiteX69" fmla="*/ 3686492 w 12192000"/>
-              <a:gd name="connsiteY69" fmla="*/ 2176062 h 2347414"/>
-              <a:gd name="connsiteX70" fmla="*/ 3517320 w 12192000"/>
-              <a:gd name="connsiteY70" fmla="*/ 2163330 h 2347414"/>
-              <a:gd name="connsiteX71" fmla="*/ 3258357 w 12192000"/>
-              <a:gd name="connsiteY71" fmla="*/ 2139519 h 2347414"/>
-              <a:gd name="connsiteX72" fmla="*/ 3101506 w 12192000"/>
-              <a:gd name="connsiteY72" fmla="*/ 2126787 h 2347414"/>
-              <a:gd name="connsiteX73" fmla="*/ 2809395 w 12192000"/>
-              <a:gd name="connsiteY73" fmla="*/ 2097502 h 2347414"/>
-              <a:gd name="connsiteX74" fmla="*/ 2598566 w 12192000"/>
-              <a:gd name="connsiteY74" fmla="*/ 2078532 h 2347414"/>
-              <a:gd name="connsiteX75" fmla="*/ 2337444 w 12192000"/>
-              <a:gd name="connsiteY75" fmla="*/ 2048611 h 2347414"/>
-              <a:gd name="connsiteX76" fmla="*/ 2091054 w 12192000"/>
-              <a:gd name="connsiteY76" fmla="*/ 2023146 h 2347414"/>
-              <a:gd name="connsiteX77" fmla="*/ 1755761 w 12192000"/>
-              <a:gd name="connsiteY77" fmla="*/ 1981384 h 2347414"/>
-              <a:gd name="connsiteX78" fmla="*/ 1441169 w 12192000"/>
-              <a:gd name="connsiteY78" fmla="*/ 1943824 h 2347414"/>
-              <a:gd name="connsiteX79" fmla="*/ 1017607 w 12192000"/>
-              <a:gd name="connsiteY79" fmla="*/ 1883345 h 2347414"/>
-              <a:gd name="connsiteX80" fmla="*/ 594427 w 12192000"/>
-              <a:gd name="connsiteY80" fmla="*/ 1821849 h 2347414"/>
-              <a:gd name="connsiteX81" fmla="*/ 200711 w 12192000"/>
-              <a:gd name="connsiteY81" fmla="*/ 1755132 h 2347414"/>
-              <a:gd name="connsiteX82" fmla="*/ 0 w 12192000"/>
-              <a:gd name="connsiteY82" fmla="*/ 1718743 h 2347414"/>
-            </a:gdLst>
-            <a:ahLst/>
-            <a:cxnLst>
-              <a:cxn ang="0">
-                <a:pos x="connsiteX0" y="connsiteY0"/>
-              </a:cxn>
-              <a:cxn ang="0">
-                <a:pos x="connsiteX1" y="connsiteY1"/>
-              </a:cxn>
-              <a:cxn ang="0">
-                <a:pos x="connsiteX2" y="connsiteY2"/>
-              </a:cxn>
-              <a:cxn ang="0">
-                <a:pos x="connsiteX3" y="connsiteY3"/>
-              </a:cxn>
-              <a:cxn ang="0">
-                <a:pos x="connsiteX4" y="connsiteY4"/>
-              </a:cxn>
-              <a:cxn ang="0">
-                <a:pos x="connsiteX5" y="connsiteY5"/>
-              </a:cxn>
-              <a:cxn ang="0">
-                <a:pos x="connsiteX6" y="connsiteY6"/>
-              </a:cxn>
-              <a:cxn ang="0">
-                <a:pos x="connsiteX7" y="connsiteY7"/>
-              </a:cxn>
-              <a:cxn ang="0">
-                <a:pos x="connsiteX8" y="connsiteY8"/>
-              </a:cxn>
-              <a:cxn ang="0">
-                <a:pos x="connsiteX9" y="connsiteY9"/>
-              </a:cxn>
-              <a:cxn ang="0">
-                <a:pos x="connsiteX10" y="connsiteY10"/>
-              </a:cxn>
-              <a:cxn ang="0">
-                <a:pos x="connsiteX11" y="connsiteY11"/>
-              </a:cxn>
-              <a:cxn ang="0">
-                <a:pos x="connsiteX12" y="connsiteY12"/>
-              </a:cxn>
-              <a:cxn ang="0">
-                <a:pos x="connsiteX13" y="connsiteY13"/>
-              </a:cxn>
-              <a:cxn ang="0">
-                <a:pos x="connsiteX14" y="connsiteY14"/>
-              </a:cxn>
-              <a:cxn ang="0">
-                <a:pos x="connsiteX15" y="connsiteY15"/>
-              </a:cxn>
-              <a:cxn ang="0">
-                <a:pos x="connsiteX16" y="connsiteY16"/>
-              </a:cxn>
-              <a:cxn ang="0">
-                <a:pos x="connsiteX17" y="connsiteY17"/>
-              </a:cxn>
-              <a:cxn ang="0">
-                <a:pos x="connsiteX18" y="connsiteY18"/>
-              </a:cxn>
-              <a:cxn ang="0">
-                <a:pos x="connsiteX19" y="connsiteY19"/>
-              </a:cxn>
-              <a:cxn ang="0">
-                <a:pos x="connsiteX20" y="connsiteY20"/>
-              </a:cxn>
-              <a:cxn ang="0">
-                <a:pos x="connsiteX21" y="connsiteY21"/>
-              </a:cxn>
-              <a:cxn ang="0">
-                <a:pos x="connsiteX22" y="connsiteY22"/>
-              </a:cxn>
-              <a:cxn ang="0">
-                <a:pos x="connsiteX23" y="connsiteY23"/>
-              </a:cxn>
-              <a:cxn ang="0">
-                <a:pos x="connsiteX24" y="connsiteY24"/>
-              </a:cxn>
-              <a:cxn ang="0">
-                <a:pos x="connsiteX25" y="connsiteY25"/>
-              </a:cxn>
-              <a:cxn ang="0">
-                <a:pos x="connsiteX26" y="connsiteY26"/>
-              </a:cxn>
-              <a:cxn ang="0">
-                <a:pos x="connsiteX27" y="connsiteY27"/>
-              </a:cxn>
-              <a:cxn ang="0">
-                <a:pos x="connsiteX28" y="connsiteY28"/>
-              </a:cxn>
-              <a:cxn ang="0">
-                <a:pos x="connsiteX29" y="connsiteY29"/>
-              </a:cxn>
-              <a:cxn ang="0">
-                <a:pos x="connsiteX30" y="connsiteY30"/>
-              </a:cxn>
-              <a:cxn ang="0">
-                <a:pos x="connsiteX31" y="connsiteY31"/>
-              </a:cxn>
-              <a:cxn ang="0">
-                <a:pos x="connsiteX32" y="connsiteY32"/>
-              </a:cxn>
-              <a:cxn ang="0">
-                <a:pos x="connsiteX33" y="connsiteY33"/>
-              </a:cxn>
-              <a:cxn ang="0">
-                <a:pos x="connsiteX34" y="connsiteY34"/>
-              </a:cxn>
-              <a:cxn ang="0">
-                <a:pos x="connsiteX35" y="connsiteY35"/>
-              </a:cxn>
-              <a:cxn ang="0">
-                <a:pos x="connsiteX36" y="connsiteY36"/>
-              </a:cxn>
-              <a:cxn ang="0">
-                <a:pos x="connsiteX37" y="connsiteY37"/>
-              </a:cxn>
-              <a:cxn ang="0">
-                <a:pos x="connsiteX38" y="connsiteY38"/>
-              </a:cxn>
-              <a:cxn ang="0">
-                <a:pos x="connsiteX39" y="connsiteY39"/>
-              </a:cxn>
-              <a:cxn ang="0">
-                <a:pos x="connsiteX40" y="connsiteY40"/>
-              </a:cxn>
-              <a:cxn ang="0">
-                <a:pos x="connsiteX41" y="connsiteY41"/>
-              </a:cxn>
-              <a:cxn ang="0">
-                <a:pos x="connsiteX42" y="connsiteY42"/>
-              </a:cxn>
-              <a:cxn ang="0">
-                <a:pos x="connsiteX43" y="connsiteY43"/>
-              </a:cxn>
-              <a:cxn ang="0">
-                <a:pos x="connsiteX44" y="connsiteY44"/>
-              </a:cxn>
-              <a:cxn ang="0">
-                <a:pos x="connsiteX45" y="connsiteY45"/>
-              </a:cxn>
-              <a:cxn ang="0">
-                <a:pos x="connsiteX46" y="connsiteY46"/>
-              </a:cxn>
-              <a:cxn ang="0">
-                <a:pos x="connsiteX47" y="connsiteY47"/>
-              </a:cxn>
-              <a:cxn ang="0">
-                <a:pos x="connsiteX48" y="connsiteY48"/>
-              </a:cxn>
-              <a:cxn ang="0">
-                <a:pos x="connsiteX49" y="connsiteY49"/>
-              </a:cxn>
-              <a:cxn ang="0">
-                <a:pos x="connsiteX50" y="connsiteY50"/>
-              </a:cxn>
-              <a:cxn ang="0">
-                <a:pos x="connsiteX51" y="connsiteY51"/>
-              </a:cxn>
-              <a:cxn ang="0">
-                <a:pos x="connsiteX52" y="connsiteY52"/>
-              </a:cxn>
-              <a:cxn ang="0">
-                <a:pos x="connsiteX53" y="connsiteY53"/>
-              </a:cxn>
-              <a:cxn ang="0">
-                <a:pos x="connsiteX54" y="connsiteY54"/>
-              </a:cxn>
-              <a:cxn ang="0">
-                <a:pos x="connsiteX55" y="connsiteY55"/>
-              </a:cxn>
-              <a:cxn ang="0">
-                <a:pos x="connsiteX56" y="connsiteY56"/>
-              </a:cxn>
-              <a:cxn ang="0">
-                <a:pos x="connsiteX57" y="connsiteY57"/>
-              </a:cxn>
-              <a:cxn ang="0">
-                <a:pos x="connsiteX58" y="connsiteY58"/>
-              </a:cxn>
-              <a:cxn ang="0">
-                <a:pos x="connsiteX59" y="connsiteY59"/>
-              </a:cxn>
-              <a:cxn ang="0">
-                <a:pos x="connsiteX60" y="connsiteY60"/>
-              </a:cxn>
-              <a:cxn ang="0">
-                <a:pos x="connsiteX61" y="connsiteY61"/>
-              </a:cxn>
-              <a:cxn ang="0">
-                <a:pos x="connsiteX62" y="connsiteY62"/>
-              </a:cxn>
-              <a:cxn ang="0">
-                <a:pos x="connsiteX63" y="connsiteY63"/>
-              </a:cxn>
-              <a:cxn ang="0">
-                <a:pos x="connsiteX64" y="connsiteY64"/>
-              </a:cxn>
-              <a:cxn ang="0">
-                <a:pos x="connsiteX65" y="connsiteY65"/>
-              </a:cxn>
-              <a:cxn ang="0">
-                <a:pos x="connsiteX66" y="connsiteY66"/>
-              </a:cxn>
-              <a:cxn ang="0">
-                <a:pos x="connsiteX67" y="connsiteY67"/>
-              </a:cxn>
-              <a:cxn ang="0">
-                <a:pos x="connsiteX68" y="connsiteY68"/>
-              </a:cxn>
-              <a:cxn ang="0">
-                <a:pos x="connsiteX69" y="connsiteY69"/>
-              </a:cxn>
-              <a:cxn ang="0">
-                <a:pos x="connsiteX70" y="connsiteY70"/>
-              </a:cxn>
-              <a:cxn ang="0">
-                <a:pos x="connsiteX71" y="connsiteY71"/>
-              </a:cxn>
-              <a:cxn ang="0">
-                <a:pos x="connsiteX72" y="connsiteY72"/>
-              </a:cxn>
-              <a:cxn ang="0">
-                <a:pos x="connsiteX73" y="connsiteY73"/>
-              </a:cxn>
-              <a:cxn ang="0">
-                <a:pos x="connsiteX74" y="connsiteY74"/>
-              </a:cxn>
-              <a:cxn ang="0">
-                <a:pos x="connsiteX75" y="connsiteY75"/>
-              </a:cxn>
-              <a:cxn ang="0">
-                <a:pos x="connsiteX76" y="connsiteY76"/>
-              </a:cxn>
-              <a:cxn ang="0">
-                <a:pos x="connsiteX77" y="connsiteY77"/>
-              </a:cxn>
-              <a:cxn ang="0">
-                <a:pos x="connsiteX78" y="connsiteY78"/>
-              </a:cxn>
-              <a:cxn ang="0">
-                <a:pos x="connsiteX79" y="connsiteY79"/>
-              </a:cxn>
-              <a:cxn ang="0">
-                <a:pos x="connsiteX80" y="connsiteY80"/>
-              </a:cxn>
-              <a:cxn ang="0">
-                <a:pos x="connsiteX81" y="connsiteY81"/>
-              </a:cxn>
-              <a:cxn ang="0">
-                <a:pos x="connsiteX82" y="connsiteY82"/>
-              </a:cxn>
-            </a:cxnLst>
-            <a:rect l="l" t="t" r="r" b="b"/>
-            <a:pathLst>
-              <a:path w="12192000" h="2347414">
-                <a:moveTo>
-                  <a:pt x="0" y="0"/>
-                </a:moveTo>
-                <a:lnTo>
-                  <a:pt x="12192000" y="0"/>
-                </a:lnTo>
-                <a:lnTo>
-                  <a:pt x="12192000" y="1736458"/>
-                </a:lnTo>
-                <a:lnTo>
-                  <a:pt x="11967601" y="1784034"/>
-                </a:lnTo>
-                <a:cubicBezTo>
-                  <a:pt x="11589888" y="1859409"/>
-                  <a:pt x="11209762" y="1923961"/>
-                  <a:pt x="10829000" y="1983294"/>
-                </a:cubicBezTo>
-                <a:lnTo>
-                  <a:pt x="10743779" y="1996027"/>
-                </a:lnTo>
-                <a:cubicBezTo>
-                  <a:pt x="10772495" y="1996778"/>
-                  <a:pt x="10801211" y="1993989"/>
-                  <a:pt x="10829254" y="1987751"/>
-                </a:cubicBezTo>
-                <a:cubicBezTo>
-                  <a:pt x="10835198" y="1988337"/>
-                  <a:pt x="10841180" y="1988553"/>
-                  <a:pt x="10847162" y="1988388"/>
-                </a:cubicBezTo>
-                <a:cubicBezTo>
-                  <a:pt x="11090123" y="1968907"/>
-                  <a:pt x="11332703" y="1945734"/>
-                  <a:pt x="11575155" y="1921415"/>
-                </a:cubicBezTo>
-                <a:lnTo>
-                  <a:pt x="12192000" y="1851213"/>
-                </a:lnTo>
-                <a:lnTo>
-                  <a:pt x="12192000" y="1907356"/>
-                </a:lnTo>
-                <a:lnTo>
-                  <a:pt x="12035532" y="1927033"/>
-                </a:lnTo>
-                <a:cubicBezTo>
-                  <a:pt x="11882793" y="1944747"/>
-                  <a:pt x="11729910" y="1961077"/>
-                  <a:pt x="11576932" y="1976291"/>
-                </a:cubicBezTo>
-                <a:cubicBezTo>
-                  <a:pt x="11260690" y="2008122"/>
-                  <a:pt x="10944193" y="2037279"/>
-                  <a:pt x="10627316" y="2061470"/>
-                </a:cubicBezTo>
-                <a:cubicBezTo>
-                  <a:pt x="10352985" y="2082351"/>
-                  <a:pt x="10078401" y="2100431"/>
-                  <a:pt x="9804196" y="2123478"/>
-                </a:cubicBezTo>
-                <a:cubicBezTo>
-                  <a:pt x="9617118" y="2139137"/>
-                  <a:pt x="9430675" y="2161674"/>
-                  <a:pt x="9243851" y="2180008"/>
-                </a:cubicBezTo>
-                <a:cubicBezTo>
-                  <a:pt x="9073157" y="2196433"/>
-                  <a:pt x="8902207" y="2211966"/>
-                  <a:pt x="8731259" y="2225081"/>
-                </a:cubicBezTo>
-                <a:cubicBezTo>
-                  <a:pt x="8509507" y="2242054"/>
-                  <a:pt x="8287667" y="2257586"/>
-                  <a:pt x="8065752" y="2271681"/>
-                </a:cubicBezTo>
-                <a:cubicBezTo>
-                  <a:pt x="7929984" y="2280466"/>
-                  <a:pt x="7793961" y="2285814"/>
-                  <a:pt x="7658065" y="2292562"/>
-                </a:cubicBezTo>
-                <a:cubicBezTo>
-                  <a:pt x="7282640" y="2311661"/>
-                  <a:pt x="6906704" y="2314208"/>
-                  <a:pt x="6531024" y="2324138"/>
-                </a:cubicBezTo>
-                <a:cubicBezTo>
-                  <a:pt x="6413417" y="2327322"/>
-                  <a:pt x="6295937" y="2338399"/>
-                  <a:pt x="6178331" y="2345655"/>
-                </a:cubicBezTo>
-                <a:cubicBezTo>
-                  <a:pt x="6111271" y="2349730"/>
-                  <a:pt x="6044342" y="2345655"/>
-                  <a:pt x="5977282" y="2344127"/>
-                </a:cubicBezTo>
-                <a:cubicBezTo>
-                  <a:pt x="5774073" y="2338908"/>
-                  <a:pt x="5570866" y="2334960"/>
-                  <a:pt x="5367658" y="2329230"/>
-                </a:cubicBezTo>
-                <a:cubicBezTo>
-                  <a:pt x="5040746" y="2319809"/>
-                  <a:pt x="4713963" y="2306274"/>
-                  <a:pt x="4387306" y="2288614"/>
-                </a:cubicBezTo>
-                <a:cubicBezTo>
-                  <a:pt x="4318342" y="2284796"/>
-                  <a:pt x="4249253" y="2284286"/>
-                  <a:pt x="4180287" y="2280211"/>
-                </a:cubicBezTo>
-                <a:cubicBezTo>
-                  <a:pt x="4067634" y="2273463"/>
-                  <a:pt x="3954980" y="2265060"/>
-                  <a:pt x="3842199" y="2257039"/>
-                </a:cubicBezTo>
-                <a:cubicBezTo>
-                  <a:pt x="3804988" y="2254492"/>
-                  <a:pt x="3767648" y="2254620"/>
-                  <a:pt x="3730309" y="2251182"/>
-                </a:cubicBezTo>
-                <a:cubicBezTo>
-                  <a:pt x="3628704" y="2242142"/>
-                  <a:pt x="3527101" y="2238449"/>
-                  <a:pt x="3425496" y="2231320"/>
-                </a:cubicBezTo>
-                <a:cubicBezTo>
-                  <a:pt x="3308906" y="2222534"/>
-                  <a:pt x="3192569" y="2211330"/>
-                  <a:pt x="3076106" y="2201781"/>
-                </a:cubicBezTo>
-                <a:cubicBezTo>
-                  <a:pt x="2990757" y="2194905"/>
-                  <a:pt x="2905157" y="2190067"/>
-                  <a:pt x="2819682" y="2182427"/>
-                </a:cubicBezTo>
-                <a:cubicBezTo>
-                  <a:pt x="2721507" y="2173515"/>
-                  <a:pt x="2623586" y="2162311"/>
-                  <a:pt x="2525539" y="2152888"/>
-                </a:cubicBezTo>
-                <a:cubicBezTo>
-                  <a:pt x="2454289" y="2145886"/>
-                  <a:pt x="2383038" y="2140920"/>
-                  <a:pt x="2311915" y="2133536"/>
-                </a:cubicBezTo>
-                <a:cubicBezTo>
-                  <a:pt x="2225933" y="2124749"/>
-                  <a:pt x="2140204" y="2114182"/>
-                  <a:pt x="2054223" y="2104760"/>
-                </a:cubicBezTo>
-                <a:cubicBezTo>
-                  <a:pt x="1990719" y="2097758"/>
-                  <a:pt x="1928233" y="2092028"/>
-                  <a:pt x="1865367" y="2084770"/>
-                </a:cubicBezTo>
-                <a:cubicBezTo>
-                  <a:pt x="1786622" y="2075603"/>
-                  <a:pt x="1708006" y="2065545"/>
-                  <a:pt x="1629263" y="2055996"/>
-                </a:cubicBezTo>
-                <a:cubicBezTo>
-                  <a:pt x="1572492" y="2049120"/>
-                  <a:pt x="1515595" y="2043264"/>
-                  <a:pt x="1458823" y="2035751"/>
-                </a:cubicBezTo>
-                <a:cubicBezTo>
-                  <a:pt x="1386303" y="2026585"/>
-                  <a:pt x="1313784" y="2016780"/>
-                  <a:pt x="1241390" y="2007103"/>
-                </a:cubicBezTo>
-                <a:lnTo>
-                  <a:pt x="1047453" y="1980748"/>
-                </a:lnTo>
-                <a:cubicBezTo>
-                  <a:pt x="969980" y="1970180"/>
-                  <a:pt x="892254" y="1960377"/>
-                  <a:pt x="814907" y="1949045"/>
-                </a:cubicBezTo>
-                <a:cubicBezTo>
-                  <a:pt x="740609" y="1938094"/>
-                  <a:pt x="666692" y="1925744"/>
-                  <a:pt x="592649" y="1913776"/>
-                </a:cubicBezTo>
-                <a:cubicBezTo>
-                  <a:pt x="509587" y="1900280"/>
-                  <a:pt x="426653" y="1886274"/>
-                  <a:pt x="343591" y="1872650"/>
-                </a:cubicBezTo>
-                <a:cubicBezTo>
-                  <a:pt x="240972" y="1855716"/>
-                  <a:pt x="138225" y="1839673"/>
-                  <a:pt x="35731" y="1821722"/>
-                </a:cubicBezTo>
-                <a:lnTo>
-                  <a:pt x="0" y="1814848"/>
-                </a:lnTo>
-                <a:lnTo>
-                  <a:pt x="0" y="1758489"/>
-                </a:lnTo>
-                <a:lnTo>
-                  <a:pt x="274248" y="1808735"/>
-                </a:lnTo>
-                <a:cubicBezTo>
-                  <a:pt x="348926" y="1821467"/>
-                  <a:pt x="423604" y="1832798"/>
-                  <a:pt x="498157" y="1846167"/>
-                </a:cubicBezTo>
-                <a:cubicBezTo>
-                  <a:pt x="572708" y="1859536"/>
-                  <a:pt x="647896" y="1867813"/>
-                  <a:pt x="722828" y="1878635"/>
-                </a:cubicBezTo>
-                <a:cubicBezTo>
-                  <a:pt x="797762" y="1889457"/>
-                  <a:pt x="874219" y="1901426"/>
-                  <a:pt x="949913" y="1912375"/>
-                </a:cubicBezTo>
-                <a:cubicBezTo>
-                  <a:pt x="1031704" y="1924343"/>
-                  <a:pt x="1113496" y="1935802"/>
-                  <a:pt x="1195414" y="1947516"/>
-                </a:cubicBezTo>
-                <a:cubicBezTo>
-                  <a:pt x="1244566" y="1954519"/>
-                  <a:pt x="1293589" y="1962285"/>
-                  <a:pt x="1342867" y="1968397"/>
-                </a:cubicBezTo>
-                <a:cubicBezTo>
-                  <a:pt x="1401162" y="1975656"/>
-                  <a:pt x="1459712" y="1981130"/>
-                  <a:pt x="1518007" y="1988006"/>
-                </a:cubicBezTo>
-                <a:cubicBezTo>
-                  <a:pt x="1579224" y="1995263"/>
-                  <a:pt x="1640186" y="2003411"/>
-                  <a:pt x="1701403" y="2010669"/>
-                </a:cubicBezTo>
-                <a:cubicBezTo>
-                  <a:pt x="1762618" y="2017926"/>
-                  <a:pt x="1820279" y="2024292"/>
-                  <a:pt x="1879210" y="2031167"/>
-                </a:cubicBezTo>
-                <a:cubicBezTo>
-                  <a:pt x="1942712" y="2038425"/>
-                  <a:pt x="2006214" y="2046064"/>
-                  <a:pt x="2068702" y="2052940"/>
-                </a:cubicBezTo>
-                <a:cubicBezTo>
-                  <a:pt x="2116455" y="2058160"/>
-                  <a:pt x="2164335" y="2062362"/>
-                  <a:pt x="2212090" y="2067583"/>
-                </a:cubicBezTo>
-                <a:cubicBezTo>
-                  <a:pt x="2280419" y="2074967"/>
-                  <a:pt x="2348493" y="2085152"/>
-                  <a:pt x="2416949" y="2089609"/>
-                </a:cubicBezTo>
-                <a:cubicBezTo>
-                  <a:pt x="2472070" y="2093302"/>
-                  <a:pt x="2526936" y="2099540"/>
-                  <a:pt x="2582055" y="2105397"/>
-                </a:cubicBezTo>
-                <a:cubicBezTo>
-                  <a:pt x="2655337" y="2113291"/>
-                  <a:pt x="2729001" y="2119785"/>
-                  <a:pt x="2802282" y="2126405"/>
-                </a:cubicBezTo>
-                <a:cubicBezTo>
-                  <a:pt x="2862991" y="2131753"/>
-                  <a:pt x="2924207" y="2136337"/>
-                  <a:pt x="2984916" y="2141684"/>
-                </a:cubicBezTo>
-                <a:cubicBezTo>
-                  <a:pt x="3070516" y="2149324"/>
-                  <a:pt x="3156373" y="2152888"/>
-                  <a:pt x="3241847" y="2164094"/>
-                </a:cubicBezTo>
-                <a:cubicBezTo>
-                  <a:pt x="3307255" y="2172624"/>
-                  <a:pt x="3374060" y="2169822"/>
-                  <a:pt x="3439848" y="2176826"/>
-                </a:cubicBezTo>
-                <a:cubicBezTo>
-                  <a:pt x="3512622" y="2184592"/>
-                  <a:pt x="3585777" y="2186247"/>
-                  <a:pt x="3658678" y="2194523"/>
-                </a:cubicBezTo>
-                <a:cubicBezTo>
-                  <a:pt x="3731578" y="2202800"/>
-                  <a:pt x="3807019" y="2201781"/>
-                  <a:pt x="3881317" y="2206491"/>
-                </a:cubicBezTo>
-                <a:cubicBezTo>
-                  <a:pt x="3970222" y="2212094"/>
-                  <a:pt x="4059124" y="2223552"/>
-                  <a:pt x="4148916" y="2225081"/>
-                </a:cubicBezTo>
-                <a:cubicBezTo>
-                  <a:pt x="4255600" y="2226736"/>
-                  <a:pt x="4361779" y="2236539"/>
-                  <a:pt x="4468337" y="2237813"/>
-                </a:cubicBezTo>
-                <a:cubicBezTo>
-                  <a:pt x="4511390" y="2238577"/>
-                  <a:pt x="4554190" y="2246852"/>
-                  <a:pt x="4605375" y="2240232"/>
-                </a:cubicBezTo>
-                <a:cubicBezTo>
-                  <a:pt x="4574131" y="2238704"/>
-                  <a:pt x="4550762" y="2237940"/>
-                  <a:pt x="4527647" y="2236412"/>
-                </a:cubicBezTo>
-                <a:cubicBezTo>
-                  <a:pt x="4410293" y="2228773"/>
-                  <a:pt x="4292942" y="2220751"/>
-                  <a:pt x="4175589" y="2212985"/>
-                </a:cubicBezTo>
-                <a:cubicBezTo>
-                  <a:pt x="4113101" y="2208783"/>
-                  <a:pt x="4050615" y="2205219"/>
-                  <a:pt x="3988255" y="2200253"/>
-                </a:cubicBezTo>
-                <a:cubicBezTo>
-                  <a:pt x="3887668" y="2192487"/>
-                  <a:pt x="3787079" y="2184082"/>
-                  <a:pt x="3686492" y="2176062"/>
-                </a:cubicBezTo>
-                <a:cubicBezTo>
-                  <a:pt x="3630102" y="2171605"/>
-                  <a:pt x="3573711" y="2168040"/>
-                  <a:pt x="3517320" y="2163330"/>
-                </a:cubicBezTo>
-                <a:cubicBezTo>
-                  <a:pt x="3430958" y="2155689"/>
-                  <a:pt x="3344721" y="2147159"/>
-                  <a:pt x="3258357" y="2139519"/>
-                </a:cubicBezTo>
-                <a:cubicBezTo>
-                  <a:pt x="3206031" y="2134809"/>
-                  <a:pt x="3153705" y="2131371"/>
-                  <a:pt x="3101506" y="2126787"/>
-                </a:cubicBezTo>
-                <a:cubicBezTo>
-                  <a:pt x="3004220" y="2117365"/>
-                  <a:pt x="2907061" y="2106798"/>
-                  <a:pt x="2809395" y="2097502"/>
-                </a:cubicBezTo>
-                <a:cubicBezTo>
-                  <a:pt x="2739161" y="2090628"/>
-                  <a:pt x="2668673" y="2085916"/>
-                  <a:pt x="2598566" y="2078532"/>
-                </a:cubicBezTo>
-                <a:cubicBezTo>
-                  <a:pt x="2511441" y="2069365"/>
-                  <a:pt x="2424569" y="2058160"/>
-                  <a:pt x="2337444" y="2048611"/>
-                </a:cubicBezTo>
-                <a:cubicBezTo>
-                  <a:pt x="2255399" y="2039699"/>
-                  <a:pt x="2173099" y="2032950"/>
-                  <a:pt x="2091054" y="2023146"/>
-                </a:cubicBezTo>
-                <a:cubicBezTo>
-                  <a:pt x="1979162" y="2010414"/>
-                  <a:pt x="1867524" y="1995008"/>
-                  <a:pt x="1755761" y="1981384"/>
-                </a:cubicBezTo>
-                <a:cubicBezTo>
-                  <a:pt x="1650982" y="1968652"/>
-                  <a:pt x="1545821" y="1957830"/>
-                  <a:pt x="1441169" y="1943824"/>
-                </a:cubicBezTo>
-                <a:cubicBezTo>
-                  <a:pt x="1299813" y="1924980"/>
-                  <a:pt x="1158837" y="1903718"/>
-                  <a:pt x="1017607" y="1883345"/>
-                </a:cubicBezTo>
-                <a:cubicBezTo>
-                  <a:pt x="876378" y="1862974"/>
-                  <a:pt x="735402" y="1844003"/>
-                  <a:pt x="594427" y="1821849"/>
-                </a:cubicBezTo>
-                <a:cubicBezTo>
-                  <a:pt x="462850" y="1801222"/>
-                  <a:pt x="331526" y="1778304"/>
-                  <a:pt x="200711" y="1755132"/>
-                </a:cubicBezTo>
-                <a:lnTo>
-                  <a:pt x="0" y="1718743"/>
-                </a:lnTo>
-                <a:close/>
-              </a:path>
-            </a:pathLst>
-          </a:custGeom>
+          </a:prstGeom>
           <a:solidFill>
             <a:schemeClr val="accent2"/>
           </a:solidFill>
-          <a:ln w="8199" cap="flat">
+          <a:ln>
             <a:noFill/>
-            <a:prstDash val="solid"/>
-            <a:miter/>
           </a:ln>
         </p:spPr>
+        <p:style>
+          <a:lnRef idx="2">
+            <a:schemeClr val="accent1">
+              <a:shade val="50000"/>
+            </a:schemeClr>
+          </a:lnRef>
+          <a:fillRef idx="1">
+            <a:schemeClr val="accent1"/>
+          </a:fillRef>
+          <a:effectRef idx="0">
+            <a:schemeClr val="accent1"/>
+          </a:effectRef>
+          <a:fontRef idx="minor">
+            <a:schemeClr val="lt1"/>
+          </a:fontRef>
+        </p:style>
         <p:txBody>
           <a:bodyPr rtlCol="0" anchor="ctr"/>
           <a:lstStyle/>
           <a:p>
+            <a:pPr algn="ctr"/>
             <a:endParaRPr lang="en-US"/>
           </a:p>
         </p:txBody>
@@ -29506,7 +28828,7 @@
           <p:cNvPr id="2" name="Title 1">
             <a:extLst>
               <a:ext uri="{FF2B5EF4-FFF2-40B4-BE49-F238E27FC236}">
-                <a16:creationId xmlns:a16="http://schemas.microsoft.com/office/drawing/2014/main" id="{BC72C796-A235-FA54-1EED-D0AD4338601C}"/>
+                <a16:creationId xmlns:a16="http://schemas.microsoft.com/office/drawing/2014/main" id="{4B5C28F3-DCAA-4825-431B-C2FE4EF32935}"/>
               </a:ext>
             </a:extLst>
           </p:cNvPr>
@@ -29519,97 +28841,377 @@
         </p:nvSpPr>
         <p:spPr>
           <a:xfrm>
-            <a:off x="838200" y="401221"/>
-            <a:ext cx="10515600" cy="1348065"/>
+            <a:off x="838199" y="451381"/>
+            <a:ext cx="10512552" cy="4066540"/>
           </a:xfrm>
         </p:spPr>
         <p:txBody>
-          <a:bodyPr>
+          <a:bodyPr vert="horz" lIns="91440" tIns="45720" rIns="91440" bIns="45720" rtlCol="0" anchor="b">
             <a:normAutofit/>
           </a:bodyPr>
           <a:lstStyle/>
           <a:p>
             <a:r>
-              <a:rPr lang="en-US" sz="5400">
+              <a:rPr lang="en-US" sz="6600" kern="1200" dirty="0">
                 <a:solidFill>
                   <a:srgbClr val="FFFFFF"/>
                 </a:solidFill>
+                <a:latin typeface="+mj-lt"/>
+                <a:ea typeface="+mj-ea"/>
+                <a:cs typeface="+mj-cs"/>
               </a:rPr>
-              <a:t>Web</a:t>
+              <a:t>Quiz 4 – Handle Response</a:t>
             </a:r>
-            <a:r>
-              <a:rPr lang="en-US" sz="5400" baseline="0">
-                <a:solidFill>
-                  <a:srgbClr val="FFFFFF"/>
-                </a:solidFill>
-              </a:rPr>
-              <a:t> Server</a:t>
-            </a:r>
-            <a:endParaRPr lang="en-US" sz="5400">
-              <a:solidFill>
-                <a:srgbClr val="FFFFFF"/>
-              </a:solidFill>
-            </a:endParaRPr>
           </a:p>
         </p:txBody>
       </p:sp>
       <p:sp>
         <p:nvSpPr>
-          <p:cNvPr id="3" name="Content Placeholder 2">
+          <p:cNvPr id="12" name="sketch line">
             <a:extLst>
               <a:ext uri="{FF2B5EF4-FFF2-40B4-BE49-F238E27FC236}">
-                <a16:creationId xmlns:a16="http://schemas.microsoft.com/office/drawing/2014/main" id="{8F68970E-9C48-5C23-66BF-95B1DAB4EC4A}"/>
+                <a16:creationId xmlns:a16="http://schemas.microsoft.com/office/drawing/2014/main" id="{9D1E2788-F6B5-40EE-A733-8187EB22BD13}"/>
+              </a:ext>
+              <a:ext uri="{C183D7F6-B498-43B3-948B-1728B52AA6E4}">
+                <adec:decorative xmlns:adec="http://schemas.microsoft.com/office/drawing/2017/decorative" val="1"/>
               </a:ext>
             </a:extLst>
           </p:cNvPr>
           <p:cNvSpPr>
-            <a:spLocks noGrp="1"/>
+            <a:spLocks noGrp="1" noRot="1" noChangeAspect="1" noMove="1" noResize="1" noEditPoints="1" noAdjustHandles="1" noChangeArrowheads="1" noChangeShapeType="1" noTextEdit="1"/>
           </p:cNvSpPr>
           <p:nvPr>
-            <p:ph idx="1"/>
+            <p:extLst>
+              <p:ext uri="{386F3935-93C4-4BCD-93E2-E3B085C9AB24}">
+                <p16:designElem xmlns:p16="http://schemas.microsoft.com/office/powerpoint/2015/main" val="1"/>
+              </p:ext>
+            </p:extLst>
           </p:nvPr>
         </p:nvSpPr>
         <p:spPr>
           <a:xfrm>
-            <a:off x="838200" y="2586789"/>
-            <a:ext cx="10515600" cy="3590174"/>
+            <a:off x="838199" y="4747614"/>
+            <a:ext cx="4243589" cy="18288"/>
           </a:xfrm>
+          <a:custGeom>
+            <a:avLst/>
+            <a:gdLst>
+              <a:gd name="connsiteX0" fmla="*/ 0 w 4243589"/>
+              <a:gd name="connsiteY0" fmla="*/ 0 h 18288"/>
+              <a:gd name="connsiteX1" fmla="*/ 563791 w 4243589"/>
+              <a:gd name="connsiteY1" fmla="*/ 0 h 18288"/>
+              <a:gd name="connsiteX2" fmla="*/ 1042710 w 4243589"/>
+              <a:gd name="connsiteY2" fmla="*/ 0 h 18288"/>
+              <a:gd name="connsiteX3" fmla="*/ 1564066 w 4243589"/>
+              <a:gd name="connsiteY3" fmla="*/ 0 h 18288"/>
+              <a:gd name="connsiteX4" fmla="*/ 2212729 w 4243589"/>
+              <a:gd name="connsiteY4" fmla="*/ 0 h 18288"/>
+              <a:gd name="connsiteX5" fmla="*/ 2776520 w 4243589"/>
+              <a:gd name="connsiteY5" fmla="*/ 0 h 18288"/>
+              <a:gd name="connsiteX6" fmla="*/ 3297875 w 4243589"/>
+              <a:gd name="connsiteY6" fmla="*/ 0 h 18288"/>
+              <a:gd name="connsiteX7" fmla="*/ 4243589 w 4243589"/>
+              <a:gd name="connsiteY7" fmla="*/ 0 h 18288"/>
+              <a:gd name="connsiteX8" fmla="*/ 4243589 w 4243589"/>
+              <a:gd name="connsiteY8" fmla="*/ 18288 h 18288"/>
+              <a:gd name="connsiteX9" fmla="*/ 3637362 w 4243589"/>
+              <a:gd name="connsiteY9" fmla="*/ 18288 h 18288"/>
+              <a:gd name="connsiteX10" fmla="*/ 3116007 w 4243589"/>
+              <a:gd name="connsiteY10" fmla="*/ 18288 h 18288"/>
+              <a:gd name="connsiteX11" fmla="*/ 2424908 w 4243589"/>
+              <a:gd name="connsiteY11" fmla="*/ 18288 h 18288"/>
+              <a:gd name="connsiteX12" fmla="*/ 1861117 w 4243589"/>
+              <a:gd name="connsiteY12" fmla="*/ 18288 h 18288"/>
+              <a:gd name="connsiteX13" fmla="*/ 1382198 w 4243589"/>
+              <a:gd name="connsiteY13" fmla="*/ 18288 h 18288"/>
+              <a:gd name="connsiteX14" fmla="*/ 733535 w 4243589"/>
+              <a:gd name="connsiteY14" fmla="*/ 18288 h 18288"/>
+              <a:gd name="connsiteX15" fmla="*/ 0 w 4243589"/>
+              <a:gd name="connsiteY15" fmla="*/ 18288 h 18288"/>
+              <a:gd name="connsiteX16" fmla="*/ 0 w 4243589"/>
+              <a:gd name="connsiteY16" fmla="*/ 0 h 18288"/>
+            </a:gdLst>
+            <a:ahLst/>
+            <a:cxnLst>
+              <a:cxn ang="0">
+                <a:pos x="connsiteX0" y="connsiteY0"/>
+              </a:cxn>
+              <a:cxn ang="0">
+                <a:pos x="connsiteX1" y="connsiteY1"/>
+              </a:cxn>
+              <a:cxn ang="0">
+                <a:pos x="connsiteX2" y="connsiteY2"/>
+              </a:cxn>
+              <a:cxn ang="0">
+                <a:pos x="connsiteX3" y="connsiteY3"/>
+              </a:cxn>
+              <a:cxn ang="0">
+                <a:pos x="connsiteX4" y="connsiteY4"/>
+              </a:cxn>
+              <a:cxn ang="0">
+                <a:pos x="connsiteX5" y="connsiteY5"/>
+              </a:cxn>
+              <a:cxn ang="0">
+                <a:pos x="connsiteX6" y="connsiteY6"/>
+              </a:cxn>
+              <a:cxn ang="0">
+                <a:pos x="connsiteX7" y="connsiteY7"/>
+              </a:cxn>
+              <a:cxn ang="0">
+                <a:pos x="connsiteX8" y="connsiteY8"/>
+              </a:cxn>
+              <a:cxn ang="0">
+                <a:pos x="connsiteX9" y="connsiteY9"/>
+              </a:cxn>
+              <a:cxn ang="0">
+                <a:pos x="connsiteX10" y="connsiteY10"/>
+              </a:cxn>
+              <a:cxn ang="0">
+                <a:pos x="connsiteX11" y="connsiteY11"/>
+              </a:cxn>
+              <a:cxn ang="0">
+                <a:pos x="connsiteX12" y="connsiteY12"/>
+              </a:cxn>
+              <a:cxn ang="0">
+                <a:pos x="connsiteX13" y="connsiteY13"/>
+              </a:cxn>
+              <a:cxn ang="0">
+                <a:pos x="connsiteX14" y="connsiteY14"/>
+              </a:cxn>
+              <a:cxn ang="0">
+                <a:pos x="connsiteX15" y="connsiteY15"/>
+              </a:cxn>
+              <a:cxn ang="0">
+                <a:pos x="connsiteX16" y="connsiteY16"/>
+              </a:cxn>
+            </a:cxnLst>
+            <a:rect l="l" t="t" r="r" b="b"/>
+            <a:pathLst>
+              <a:path w="4243589" h="18288" fill="none" extrusionOk="0">
+                <a:moveTo>
+                  <a:pt x="0" y="0"/>
+                </a:moveTo>
+                <a:cubicBezTo>
+                  <a:pt x="157351" y="-15653"/>
+                  <a:pt x="378877" y="-5828"/>
+                  <a:pt x="563791" y="0"/>
+                </a:cubicBezTo>
+                <a:cubicBezTo>
+                  <a:pt x="748705" y="5828"/>
+                  <a:pt x="905659" y="-5525"/>
+                  <a:pt x="1042710" y="0"/>
+                </a:cubicBezTo>
+                <a:cubicBezTo>
+                  <a:pt x="1179761" y="5525"/>
+                  <a:pt x="1356845" y="-21288"/>
+                  <a:pt x="1564066" y="0"/>
+                </a:cubicBezTo>
+                <a:cubicBezTo>
+                  <a:pt x="1771287" y="21288"/>
+                  <a:pt x="1912099" y="25135"/>
+                  <a:pt x="2212729" y="0"/>
+                </a:cubicBezTo>
+                <a:cubicBezTo>
+                  <a:pt x="2513359" y="-25135"/>
+                  <a:pt x="2514918" y="-27119"/>
+                  <a:pt x="2776520" y="0"/>
+                </a:cubicBezTo>
+                <a:cubicBezTo>
+                  <a:pt x="3038122" y="27119"/>
+                  <a:pt x="3178771" y="18116"/>
+                  <a:pt x="3297875" y="0"/>
+                </a:cubicBezTo>
+                <a:cubicBezTo>
+                  <a:pt x="3416980" y="-18116"/>
+                  <a:pt x="4012240" y="-40869"/>
+                  <a:pt x="4243589" y="0"/>
+                </a:cubicBezTo>
+                <a:cubicBezTo>
+                  <a:pt x="4243987" y="7429"/>
+                  <a:pt x="4243569" y="10822"/>
+                  <a:pt x="4243589" y="18288"/>
+                </a:cubicBezTo>
+                <a:cubicBezTo>
+                  <a:pt x="4112949" y="-2855"/>
+                  <a:pt x="3928037" y="1831"/>
+                  <a:pt x="3637362" y="18288"/>
+                </a:cubicBezTo>
+                <a:cubicBezTo>
+                  <a:pt x="3346687" y="34745"/>
+                  <a:pt x="3254446" y="26669"/>
+                  <a:pt x="3116007" y="18288"/>
+                </a:cubicBezTo>
+                <a:cubicBezTo>
+                  <a:pt x="2977569" y="9907"/>
+                  <a:pt x="2620228" y="28873"/>
+                  <a:pt x="2424908" y="18288"/>
+                </a:cubicBezTo>
+                <a:cubicBezTo>
+                  <a:pt x="2229588" y="7703"/>
+                  <a:pt x="2088287" y="-3854"/>
+                  <a:pt x="1861117" y="18288"/>
+                </a:cubicBezTo>
+                <a:cubicBezTo>
+                  <a:pt x="1633947" y="40430"/>
+                  <a:pt x="1502447" y="-871"/>
+                  <a:pt x="1382198" y="18288"/>
+                </a:cubicBezTo>
+                <a:cubicBezTo>
+                  <a:pt x="1261949" y="37447"/>
+                  <a:pt x="1045440" y="28353"/>
+                  <a:pt x="733535" y="18288"/>
+                </a:cubicBezTo>
+                <a:cubicBezTo>
+                  <a:pt x="421630" y="8223"/>
+                  <a:pt x="341257" y="-18359"/>
+                  <a:pt x="0" y="18288"/>
+                </a:cubicBezTo>
+                <a:cubicBezTo>
+                  <a:pt x="-591" y="13205"/>
+                  <a:pt x="-663" y="6329"/>
+                  <a:pt x="0" y="0"/>
+                </a:cubicBezTo>
+                <a:close/>
+              </a:path>
+              <a:path w="4243589" h="18288" stroke="0" extrusionOk="0">
+                <a:moveTo>
+                  <a:pt x="0" y="0"/>
+                </a:moveTo>
+                <a:cubicBezTo>
+                  <a:pt x="128164" y="17204"/>
+                  <a:pt x="312653" y="1129"/>
+                  <a:pt x="563791" y="0"/>
+                </a:cubicBezTo>
+                <a:cubicBezTo>
+                  <a:pt x="814929" y="-1129"/>
+                  <a:pt x="837271" y="8503"/>
+                  <a:pt x="1042710" y="0"/>
+                </a:cubicBezTo>
+                <a:cubicBezTo>
+                  <a:pt x="1248149" y="-8503"/>
+                  <a:pt x="1588432" y="-28862"/>
+                  <a:pt x="1733809" y="0"/>
+                </a:cubicBezTo>
+                <a:cubicBezTo>
+                  <a:pt x="1879186" y="28862"/>
+                  <a:pt x="2052815" y="5974"/>
+                  <a:pt x="2297600" y="0"/>
+                </a:cubicBezTo>
+                <a:cubicBezTo>
+                  <a:pt x="2542385" y="-5974"/>
+                  <a:pt x="2699960" y="-23550"/>
+                  <a:pt x="2861391" y="0"/>
+                </a:cubicBezTo>
+                <a:cubicBezTo>
+                  <a:pt x="3022822" y="23550"/>
+                  <a:pt x="3390411" y="25272"/>
+                  <a:pt x="3552490" y="0"/>
+                </a:cubicBezTo>
+                <a:cubicBezTo>
+                  <a:pt x="3714569" y="-25272"/>
+                  <a:pt x="3950585" y="-31327"/>
+                  <a:pt x="4243589" y="0"/>
+                </a:cubicBezTo>
+                <a:cubicBezTo>
+                  <a:pt x="4242703" y="5429"/>
+                  <a:pt x="4244410" y="14046"/>
+                  <a:pt x="4243589" y="18288"/>
+                </a:cubicBezTo>
+                <a:cubicBezTo>
+                  <a:pt x="4130424" y="-1240"/>
+                  <a:pt x="3932803" y="42249"/>
+                  <a:pt x="3722234" y="18288"/>
+                </a:cubicBezTo>
+                <a:cubicBezTo>
+                  <a:pt x="3511665" y="-5673"/>
+                  <a:pt x="3269903" y="45994"/>
+                  <a:pt x="3116007" y="18288"/>
+                </a:cubicBezTo>
+                <a:cubicBezTo>
+                  <a:pt x="2962111" y="-9418"/>
+                  <a:pt x="2744280" y="23224"/>
+                  <a:pt x="2509780" y="18288"/>
+                </a:cubicBezTo>
+                <a:cubicBezTo>
+                  <a:pt x="2275280" y="13352"/>
+                  <a:pt x="2066059" y="43664"/>
+                  <a:pt x="1945989" y="18288"/>
+                </a:cubicBezTo>
+                <a:cubicBezTo>
+                  <a:pt x="1825919" y="-7088"/>
+                  <a:pt x="1407329" y="12616"/>
+                  <a:pt x="1254890" y="18288"/>
+                </a:cubicBezTo>
+                <a:cubicBezTo>
+                  <a:pt x="1102451" y="23960"/>
+                  <a:pt x="837950" y="31673"/>
+                  <a:pt x="563791" y="18288"/>
+                </a:cubicBezTo>
+                <a:cubicBezTo>
+                  <a:pt x="289632" y="4903"/>
+                  <a:pt x="132768" y="7105"/>
+                  <a:pt x="0" y="18288"/>
+                </a:cubicBezTo>
+                <a:cubicBezTo>
+                  <a:pt x="668" y="13665"/>
+                  <a:pt x="578" y="5675"/>
+                  <a:pt x="0" y="0"/>
+                </a:cubicBezTo>
+                <a:close/>
+              </a:path>
+            </a:pathLst>
+          </a:custGeom>
+          <a:solidFill>
+            <a:srgbClr val="FFFFFF"/>
+          </a:solidFill>
+          <a:ln w="41275" cap="rnd">
+            <a:solidFill>
+              <a:srgbClr val="FFFFFF"/>
+            </a:solidFill>
+            <a:round/>
+            <a:extLst>
+              <a:ext uri="{C807C97D-BFC1-408E-A445-0C87EB9F89A2}">
+                <ask:lineSketchStyleProps xmlns:ask="http://schemas.microsoft.com/office/drawing/2018/sketchyshapes" sd="1219033472">
+                  <a:prstGeom prst="rect">
+                    <a:avLst/>
+                  </a:prstGeom>
+                  <ask:type>
+                    <ask:lineSketchFreehand/>
+                  </ask:type>
+                </ask:lineSketchStyleProps>
+              </a:ext>
+            </a:extLst>
+          </a:ln>
         </p:spPr>
+        <p:style>
+          <a:lnRef idx="2">
+            <a:schemeClr val="accent1">
+              <a:shade val="50000"/>
+            </a:schemeClr>
+          </a:lnRef>
+          <a:fillRef idx="1">
+            <a:schemeClr val="accent1"/>
+          </a:fillRef>
+          <a:effectRef idx="0">
+            <a:schemeClr val="accent1"/>
+          </a:effectRef>
+          <a:fontRef idx="minor">
+            <a:schemeClr val="lt1"/>
+          </a:fontRef>
+        </p:style>
         <p:txBody>
-          <a:bodyPr>
-            <a:normAutofit/>
-          </a:bodyPr>
+          <a:bodyPr rtlCol="0" anchor="ctr"/>
           <a:lstStyle/>
           <a:p>
-            <a:r>
-              <a:rPr lang="en-US" sz="4800" dirty="0"/>
-              <a:t>Apache</a:t>
-            </a:r>
-          </a:p>
-          <a:p>
-            <a:r>
-              <a:rPr lang="en-US" sz="4800" dirty="0"/>
-              <a:t>Nginx</a:t>
-            </a:r>
-          </a:p>
-          <a:p>
-            <a:r>
-              <a:rPr lang="en-US" sz="4800" dirty="0"/>
-              <a:t>IIS</a:t>
-            </a:r>
-          </a:p>
-          <a:p>
-            <a:r>
-              <a:rPr lang="en-US" sz="4800" dirty="0"/>
-              <a:t>etc...</a:t>
-            </a:r>
+            <a:pPr algn="ctr"/>
+            <a:endParaRPr lang="en-US"/>
           </a:p>
         </p:txBody>
       </p:sp>
     </p:spTree>
     <p:extLst>
       <p:ext uri="{BB962C8B-B14F-4D97-AF65-F5344CB8AC3E}">
-        <p14:creationId xmlns:p14="http://schemas.microsoft.com/office/powerpoint/2010/main" val="3520983153"/>
+        <p14:creationId xmlns:p14="http://schemas.microsoft.com/office/powerpoint/2010/main" val="1326731530"/>
       </p:ext>
     </p:extLst>
   </p:cSld>
@@ -30572,6 +30174,2133 @@
           <p:cNvPr id="2" name="Title 1">
             <a:extLst>
               <a:ext uri="{FF2B5EF4-FFF2-40B4-BE49-F238E27FC236}">
+                <a16:creationId xmlns:a16="http://schemas.microsoft.com/office/drawing/2014/main" id="{AF23883E-941A-23B4-B010-8A7BBF787315}"/>
+              </a:ext>
+            </a:extLst>
+          </p:cNvPr>
+          <p:cNvSpPr>
+            <a:spLocks noGrp="1"/>
+          </p:cNvSpPr>
+          <p:nvPr>
+            <p:ph type="title"/>
+          </p:nvPr>
+        </p:nvSpPr>
+        <p:spPr>
+          <a:xfrm>
+            <a:off x="838200" y="401221"/>
+            <a:ext cx="10515600" cy="1348065"/>
+          </a:xfrm>
+        </p:spPr>
+        <p:txBody>
+          <a:bodyPr>
+            <a:normAutofit/>
+          </a:bodyPr>
+          <a:lstStyle/>
+          <a:p>
+            <a:r>
+              <a:rPr lang="en-US" sz="5400">
+                <a:solidFill>
+                  <a:srgbClr val="FFFFFF"/>
+                </a:solidFill>
+              </a:rPr>
+              <a:t>What is Web Server</a:t>
+            </a:r>
+          </a:p>
+        </p:txBody>
+      </p:sp>
+      <p:sp>
+        <p:nvSpPr>
+          <p:cNvPr id="3" name="Content Placeholder 2">
+            <a:extLst>
+              <a:ext uri="{FF2B5EF4-FFF2-40B4-BE49-F238E27FC236}">
+                <a16:creationId xmlns:a16="http://schemas.microsoft.com/office/drawing/2014/main" id="{154733B4-D9BF-68B4-F489-873D10B103AA}"/>
+              </a:ext>
+            </a:extLst>
+          </p:cNvPr>
+          <p:cNvSpPr>
+            <a:spLocks noGrp="1"/>
+          </p:cNvSpPr>
+          <p:nvPr>
+            <p:ph idx="1"/>
+          </p:nvPr>
+        </p:nvSpPr>
+        <p:spPr>
+          <a:xfrm>
+            <a:off x="838200" y="2586789"/>
+            <a:ext cx="10515600" cy="3590174"/>
+          </a:xfrm>
+        </p:spPr>
+        <p:txBody>
+          <a:bodyPr vert="horz" lIns="91440" tIns="45720" rIns="91440" bIns="45720" rtlCol="0" anchor="t">
+            <a:normAutofit/>
+          </a:bodyPr>
+          <a:lstStyle/>
+          <a:p>
+            <a:pPr marL="0" indent="0">
+              <a:lnSpc>
+                <a:spcPct val="150000"/>
+              </a:lnSpc>
+              <a:buNone/>
+            </a:pPr>
+            <a:r>
+              <a:rPr lang="en-US" sz="3200" dirty="0">
+                <a:ea typeface="+mn-lt"/>
+                <a:cs typeface="+mn-lt"/>
+              </a:rPr>
+              <a:t>A </a:t>
+            </a:r>
+            <a:r>
+              <a:rPr lang="en-US" sz="3200" b="1" dirty="0">
+                <a:ea typeface="+mn-lt"/>
+                <a:cs typeface="+mn-lt"/>
+              </a:rPr>
+              <a:t>web server</a:t>
+            </a:r>
+            <a:r>
+              <a:rPr lang="en-US" sz="3200" dirty="0">
+                <a:ea typeface="+mn-lt"/>
+                <a:cs typeface="+mn-lt"/>
+              </a:rPr>
+              <a:t> is computer software and underlying hardware  that accepts requests via HTTP or its secure variant HTTPS.</a:t>
+            </a:r>
+            <a:endParaRPr lang="en-US" sz="3200">
+              <a:cs typeface="Calibri" panose="020F0502020204030204"/>
+            </a:endParaRPr>
+          </a:p>
+        </p:txBody>
+      </p:sp>
+    </p:spTree>
+    <p:extLst>
+      <p:ext uri="{BB962C8B-B14F-4D97-AF65-F5344CB8AC3E}">
+        <p14:creationId xmlns:p14="http://schemas.microsoft.com/office/powerpoint/2010/main" val="290066214"/>
+      </p:ext>
+    </p:extLst>
+  </p:cSld>
+  <p:clrMapOvr>
+    <a:masterClrMapping/>
+  </p:clrMapOvr>
+</p:sld>
+</file>
+
+<file path=ppt/slides/slide24.xml><?xml version="1.0" encoding="utf-8"?>
+<p:sld xmlns:a="http://schemas.openxmlformats.org/drawingml/2006/main" xmlns:r="http://schemas.openxmlformats.org/officeDocument/2006/relationships" xmlns:p="http://schemas.openxmlformats.org/presentationml/2006/main">
+  <p:cSld>
+    <p:bg>
+      <p:bgPr>
+        <a:solidFill>
+          <a:schemeClr val="bg1"/>
+        </a:solidFill>
+        <a:effectLst/>
+      </p:bgPr>
+    </p:bg>
+    <p:spTree>
+      <p:nvGrpSpPr>
+        <p:cNvPr id="1" name=""/>
+        <p:cNvGrpSpPr/>
+        <p:nvPr/>
+      </p:nvGrpSpPr>
+      <p:grpSpPr>
+        <a:xfrm>
+          <a:off x="0" y="0"/>
+          <a:ext cx="0" cy="0"/>
+          <a:chOff x="0" y="0"/>
+          <a:chExt cx="0" cy="0"/>
+        </a:xfrm>
+      </p:grpSpPr>
+      <p:sp useBgFill="1">
+        <p:nvSpPr>
+          <p:cNvPr id="8" name="Rectangle 7">
+            <a:extLst>
+              <a:ext uri="{FF2B5EF4-FFF2-40B4-BE49-F238E27FC236}">
+                <a16:creationId xmlns:a16="http://schemas.microsoft.com/office/drawing/2014/main" id="{AC17DE74-01C9-4859-B65A-85CF999E8580}"/>
+              </a:ext>
+              <a:ext uri="{C183D7F6-B498-43B3-948B-1728B52AA6E4}">
+                <adec:decorative xmlns:adec="http://schemas.microsoft.com/office/drawing/2017/decorative" val="1"/>
+              </a:ext>
+            </a:extLst>
+          </p:cNvPr>
+          <p:cNvSpPr>
+            <a:spLocks noGrp="1" noRot="1" noChangeAspect="1" noMove="1" noResize="1" noEditPoints="1" noAdjustHandles="1" noChangeArrowheads="1" noChangeShapeType="1" noTextEdit="1"/>
+          </p:cNvSpPr>
+          <p:nvPr>
+            <p:extLst>
+              <p:ext uri="{386F3935-93C4-4BCD-93E2-E3B085C9AB24}">
+                <p16:designElem xmlns:p16="http://schemas.microsoft.com/office/powerpoint/2015/main" val="1"/>
+              </p:ext>
+            </p:extLst>
+          </p:nvPr>
+        </p:nvSpPr>
+        <p:spPr>
+          <a:xfrm>
+            <a:off x="0" y="0"/>
+            <a:ext cx="12188952" cy="6858000"/>
+          </a:xfrm>
+          <a:prstGeom prst="rect">
+            <a:avLst/>
+          </a:prstGeom>
+          <a:ln>
+            <a:noFill/>
+          </a:ln>
+        </p:spPr>
+        <p:style>
+          <a:lnRef idx="2">
+            <a:schemeClr val="accent1">
+              <a:shade val="50000"/>
+            </a:schemeClr>
+          </a:lnRef>
+          <a:fillRef idx="1">
+            <a:schemeClr val="accent1"/>
+          </a:fillRef>
+          <a:effectRef idx="0">
+            <a:schemeClr val="accent1"/>
+          </a:effectRef>
+          <a:fontRef idx="minor">
+            <a:schemeClr val="lt1"/>
+          </a:fontRef>
+        </p:style>
+        <p:txBody>
+          <a:bodyPr rtlCol="0" anchor="ctr"/>
+          <a:lstStyle/>
+          <a:p>
+            <a:pPr algn="ctr"/>
+            <a:endParaRPr lang="en-US"/>
+          </a:p>
+        </p:txBody>
+      </p:sp>
+      <p:sp>
+        <p:nvSpPr>
+          <p:cNvPr id="10" name="Freeform: Shape 9">
+            <a:extLst>
+              <a:ext uri="{FF2B5EF4-FFF2-40B4-BE49-F238E27FC236}">
+                <a16:creationId xmlns:a16="http://schemas.microsoft.com/office/drawing/2014/main" id="{068C0432-0E90-4CC1-8CD3-D44A90DF07EF}"/>
+              </a:ext>
+              <a:ext uri="{C183D7F6-B498-43B3-948B-1728B52AA6E4}">
+                <adec:decorative xmlns:adec="http://schemas.microsoft.com/office/drawing/2017/decorative" val="1"/>
+              </a:ext>
+            </a:extLst>
+          </p:cNvPr>
+          <p:cNvSpPr>
+            <a:spLocks noGrp="1" noRot="1" noChangeAspect="1" noMove="1" noResize="1" noEditPoints="1" noAdjustHandles="1" noChangeArrowheads="1" noChangeShapeType="1" noTextEdit="1"/>
+          </p:cNvSpPr>
+          <p:nvPr>
+            <p:extLst>
+              <p:ext uri="{386F3935-93C4-4BCD-93E2-E3B085C9AB24}">
+                <p16:designElem xmlns:p16="http://schemas.microsoft.com/office/powerpoint/2015/main" val="1"/>
+              </p:ext>
+            </p:extLst>
+          </p:nvPr>
+        </p:nvSpPr>
+        <p:spPr>
+          <a:xfrm>
+            <a:off x="0" y="0"/>
+            <a:ext cx="12192000" cy="2347414"/>
+          </a:xfrm>
+          <a:custGeom>
+            <a:avLst/>
+            <a:gdLst>
+              <a:gd name="connsiteX0" fmla="*/ 0 w 12192000"/>
+              <a:gd name="connsiteY0" fmla="*/ 0 h 2347414"/>
+              <a:gd name="connsiteX1" fmla="*/ 12192000 w 12192000"/>
+              <a:gd name="connsiteY1" fmla="*/ 0 h 2347414"/>
+              <a:gd name="connsiteX2" fmla="*/ 12192000 w 12192000"/>
+              <a:gd name="connsiteY2" fmla="*/ 1736458 h 2347414"/>
+              <a:gd name="connsiteX3" fmla="*/ 11967601 w 12192000"/>
+              <a:gd name="connsiteY3" fmla="*/ 1784034 h 2347414"/>
+              <a:gd name="connsiteX4" fmla="*/ 10829000 w 12192000"/>
+              <a:gd name="connsiteY4" fmla="*/ 1983294 h 2347414"/>
+              <a:gd name="connsiteX5" fmla="*/ 10743779 w 12192000"/>
+              <a:gd name="connsiteY5" fmla="*/ 1996027 h 2347414"/>
+              <a:gd name="connsiteX6" fmla="*/ 10829254 w 12192000"/>
+              <a:gd name="connsiteY6" fmla="*/ 1987751 h 2347414"/>
+              <a:gd name="connsiteX7" fmla="*/ 10847162 w 12192000"/>
+              <a:gd name="connsiteY7" fmla="*/ 1988388 h 2347414"/>
+              <a:gd name="connsiteX8" fmla="*/ 11575155 w 12192000"/>
+              <a:gd name="connsiteY8" fmla="*/ 1921415 h 2347414"/>
+              <a:gd name="connsiteX9" fmla="*/ 12192000 w 12192000"/>
+              <a:gd name="connsiteY9" fmla="*/ 1851213 h 2347414"/>
+              <a:gd name="connsiteX10" fmla="*/ 12192000 w 12192000"/>
+              <a:gd name="connsiteY10" fmla="*/ 1907356 h 2347414"/>
+              <a:gd name="connsiteX11" fmla="*/ 12035532 w 12192000"/>
+              <a:gd name="connsiteY11" fmla="*/ 1927033 h 2347414"/>
+              <a:gd name="connsiteX12" fmla="*/ 11576932 w 12192000"/>
+              <a:gd name="connsiteY12" fmla="*/ 1976291 h 2347414"/>
+              <a:gd name="connsiteX13" fmla="*/ 10627316 w 12192000"/>
+              <a:gd name="connsiteY13" fmla="*/ 2061470 h 2347414"/>
+              <a:gd name="connsiteX14" fmla="*/ 9804196 w 12192000"/>
+              <a:gd name="connsiteY14" fmla="*/ 2123478 h 2347414"/>
+              <a:gd name="connsiteX15" fmla="*/ 9243851 w 12192000"/>
+              <a:gd name="connsiteY15" fmla="*/ 2180008 h 2347414"/>
+              <a:gd name="connsiteX16" fmla="*/ 8731259 w 12192000"/>
+              <a:gd name="connsiteY16" fmla="*/ 2225081 h 2347414"/>
+              <a:gd name="connsiteX17" fmla="*/ 8065752 w 12192000"/>
+              <a:gd name="connsiteY17" fmla="*/ 2271681 h 2347414"/>
+              <a:gd name="connsiteX18" fmla="*/ 7658065 w 12192000"/>
+              <a:gd name="connsiteY18" fmla="*/ 2292562 h 2347414"/>
+              <a:gd name="connsiteX19" fmla="*/ 6531024 w 12192000"/>
+              <a:gd name="connsiteY19" fmla="*/ 2324138 h 2347414"/>
+              <a:gd name="connsiteX20" fmla="*/ 6178331 w 12192000"/>
+              <a:gd name="connsiteY20" fmla="*/ 2345655 h 2347414"/>
+              <a:gd name="connsiteX21" fmla="*/ 5977282 w 12192000"/>
+              <a:gd name="connsiteY21" fmla="*/ 2344127 h 2347414"/>
+              <a:gd name="connsiteX22" fmla="*/ 5367658 w 12192000"/>
+              <a:gd name="connsiteY22" fmla="*/ 2329230 h 2347414"/>
+              <a:gd name="connsiteX23" fmla="*/ 4387306 w 12192000"/>
+              <a:gd name="connsiteY23" fmla="*/ 2288614 h 2347414"/>
+              <a:gd name="connsiteX24" fmla="*/ 4180287 w 12192000"/>
+              <a:gd name="connsiteY24" fmla="*/ 2280211 h 2347414"/>
+              <a:gd name="connsiteX25" fmla="*/ 3842199 w 12192000"/>
+              <a:gd name="connsiteY25" fmla="*/ 2257039 h 2347414"/>
+              <a:gd name="connsiteX26" fmla="*/ 3730309 w 12192000"/>
+              <a:gd name="connsiteY26" fmla="*/ 2251182 h 2347414"/>
+              <a:gd name="connsiteX27" fmla="*/ 3425496 w 12192000"/>
+              <a:gd name="connsiteY27" fmla="*/ 2231320 h 2347414"/>
+              <a:gd name="connsiteX28" fmla="*/ 3076106 w 12192000"/>
+              <a:gd name="connsiteY28" fmla="*/ 2201781 h 2347414"/>
+              <a:gd name="connsiteX29" fmla="*/ 2819682 w 12192000"/>
+              <a:gd name="connsiteY29" fmla="*/ 2182427 h 2347414"/>
+              <a:gd name="connsiteX30" fmla="*/ 2525539 w 12192000"/>
+              <a:gd name="connsiteY30" fmla="*/ 2152888 h 2347414"/>
+              <a:gd name="connsiteX31" fmla="*/ 2311915 w 12192000"/>
+              <a:gd name="connsiteY31" fmla="*/ 2133536 h 2347414"/>
+              <a:gd name="connsiteX32" fmla="*/ 2054223 w 12192000"/>
+              <a:gd name="connsiteY32" fmla="*/ 2104760 h 2347414"/>
+              <a:gd name="connsiteX33" fmla="*/ 1865367 w 12192000"/>
+              <a:gd name="connsiteY33" fmla="*/ 2084770 h 2347414"/>
+              <a:gd name="connsiteX34" fmla="*/ 1629263 w 12192000"/>
+              <a:gd name="connsiteY34" fmla="*/ 2055996 h 2347414"/>
+              <a:gd name="connsiteX35" fmla="*/ 1458823 w 12192000"/>
+              <a:gd name="connsiteY35" fmla="*/ 2035751 h 2347414"/>
+              <a:gd name="connsiteX36" fmla="*/ 1241390 w 12192000"/>
+              <a:gd name="connsiteY36" fmla="*/ 2007103 h 2347414"/>
+              <a:gd name="connsiteX37" fmla="*/ 1047453 w 12192000"/>
+              <a:gd name="connsiteY37" fmla="*/ 1980748 h 2347414"/>
+              <a:gd name="connsiteX38" fmla="*/ 814907 w 12192000"/>
+              <a:gd name="connsiteY38" fmla="*/ 1949045 h 2347414"/>
+              <a:gd name="connsiteX39" fmla="*/ 592649 w 12192000"/>
+              <a:gd name="connsiteY39" fmla="*/ 1913776 h 2347414"/>
+              <a:gd name="connsiteX40" fmla="*/ 343591 w 12192000"/>
+              <a:gd name="connsiteY40" fmla="*/ 1872650 h 2347414"/>
+              <a:gd name="connsiteX41" fmla="*/ 35731 w 12192000"/>
+              <a:gd name="connsiteY41" fmla="*/ 1821722 h 2347414"/>
+              <a:gd name="connsiteX42" fmla="*/ 0 w 12192000"/>
+              <a:gd name="connsiteY42" fmla="*/ 1814848 h 2347414"/>
+              <a:gd name="connsiteX43" fmla="*/ 0 w 12192000"/>
+              <a:gd name="connsiteY43" fmla="*/ 1758489 h 2347414"/>
+              <a:gd name="connsiteX44" fmla="*/ 274248 w 12192000"/>
+              <a:gd name="connsiteY44" fmla="*/ 1808735 h 2347414"/>
+              <a:gd name="connsiteX45" fmla="*/ 498157 w 12192000"/>
+              <a:gd name="connsiteY45" fmla="*/ 1846167 h 2347414"/>
+              <a:gd name="connsiteX46" fmla="*/ 722828 w 12192000"/>
+              <a:gd name="connsiteY46" fmla="*/ 1878635 h 2347414"/>
+              <a:gd name="connsiteX47" fmla="*/ 949913 w 12192000"/>
+              <a:gd name="connsiteY47" fmla="*/ 1912375 h 2347414"/>
+              <a:gd name="connsiteX48" fmla="*/ 1195414 w 12192000"/>
+              <a:gd name="connsiteY48" fmla="*/ 1947516 h 2347414"/>
+              <a:gd name="connsiteX49" fmla="*/ 1342867 w 12192000"/>
+              <a:gd name="connsiteY49" fmla="*/ 1968397 h 2347414"/>
+              <a:gd name="connsiteX50" fmla="*/ 1518007 w 12192000"/>
+              <a:gd name="connsiteY50" fmla="*/ 1988006 h 2347414"/>
+              <a:gd name="connsiteX51" fmla="*/ 1701403 w 12192000"/>
+              <a:gd name="connsiteY51" fmla="*/ 2010669 h 2347414"/>
+              <a:gd name="connsiteX52" fmla="*/ 1879210 w 12192000"/>
+              <a:gd name="connsiteY52" fmla="*/ 2031167 h 2347414"/>
+              <a:gd name="connsiteX53" fmla="*/ 2068702 w 12192000"/>
+              <a:gd name="connsiteY53" fmla="*/ 2052940 h 2347414"/>
+              <a:gd name="connsiteX54" fmla="*/ 2212090 w 12192000"/>
+              <a:gd name="connsiteY54" fmla="*/ 2067583 h 2347414"/>
+              <a:gd name="connsiteX55" fmla="*/ 2416949 w 12192000"/>
+              <a:gd name="connsiteY55" fmla="*/ 2089609 h 2347414"/>
+              <a:gd name="connsiteX56" fmla="*/ 2582055 w 12192000"/>
+              <a:gd name="connsiteY56" fmla="*/ 2105397 h 2347414"/>
+              <a:gd name="connsiteX57" fmla="*/ 2802282 w 12192000"/>
+              <a:gd name="connsiteY57" fmla="*/ 2126405 h 2347414"/>
+              <a:gd name="connsiteX58" fmla="*/ 2984916 w 12192000"/>
+              <a:gd name="connsiteY58" fmla="*/ 2141684 h 2347414"/>
+              <a:gd name="connsiteX59" fmla="*/ 3241847 w 12192000"/>
+              <a:gd name="connsiteY59" fmla="*/ 2164094 h 2347414"/>
+              <a:gd name="connsiteX60" fmla="*/ 3439848 w 12192000"/>
+              <a:gd name="connsiteY60" fmla="*/ 2176826 h 2347414"/>
+              <a:gd name="connsiteX61" fmla="*/ 3658678 w 12192000"/>
+              <a:gd name="connsiteY61" fmla="*/ 2194523 h 2347414"/>
+              <a:gd name="connsiteX62" fmla="*/ 3881317 w 12192000"/>
+              <a:gd name="connsiteY62" fmla="*/ 2206491 h 2347414"/>
+              <a:gd name="connsiteX63" fmla="*/ 4148916 w 12192000"/>
+              <a:gd name="connsiteY63" fmla="*/ 2225081 h 2347414"/>
+              <a:gd name="connsiteX64" fmla="*/ 4468337 w 12192000"/>
+              <a:gd name="connsiteY64" fmla="*/ 2237813 h 2347414"/>
+              <a:gd name="connsiteX65" fmla="*/ 4605375 w 12192000"/>
+              <a:gd name="connsiteY65" fmla="*/ 2240232 h 2347414"/>
+              <a:gd name="connsiteX66" fmla="*/ 4527647 w 12192000"/>
+              <a:gd name="connsiteY66" fmla="*/ 2236412 h 2347414"/>
+              <a:gd name="connsiteX67" fmla="*/ 4175589 w 12192000"/>
+              <a:gd name="connsiteY67" fmla="*/ 2212985 h 2347414"/>
+              <a:gd name="connsiteX68" fmla="*/ 3988255 w 12192000"/>
+              <a:gd name="connsiteY68" fmla="*/ 2200253 h 2347414"/>
+              <a:gd name="connsiteX69" fmla="*/ 3686492 w 12192000"/>
+              <a:gd name="connsiteY69" fmla="*/ 2176062 h 2347414"/>
+              <a:gd name="connsiteX70" fmla="*/ 3517320 w 12192000"/>
+              <a:gd name="connsiteY70" fmla="*/ 2163330 h 2347414"/>
+              <a:gd name="connsiteX71" fmla="*/ 3258357 w 12192000"/>
+              <a:gd name="connsiteY71" fmla="*/ 2139519 h 2347414"/>
+              <a:gd name="connsiteX72" fmla="*/ 3101506 w 12192000"/>
+              <a:gd name="connsiteY72" fmla="*/ 2126787 h 2347414"/>
+              <a:gd name="connsiteX73" fmla="*/ 2809395 w 12192000"/>
+              <a:gd name="connsiteY73" fmla="*/ 2097502 h 2347414"/>
+              <a:gd name="connsiteX74" fmla="*/ 2598566 w 12192000"/>
+              <a:gd name="connsiteY74" fmla="*/ 2078532 h 2347414"/>
+              <a:gd name="connsiteX75" fmla="*/ 2337444 w 12192000"/>
+              <a:gd name="connsiteY75" fmla="*/ 2048611 h 2347414"/>
+              <a:gd name="connsiteX76" fmla="*/ 2091054 w 12192000"/>
+              <a:gd name="connsiteY76" fmla="*/ 2023146 h 2347414"/>
+              <a:gd name="connsiteX77" fmla="*/ 1755761 w 12192000"/>
+              <a:gd name="connsiteY77" fmla="*/ 1981384 h 2347414"/>
+              <a:gd name="connsiteX78" fmla="*/ 1441169 w 12192000"/>
+              <a:gd name="connsiteY78" fmla="*/ 1943824 h 2347414"/>
+              <a:gd name="connsiteX79" fmla="*/ 1017607 w 12192000"/>
+              <a:gd name="connsiteY79" fmla="*/ 1883345 h 2347414"/>
+              <a:gd name="connsiteX80" fmla="*/ 594427 w 12192000"/>
+              <a:gd name="connsiteY80" fmla="*/ 1821849 h 2347414"/>
+              <a:gd name="connsiteX81" fmla="*/ 200711 w 12192000"/>
+              <a:gd name="connsiteY81" fmla="*/ 1755132 h 2347414"/>
+              <a:gd name="connsiteX82" fmla="*/ 0 w 12192000"/>
+              <a:gd name="connsiteY82" fmla="*/ 1718743 h 2347414"/>
+            </a:gdLst>
+            <a:ahLst/>
+            <a:cxnLst>
+              <a:cxn ang="0">
+                <a:pos x="connsiteX0" y="connsiteY0"/>
+              </a:cxn>
+              <a:cxn ang="0">
+                <a:pos x="connsiteX1" y="connsiteY1"/>
+              </a:cxn>
+              <a:cxn ang="0">
+                <a:pos x="connsiteX2" y="connsiteY2"/>
+              </a:cxn>
+              <a:cxn ang="0">
+                <a:pos x="connsiteX3" y="connsiteY3"/>
+              </a:cxn>
+              <a:cxn ang="0">
+                <a:pos x="connsiteX4" y="connsiteY4"/>
+              </a:cxn>
+              <a:cxn ang="0">
+                <a:pos x="connsiteX5" y="connsiteY5"/>
+              </a:cxn>
+              <a:cxn ang="0">
+                <a:pos x="connsiteX6" y="connsiteY6"/>
+              </a:cxn>
+              <a:cxn ang="0">
+                <a:pos x="connsiteX7" y="connsiteY7"/>
+              </a:cxn>
+              <a:cxn ang="0">
+                <a:pos x="connsiteX8" y="connsiteY8"/>
+              </a:cxn>
+              <a:cxn ang="0">
+                <a:pos x="connsiteX9" y="connsiteY9"/>
+              </a:cxn>
+              <a:cxn ang="0">
+                <a:pos x="connsiteX10" y="connsiteY10"/>
+              </a:cxn>
+              <a:cxn ang="0">
+                <a:pos x="connsiteX11" y="connsiteY11"/>
+              </a:cxn>
+              <a:cxn ang="0">
+                <a:pos x="connsiteX12" y="connsiteY12"/>
+              </a:cxn>
+              <a:cxn ang="0">
+                <a:pos x="connsiteX13" y="connsiteY13"/>
+              </a:cxn>
+              <a:cxn ang="0">
+                <a:pos x="connsiteX14" y="connsiteY14"/>
+              </a:cxn>
+              <a:cxn ang="0">
+                <a:pos x="connsiteX15" y="connsiteY15"/>
+              </a:cxn>
+              <a:cxn ang="0">
+                <a:pos x="connsiteX16" y="connsiteY16"/>
+              </a:cxn>
+              <a:cxn ang="0">
+                <a:pos x="connsiteX17" y="connsiteY17"/>
+              </a:cxn>
+              <a:cxn ang="0">
+                <a:pos x="connsiteX18" y="connsiteY18"/>
+              </a:cxn>
+              <a:cxn ang="0">
+                <a:pos x="connsiteX19" y="connsiteY19"/>
+              </a:cxn>
+              <a:cxn ang="0">
+                <a:pos x="connsiteX20" y="connsiteY20"/>
+              </a:cxn>
+              <a:cxn ang="0">
+                <a:pos x="connsiteX21" y="connsiteY21"/>
+              </a:cxn>
+              <a:cxn ang="0">
+                <a:pos x="connsiteX22" y="connsiteY22"/>
+              </a:cxn>
+              <a:cxn ang="0">
+                <a:pos x="connsiteX23" y="connsiteY23"/>
+              </a:cxn>
+              <a:cxn ang="0">
+                <a:pos x="connsiteX24" y="connsiteY24"/>
+              </a:cxn>
+              <a:cxn ang="0">
+                <a:pos x="connsiteX25" y="connsiteY25"/>
+              </a:cxn>
+              <a:cxn ang="0">
+                <a:pos x="connsiteX26" y="connsiteY26"/>
+              </a:cxn>
+              <a:cxn ang="0">
+                <a:pos x="connsiteX27" y="connsiteY27"/>
+              </a:cxn>
+              <a:cxn ang="0">
+                <a:pos x="connsiteX28" y="connsiteY28"/>
+              </a:cxn>
+              <a:cxn ang="0">
+                <a:pos x="connsiteX29" y="connsiteY29"/>
+              </a:cxn>
+              <a:cxn ang="0">
+                <a:pos x="connsiteX30" y="connsiteY30"/>
+              </a:cxn>
+              <a:cxn ang="0">
+                <a:pos x="connsiteX31" y="connsiteY31"/>
+              </a:cxn>
+              <a:cxn ang="0">
+                <a:pos x="connsiteX32" y="connsiteY32"/>
+              </a:cxn>
+              <a:cxn ang="0">
+                <a:pos x="connsiteX33" y="connsiteY33"/>
+              </a:cxn>
+              <a:cxn ang="0">
+                <a:pos x="connsiteX34" y="connsiteY34"/>
+              </a:cxn>
+              <a:cxn ang="0">
+                <a:pos x="connsiteX35" y="connsiteY35"/>
+              </a:cxn>
+              <a:cxn ang="0">
+                <a:pos x="connsiteX36" y="connsiteY36"/>
+              </a:cxn>
+              <a:cxn ang="0">
+                <a:pos x="connsiteX37" y="connsiteY37"/>
+              </a:cxn>
+              <a:cxn ang="0">
+                <a:pos x="connsiteX38" y="connsiteY38"/>
+              </a:cxn>
+              <a:cxn ang="0">
+                <a:pos x="connsiteX39" y="connsiteY39"/>
+              </a:cxn>
+              <a:cxn ang="0">
+                <a:pos x="connsiteX40" y="connsiteY40"/>
+              </a:cxn>
+              <a:cxn ang="0">
+                <a:pos x="connsiteX41" y="connsiteY41"/>
+              </a:cxn>
+              <a:cxn ang="0">
+                <a:pos x="connsiteX42" y="connsiteY42"/>
+              </a:cxn>
+              <a:cxn ang="0">
+                <a:pos x="connsiteX43" y="connsiteY43"/>
+              </a:cxn>
+              <a:cxn ang="0">
+                <a:pos x="connsiteX44" y="connsiteY44"/>
+              </a:cxn>
+              <a:cxn ang="0">
+                <a:pos x="connsiteX45" y="connsiteY45"/>
+              </a:cxn>
+              <a:cxn ang="0">
+                <a:pos x="connsiteX46" y="connsiteY46"/>
+              </a:cxn>
+              <a:cxn ang="0">
+                <a:pos x="connsiteX47" y="connsiteY47"/>
+              </a:cxn>
+              <a:cxn ang="0">
+                <a:pos x="connsiteX48" y="connsiteY48"/>
+              </a:cxn>
+              <a:cxn ang="0">
+                <a:pos x="connsiteX49" y="connsiteY49"/>
+              </a:cxn>
+              <a:cxn ang="0">
+                <a:pos x="connsiteX50" y="connsiteY50"/>
+              </a:cxn>
+              <a:cxn ang="0">
+                <a:pos x="connsiteX51" y="connsiteY51"/>
+              </a:cxn>
+              <a:cxn ang="0">
+                <a:pos x="connsiteX52" y="connsiteY52"/>
+              </a:cxn>
+              <a:cxn ang="0">
+                <a:pos x="connsiteX53" y="connsiteY53"/>
+              </a:cxn>
+              <a:cxn ang="0">
+                <a:pos x="connsiteX54" y="connsiteY54"/>
+              </a:cxn>
+              <a:cxn ang="0">
+                <a:pos x="connsiteX55" y="connsiteY55"/>
+              </a:cxn>
+              <a:cxn ang="0">
+                <a:pos x="connsiteX56" y="connsiteY56"/>
+              </a:cxn>
+              <a:cxn ang="0">
+                <a:pos x="connsiteX57" y="connsiteY57"/>
+              </a:cxn>
+              <a:cxn ang="0">
+                <a:pos x="connsiteX58" y="connsiteY58"/>
+              </a:cxn>
+              <a:cxn ang="0">
+                <a:pos x="connsiteX59" y="connsiteY59"/>
+              </a:cxn>
+              <a:cxn ang="0">
+                <a:pos x="connsiteX60" y="connsiteY60"/>
+              </a:cxn>
+              <a:cxn ang="0">
+                <a:pos x="connsiteX61" y="connsiteY61"/>
+              </a:cxn>
+              <a:cxn ang="0">
+                <a:pos x="connsiteX62" y="connsiteY62"/>
+              </a:cxn>
+              <a:cxn ang="0">
+                <a:pos x="connsiteX63" y="connsiteY63"/>
+              </a:cxn>
+              <a:cxn ang="0">
+                <a:pos x="connsiteX64" y="connsiteY64"/>
+              </a:cxn>
+              <a:cxn ang="0">
+                <a:pos x="connsiteX65" y="connsiteY65"/>
+              </a:cxn>
+              <a:cxn ang="0">
+                <a:pos x="connsiteX66" y="connsiteY66"/>
+              </a:cxn>
+              <a:cxn ang="0">
+                <a:pos x="connsiteX67" y="connsiteY67"/>
+              </a:cxn>
+              <a:cxn ang="0">
+                <a:pos x="connsiteX68" y="connsiteY68"/>
+              </a:cxn>
+              <a:cxn ang="0">
+                <a:pos x="connsiteX69" y="connsiteY69"/>
+              </a:cxn>
+              <a:cxn ang="0">
+                <a:pos x="connsiteX70" y="connsiteY70"/>
+              </a:cxn>
+              <a:cxn ang="0">
+                <a:pos x="connsiteX71" y="connsiteY71"/>
+              </a:cxn>
+              <a:cxn ang="0">
+                <a:pos x="connsiteX72" y="connsiteY72"/>
+              </a:cxn>
+              <a:cxn ang="0">
+                <a:pos x="connsiteX73" y="connsiteY73"/>
+              </a:cxn>
+              <a:cxn ang="0">
+                <a:pos x="connsiteX74" y="connsiteY74"/>
+              </a:cxn>
+              <a:cxn ang="0">
+                <a:pos x="connsiteX75" y="connsiteY75"/>
+              </a:cxn>
+              <a:cxn ang="0">
+                <a:pos x="connsiteX76" y="connsiteY76"/>
+              </a:cxn>
+              <a:cxn ang="0">
+                <a:pos x="connsiteX77" y="connsiteY77"/>
+              </a:cxn>
+              <a:cxn ang="0">
+                <a:pos x="connsiteX78" y="connsiteY78"/>
+              </a:cxn>
+              <a:cxn ang="0">
+                <a:pos x="connsiteX79" y="connsiteY79"/>
+              </a:cxn>
+              <a:cxn ang="0">
+                <a:pos x="connsiteX80" y="connsiteY80"/>
+              </a:cxn>
+              <a:cxn ang="0">
+                <a:pos x="connsiteX81" y="connsiteY81"/>
+              </a:cxn>
+              <a:cxn ang="0">
+                <a:pos x="connsiteX82" y="connsiteY82"/>
+              </a:cxn>
+            </a:cxnLst>
+            <a:rect l="l" t="t" r="r" b="b"/>
+            <a:pathLst>
+              <a:path w="12192000" h="2347414">
+                <a:moveTo>
+                  <a:pt x="0" y="0"/>
+                </a:moveTo>
+                <a:lnTo>
+                  <a:pt x="12192000" y="0"/>
+                </a:lnTo>
+                <a:lnTo>
+                  <a:pt x="12192000" y="1736458"/>
+                </a:lnTo>
+                <a:lnTo>
+                  <a:pt x="11967601" y="1784034"/>
+                </a:lnTo>
+                <a:cubicBezTo>
+                  <a:pt x="11589888" y="1859409"/>
+                  <a:pt x="11209762" y="1923961"/>
+                  <a:pt x="10829000" y="1983294"/>
+                </a:cubicBezTo>
+                <a:lnTo>
+                  <a:pt x="10743779" y="1996027"/>
+                </a:lnTo>
+                <a:cubicBezTo>
+                  <a:pt x="10772495" y="1996778"/>
+                  <a:pt x="10801211" y="1993989"/>
+                  <a:pt x="10829254" y="1987751"/>
+                </a:cubicBezTo>
+                <a:cubicBezTo>
+                  <a:pt x="10835198" y="1988337"/>
+                  <a:pt x="10841180" y="1988553"/>
+                  <a:pt x="10847162" y="1988388"/>
+                </a:cubicBezTo>
+                <a:cubicBezTo>
+                  <a:pt x="11090123" y="1968907"/>
+                  <a:pt x="11332703" y="1945734"/>
+                  <a:pt x="11575155" y="1921415"/>
+                </a:cubicBezTo>
+                <a:lnTo>
+                  <a:pt x="12192000" y="1851213"/>
+                </a:lnTo>
+                <a:lnTo>
+                  <a:pt x="12192000" y="1907356"/>
+                </a:lnTo>
+                <a:lnTo>
+                  <a:pt x="12035532" y="1927033"/>
+                </a:lnTo>
+                <a:cubicBezTo>
+                  <a:pt x="11882793" y="1944747"/>
+                  <a:pt x="11729910" y="1961077"/>
+                  <a:pt x="11576932" y="1976291"/>
+                </a:cubicBezTo>
+                <a:cubicBezTo>
+                  <a:pt x="11260690" y="2008122"/>
+                  <a:pt x="10944193" y="2037279"/>
+                  <a:pt x="10627316" y="2061470"/>
+                </a:cubicBezTo>
+                <a:cubicBezTo>
+                  <a:pt x="10352985" y="2082351"/>
+                  <a:pt x="10078401" y="2100431"/>
+                  <a:pt x="9804196" y="2123478"/>
+                </a:cubicBezTo>
+                <a:cubicBezTo>
+                  <a:pt x="9617118" y="2139137"/>
+                  <a:pt x="9430675" y="2161674"/>
+                  <a:pt x="9243851" y="2180008"/>
+                </a:cubicBezTo>
+                <a:cubicBezTo>
+                  <a:pt x="9073157" y="2196433"/>
+                  <a:pt x="8902207" y="2211966"/>
+                  <a:pt x="8731259" y="2225081"/>
+                </a:cubicBezTo>
+                <a:cubicBezTo>
+                  <a:pt x="8509507" y="2242054"/>
+                  <a:pt x="8287667" y="2257586"/>
+                  <a:pt x="8065752" y="2271681"/>
+                </a:cubicBezTo>
+                <a:cubicBezTo>
+                  <a:pt x="7929984" y="2280466"/>
+                  <a:pt x="7793961" y="2285814"/>
+                  <a:pt x="7658065" y="2292562"/>
+                </a:cubicBezTo>
+                <a:cubicBezTo>
+                  <a:pt x="7282640" y="2311661"/>
+                  <a:pt x="6906704" y="2314208"/>
+                  <a:pt x="6531024" y="2324138"/>
+                </a:cubicBezTo>
+                <a:cubicBezTo>
+                  <a:pt x="6413417" y="2327322"/>
+                  <a:pt x="6295937" y="2338399"/>
+                  <a:pt x="6178331" y="2345655"/>
+                </a:cubicBezTo>
+                <a:cubicBezTo>
+                  <a:pt x="6111271" y="2349730"/>
+                  <a:pt x="6044342" y="2345655"/>
+                  <a:pt x="5977282" y="2344127"/>
+                </a:cubicBezTo>
+                <a:cubicBezTo>
+                  <a:pt x="5774073" y="2338908"/>
+                  <a:pt x="5570866" y="2334960"/>
+                  <a:pt x="5367658" y="2329230"/>
+                </a:cubicBezTo>
+                <a:cubicBezTo>
+                  <a:pt x="5040746" y="2319809"/>
+                  <a:pt x="4713963" y="2306274"/>
+                  <a:pt x="4387306" y="2288614"/>
+                </a:cubicBezTo>
+                <a:cubicBezTo>
+                  <a:pt x="4318342" y="2284796"/>
+                  <a:pt x="4249253" y="2284286"/>
+                  <a:pt x="4180287" y="2280211"/>
+                </a:cubicBezTo>
+                <a:cubicBezTo>
+                  <a:pt x="4067634" y="2273463"/>
+                  <a:pt x="3954980" y="2265060"/>
+                  <a:pt x="3842199" y="2257039"/>
+                </a:cubicBezTo>
+                <a:cubicBezTo>
+                  <a:pt x="3804988" y="2254492"/>
+                  <a:pt x="3767648" y="2254620"/>
+                  <a:pt x="3730309" y="2251182"/>
+                </a:cubicBezTo>
+                <a:cubicBezTo>
+                  <a:pt x="3628704" y="2242142"/>
+                  <a:pt x="3527101" y="2238449"/>
+                  <a:pt x="3425496" y="2231320"/>
+                </a:cubicBezTo>
+                <a:cubicBezTo>
+                  <a:pt x="3308906" y="2222534"/>
+                  <a:pt x="3192569" y="2211330"/>
+                  <a:pt x="3076106" y="2201781"/>
+                </a:cubicBezTo>
+                <a:cubicBezTo>
+                  <a:pt x="2990757" y="2194905"/>
+                  <a:pt x="2905157" y="2190067"/>
+                  <a:pt x="2819682" y="2182427"/>
+                </a:cubicBezTo>
+                <a:cubicBezTo>
+                  <a:pt x="2721507" y="2173515"/>
+                  <a:pt x="2623586" y="2162311"/>
+                  <a:pt x="2525539" y="2152888"/>
+                </a:cubicBezTo>
+                <a:cubicBezTo>
+                  <a:pt x="2454289" y="2145886"/>
+                  <a:pt x="2383038" y="2140920"/>
+                  <a:pt x="2311915" y="2133536"/>
+                </a:cubicBezTo>
+                <a:cubicBezTo>
+                  <a:pt x="2225933" y="2124749"/>
+                  <a:pt x="2140204" y="2114182"/>
+                  <a:pt x="2054223" y="2104760"/>
+                </a:cubicBezTo>
+                <a:cubicBezTo>
+                  <a:pt x="1990719" y="2097758"/>
+                  <a:pt x="1928233" y="2092028"/>
+                  <a:pt x="1865367" y="2084770"/>
+                </a:cubicBezTo>
+                <a:cubicBezTo>
+                  <a:pt x="1786622" y="2075603"/>
+                  <a:pt x="1708006" y="2065545"/>
+                  <a:pt x="1629263" y="2055996"/>
+                </a:cubicBezTo>
+                <a:cubicBezTo>
+                  <a:pt x="1572492" y="2049120"/>
+                  <a:pt x="1515595" y="2043264"/>
+                  <a:pt x="1458823" y="2035751"/>
+                </a:cubicBezTo>
+                <a:cubicBezTo>
+                  <a:pt x="1386303" y="2026585"/>
+                  <a:pt x="1313784" y="2016780"/>
+                  <a:pt x="1241390" y="2007103"/>
+                </a:cubicBezTo>
+                <a:lnTo>
+                  <a:pt x="1047453" y="1980748"/>
+                </a:lnTo>
+                <a:cubicBezTo>
+                  <a:pt x="969980" y="1970180"/>
+                  <a:pt x="892254" y="1960377"/>
+                  <a:pt x="814907" y="1949045"/>
+                </a:cubicBezTo>
+                <a:cubicBezTo>
+                  <a:pt x="740609" y="1938094"/>
+                  <a:pt x="666692" y="1925744"/>
+                  <a:pt x="592649" y="1913776"/>
+                </a:cubicBezTo>
+                <a:cubicBezTo>
+                  <a:pt x="509587" y="1900280"/>
+                  <a:pt x="426653" y="1886274"/>
+                  <a:pt x="343591" y="1872650"/>
+                </a:cubicBezTo>
+                <a:cubicBezTo>
+                  <a:pt x="240972" y="1855716"/>
+                  <a:pt x="138225" y="1839673"/>
+                  <a:pt x="35731" y="1821722"/>
+                </a:cubicBezTo>
+                <a:lnTo>
+                  <a:pt x="0" y="1814848"/>
+                </a:lnTo>
+                <a:lnTo>
+                  <a:pt x="0" y="1758489"/>
+                </a:lnTo>
+                <a:lnTo>
+                  <a:pt x="274248" y="1808735"/>
+                </a:lnTo>
+                <a:cubicBezTo>
+                  <a:pt x="348926" y="1821467"/>
+                  <a:pt x="423604" y="1832798"/>
+                  <a:pt x="498157" y="1846167"/>
+                </a:cubicBezTo>
+                <a:cubicBezTo>
+                  <a:pt x="572708" y="1859536"/>
+                  <a:pt x="647896" y="1867813"/>
+                  <a:pt x="722828" y="1878635"/>
+                </a:cubicBezTo>
+                <a:cubicBezTo>
+                  <a:pt x="797762" y="1889457"/>
+                  <a:pt x="874219" y="1901426"/>
+                  <a:pt x="949913" y="1912375"/>
+                </a:cubicBezTo>
+                <a:cubicBezTo>
+                  <a:pt x="1031704" y="1924343"/>
+                  <a:pt x="1113496" y="1935802"/>
+                  <a:pt x="1195414" y="1947516"/>
+                </a:cubicBezTo>
+                <a:cubicBezTo>
+                  <a:pt x="1244566" y="1954519"/>
+                  <a:pt x="1293589" y="1962285"/>
+                  <a:pt x="1342867" y="1968397"/>
+                </a:cubicBezTo>
+                <a:cubicBezTo>
+                  <a:pt x="1401162" y="1975656"/>
+                  <a:pt x="1459712" y="1981130"/>
+                  <a:pt x="1518007" y="1988006"/>
+                </a:cubicBezTo>
+                <a:cubicBezTo>
+                  <a:pt x="1579224" y="1995263"/>
+                  <a:pt x="1640186" y="2003411"/>
+                  <a:pt x="1701403" y="2010669"/>
+                </a:cubicBezTo>
+                <a:cubicBezTo>
+                  <a:pt x="1762618" y="2017926"/>
+                  <a:pt x="1820279" y="2024292"/>
+                  <a:pt x="1879210" y="2031167"/>
+                </a:cubicBezTo>
+                <a:cubicBezTo>
+                  <a:pt x="1942712" y="2038425"/>
+                  <a:pt x="2006214" y="2046064"/>
+                  <a:pt x="2068702" y="2052940"/>
+                </a:cubicBezTo>
+                <a:cubicBezTo>
+                  <a:pt x="2116455" y="2058160"/>
+                  <a:pt x="2164335" y="2062362"/>
+                  <a:pt x="2212090" y="2067583"/>
+                </a:cubicBezTo>
+                <a:cubicBezTo>
+                  <a:pt x="2280419" y="2074967"/>
+                  <a:pt x="2348493" y="2085152"/>
+                  <a:pt x="2416949" y="2089609"/>
+                </a:cubicBezTo>
+                <a:cubicBezTo>
+                  <a:pt x="2472070" y="2093302"/>
+                  <a:pt x="2526936" y="2099540"/>
+                  <a:pt x="2582055" y="2105397"/>
+                </a:cubicBezTo>
+                <a:cubicBezTo>
+                  <a:pt x="2655337" y="2113291"/>
+                  <a:pt x="2729001" y="2119785"/>
+                  <a:pt x="2802282" y="2126405"/>
+                </a:cubicBezTo>
+                <a:cubicBezTo>
+                  <a:pt x="2862991" y="2131753"/>
+                  <a:pt x="2924207" y="2136337"/>
+                  <a:pt x="2984916" y="2141684"/>
+                </a:cubicBezTo>
+                <a:cubicBezTo>
+                  <a:pt x="3070516" y="2149324"/>
+                  <a:pt x="3156373" y="2152888"/>
+                  <a:pt x="3241847" y="2164094"/>
+                </a:cubicBezTo>
+                <a:cubicBezTo>
+                  <a:pt x="3307255" y="2172624"/>
+                  <a:pt x="3374060" y="2169822"/>
+                  <a:pt x="3439848" y="2176826"/>
+                </a:cubicBezTo>
+                <a:cubicBezTo>
+                  <a:pt x="3512622" y="2184592"/>
+                  <a:pt x="3585777" y="2186247"/>
+                  <a:pt x="3658678" y="2194523"/>
+                </a:cubicBezTo>
+                <a:cubicBezTo>
+                  <a:pt x="3731578" y="2202800"/>
+                  <a:pt x="3807019" y="2201781"/>
+                  <a:pt x="3881317" y="2206491"/>
+                </a:cubicBezTo>
+                <a:cubicBezTo>
+                  <a:pt x="3970222" y="2212094"/>
+                  <a:pt x="4059124" y="2223552"/>
+                  <a:pt x="4148916" y="2225081"/>
+                </a:cubicBezTo>
+                <a:cubicBezTo>
+                  <a:pt x="4255600" y="2226736"/>
+                  <a:pt x="4361779" y="2236539"/>
+                  <a:pt x="4468337" y="2237813"/>
+                </a:cubicBezTo>
+                <a:cubicBezTo>
+                  <a:pt x="4511390" y="2238577"/>
+                  <a:pt x="4554190" y="2246852"/>
+                  <a:pt x="4605375" y="2240232"/>
+                </a:cubicBezTo>
+                <a:cubicBezTo>
+                  <a:pt x="4574131" y="2238704"/>
+                  <a:pt x="4550762" y="2237940"/>
+                  <a:pt x="4527647" y="2236412"/>
+                </a:cubicBezTo>
+                <a:cubicBezTo>
+                  <a:pt x="4410293" y="2228773"/>
+                  <a:pt x="4292942" y="2220751"/>
+                  <a:pt x="4175589" y="2212985"/>
+                </a:cubicBezTo>
+                <a:cubicBezTo>
+                  <a:pt x="4113101" y="2208783"/>
+                  <a:pt x="4050615" y="2205219"/>
+                  <a:pt x="3988255" y="2200253"/>
+                </a:cubicBezTo>
+                <a:cubicBezTo>
+                  <a:pt x="3887668" y="2192487"/>
+                  <a:pt x="3787079" y="2184082"/>
+                  <a:pt x="3686492" y="2176062"/>
+                </a:cubicBezTo>
+                <a:cubicBezTo>
+                  <a:pt x="3630102" y="2171605"/>
+                  <a:pt x="3573711" y="2168040"/>
+                  <a:pt x="3517320" y="2163330"/>
+                </a:cubicBezTo>
+                <a:cubicBezTo>
+                  <a:pt x="3430958" y="2155689"/>
+                  <a:pt x="3344721" y="2147159"/>
+                  <a:pt x="3258357" y="2139519"/>
+                </a:cubicBezTo>
+                <a:cubicBezTo>
+                  <a:pt x="3206031" y="2134809"/>
+                  <a:pt x="3153705" y="2131371"/>
+                  <a:pt x="3101506" y="2126787"/>
+                </a:cubicBezTo>
+                <a:cubicBezTo>
+                  <a:pt x="3004220" y="2117365"/>
+                  <a:pt x="2907061" y="2106798"/>
+                  <a:pt x="2809395" y="2097502"/>
+                </a:cubicBezTo>
+                <a:cubicBezTo>
+                  <a:pt x="2739161" y="2090628"/>
+                  <a:pt x="2668673" y="2085916"/>
+                  <a:pt x="2598566" y="2078532"/>
+                </a:cubicBezTo>
+                <a:cubicBezTo>
+                  <a:pt x="2511441" y="2069365"/>
+                  <a:pt x="2424569" y="2058160"/>
+                  <a:pt x="2337444" y="2048611"/>
+                </a:cubicBezTo>
+                <a:cubicBezTo>
+                  <a:pt x="2255399" y="2039699"/>
+                  <a:pt x="2173099" y="2032950"/>
+                  <a:pt x="2091054" y="2023146"/>
+                </a:cubicBezTo>
+                <a:cubicBezTo>
+                  <a:pt x="1979162" y="2010414"/>
+                  <a:pt x="1867524" y="1995008"/>
+                  <a:pt x="1755761" y="1981384"/>
+                </a:cubicBezTo>
+                <a:cubicBezTo>
+                  <a:pt x="1650982" y="1968652"/>
+                  <a:pt x="1545821" y="1957830"/>
+                  <a:pt x="1441169" y="1943824"/>
+                </a:cubicBezTo>
+                <a:cubicBezTo>
+                  <a:pt x="1299813" y="1924980"/>
+                  <a:pt x="1158837" y="1903718"/>
+                  <a:pt x="1017607" y="1883345"/>
+                </a:cubicBezTo>
+                <a:cubicBezTo>
+                  <a:pt x="876378" y="1862974"/>
+                  <a:pt x="735402" y="1844003"/>
+                  <a:pt x="594427" y="1821849"/>
+                </a:cubicBezTo>
+                <a:cubicBezTo>
+                  <a:pt x="462850" y="1801222"/>
+                  <a:pt x="331526" y="1778304"/>
+                  <a:pt x="200711" y="1755132"/>
+                </a:cubicBezTo>
+                <a:lnTo>
+                  <a:pt x="0" y="1718743"/>
+                </a:lnTo>
+                <a:close/>
+              </a:path>
+            </a:pathLst>
+          </a:custGeom>
+          <a:solidFill>
+            <a:schemeClr val="accent2"/>
+          </a:solidFill>
+          <a:ln w="8199" cap="flat">
+            <a:noFill/>
+            <a:prstDash val="solid"/>
+            <a:miter/>
+          </a:ln>
+        </p:spPr>
+        <p:txBody>
+          <a:bodyPr rtlCol="0" anchor="ctr"/>
+          <a:lstStyle/>
+          <a:p>
+            <a:endParaRPr lang="en-US"/>
+          </a:p>
+        </p:txBody>
+      </p:sp>
+      <p:sp>
+        <p:nvSpPr>
+          <p:cNvPr id="2" name="Title 1">
+            <a:extLst>
+              <a:ext uri="{FF2B5EF4-FFF2-40B4-BE49-F238E27FC236}">
+                <a16:creationId xmlns:a16="http://schemas.microsoft.com/office/drawing/2014/main" id="{BC72C796-A235-FA54-1EED-D0AD4338601C}"/>
+              </a:ext>
+            </a:extLst>
+          </p:cNvPr>
+          <p:cNvSpPr>
+            <a:spLocks noGrp="1"/>
+          </p:cNvSpPr>
+          <p:nvPr>
+            <p:ph type="title"/>
+          </p:nvPr>
+        </p:nvSpPr>
+        <p:spPr>
+          <a:xfrm>
+            <a:off x="838200" y="401221"/>
+            <a:ext cx="10515600" cy="1348065"/>
+          </a:xfrm>
+        </p:spPr>
+        <p:txBody>
+          <a:bodyPr>
+            <a:normAutofit/>
+          </a:bodyPr>
+          <a:lstStyle/>
+          <a:p>
+            <a:r>
+              <a:rPr lang="en-US" sz="5400">
+                <a:solidFill>
+                  <a:srgbClr val="FFFFFF"/>
+                </a:solidFill>
+              </a:rPr>
+              <a:t>Web</a:t>
+            </a:r>
+            <a:r>
+              <a:rPr lang="en-US" sz="5400" baseline="0">
+                <a:solidFill>
+                  <a:srgbClr val="FFFFFF"/>
+                </a:solidFill>
+              </a:rPr>
+              <a:t> Server</a:t>
+            </a:r>
+            <a:endParaRPr lang="en-US" sz="5400">
+              <a:solidFill>
+                <a:srgbClr val="FFFFFF"/>
+              </a:solidFill>
+            </a:endParaRPr>
+          </a:p>
+        </p:txBody>
+      </p:sp>
+      <p:sp>
+        <p:nvSpPr>
+          <p:cNvPr id="3" name="Content Placeholder 2">
+            <a:extLst>
+              <a:ext uri="{FF2B5EF4-FFF2-40B4-BE49-F238E27FC236}">
+                <a16:creationId xmlns:a16="http://schemas.microsoft.com/office/drawing/2014/main" id="{8F68970E-9C48-5C23-66BF-95B1DAB4EC4A}"/>
+              </a:ext>
+            </a:extLst>
+          </p:cNvPr>
+          <p:cNvSpPr>
+            <a:spLocks noGrp="1"/>
+          </p:cNvSpPr>
+          <p:nvPr>
+            <p:ph idx="1"/>
+          </p:nvPr>
+        </p:nvSpPr>
+        <p:spPr>
+          <a:xfrm>
+            <a:off x="838200" y="2586789"/>
+            <a:ext cx="10515600" cy="3590174"/>
+          </a:xfrm>
+        </p:spPr>
+        <p:txBody>
+          <a:bodyPr>
+            <a:normAutofit/>
+          </a:bodyPr>
+          <a:lstStyle/>
+          <a:p>
+            <a:r>
+              <a:rPr lang="en-US" sz="4800" dirty="0"/>
+              <a:t>Apache</a:t>
+            </a:r>
+          </a:p>
+          <a:p>
+            <a:r>
+              <a:rPr lang="en-US" sz="4800" dirty="0"/>
+              <a:t>Nginx</a:t>
+            </a:r>
+          </a:p>
+          <a:p>
+            <a:r>
+              <a:rPr lang="en-US" sz="4800" dirty="0"/>
+              <a:t>IIS</a:t>
+            </a:r>
+          </a:p>
+          <a:p>
+            <a:r>
+              <a:rPr lang="en-US" sz="4800" dirty="0"/>
+              <a:t>etc...</a:t>
+            </a:r>
+          </a:p>
+        </p:txBody>
+      </p:sp>
+    </p:spTree>
+    <p:extLst>
+      <p:ext uri="{BB962C8B-B14F-4D97-AF65-F5344CB8AC3E}">
+        <p14:creationId xmlns:p14="http://schemas.microsoft.com/office/powerpoint/2010/main" val="3520983153"/>
+      </p:ext>
+    </p:extLst>
+  </p:cSld>
+  <p:clrMapOvr>
+    <a:masterClrMapping/>
+  </p:clrMapOvr>
+</p:sld>
+</file>
+
+<file path=ppt/slides/slide25.xml><?xml version="1.0" encoding="utf-8"?>
+<p:sld xmlns:a="http://schemas.openxmlformats.org/drawingml/2006/main" xmlns:r="http://schemas.openxmlformats.org/officeDocument/2006/relationships" xmlns:p="http://schemas.openxmlformats.org/presentationml/2006/main">
+  <p:cSld>
+    <p:bg>
+      <p:bgPr>
+        <a:solidFill>
+          <a:schemeClr val="bg1"/>
+        </a:solidFill>
+        <a:effectLst/>
+      </p:bgPr>
+    </p:bg>
+    <p:spTree>
+      <p:nvGrpSpPr>
+        <p:cNvPr id="1" name=""/>
+        <p:cNvGrpSpPr/>
+        <p:nvPr/>
+      </p:nvGrpSpPr>
+      <p:grpSpPr>
+        <a:xfrm>
+          <a:off x="0" y="0"/>
+          <a:ext cx="0" cy="0"/>
+          <a:chOff x="0" y="0"/>
+          <a:chExt cx="0" cy="0"/>
+        </a:xfrm>
+      </p:grpSpPr>
+      <p:sp useBgFill="1">
+        <p:nvSpPr>
+          <p:cNvPr id="8" name="Rectangle 7">
+            <a:extLst>
+              <a:ext uri="{FF2B5EF4-FFF2-40B4-BE49-F238E27FC236}">
+                <a16:creationId xmlns:a16="http://schemas.microsoft.com/office/drawing/2014/main" id="{AC17DE74-01C9-4859-B65A-85CF999E8580}"/>
+              </a:ext>
+              <a:ext uri="{C183D7F6-B498-43B3-948B-1728B52AA6E4}">
+                <adec:decorative xmlns:adec="http://schemas.microsoft.com/office/drawing/2017/decorative" val="1"/>
+              </a:ext>
+            </a:extLst>
+          </p:cNvPr>
+          <p:cNvSpPr>
+            <a:spLocks noGrp="1" noRot="1" noChangeAspect="1" noMove="1" noResize="1" noEditPoints="1" noAdjustHandles="1" noChangeArrowheads="1" noChangeShapeType="1" noTextEdit="1"/>
+          </p:cNvSpPr>
+          <p:nvPr>
+            <p:extLst>
+              <p:ext uri="{386F3935-93C4-4BCD-93E2-E3B085C9AB24}">
+                <p16:designElem xmlns:p16="http://schemas.microsoft.com/office/powerpoint/2015/main" val="1"/>
+              </p:ext>
+            </p:extLst>
+          </p:nvPr>
+        </p:nvSpPr>
+        <p:spPr>
+          <a:xfrm>
+            <a:off x="0" y="0"/>
+            <a:ext cx="12188952" cy="6858000"/>
+          </a:xfrm>
+          <a:prstGeom prst="rect">
+            <a:avLst/>
+          </a:prstGeom>
+          <a:ln>
+            <a:noFill/>
+          </a:ln>
+        </p:spPr>
+        <p:style>
+          <a:lnRef idx="2">
+            <a:schemeClr val="accent1">
+              <a:shade val="50000"/>
+            </a:schemeClr>
+          </a:lnRef>
+          <a:fillRef idx="1">
+            <a:schemeClr val="accent1"/>
+          </a:fillRef>
+          <a:effectRef idx="0">
+            <a:schemeClr val="accent1"/>
+          </a:effectRef>
+          <a:fontRef idx="minor">
+            <a:schemeClr val="lt1"/>
+          </a:fontRef>
+        </p:style>
+        <p:txBody>
+          <a:bodyPr rtlCol="0" anchor="ctr"/>
+          <a:lstStyle/>
+          <a:p>
+            <a:pPr algn="ctr"/>
+            <a:endParaRPr lang="en-US"/>
+          </a:p>
+        </p:txBody>
+      </p:sp>
+      <p:sp>
+        <p:nvSpPr>
+          <p:cNvPr id="10" name="Freeform: Shape 9">
+            <a:extLst>
+              <a:ext uri="{FF2B5EF4-FFF2-40B4-BE49-F238E27FC236}">
+                <a16:creationId xmlns:a16="http://schemas.microsoft.com/office/drawing/2014/main" id="{068C0432-0E90-4CC1-8CD3-D44A90DF07EF}"/>
+              </a:ext>
+              <a:ext uri="{C183D7F6-B498-43B3-948B-1728B52AA6E4}">
+                <adec:decorative xmlns:adec="http://schemas.microsoft.com/office/drawing/2017/decorative" val="1"/>
+              </a:ext>
+            </a:extLst>
+          </p:cNvPr>
+          <p:cNvSpPr>
+            <a:spLocks noGrp="1" noRot="1" noChangeAspect="1" noMove="1" noResize="1" noEditPoints="1" noAdjustHandles="1" noChangeArrowheads="1" noChangeShapeType="1" noTextEdit="1"/>
+          </p:cNvSpPr>
+          <p:nvPr>
+            <p:extLst>
+              <p:ext uri="{386F3935-93C4-4BCD-93E2-E3B085C9AB24}">
+                <p16:designElem xmlns:p16="http://schemas.microsoft.com/office/powerpoint/2015/main" val="1"/>
+              </p:ext>
+            </p:extLst>
+          </p:nvPr>
+        </p:nvSpPr>
+        <p:spPr>
+          <a:xfrm>
+            <a:off x="0" y="0"/>
+            <a:ext cx="12192000" cy="2347414"/>
+          </a:xfrm>
+          <a:custGeom>
+            <a:avLst/>
+            <a:gdLst>
+              <a:gd name="connsiteX0" fmla="*/ 0 w 12192000"/>
+              <a:gd name="connsiteY0" fmla="*/ 0 h 2347414"/>
+              <a:gd name="connsiteX1" fmla="*/ 12192000 w 12192000"/>
+              <a:gd name="connsiteY1" fmla="*/ 0 h 2347414"/>
+              <a:gd name="connsiteX2" fmla="*/ 12192000 w 12192000"/>
+              <a:gd name="connsiteY2" fmla="*/ 1736458 h 2347414"/>
+              <a:gd name="connsiteX3" fmla="*/ 11967601 w 12192000"/>
+              <a:gd name="connsiteY3" fmla="*/ 1784034 h 2347414"/>
+              <a:gd name="connsiteX4" fmla="*/ 10829000 w 12192000"/>
+              <a:gd name="connsiteY4" fmla="*/ 1983294 h 2347414"/>
+              <a:gd name="connsiteX5" fmla="*/ 10743779 w 12192000"/>
+              <a:gd name="connsiteY5" fmla="*/ 1996027 h 2347414"/>
+              <a:gd name="connsiteX6" fmla="*/ 10829254 w 12192000"/>
+              <a:gd name="connsiteY6" fmla="*/ 1987751 h 2347414"/>
+              <a:gd name="connsiteX7" fmla="*/ 10847162 w 12192000"/>
+              <a:gd name="connsiteY7" fmla="*/ 1988388 h 2347414"/>
+              <a:gd name="connsiteX8" fmla="*/ 11575155 w 12192000"/>
+              <a:gd name="connsiteY8" fmla="*/ 1921415 h 2347414"/>
+              <a:gd name="connsiteX9" fmla="*/ 12192000 w 12192000"/>
+              <a:gd name="connsiteY9" fmla="*/ 1851213 h 2347414"/>
+              <a:gd name="connsiteX10" fmla="*/ 12192000 w 12192000"/>
+              <a:gd name="connsiteY10" fmla="*/ 1907356 h 2347414"/>
+              <a:gd name="connsiteX11" fmla="*/ 12035532 w 12192000"/>
+              <a:gd name="connsiteY11" fmla="*/ 1927033 h 2347414"/>
+              <a:gd name="connsiteX12" fmla="*/ 11576932 w 12192000"/>
+              <a:gd name="connsiteY12" fmla="*/ 1976291 h 2347414"/>
+              <a:gd name="connsiteX13" fmla="*/ 10627316 w 12192000"/>
+              <a:gd name="connsiteY13" fmla="*/ 2061470 h 2347414"/>
+              <a:gd name="connsiteX14" fmla="*/ 9804196 w 12192000"/>
+              <a:gd name="connsiteY14" fmla="*/ 2123478 h 2347414"/>
+              <a:gd name="connsiteX15" fmla="*/ 9243851 w 12192000"/>
+              <a:gd name="connsiteY15" fmla="*/ 2180008 h 2347414"/>
+              <a:gd name="connsiteX16" fmla="*/ 8731259 w 12192000"/>
+              <a:gd name="connsiteY16" fmla="*/ 2225081 h 2347414"/>
+              <a:gd name="connsiteX17" fmla="*/ 8065752 w 12192000"/>
+              <a:gd name="connsiteY17" fmla="*/ 2271681 h 2347414"/>
+              <a:gd name="connsiteX18" fmla="*/ 7658065 w 12192000"/>
+              <a:gd name="connsiteY18" fmla="*/ 2292562 h 2347414"/>
+              <a:gd name="connsiteX19" fmla="*/ 6531024 w 12192000"/>
+              <a:gd name="connsiteY19" fmla="*/ 2324138 h 2347414"/>
+              <a:gd name="connsiteX20" fmla="*/ 6178331 w 12192000"/>
+              <a:gd name="connsiteY20" fmla="*/ 2345655 h 2347414"/>
+              <a:gd name="connsiteX21" fmla="*/ 5977282 w 12192000"/>
+              <a:gd name="connsiteY21" fmla="*/ 2344127 h 2347414"/>
+              <a:gd name="connsiteX22" fmla="*/ 5367658 w 12192000"/>
+              <a:gd name="connsiteY22" fmla="*/ 2329230 h 2347414"/>
+              <a:gd name="connsiteX23" fmla="*/ 4387306 w 12192000"/>
+              <a:gd name="connsiteY23" fmla="*/ 2288614 h 2347414"/>
+              <a:gd name="connsiteX24" fmla="*/ 4180287 w 12192000"/>
+              <a:gd name="connsiteY24" fmla="*/ 2280211 h 2347414"/>
+              <a:gd name="connsiteX25" fmla="*/ 3842199 w 12192000"/>
+              <a:gd name="connsiteY25" fmla="*/ 2257039 h 2347414"/>
+              <a:gd name="connsiteX26" fmla="*/ 3730309 w 12192000"/>
+              <a:gd name="connsiteY26" fmla="*/ 2251182 h 2347414"/>
+              <a:gd name="connsiteX27" fmla="*/ 3425496 w 12192000"/>
+              <a:gd name="connsiteY27" fmla="*/ 2231320 h 2347414"/>
+              <a:gd name="connsiteX28" fmla="*/ 3076106 w 12192000"/>
+              <a:gd name="connsiteY28" fmla="*/ 2201781 h 2347414"/>
+              <a:gd name="connsiteX29" fmla="*/ 2819682 w 12192000"/>
+              <a:gd name="connsiteY29" fmla="*/ 2182427 h 2347414"/>
+              <a:gd name="connsiteX30" fmla="*/ 2525539 w 12192000"/>
+              <a:gd name="connsiteY30" fmla="*/ 2152888 h 2347414"/>
+              <a:gd name="connsiteX31" fmla="*/ 2311915 w 12192000"/>
+              <a:gd name="connsiteY31" fmla="*/ 2133536 h 2347414"/>
+              <a:gd name="connsiteX32" fmla="*/ 2054223 w 12192000"/>
+              <a:gd name="connsiteY32" fmla="*/ 2104760 h 2347414"/>
+              <a:gd name="connsiteX33" fmla="*/ 1865367 w 12192000"/>
+              <a:gd name="connsiteY33" fmla="*/ 2084770 h 2347414"/>
+              <a:gd name="connsiteX34" fmla="*/ 1629263 w 12192000"/>
+              <a:gd name="connsiteY34" fmla="*/ 2055996 h 2347414"/>
+              <a:gd name="connsiteX35" fmla="*/ 1458823 w 12192000"/>
+              <a:gd name="connsiteY35" fmla="*/ 2035751 h 2347414"/>
+              <a:gd name="connsiteX36" fmla="*/ 1241390 w 12192000"/>
+              <a:gd name="connsiteY36" fmla="*/ 2007103 h 2347414"/>
+              <a:gd name="connsiteX37" fmla="*/ 1047453 w 12192000"/>
+              <a:gd name="connsiteY37" fmla="*/ 1980748 h 2347414"/>
+              <a:gd name="connsiteX38" fmla="*/ 814907 w 12192000"/>
+              <a:gd name="connsiteY38" fmla="*/ 1949045 h 2347414"/>
+              <a:gd name="connsiteX39" fmla="*/ 592649 w 12192000"/>
+              <a:gd name="connsiteY39" fmla="*/ 1913776 h 2347414"/>
+              <a:gd name="connsiteX40" fmla="*/ 343591 w 12192000"/>
+              <a:gd name="connsiteY40" fmla="*/ 1872650 h 2347414"/>
+              <a:gd name="connsiteX41" fmla="*/ 35731 w 12192000"/>
+              <a:gd name="connsiteY41" fmla="*/ 1821722 h 2347414"/>
+              <a:gd name="connsiteX42" fmla="*/ 0 w 12192000"/>
+              <a:gd name="connsiteY42" fmla="*/ 1814848 h 2347414"/>
+              <a:gd name="connsiteX43" fmla="*/ 0 w 12192000"/>
+              <a:gd name="connsiteY43" fmla="*/ 1758489 h 2347414"/>
+              <a:gd name="connsiteX44" fmla="*/ 274248 w 12192000"/>
+              <a:gd name="connsiteY44" fmla="*/ 1808735 h 2347414"/>
+              <a:gd name="connsiteX45" fmla="*/ 498157 w 12192000"/>
+              <a:gd name="connsiteY45" fmla="*/ 1846167 h 2347414"/>
+              <a:gd name="connsiteX46" fmla="*/ 722828 w 12192000"/>
+              <a:gd name="connsiteY46" fmla="*/ 1878635 h 2347414"/>
+              <a:gd name="connsiteX47" fmla="*/ 949913 w 12192000"/>
+              <a:gd name="connsiteY47" fmla="*/ 1912375 h 2347414"/>
+              <a:gd name="connsiteX48" fmla="*/ 1195414 w 12192000"/>
+              <a:gd name="connsiteY48" fmla="*/ 1947516 h 2347414"/>
+              <a:gd name="connsiteX49" fmla="*/ 1342867 w 12192000"/>
+              <a:gd name="connsiteY49" fmla="*/ 1968397 h 2347414"/>
+              <a:gd name="connsiteX50" fmla="*/ 1518007 w 12192000"/>
+              <a:gd name="connsiteY50" fmla="*/ 1988006 h 2347414"/>
+              <a:gd name="connsiteX51" fmla="*/ 1701403 w 12192000"/>
+              <a:gd name="connsiteY51" fmla="*/ 2010669 h 2347414"/>
+              <a:gd name="connsiteX52" fmla="*/ 1879210 w 12192000"/>
+              <a:gd name="connsiteY52" fmla="*/ 2031167 h 2347414"/>
+              <a:gd name="connsiteX53" fmla="*/ 2068702 w 12192000"/>
+              <a:gd name="connsiteY53" fmla="*/ 2052940 h 2347414"/>
+              <a:gd name="connsiteX54" fmla="*/ 2212090 w 12192000"/>
+              <a:gd name="connsiteY54" fmla="*/ 2067583 h 2347414"/>
+              <a:gd name="connsiteX55" fmla="*/ 2416949 w 12192000"/>
+              <a:gd name="connsiteY55" fmla="*/ 2089609 h 2347414"/>
+              <a:gd name="connsiteX56" fmla="*/ 2582055 w 12192000"/>
+              <a:gd name="connsiteY56" fmla="*/ 2105397 h 2347414"/>
+              <a:gd name="connsiteX57" fmla="*/ 2802282 w 12192000"/>
+              <a:gd name="connsiteY57" fmla="*/ 2126405 h 2347414"/>
+              <a:gd name="connsiteX58" fmla="*/ 2984916 w 12192000"/>
+              <a:gd name="connsiteY58" fmla="*/ 2141684 h 2347414"/>
+              <a:gd name="connsiteX59" fmla="*/ 3241847 w 12192000"/>
+              <a:gd name="connsiteY59" fmla="*/ 2164094 h 2347414"/>
+              <a:gd name="connsiteX60" fmla="*/ 3439848 w 12192000"/>
+              <a:gd name="connsiteY60" fmla="*/ 2176826 h 2347414"/>
+              <a:gd name="connsiteX61" fmla="*/ 3658678 w 12192000"/>
+              <a:gd name="connsiteY61" fmla="*/ 2194523 h 2347414"/>
+              <a:gd name="connsiteX62" fmla="*/ 3881317 w 12192000"/>
+              <a:gd name="connsiteY62" fmla="*/ 2206491 h 2347414"/>
+              <a:gd name="connsiteX63" fmla="*/ 4148916 w 12192000"/>
+              <a:gd name="connsiteY63" fmla="*/ 2225081 h 2347414"/>
+              <a:gd name="connsiteX64" fmla="*/ 4468337 w 12192000"/>
+              <a:gd name="connsiteY64" fmla="*/ 2237813 h 2347414"/>
+              <a:gd name="connsiteX65" fmla="*/ 4605375 w 12192000"/>
+              <a:gd name="connsiteY65" fmla="*/ 2240232 h 2347414"/>
+              <a:gd name="connsiteX66" fmla="*/ 4527647 w 12192000"/>
+              <a:gd name="connsiteY66" fmla="*/ 2236412 h 2347414"/>
+              <a:gd name="connsiteX67" fmla="*/ 4175589 w 12192000"/>
+              <a:gd name="connsiteY67" fmla="*/ 2212985 h 2347414"/>
+              <a:gd name="connsiteX68" fmla="*/ 3988255 w 12192000"/>
+              <a:gd name="connsiteY68" fmla="*/ 2200253 h 2347414"/>
+              <a:gd name="connsiteX69" fmla="*/ 3686492 w 12192000"/>
+              <a:gd name="connsiteY69" fmla="*/ 2176062 h 2347414"/>
+              <a:gd name="connsiteX70" fmla="*/ 3517320 w 12192000"/>
+              <a:gd name="connsiteY70" fmla="*/ 2163330 h 2347414"/>
+              <a:gd name="connsiteX71" fmla="*/ 3258357 w 12192000"/>
+              <a:gd name="connsiteY71" fmla="*/ 2139519 h 2347414"/>
+              <a:gd name="connsiteX72" fmla="*/ 3101506 w 12192000"/>
+              <a:gd name="connsiteY72" fmla="*/ 2126787 h 2347414"/>
+              <a:gd name="connsiteX73" fmla="*/ 2809395 w 12192000"/>
+              <a:gd name="connsiteY73" fmla="*/ 2097502 h 2347414"/>
+              <a:gd name="connsiteX74" fmla="*/ 2598566 w 12192000"/>
+              <a:gd name="connsiteY74" fmla="*/ 2078532 h 2347414"/>
+              <a:gd name="connsiteX75" fmla="*/ 2337444 w 12192000"/>
+              <a:gd name="connsiteY75" fmla="*/ 2048611 h 2347414"/>
+              <a:gd name="connsiteX76" fmla="*/ 2091054 w 12192000"/>
+              <a:gd name="connsiteY76" fmla="*/ 2023146 h 2347414"/>
+              <a:gd name="connsiteX77" fmla="*/ 1755761 w 12192000"/>
+              <a:gd name="connsiteY77" fmla="*/ 1981384 h 2347414"/>
+              <a:gd name="connsiteX78" fmla="*/ 1441169 w 12192000"/>
+              <a:gd name="connsiteY78" fmla="*/ 1943824 h 2347414"/>
+              <a:gd name="connsiteX79" fmla="*/ 1017607 w 12192000"/>
+              <a:gd name="connsiteY79" fmla="*/ 1883345 h 2347414"/>
+              <a:gd name="connsiteX80" fmla="*/ 594427 w 12192000"/>
+              <a:gd name="connsiteY80" fmla="*/ 1821849 h 2347414"/>
+              <a:gd name="connsiteX81" fmla="*/ 200711 w 12192000"/>
+              <a:gd name="connsiteY81" fmla="*/ 1755132 h 2347414"/>
+              <a:gd name="connsiteX82" fmla="*/ 0 w 12192000"/>
+              <a:gd name="connsiteY82" fmla="*/ 1718743 h 2347414"/>
+            </a:gdLst>
+            <a:ahLst/>
+            <a:cxnLst>
+              <a:cxn ang="0">
+                <a:pos x="connsiteX0" y="connsiteY0"/>
+              </a:cxn>
+              <a:cxn ang="0">
+                <a:pos x="connsiteX1" y="connsiteY1"/>
+              </a:cxn>
+              <a:cxn ang="0">
+                <a:pos x="connsiteX2" y="connsiteY2"/>
+              </a:cxn>
+              <a:cxn ang="0">
+                <a:pos x="connsiteX3" y="connsiteY3"/>
+              </a:cxn>
+              <a:cxn ang="0">
+                <a:pos x="connsiteX4" y="connsiteY4"/>
+              </a:cxn>
+              <a:cxn ang="0">
+                <a:pos x="connsiteX5" y="connsiteY5"/>
+              </a:cxn>
+              <a:cxn ang="0">
+                <a:pos x="connsiteX6" y="connsiteY6"/>
+              </a:cxn>
+              <a:cxn ang="0">
+                <a:pos x="connsiteX7" y="connsiteY7"/>
+              </a:cxn>
+              <a:cxn ang="0">
+                <a:pos x="connsiteX8" y="connsiteY8"/>
+              </a:cxn>
+              <a:cxn ang="0">
+                <a:pos x="connsiteX9" y="connsiteY9"/>
+              </a:cxn>
+              <a:cxn ang="0">
+                <a:pos x="connsiteX10" y="connsiteY10"/>
+              </a:cxn>
+              <a:cxn ang="0">
+                <a:pos x="connsiteX11" y="connsiteY11"/>
+              </a:cxn>
+              <a:cxn ang="0">
+                <a:pos x="connsiteX12" y="connsiteY12"/>
+              </a:cxn>
+              <a:cxn ang="0">
+                <a:pos x="connsiteX13" y="connsiteY13"/>
+              </a:cxn>
+              <a:cxn ang="0">
+                <a:pos x="connsiteX14" y="connsiteY14"/>
+              </a:cxn>
+              <a:cxn ang="0">
+                <a:pos x="connsiteX15" y="connsiteY15"/>
+              </a:cxn>
+              <a:cxn ang="0">
+                <a:pos x="connsiteX16" y="connsiteY16"/>
+              </a:cxn>
+              <a:cxn ang="0">
+                <a:pos x="connsiteX17" y="connsiteY17"/>
+              </a:cxn>
+              <a:cxn ang="0">
+                <a:pos x="connsiteX18" y="connsiteY18"/>
+              </a:cxn>
+              <a:cxn ang="0">
+                <a:pos x="connsiteX19" y="connsiteY19"/>
+              </a:cxn>
+              <a:cxn ang="0">
+                <a:pos x="connsiteX20" y="connsiteY20"/>
+              </a:cxn>
+              <a:cxn ang="0">
+                <a:pos x="connsiteX21" y="connsiteY21"/>
+              </a:cxn>
+              <a:cxn ang="0">
+                <a:pos x="connsiteX22" y="connsiteY22"/>
+              </a:cxn>
+              <a:cxn ang="0">
+                <a:pos x="connsiteX23" y="connsiteY23"/>
+              </a:cxn>
+              <a:cxn ang="0">
+                <a:pos x="connsiteX24" y="connsiteY24"/>
+              </a:cxn>
+              <a:cxn ang="0">
+                <a:pos x="connsiteX25" y="connsiteY25"/>
+              </a:cxn>
+              <a:cxn ang="0">
+                <a:pos x="connsiteX26" y="connsiteY26"/>
+              </a:cxn>
+              <a:cxn ang="0">
+                <a:pos x="connsiteX27" y="connsiteY27"/>
+              </a:cxn>
+              <a:cxn ang="0">
+                <a:pos x="connsiteX28" y="connsiteY28"/>
+              </a:cxn>
+              <a:cxn ang="0">
+                <a:pos x="connsiteX29" y="connsiteY29"/>
+              </a:cxn>
+              <a:cxn ang="0">
+                <a:pos x="connsiteX30" y="connsiteY30"/>
+              </a:cxn>
+              <a:cxn ang="0">
+                <a:pos x="connsiteX31" y="connsiteY31"/>
+              </a:cxn>
+              <a:cxn ang="0">
+                <a:pos x="connsiteX32" y="connsiteY32"/>
+              </a:cxn>
+              <a:cxn ang="0">
+                <a:pos x="connsiteX33" y="connsiteY33"/>
+              </a:cxn>
+              <a:cxn ang="0">
+                <a:pos x="connsiteX34" y="connsiteY34"/>
+              </a:cxn>
+              <a:cxn ang="0">
+                <a:pos x="connsiteX35" y="connsiteY35"/>
+              </a:cxn>
+              <a:cxn ang="0">
+                <a:pos x="connsiteX36" y="connsiteY36"/>
+              </a:cxn>
+              <a:cxn ang="0">
+                <a:pos x="connsiteX37" y="connsiteY37"/>
+              </a:cxn>
+              <a:cxn ang="0">
+                <a:pos x="connsiteX38" y="connsiteY38"/>
+              </a:cxn>
+              <a:cxn ang="0">
+                <a:pos x="connsiteX39" y="connsiteY39"/>
+              </a:cxn>
+              <a:cxn ang="0">
+                <a:pos x="connsiteX40" y="connsiteY40"/>
+              </a:cxn>
+              <a:cxn ang="0">
+                <a:pos x="connsiteX41" y="connsiteY41"/>
+              </a:cxn>
+              <a:cxn ang="0">
+                <a:pos x="connsiteX42" y="connsiteY42"/>
+              </a:cxn>
+              <a:cxn ang="0">
+                <a:pos x="connsiteX43" y="connsiteY43"/>
+              </a:cxn>
+              <a:cxn ang="0">
+                <a:pos x="connsiteX44" y="connsiteY44"/>
+              </a:cxn>
+              <a:cxn ang="0">
+                <a:pos x="connsiteX45" y="connsiteY45"/>
+              </a:cxn>
+              <a:cxn ang="0">
+                <a:pos x="connsiteX46" y="connsiteY46"/>
+              </a:cxn>
+              <a:cxn ang="0">
+                <a:pos x="connsiteX47" y="connsiteY47"/>
+              </a:cxn>
+              <a:cxn ang="0">
+                <a:pos x="connsiteX48" y="connsiteY48"/>
+              </a:cxn>
+              <a:cxn ang="0">
+                <a:pos x="connsiteX49" y="connsiteY49"/>
+              </a:cxn>
+              <a:cxn ang="0">
+                <a:pos x="connsiteX50" y="connsiteY50"/>
+              </a:cxn>
+              <a:cxn ang="0">
+                <a:pos x="connsiteX51" y="connsiteY51"/>
+              </a:cxn>
+              <a:cxn ang="0">
+                <a:pos x="connsiteX52" y="connsiteY52"/>
+              </a:cxn>
+              <a:cxn ang="0">
+                <a:pos x="connsiteX53" y="connsiteY53"/>
+              </a:cxn>
+              <a:cxn ang="0">
+                <a:pos x="connsiteX54" y="connsiteY54"/>
+              </a:cxn>
+              <a:cxn ang="0">
+                <a:pos x="connsiteX55" y="connsiteY55"/>
+              </a:cxn>
+              <a:cxn ang="0">
+                <a:pos x="connsiteX56" y="connsiteY56"/>
+              </a:cxn>
+              <a:cxn ang="0">
+                <a:pos x="connsiteX57" y="connsiteY57"/>
+              </a:cxn>
+              <a:cxn ang="0">
+                <a:pos x="connsiteX58" y="connsiteY58"/>
+              </a:cxn>
+              <a:cxn ang="0">
+                <a:pos x="connsiteX59" y="connsiteY59"/>
+              </a:cxn>
+              <a:cxn ang="0">
+                <a:pos x="connsiteX60" y="connsiteY60"/>
+              </a:cxn>
+              <a:cxn ang="0">
+                <a:pos x="connsiteX61" y="connsiteY61"/>
+              </a:cxn>
+              <a:cxn ang="0">
+                <a:pos x="connsiteX62" y="connsiteY62"/>
+              </a:cxn>
+              <a:cxn ang="0">
+                <a:pos x="connsiteX63" y="connsiteY63"/>
+              </a:cxn>
+              <a:cxn ang="0">
+                <a:pos x="connsiteX64" y="connsiteY64"/>
+              </a:cxn>
+              <a:cxn ang="0">
+                <a:pos x="connsiteX65" y="connsiteY65"/>
+              </a:cxn>
+              <a:cxn ang="0">
+                <a:pos x="connsiteX66" y="connsiteY66"/>
+              </a:cxn>
+              <a:cxn ang="0">
+                <a:pos x="connsiteX67" y="connsiteY67"/>
+              </a:cxn>
+              <a:cxn ang="0">
+                <a:pos x="connsiteX68" y="connsiteY68"/>
+              </a:cxn>
+              <a:cxn ang="0">
+                <a:pos x="connsiteX69" y="connsiteY69"/>
+              </a:cxn>
+              <a:cxn ang="0">
+                <a:pos x="connsiteX70" y="connsiteY70"/>
+              </a:cxn>
+              <a:cxn ang="0">
+                <a:pos x="connsiteX71" y="connsiteY71"/>
+              </a:cxn>
+              <a:cxn ang="0">
+                <a:pos x="connsiteX72" y="connsiteY72"/>
+              </a:cxn>
+              <a:cxn ang="0">
+                <a:pos x="connsiteX73" y="connsiteY73"/>
+              </a:cxn>
+              <a:cxn ang="0">
+                <a:pos x="connsiteX74" y="connsiteY74"/>
+              </a:cxn>
+              <a:cxn ang="0">
+                <a:pos x="connsiteX75" y="connsiteY75"/>
+              </a:cxn>
+              <a:cxn ang="0">
+                <a:pos x="connsiteX76" y="connsiteY76"/>
+              </a:cxn>
+              <a:cxn ang="0">
+                <a:pos x="connsiteX77" y="connsiteY77"/>
+              </a:cxn>
+              <a:cxn ang="0">
+                <a:pos x="connsiteX78" y="connsiteY78"/>
+              </a:cxn>
+              <a:cxn ang="0">
+                <a:pos x="connsiteX79" y="connsiteY79"/>
+              </a:cxn>
+              <a:cxn ang="0">
+                <a:pos x="connsiteX80" y="connsiteY80"/>
+              </a:cxn>
+              <a:cxn ang="0">
+                <a:pos x="connsiteX81" y="connsiteY81"/>
+              </a:cxn>
+              <a:cxn ang="0">
+                <a:pos x="connsiteX82" y="connsiteY82"/>
+              </a:cxn>
+            </a:cxnLst>
+            <a:rect l="l" t="t" r="r" b="b"/>
+            <a:pathLst>
+              <a:path w="12192000" h="2347414">
+                <a:moveTo>
+                  <a:pt x="0" y="0"/>
+                </a:moveTo>
+                <a:lnTo>
+                  <a:pt x="12192000" y="0"/>
+                </a:lnTo>
+                <a:lnTo>
+                  <a:pt x="12192000" y="1736458"/>
+                </a:lnTo>
+                <a:lnTo>
+                  <a:pt x="11967601" y="1784034"/>
+                </a:lnTo>
+                <a:cubicBezTo>
+                  <a:pt x="11589888" y="1859409"/>
+                  <a:pt x="11209762" y="1923961"/>
+                  <a:pt x="10829000" y="1983294"/>
+                </a:cubicBezTo>
+                <a:lnTo>
+                  <a:pt x="10743779" y="1996027"/>
+                </a:lnTo>
+                <a:cubicBezTo>
+                  <a:pt x="10772495" y="1996778"/>
+                  <a:pt x="10801211" y="1993989"/>
+                  <a:pt x="10829254" y="1987751"/>
+                </a:cubicBezTo>
+                <a:cubicBezTo>
+                  <a:pt x="10835198" y="1988337"/>
+                  <a:pt x="10841180" y="1988553"/>
+                  <a:pt x="10847162" y="1988388"/>
+                </a:cubicBezTo>
+                <a:cubicBezTo>
+                  <a:pt x="11090123" y="1968907"/>
+                  <a:pt x="11332703" y="1945734"/>
+                  <a:pt x="11575155" y="1921415"/>
+                </a:cubicBezTo>
+                <a:lnTo>
+                  <a:pt x="12192000" y="1851213"/>
+                </a:lnTo>
+                <a:lnTo>
+                  <a:pt x="12192000" y="1907356"/>
+                </a:lnTo>
+                <a:lnTo>
+                  <a:pt x="12035532" y="1927033"/>
+                </a:lnTo>
+                <a:cubicBezTo>
+                  <a:pt x="11882793" y="1944747"/>
+                  <a:pt x="11729910" y="1961077"/>
+                  <a:pt x="11576932" y="1976291"/>
+                </a:cubicBezTo>
+                <a:cubicBezTo>
+                  <a:pt x="11260690" y="2008122"/>
+                  <a:pt x="10944193" y="2037279"/>
+                  <a:pt x="10627316" y="2061470"/>
+                </a:cubicBezTo>
+                <a:cubicBezTo>
+                  <a:pt x="10352985" y="2082351"/>
+                  <a:pt x="10078401" y="2100431"/>
+                  <a:pt x="9804196" y="2123478"/>
+                </a:cubicBezTo>
+                <a:cubicBezTo>
+                  <a:pt x="9617118" y="2139137"/>
+                  <a:pt x="9430675" y="2161674"/>
+                  <a:pt x="9243851" y="2180008"/>
+                </a:cubicBezTo>
+                <a:cubicBezTo>
+                  <a:pt x="9073157" y="2196433"/>
+                  <a:pt x="8902207" y="2211966"/>
+                  <a:pt x="8731259" y="2225081"/>
+                </a:cubicBezTo>
+                <a:cubicBezTo>
+                  <a:pt x="8509507" y="2242054"/>
+                  <a:pt x="8287667" y="2257586"/>
+                  <a:pt x="8065752" y="2271681"/>
+                </a:cubicBezTo>
+                <a:cubicBezTo>
+                  <a:pt x="7929984" y="2280466"/>
+                  <a:pt x="7793961" y="2285814"/>
+                  <a:pt x="7658065" y="2292562"/>
+                </a:cubicBezTo>
+                <a:cubicBezTo>
+                  <a:pt x="7282640" y="2311661"/>
+                  <a:pt x="6906704" y="2314208"/>
+                  <a:pt x="6531024" y="2324138"/>
+                </a:cubicBezTo>
+                <a:cubicBezTo>
+                  <a:pt x="6413417" y="2327322"/>
+                  <a:pt x="6295937" y="2338399"/>
+                  <a:pt x="6178331" y="2345655"/>
+                </a:cubicBezTo>
+                <a:cubicBezTo>
+                  <a:pt x="6111271" y="2349730"/>
+                  <a:pt x="6044342" y="2345655"/>
+                  <a:pt x="5977282" y="2344127"/>
+                </a:cubicBezTo>
+                <a:cubicBezTo>
+                  <a:pt x="5774073" y="2338908"/>
+                  <a:pt x="5570866" y="2334960"/>
+                  <a:pt x="5367658" y="2329230"/>
+                </a:cubicBezTo>
+                <a:cubicBezTo>
+                  <a:pt x="5040746" y="2319809"/>
+                  <a:pt x="4713963" y="2306274"/>
+                  <a:pt x="4387306" y="2288614"/>
+                </a:cubicBezTo>
+                <a:cubicBezTo>
+                  <a:pt x="4318342" y="2284796"/>
+                  <a:pt x="4249253" y="2284286"/>
+                  <a:pt x="4180287" y="2280211"/>
+                </a:cubicBezTo>
+                <a:cubicBezTo>
+                  <a:pt x="4067634" y="2273463"/>
+                  <a:pt x="3954980" y="2265060"/>
+                  <a:pt x="3842199" y="2257039"/>
+                </a:cubicBezTo>
+                <a:cubicBezTo>
+                  <a:pt x="3804988" y="2254492"/>
+                  <a:pt x="3767648" y="2254620"/>
+                  <a:pt x="3730309" y="2251182"/>
+                </a:cubicBezTo>
+                <a:cubicBezTo>
+                  <a:pt x="3628704" y="2242142"/>
+                  <a:pt x="3527101" y="2238449"/>
+                  <a:pt x="3425496" y="2231320"/>
+                </a:cubicBezTo>
+                <a:cubicBezTo>
+                  <a:pt x="3308906" y="2222534"/>
+                  <a:pt x="3192569" y="2211330"/>
+                  <a:pt x="3076106" y="2201781"/>
+                </a:cubicBezTo>
+                <a:cubicBezTo>
+                  <a:pt x="2990757" y="2194905"/>
+                  <a:pt x="2905157" y="2190067"/>
+                  <a:pt x="2819682" y="2182427"/>
+                </a:cubicBezTo>
+                <a:cubicBezTo>
+                  <a:pt x="2721507" y="2173515"/>
+                  <a:pt x="2623586" y="2162311"/>
+                  <a:pt x="2525539" y="2152888"/>
+                </a:cubicBezTo>
+                <a:cubicBezTo>
+                  <a:pt x="2454289" y="2145886"/>
+                  <a:pt x="2383038" y="2140920"/>
+                  <a:pt x="2311915" y="2133536"/>
+                </a:cubicBezTo>
+                <a:cubicBezTo>
+                  <a:pt x="2225933" y="2124749"/>
+                  <a:pt x="2140204" y="2114182"/>
+                  <a:pt x="2054223" y="2104760"/>
+                </a:cubicBezTo>
+                <a:cubicBezTo>
+                  <a:pt x="1990719" y="2097758"/>
+                  <a:pt x="1928233" y="2092028"/>
+                  <a:pt x="1865367" y="2084770"/>
+                </a:cubicBezTo>
+                <a:cubicBezTo>
+                  <a:pt x="1786622" y="2075603"/>
+                  <a:pt x="1708006" y="2065545"/>
+                  <a:pt x="1629263" y="2055996"/>
+                </a:cubicBezTo>
+                <a:cubicBezTo>
+                  <a:pt x="1572492" y="2049120"/>
+                  <a:pt x="1515595" y="2043264"/>
+                  <a:pt x="1458823" y="2035751"/>
+                </a:cubicBezTo>
+                <a:cubicBezTo>
+                  <a:pt x="1386303" y="2026585"/>
+                  <a:pt x="1313784" y="2016780"/>
+                  <a:pt x="1241390" y="2007103"/>
+                </a:cubicBezTo>
+                <a:lnTo>
+                  <a:pt x="1047453" y="1980748"/>
+                </a:lnTo>
+                <a:cubicBezTo>
+                  <a:pt x="969980" y="1970180"/>
+                  <a:pt x="892254" y="1960377"/>
+                  <a:pt x="814907" y="1949045"/>
+                </a:cubicBezTo>
+                <a:cubicBezTo>
+                  <a:pt x="740609" y="1938094"/>
+                  <a:pt x="666692" y="1925744"/>
+                  <a:pt x="592649" y="1913776"/>
+                </a:cubicBezTo>
+                <a:cubicBezTo>
+                  <a:pt x="509587" y="1900280"/>
+                  <a:pt x="426653" y="1886274"/>
+                  <a:pt x="343591" y="1872650"/>
+                </a:cubicBezTo>
+                <a:cubicBezTo>
+                  <a:pt x="240972" y="1855716"/>
+                  <a:pt x="138225" y="1839673"/>
+                  <a:pt x="35731" y="1821722"/>
+                </a:cubicBezTo>
+                <a:lnTo>
+                  <a:pt x="0" y="1814848"/>
+                </a:lnTo>
+                <a:lnTo>
+                  <a:pt x="0" y="1758489"/>
+                </a:lnTo>
+                <a:lnTo>
+                  <a:pt x="274248" y="1808735"/>
+                </a:lnTo>
+                <a:cubicBezTo>
+                  <a:pt x="348926" y="1821467"/>
+                  <a:pt x="423604" y="1832798"/>
+                  <a:pt x="498157" y="1846167"/>
+                </a:cubicBezTo>
+                <a:cubicBezTo>
+                  <a:pt x="572708" y="1859536"/>
+                  <a:pt x="647896" y="1867813"/>
+                  <a:pt x="722828" y="1878635"/>
+                </a:cubicBezTo>
+                <a:cubicBezTo>
+                  <a:pt x="797762" y="1889457"/>
+                  <a:pt x="874219" y="1901426"/>
+                  <a:pt x="949913" y="1912375"/>
+                </a:cubicBezTo>
+                <a:cubicBezTo>
+                  <a:pt x="1031704" y="1924343"/>
+                  <a:pt x="1113496" y="1935802"/>
+                  <a:pt x="1195414" y="1947516"/>
+                </a:cubicBezTo>
+                <a:cubicBezTo>
+                  <a:pt x="1244566" y="1954519"/>
+                  <a:pt x="1293589" y="1962285"/>
+                  <a:pt x="1342867" y="1968397"/>
+                </a:cubicBezTo>
+                <a:cubicBezTo>
+                  <a:pt x="1401162" y="1975656"/>
+                  <a:pt x="1459712" y="1981130"/>
+                  <a:pt x="1518007" y="1988006"/>
+                </a:cubicBezTo>
+                <a:cubicBezTo>
+                  <a:pt x="1579224" y="1995263"/>
+                  <a:pt x="1640186" y="2003411"/>
+                  <a:pt x="1701403" y="2010669"/>
+                </a:cubicBezTo>
+                <a:cubicBezTo>
+                  <a:pt x="1762618" y="2017926"/>
+                  <a:pt x="1820279" y="2024292"/>
+                  <a:pt x="1879210" y="2031167"/>
+                </a:cubicBezTo>
+                <a:cubicBezTo>
+                  <a:pt x="1942712" y="2038425"/>
+                  <a:pt x="2006214" y="2046064"/>
+                  <a:pt x="2068702" y="2052940"/>
+                </a:cubicBezTo>
+                <a:cubicBezTo>
+                  <a:pt x="2116455" y="2058160"/>
+                  <a:pt x="2164335" y="2062362"/>
+                  <a:pt x="2212090" y="2067583"/>
+                </a:cubicBezTo>
+                <a:cubicBezTo>
+                  <a:pt x="2280419" y="2074967"/>
+                  <a:pt x="2348493" y="2085152"/>
+                  <a:pt x="2416949" y="2089609"/>
+                </a:cubicBezTo>
+                <a:cubicBezTo>
+                  <a:pt x="2472070" y="2093302"/>
+                  <a:pt x="2526936" y="2099540"/>
+                  <a:pt x="2582055" y="2105397"/>
+                </a:cubicBezTo>
+                <a:cubicBezTo>
+                  <a:pt x="2655337" y="2113291"/>
+                  <a:pt x="2729001" y="2119785"/>
+                  <a:pt x="2802282" y="2126405"/>
+                </a:cubicBezTo>
+                <a:cubicBezTo>
+                  <a:pt x="2862991" y="2131753"/>
+                  <a:pt x="2924207" y="2136337"/>
+                  <a:pt x="2984916" y="2141684"/>
+                </a:cubicBezTo>
+                <a:cubicBezTo>
+                  <a:pt x="3070516" y="2149324"/>
+                  <a:pt x="3156373" y="2152888"/>
+                  <a:pt x="3241847" y="2164094"/>
+                </a:cubicBezTo>
+                <a:cubicBezTo>
+                  <a:pt x="3307255" y="2172624"/>
+                  <a:pt x="3374060" y="2169822"/>
+                  <a:pt x="3439848" y="2176826"/>
+                </a:cubicBezTo>
+                <a:cubicBezTo>
+                  <a:pt x="3512622" y="2184592"/>
+                  <a:pt x="3585777" y="2186247"/>
+                  <a:pt x="3658678" y="2194523"/>
+                </a:cubicBezTo>
+                <a:cubicBezTo>
+                  <a:pt x="3731578" y="2202800"/>
+                  <a:pt x="3807019" y="2201781"/>
+                  <a:pt x="3881317" y="2206491"/>
+                </a:cubicBezTo>
+                <a:cubicBezTo>
+                  <a:pt x="3970222" y="2212094"/>
+                  <a:pt x="4059124" y="2223552"/>
+                  <a:pt x="4148916" y="2225081"/>
+                </a:cubicBezTo>
+                <a:cubicBezTo>
+                  <a:pt x="4255600" y="2226736"/>
+                  <a:pt x="4361779" y="2236539"/>
+                  <a:pt x="4468337" y="2237813"/>
+                </a:cubicBezTo>
+                <a:cubicBezTo>
+                  <a:pt x="4511390" y="2238577"/>
+                  <a:pt x="4554190" y="2246852"/>
+                  <a:pt x="4605375" y="2240232"/>
+                </a:cubicBezTo>
+                <a:cubicBezTo>
+                  <a:pt x="4574131" y="2238704"/>
+                  <a:pt x="4550762" y="2237940"/>
+                  <a:pt x="4527647" y="2236412"/>
+                </a:cubicBezTo>
+                <a:cubicBezTo>
+                  <a:pt x="4410293" y="2228773"/>
+                  <a:pt x="4292942" y="2220751"/>
+                  <a:pt x="4175589" y="2212985"/>
+                </a:cubicBezTo>
+                <a:cubicBezTo>
+                  <a:pt x="4113101" y="2208783"/>
+                  <a:pt x="4050615" y="2205219"/>
+                  <a:pt x="3988255" y="2200253"/>
+                </a:cubicBezTo>
+                <a:cubicBezTo>
+                  <a:pt x="3887668" y="2192487"/>
+                  <a:pt x="3787079" y="2184082"/>
+                  <a:pt x="3686492" y="2176062"/>
+                </a:cubicBezTo>
+                <a:cubicBezTo>
+                  <a:pt x="3630102" y="2171605"/>
+                  <a:pt x="3573711" y="2168040"/>
+                  <a:pt x="3517320" y="2163330"/>
+                </a:cubicBezTo>
+                <a:cubicBezTo>
+                  <a:pt x="3430958" y="2155689"/>
+                  <a:pt x="3344721" y="2147159"/>
+                  <a:pt x="3258357" y="2139519"/>
+                </a:cubicBezTo>
+                <a:cubicBezTo>
+                  <a:pt x="3206031" y="2134809"/>
+                  <a:pt x="3153705" y="2131371"/>
+                  <a:pt x="3101506" y="2126787"/>
+                </a:cubicBezTo>
+                <a:cubicBezTo>
+                  <a:pt x="3004220" y="2117365"/>
+                  <a:pt x="2907061" y="2106798"/>
+                  <a:pt x="2809395" y="2097502"/>
+                </a:cubicBezTo>
+                <a:cubicBezTo>
+                  <a:pt x="2739161" y="2090628"/>
+                  <a:pt x="2668673" y="2085916"/>
+                  <a:pt x="2598566" y="2078532"/>
+                </a:cubicBezTo>
+                <a:cubicBezTo>
+                  <a:pt x="2511441" y="2069365"/>
+                  <a:pt x="2424569" y="2058160"/>
+                  <a:pt x="2337444" y="2048611"/>
+                </a:cubicBezTo>
+                <a:cubicBezTo>
+                  <a:pt x="2255399" y="2039699"/>
+                  <a:pt x="2173099" y="2032950"/>
+                  <a:pt x="2091054" y="2023146"/>
+                </a:cubicBezTo>
+                <a:cubicBezTo>
+                  <a:pt x="1979162" y="2010414"/>
+                  <a:pt x="1867524" y="1995008"/>
+                  <a:pt x="1755761" y="1981384"/>
+                </a:cubicBezTo>
+                <a:cubicBezTo>
+                  <a:pt x="1650982" y="1968652"/>
+                  <a:pt x="1545821" y="1957830"/>
+                  <a:pt x="1441169" y="1943824"/>
+                </a:cubicBezTo>
+                <a:cubicBezTo>
+                  <a:pt x="1299813" y="1924980"/>
+                  <a:pt x="1158837" y="1903718"/>
+                  <a:pt x="1017607" y="1883345"/>
+                </a:cubicBezTo>
+                <a:cubicBezTo>
+                  <a:pt x="876378" y="1862974"/>
+                  <a:pt x="735402" y="1844003"/>
+                  <a:pt x="594427" y="1821849"/>
+                </a:cubicBezTo>
+                <a:cubicBezTo>
+                  <a:pt x="462850" y="1801222"/>
+                  <a:pt x="331526" y="1778304"/>
+                  <a:pt x="200711" y="1755132"/>
+                </a:cubicBezTo>
+                <a:lnTo>
+                  <a:pt x="0" y="1718743"/>
+                </a:lnTo>
+                <a:close/>
+              </a:path>
+            </a:pathLst>
+          </a:custGeom>
+          <a:solidFill>
+            <a:schemeClr val="accent2"/>
+          </a:solidFill>
+          <a:ln w="8199" cap="flat">
+            <a:noFill/>
+            <a:prstDash val="solid"/>
+            <a:miter/>
+          </a:ln>
+        </p:spPr>
+        <p:txBody>
+          <a:bodyPr rtlCol="0" anchor="ctr"/>
+          <a:lstStyle/>
+          <a:p>
+            <a:endParaRPr lang="en-US"/>
+          </a:p>
+        </p:txBody>
+      </p:sp>
+      <p:sp>
+        <p:nvSpPr>
+          <p:cNvPr id="2" name="Title 1">
+            <a:extLst>
+              <a:ext uri="{FF2B5EF4-FFF2-40B4-BE49-F238E27FC236}">
                 <a16:creationId xmlns:a16="http://schemas.microsoft.com/office/drawing/2014/main" id="{BC72C796-A235-FA54-1EED-D0AD4338601C}"/>
               </a:ext>
             </a:extLst>
@@ -30690,7 +32419,7 @@
 </p:sld>
 </file>
 
-<file path=ppt/slides/slide24.xml><?xml version="1.0" encoding="utf-8"?>
+<file path=ppt/slides/slide26.xml><?xml version="1.0" encoding="utf-8"?>
 <p:sld xmlns:a="http://schemas.openxmlformats.org/drawingml/2006/main" xmlns:r="http://schemas.openxmlformats.org/officeDocument/2006/relationships" xmlns:p="http://schemas.openxmlformats.org/presentationml/2006/main">
   <p:cSld>
     <p:bg>
@@ -31155,7 +32884,7 @@
 </p:sld>
 </file>
 
-<file path=ppt/slides/slide25.xml><?xml version="1.0" encoding="utf-8"?>
+<file path=ppt/slides/slide27.xml><?xml version="1.0" encoding="utf-8"?>
 <p:sld xmlns:a="http://schemas.openxmlformats.org/drawingml/2006/main" xmlns:r="http://schemas.openxmlformats.org/officeDocument/2006/relationships" xmlns:p="http://schemas.openxmlformats.org/presentationml/2006/main">
   <p:cSld>
     <p:bg>
@@ -32226,7 +33955,7 @@
 </p:sld>
 </file>
 
-<file path=ppt/slides/slide26.xml><?xml version="1.0" encoding="utf-8"?>
+<file path=ppt/slides/slide28.xml><?xml version="1.0" encoding="utf-8"?>
 <p:sld xmlns:a="http://schemas.openxmlformats.org/drawingml/2006/main" xmlns:r="http://schemas.openxmlformats.org/officeDocument/2006/relationships" xmlns:p="http://schemas.openxmlformats.org/presentationml/2006/main">
   <p:cSld>
     <p:bg>
@@ -33297,7 +35026,7 @@
 </p:sld>
 </file>
 
-<file path=ppt/slides/slide27.xml><?xml version="1.0" encoding="utf-8"?>
+<file path=ppt/slides/slide29.xml><?xml version="1.0" encoding="utf-8"?>
 <p:sld xmlns:a="http://schemas.openxmlformats.org/drawingml/2006/main" xmlns:r="http://schemas.openxmlformats.org/officeDocument/2006/relationships" xmlns:p="http://schemas.openxmlformats.org/presentationml/2006/main">
   <p:cSld>
     <p:bg>
@@ -33474,7 +35203,7 @@
           <a:lstStyle/>
           <a:p>
             <a:r>
-              <a:rPr lang="en-US" sz="6600" kern="1200">
+              <a:rPr lang="en-US" sz="6600" kern="1200" dirty="0">
                 <a:solidFill>
                   <a:srgbClr val="FFFFFF"/>
                 </a:solidFill>
@@ -33482,10 +35211,10 @@
                 <a:ea typeface="+mj-ea"/>
                 <a:cs typeface="+mj-cs"/>
               </a:rPr>
-              <a:t>Quiz 4 – Build RESTful</a:t>
+              <a:t>Quiz 5 – Build RESTful</a:t>
             </a:r>
             <a:r>
-              <a:rPr lang="en-US" sz="6600" kern="1200" baseline="0">
+              <a:rPr lang="en-US" sz="6600" kern="1200" baseline="0" dirty="0">
                 <a:solidFill>
                   <a:srgbClr val="FFFFFF"/>
                 </a:solidFill>
@@ -33495,7 +35224,7 @@
               </a:rPr>
               <a:t> API</a:t>
             </a:r>
-            <a:endParaRPr lang="en-US" sz="6600" kern="1200">
+            <a:endParaRPr lang="en-US" sz="6600" kern="1200" dirty="0">
               <a:solidFill>
                 <a:srgbClr val="FFFFFF"/>
               </a:solidFill>
@@ -33853,573 +35582,6 @@
     <p:extLst>
       <p:ext uri="{BB962C8B-B14F-4D97-AF65-F5344CB8AC3E}">
         <p14:creationId xmlns:p14="http://schemas.microsoft.com/office/powerpoint/2010/main" val="143227450"/>
-      </p:ext>
-    </p:extLst>
-  </p:cSld>
-  <p:clrMapOvr>
-    <a:masterClrMapping/>
-  </p:clrMapOvr>
-</p:sld>
-</file>
-
-<file path=ppt/slides/slide28.xml><?xml version="1.0" encoding="utf-8"?>
-<p:sld xmlns:a="http://schemas.openxmlformats.org/drawingml/2006/main" xmlns:r="http://schemas.openxmlformats.org/officeDocument/2006/relationships" xmlns:p="http://schemas.openxmlformats.org/presentationml/2006/main">
-  <p:cSld>
-    <p:bg>
-      <p:bgPr>
-        <a:solidFill>
-          <a:schemeClr val="bg1"/>
-        </a:solidFill>
-        <a:effectLst/>
-      </p:bgPr>
-    </p:bg>
-    <p:spTree>
-      <p:nvGrpSpPr>
-        <p:cNvPr id="1" name=""/>
-        <p:cNvGrpSpPr/>
-        <p:nvPr/>
-      </p:nvGrpSpPr>
-      <p:grpSpPr>
-        <a:xfrm>
-          <a:off x="0" y="0"/>
-          <a:ext cx="0" cy="0"/>
-          <a:chOff x="0" y="0"/>
-          <a:chExt cx="0" cy="0"/>
-        </a:xfrm>
-      </p:grpSpPr>
-      <p:sp useBgFill="1">
-        <p:nvSpPr>
-          <p:cNvPr id="8" name="Rectangle 7">
-            <a:extLst>
-              <a:ext uri="{FF2B5EF4-FFF2-40B4-BE49-F238E27FC236}">
-                <a16:creationId xmlns:a16="http://schemas.microsoft.com/office/drawing/2014/main" id="{B768BC45-6978-4563-AFFC-4378E82C53D8}"/>
-              </a:ext>
-              <a:ext uri="{C183D7F6-B498-43B3-948B-1728B52AA6E4}">
-                <adec:decorative xmlns:adec="http://schemas.microsoft.com/office/drawing/2017/decorative" val="1"/>
-              </a:ext>
-            </a:extLst>
-          </p:cNvPr>
-          <p:cNvSpPr>
-            <a:spLocks noGrp="1" noRot="1" noChangeAspect="1" noMove="1" noResize="1" noEditPoints="1" noAdjustHandles="1" noChangeArrowheads="1" noChangeShapeType="1" noTextEdit="1"/>
-          </p:cNvSpPr>
-          <p:nvPr>
-            <p:extLst>
-              <p:ext uri="{386F3935-93C4-4BCD-93E2-E3B085C9AB24}">
-                <p16:designElem xmlns:p16="http://schemas.microsoft.com/office/powerpoint/2015/main" val="1"/>
-              </p:ext>
-            </p:extLst>
-          </p:nvPr>
-        </p:nvSpPr>
-        <p:spPr>
-          <a:xfrm>
-            <a:off x="0" y="0"/>
-            <a:ext cx="12188952" cy="6858000"/>
-          </a:xfrm>
-          <a:prstGeom prst="rect">
-            <a:avLst/>
-          </a:prstGeom>
-          <a:ln>
-            <a:noFill/>
-          </a:ln>
-        </p:spPr>
-        <p:style>
-          <a:lnRef idx="2">
-            <a:schemeClr val="accent1">
-              <a:shade val="50000"/>
-            </a:schemeClr>
-          </a:lnRef>
-          <a:fillRef idx="1">
-            <a:schemeClr val="accent1"/>
-          </a:fillRef>
-          <a:effectRef idx="0">
-            <a:schemeClr val="accent1"/>
-          </a:effectRef>
-          <a:fontRef idx="minor">
-            <a:schemeClr val="lt1"/>
-          </a:fontRef>
-        </p:style>
-        <p:txBody>
-          <a:bodyPr rtlCol="0" anchor="ctr"/>
-          <a:lstStyle/>
-          <a:p>
-            <a:pPr algn="ctr"/>
-            <a:endParaRPr lang="en-US"/>
-          </a:p>
-        </p:txBody>
-      </p:sp>
-      <p:sp>
-        <p:nvSpPr>
-          <p:cNvPr id="10" name="colored rectangle">
-            <a:extLst>
-              <a:ext uri="{FF2B5EF4-FFF2-40B4-BE49-F238E27FC236}">
-                <a16:creationId xmlns:a16="http://schemas.microsoft.com/office/drawing/2014/main" id="{A80A8067-64B4-47DF-9C4D-88D9ADEC21BB}"/>
-              </a:ext>
-              <a:ext uri="{C183D7F6-B498-43B3-948B-1728B52AA6E4}">
-                <adec:decorative xmlns:adec="http://schemas.microsoft.com/office/drawing/2017/decorative" val="1"/>
-              </a:ext>
-            </a:extLst>
-          </p:cNvPr>
-          <p:cNvSpPr>
-            <a:spLocks noGrp="1" noRot="1" noChangeAspect="1" noMove="1" noResize="1" noEditPoints="1" noAdjustHandles="1" noChangeArrowheads="1" noChangeShapeType="1" noTextEdit="1"/>
-          </p:cNvSpPr>
-          <p:nvPr>
-            <p:extLst>
-              <p:ext uri="{386F3935-93C4-4BCD-93E2-E3B085C9AB24}">
-                <p16:designElem xmlns:p16="http://schemas.microsoft.com/office/powerpoint/2015/main" val="1"/>
-              </p:ext>
-            </p:extLst>
-          </p:nvPr>
-        </p:nvSpPr>
-        <p:spPr>
-          <a:xfrm>
-            <a:off x="0" y="0"/>
-            <a:ext cx="12192000" cy="6858000"/>
-          </a:xfrm>
-          <a:prstGeom prst="rect">
-            <a:avLst/>
-          </a:prstGeom>
-          <a:solidFill>
-            <a:schemeClr val="accent2"/>
-          </a:solidFill>
-          <a:ln>
-            <a:noFill/>
-          </a:ln>
-        </p:spPr>
-        <p:style>
-          <a:lnRef idx="2">
-            <a:schemeClr val="accent1">
-              <a:shade val="50000"/>
-            </a:schemeClr>
-          </a:lnRef>
-          <a:fillRef idx="1">
-            <a:schemeClr val="accent1"/>
-          </a:fillRef>
-          <a:effectRef idx="0">
-            <a:schemeClr val="accent1"/>
-          </a:effectRef>
-          <a:fontRef idx="minor">
-            <a:schemeClr val="lt1"/>
-          </a:fontRef>
-        </p:style>
-        <p:txBody>
-          <a:bodyPr rtlCol="0" anchor="ctr"/>
-          <a:lstStyle/>
-          <a:p>
-            <a:pPr algn="ctr"/>
-            <a:endParaRPr lang="en-US"/>
-          </a:p>
-        </p:txBody>
-      </p:sp>
-      <p:sp>
-        <p:nvSpPr>
-          <p:cNvPr id="2" name="Title 1">
-            <a:extLst>
-              <a:ext uri="{FF2B5EF4-FFF2-40B4-BE49-F238E27FC236}">
-                <a16:creationId xmlns:a16="http://schemas.microsoft.com/office/drawing/2014/main" id="{19042E9B-F100-C1B4-FD9B-285E728A1D6F}"/>
-              </a:ext>
-            </a:extLst>
-          </p:cNvPr>
-          <p:cNvSpPr>
-            <a:spLocks noGrp="1"/>
-          </p:cNvSpPr>
-          <p:nvPr>
-            <p:ph type="title"/>
-          </p:nvPr>
-        </p:nvSpPr>
-        <p:spPr>
-          <a:xfrm>
-            <a:off x="838199" y="451381"/>
-            <a:ext cx="10512552" cy="4066540"/>
-          </a:xfrm>
-        </p:spPr>
-        <p:txBody>
-          <a:bodyPr vert="horz" lIns="91440" tIns="45720" rIns="91440" bIns="45720" rtlCol="0" anchor="b">
-            <a:normAutofit/>
-          </a:bodyPr>
-          <a:lstStyle/>
-          <a:p>
-            <a:r>
-              <a:rPr lang="en-US" sz="6600" kern="1200" dirty="0">
-                <a:solidFill>
-                  <a:srgbClr val="FFFFFF"/>
-                </a:solidFill>
-                <a:latin typeface="+mj-lt"/>
-                <a:ea typeface="+mj-ea"/>
-                <a:cs typeface="+mj-cs"/>
-              </a:rPr>
-              <a:t>Quiz 5 – Study Case </a:t>
-            </a:r>
-            <a:br>
-              <a:rPr lang="en-US" sz="6600" kern="1200" dirty="0">
-                <a:solidFill>
-                  <a:srgbClr val="FFFFFF"/>
-                </a:solidFill>
-                <a:latin typeface="+mj-lt"/>
-                <a:ea typeface="+mj-ea"/>
-                <a:cs typeface="+mj-cs"/>
-              </a:rPr>
-            </a:br>
-            <a:r>
-              <a:rPr lang="en-US" sz="6600" kern="1200" dirty="0">
-                <a:solidFill>
-                  <a:srgbClr val="FFFFFF"/>
-                </a:solidFill>
-                <a:latin typeface="+mj-lt"/>
-                <a:ea typeface="+mj-ea"/>
-                <a:cs typeface="+mj-cs"/>
-              </a:rPr>
-              <a:t>(Bumame Clinic)</a:t>
-            </a:r>
-          </a:p>
-        </p:txBody>
-      </p:sp>
-      <p:sp>
-        <p:nvSpPr>
-          <p:cNvPr id="12" name="sketch line">
-            <a:extLst>
-              <a:ext uri="{FF2B5EF4-FFF2-40B4-BE49-F238E27FC236}">
-                <a16:creationId xmlns:a16="http://schemas.microsoft.com/office/drawing/2014/main" id="{9D1E2788-F6B5-40EE-A733-8187EB22BD13}"/>
-              </a:ext>
-              <a:ext uri="{C183D7F6-B498-43B3-948B-1728B52AA6E4}">
-                <adec:decorative xmlns:adec="http://schemas.microsoft.com/office/drawing/2017/decorative" val="1"/>
-              </a:ext>
-            </a:extLst>
-          </p:cNvPr>
-          <p:cNvSpPr>
-            <a:spLocks noGrp="1" noRot="1" noChangeAspect="1" noMove="1" noResize="1" noEditPoints="1" noAdjustHandles="1" noChangeArrowheads="1" noChangeShapeType="1" noTextEdit="1"/>
-          </p:cNvSpPr>
-          <p:nvPr>
-            <p:extLst>
-              <p:ext uri="{386F3935-93C4-4BCD-93E2-E3B085C9AB24}">
-                <p16:designElem xmlns:p16="http://schemas.microsoft.com/office/powerpoint/2015/main" val="1"/>
-              </p:ext>
-            </p:extLst>
-          </p:nvPr>
-        </p:nvSpPr>
-        <p:spPr>
-          <a:xfrm>
-            <a:off x="838199" y="4747614"/>
-            <a:ext cx="4243589" cy="18288"/>
-          </a:xfrm>
-          <a:custGeom>
-            <a:avLst/>
-            <a:gdLst>
-              <a:gd name="connsiteX0" fmla="*/ 0 w 4243589"/>
-              <a:gd name="connsiteY0" fmla="*/ 0 h 18288"/>
-              <a:gd name="connsiteX1" fmla="*/ 563791 w 4243589"/>
-              <a:gd name="connsiteY1" fmla="*/ 0 h 18288"/>
-              <a:gd name="connsiteX2" fmla="*/ 1042710 w 4243589"/>
-              <a:gd name="connsiteY2" fmla="*/ 0 h 18288"/>
-              <a:gd name="connsiteX3" fmla="*/ 1564066 w 4243589"/>
-              <a:gd name="connsiteY3" fmla="*/ 0 h 18288"/>
-              <a:gd name="connsiteX4" fmla="*/ 2212729 w 4243589"/>
-              <a:gd name="connsiteY4" fmla="*/ 0 h 18288"/>
-              <a:gd name="connsiteX5" fmla="*/ 2776520 w 4243589"/>
-              <a:gd name="connsiteY5" fmla="*/ 0 h 18288"/>
-              <a:gd name="connsiteX6" fmla="*/ 3297875 w 4243589"/>
-              <a:gd name="connsiteY6" fmla="*/ 0 h 18288"/>
-              <a:gd name="connsiteX7" fmla="*/ 4243589 w 4243589"/>
-              <a:gd name="connsiteY7" fmla="*/ 0 h 18288"/>
-              <a:gd name="connsiteX8" fmla="*/ 4243589 w 4243589"/>
-              <a:gd name="connsiteY8" fmla="*/ 18288 h 18288"/>
-              <a:gd name="connsiteX9" fmla="*/ 3637362 w 4243589"/>
-              <a:gd name="connsiteY9" fmla="*/ 18288 h 18288"/>
-              <a:gd name="connsiteX10" fmla="*/ 3116007 w 4243589"/>
-              <a:gd name="connsiteY10" fmla="*/ 18288 h 18288"/>
-              <a:gd name="connsiteX11" fmla="*/ 2424908 w 4243589"/>
-              <a:gd name="connsiteY11" fmla="*/ 18288 h 18288"/>
-              <a:gd name="connsiteX12" fmla="*/ 1861117 w 4243589"/>
-              <a:gd name="connsiteY12" fmla="*/ 18288 h 18288"/>
-              <a:gd name="connsiteX13" fmla="*/ 1382198 w 4243589"/>
-              <a:gd name="connsiteY13" fmla="*/ 18288 h 18288"/>
-              <a:gd name="connsiteX14" fmla="*/ 733535 w 4243589"/>
-              <a:gd name="connsiteY14" fmla="*/ 18288 h 18288"/>
-              <a:gd name="connsiteX15" fmla="*/ 0 w 4243589"/>
-              <a:gd name="connsiteY15" fmla="*/ 18288 h 18288"/>
-              <a:gd name="connsiteX16" fmla="*/ 0 w 4243589"/>
-              <a:gd name="connsiteY16" fmla="*/ 0 h 18288"/>
-            </a:gdLst>
-            <a:ahLst/>
-            <a:cxnLst>
-              <a:cxn ang="0">
-                <a:pos x="connsiteX0" y="connsiteY0"/>
-              </a:cxn>
-              <a:cxn ang="0">
-                <a:pos x="connsiteX1" y="connsiteY1"/>
-              </a:cxn>
-              <a:cxn ang="0">
-                <a:pos x="connsiteX2" y="connsiteY2"/>
-              </a:cxn>
-              <a:cxn ang="0">
-                <a:pos x="connsiteX3" y="connsiteY3"/>
-              </a:cxn>
-              <a:cxn ang="0">
-                <a:pos x="connsiteX4" y="connsiteY4"/>
-              </a:cxn>
-              <a:cxn ang="0">
-                <a:pos x="connsiteX5" y="connsiteY5"/>
-              </a:cxn>
-              <a:cxn ang="0">
-                <a:pos x="connsiteX6" y="connsiteY6"/>
-              </a:cxn>
-              <a:cxn ang="0">
-                <a:pos x="connsiteX7" y="connsiteY7"/>
-              </a:cxn>
-              <a:cxn ang="0">
-                <a:pos x="connsiteX8" y="connsiteY8"/>
-              </a:cxn>
-              <a:cxn ang="0">
-                <a:pos x="connsiteX9" y="connsiteY9"/>
-              </a:cxn>
-              <a:cxn ang="0">
-                <a:pos x="connsiteX10" y="connsiteY10"/>
-              </a:cxn>
-              <a:cxn ang="0">
-                <a:pos x="connsiteX11" y="connsiteY11"/>
-              </a:cxn>
-              <a:cxn ang="0">
-                <a:pos x="connsiteX12" y="connsiteY12"/>
-              </a:cxn>
-              <a:cxn ang="0">
-                <a:pos x="connsiteX13" y="connsiteY13"/>
-              </a:cxn>
-              <a:cxn ang="0">
-                <a:pos x="connsiteX14" y="connsiteY14"/>
-              </a:cxn>
-              <a:cxn ang="0">
-                <a:pos x="connsiteX15" y="connsiteY15"/>
-              </a:cxn>
-              <a:cxn ang="0">
-                <a:pos x="connsiteX16" y="connsiteY16"/>
-              </a:cxn>
-            </a:cxnLst>
-            <a:rect l="l" t="t" r="r" b="b"/>
-            <a:pathLst>
-              <a:path w="4243589" h="18288" fill="none" extrusionOk="0">
-                <a:moveTo>
-                  <a:pt x="0" y="0"/>
-                </a:moveTo>
-                <a:cubicBezTo>
-                  <a:pt x="157351" y="-15653"/>
-                  <a:pt x="378877" y="-5828"/>
-                  <a:pt x="563791" y="0"/>
-                </a:cubicBezTo>
-                <a:cubicBezTo>
-                  <a:pt x="748705" y="5828"/>
-                  <a:pt x="905659" y="-5525"/>
-                  <a:pt x="1042710" y="0"/>
-                </a:cubicBezTo>
-                <a:cubicBezTo>
-                  <a:pt x="1179761" y="5525"/>
-                  <a:pt x="1356845" y="-21288"/>
-                  <a:pt x="1564066" y="0"/>
-                </a:cubicBezTo>
-                <a:cubicBezTo>
-                  <a:pt x="1771287" y="21288"/>
-                  <a:pt x="1912099" y="25135"/>
-                  <a:pt x="2212729" y="0"/>
-                </a:cubicBezTo>
-                <a:cubicBezTo>
-                  <a:pt x="2513359" y="-25135"/>
-                  <a:pt x="2514918" y="-27119"/>
-                  <a:pt x="2776520" y="0"/>
-                </a:cubicBezTo>
-                <a:cubicBezTo>
-                  <a:pt x="3038122" y="27119"/>
-                  <a:pt x="3178771" y="18116"/>
-                  <a:pt x="3297875" y="0"/>
-                </a:cubicBezTo>
-                <a:cubicBezTo>
-                  <a:pt x="3416980" y="-18116"/>
-                  <a:pt x="4012240" y="-40869"/>
-                  <a:pt x="4243589" y="0"/>
-                </a:cubicBezTo>
-                <a:cubicBezTo>
-                  <a:pt x="4243987" y="7429"/>
-                  <a:pt x="4243569" y="10822"/>
-                  <a:pt x="4243589" y="18288"/>
-                </a:cubicBezTo>
-                <a:cubicBezTo>
-                  <a:pt x="4112949" y="-2855"/>
-                  <a:pt x="3928037" y="1831"/>
-                  <a:pt x="3637362" y="18288"/>
-                </a:cubicBezTo>
-                <a:cubicBezTo>
-                  <a:pt x="3346687" y="34745"/>
-                  <a:pt x="3254446" y="26669"/>
-                  <a:pt x="3116007" y="18288"/>
-                </a:cubicBezTo>
-                <a:cubicBezTo>
-                  <a:pt x="2977569" y="9907"/>
-                  <a:pt x="2620228" y="28873"/>
-                  <a:pt x="2424908" y="18288"/>
-                </a:cubicBezTo>
-                <a:cubicBezTo>
-                  <a:pt x="2229588" y="7703"/>
-                  <a:pt x="2088287" y="-3854"/>
-                  <a:pt x="1861117" y="18288"/>
-                </a:cubicBezTo>
-                <a:cubicBezTo>
-                  <a:pt x="1633947" y="40430"/>
-                  <a:pt x="1502447" y="-871"/>
-                  <a:pt x="1382198" y="18288"/>
-                </a:cubicBezTo>
-                <a:cubicBezTo>
-                  <a:pt x="1261949" y="37447"/>
-                  <a:pt x="1045440" y="28353"/>
-                  <a:pt x="733535" y="18288"/>
-                </a:cubicBezTo>
-                <a:cubicBezTo>
-                  <a:pt x="421630" y="8223"/>
-                  <a:pt x="341257" y="-18359"/>
-                  <a:pt x="0" y="18288"/>
-                </a:cubicBezTo>
-                <a:cubicBezTo>
-                  <a:pt x="-591" y="13205"/>
-                  <a:pt x="-663" y="6329"/>
-                  <a:pt x="0" y="0"/>
-                </a:cubicBezTo>
-                <a:close/>
-              </a:path>
-              <a:path w="4243589" h="18288" stroke="0" extrusionOk="0">
-                <a:moveTo>
-                  <a:pt x="0" y="0"/>
-                </a:moveTo>
-                <a:cubicBezTo>
-                  <a:pt x="128164" y="17204"/>
-                  <a:pt x="312653" y="1129"/>
-                  <a:pt x="563791" y="0"/>
-                </a:cubicBezTo>
-                <a:cubicBezTo>
-                  <a:pt x="814929" y="-1129"/>
-                  <a:pt x="837271" y="8503"/>
-                  <a:pt x="1042710" y="0"/>
-                </a:cubicBezTo>
-                <a:cubicBezTo>
-                  <a:pt x="1248149" y="-8503"/>
-                  <a:pt x="1588432" y="-28862"/>
-                  <a:pt x="1733809" y="0"/>
-                </a:cubicBezTo>
-                <a:cubicBezTo>
-                  <a:pt x="1879186" y="28862"/>
-                  <a:pt x="2052815" y="5974"/>
-                  <a:pt x="2297600" y="0"/>
-                </a:cubicBezTo>
-                <a:cubicBezTo>
-                  <a:pt x="2542385" y="-5974"/>
-                  <a:pt x="2699960" y="-23550"/>
-                  <a:pt x="2861391" y="0"/>
-                </a:cubicBezTo>
-                <a:cubicBezTo>
-                  <a:pt x="3022822" y="23550"/>
-                  <a:pt x="3390411" y="25272"/>
-                  <a:pt x="3552490" y="0"/>
-                </a:cubicBezTo>
-                <a:cubicBezTo>
-                  <a:pt x="3714569" y="-25272"/>
-                  <a:pt x="3950585" y="-31327"/>
-                  <a:pt x="4243589" y="0"/>
-                </a:cubicBezTo>
-                <a:cubicBezTo>
-                  <a:pt x="4242703" y="5429"/>
-                  <a:pt x="4244410" y="14046"/>
-                  <a:pt x="4243589" y="18288"/>
-                </a:cubicBezTo>
-                <a:cubicBezTo>
-                  <a:pt x="4130424" y="-1240"/>
-                  <a:pt x="3932803" y="42249"/>
-                  <a:pt x="3722234" y="18288"/>
-                </a:cubicBezTo>
-                <a:cubicBezTo>
-                  <a:pt x="3511665" y="-5673"/>
-                  <a:pt x="3269903" y="45994"/>
-                  <a:pt x="3116007" y="18288"/>
-                </a:cubicBezTo>
-                <a:cubicBezTo>
-                  <a:pt x="2962111" y="-9418"/>
-                  <a:pt x="2744280" y="23224"/>
-                  <a:pt x="2509780" y="18288"/>
-                </a:cubicBezTo>
-                <a:cubicBezTo>
-                  <a:pt x="2275280" y="13352"/>
-                  <a:pt x="2066059" y="43664"/>
-                  <a:pt x="1945989" y="18288"/>
-                </a:cubicBezTo>
-                <a:cubicBezTo>
-                  <a:pt x="1825919" y="-7088"/>
-                  <a:pt x="1407329" y="12616"/>
-                  <a:pt x="1254890" y="18288"/>
-                </a:cubicBezTo>
-                <a:cubicBezTo>
-                  <a:pt x="1102451" y="23960"/>
-                  <a:pt x="837950" y="31673"/>
-                  <a:pt x="563791" y="18288"/>
-                </a:cubicBezTo>
-                <a:cubicBezTo>
-                  <a:pt x="289632" y="4903"/>
-                  <a:pt x="132768" y="7105"/>
-                  <a:pt x="0" y="18288"/>
-                </a:cubicBezTo>
-                <a:cubicBezTo>
-                  <a:pt x="668" y="13665"/>
-                  <a:pt x="578" y="5675"/>
-                  <a:pt x="0" y="0"/>
-                </a:cubicBezTo>
-                <a:close/>
-              </a:path>
-            </a:pathLst>
-          </a:custGeom>
-          <a:solidFill>
-            <a:srgbClr val="FFFFFF"/>
-          </a:solidFill>
-          <a:ln w="41275" cap="rnd">
-            <a:solidFill>
-              <a:srgbClr val="FFFFFF"/>
-            </a:solidFill>
-            <a:round/>
-            <a:extLst>
-              <a:ext uri="{C807C97D-BFC1-408E-A445-0C87EB9F89A2}">
-                <ask:lineSketchStyleProps xmlns:ask="http://schemas.microsoft.com/office/drawing/2018/sketchyshapes" sd="1219033472">
-                  <a:prstGeom prst="rect">
-                    <a:avLst/>
-                  </a:prstGeom>
-                  <ask:type>
-                    <ask:lineSketchFreehand/>
-                  </ask:type>
-                </ask:lineSketchStyleProps>
-              </a:ext>
-            </a:extLst>
-          </a:ln>
-        </p:spPr>
-        <p:style>
-          <a:lnRef idx="2">
-            <a:schemeClr val="accent1">
-              <a:shade val="50000"/>
-            </a:schemeClr>
-          </a:lnRef>
-          <a:fillRef idx="1">
-            <a:schemeClr val="accent1"/>
-          </a:fillRef>
-          <a:effectRef idx="0">
-            <a:schemeClr val="accent1"/>
-          </a:effectRef>
-          <a:fontRef idx="minor">
-            <a:schemeClr val="lt1"/>
-          </a:fontRef>
-        </p:style>
-        <p:txBody>
-          <a:bodyPr rtlCol="0" anchor="ctr"/>
-          <a:lstStyle/>
-          <a:p>
-            <a:pPr algn="ctr"/>
-            <a:endParaRPr lang="en-US"/>
-          </a:p>
-        </p:txBody>
-      </p:sp>
-    </p:spTree>
-    <p:extLst>
-      <p:ext uri="{BB962C8B-B14F-4D97-AF65-F5344CB8AC3E}">
-        <p14:creationId xmlns:p14="http://schemas.microsoft.com/office/powerpoint/2010/main" val="1786886740"/>
       </p:ext>
     </p:extLst>
   </p:cSld>
@@ -34751,6 +35913,573 @@
     <p:extLst>
       <p:ext uri="{BB962C8B-B14F-4D97-AF65-F5344CB8AC3E}">
         <p14:creationId xmlns:p14="http://schemas.microsoft.com/office/powerpoint/2010/main" val="3336882783"/>
+      </p:ext>
+    </p:extLst>
+  </p:cSld>
+  <p:clrMapOvr>
+    <a:masterClrMapping/>
+  </p:clrMapOvr>
+</p:sld>
+</file>
+
+<file path=ppt/slides/slide30.xml><?xml version="1.0" encoding="utf-8"?>
+<p:sld xmlns:a="http://schemas.openxmlformats.org/drawingml/2006/main" xmlns:r="http://schemas.openxmlformats.org/officeDocument/2006/relationships" xmlns:p="http://schemas.openxmlformats.org/presentationml/2006/main">
+  <p:cSld>
+    <p:bg>
+      <p:bgPr>
+        <a:solidFill>
+          <a:schemeClr val="bg1"/>
+        </a:solidFill>
+        <a:effectLst/>
+      </p:bgPr>
+    </p:bg>
+    <p:spTree>
+      <p:nvGrpSpPr>
+        <p:cNvPr id="1" name=""/>
+        <p:cNvGrpSpPr/>
+        <p:nvPr/>
+      </p:nvGrpSpPr>
+      <p:grpSpPr>
+        <a:xfrm>
+          <a:off x="0" y="0"/>
+          <a:ext cx="0" cy="0"/>
+          <a:chOff x="0" y="0"/>
+          <a:chExt cx="0" cy="0"/>
+        </a:xfrm>
+      </p:grpSpPr>
+      <p:sp useBgFill="1">
+        <p:nvSpPr>
+          <p:cNvPr id="8" name="Rectangle 7">
+            <a:extLst>
+              <a:ext uri="{FF2B5EF4-FFF2-40B4-BE49-F238E27FC236}">
+                <a16:creationId xmlns:a16="http://schemas.microsoft.com/office/drawing/2014/main" id="{B768BC45-6978-4563-AFFC-4378E82C53D8}"/>
+              </a:ext>
+              <a:ext uri="{C183D7F6-B498-43B3-948B-1728B52AA6E4}">
+                <adec:decorative xmlns:adec="http://schemas.microsoft.com/office/drawing/2017/decorative" val="1"/>
+              </a:ext>
+            </a:extLst>
+          </p:cNvPr>
+          <p:cNvSpPr>
+            <a:spLocks noGrp="1" noRot="1" noChangeAspect="1" noMove="1" noResize="1" noEditPoints="1" noAdjustHandles="1" noChangeArrowheads="1" noChangeShapeType="1" noTextEdit="1"/>
+          </p:cNvSpPr>
+          <p:nvPr>
+            <p:extLst>
+              <p:ext uri="{386F3935-93C4-4BCD-93E2-E3B085C9AB24}">
+                <p16:designElem xmlns:p16="http://schemas.microsoft.com/office/powerpoint/2015/main" val="1"/>
+              </p:ext>
+            </p:extLst>
+          </p:nvPr>
+        </p:nvSpPr>
+        <p:spPr>
+          <a:xfrm>
+            <a:off x="0" y="0"/>
+            <a:ext cx="12188952" cy="6858000"/>
+          </a:xfrm>
+          <a:prstGeom prst="rect">
+            <a:avLst/>
+          </a:prstGeom>
+          <a:ln>
+            <a:noFill/>
+          </a:ln>
+        </p:spPr>
+        <p:style>
+          <a:lnRef idx="2">
+            <a:schemeClr val="accent1">
+              <a:shade val="50000"/>
+            </a:schemeClr>
+          </a:lnRef>
+          <a:fillRef idx="1">
+            <a:schemeClr val="accent1"/>
+          </a:fillRef>
+          <a:effectRef idx="0">
+            <a:schemeClr val="accent1"/>
+          </a:effectRef>
+          <a:fontRef idx="minor">
+            <a:schemeClr val="lt1"/>
+          </a:fontRef>
+        </p:style>
+        <p:txBody>
+          <a:bodyPr rtlCol="0" anchor="ctr"/>
+          <a:lstStyle/>
+          <a:p>
+            <a:pPr algn="ctr"/>
+            <a:endParaRPr lang="en-US"/>
+          </a:p>
+        </p:txBody>
+      </p:sp>
+      <p:sp>
+        <p:nvSpPr>
+          <p:cNvPr id="10" name="colored rectangle">
+            <a:extLst>
+              <a:ext uri="{FF2B5EF4-FFF2-40B4-BE49-F238E27FC236}">
+                <a16:creationId xmlns:a16="http://schemas.microsoft.com/office/drawing/2014/main" id="{A80A8067-64B4-47DF-9C4D-88D9ADEC21BB}"/>
+              </a:ext>
+              <a:ext uri="{C183D7F6-B498-43B3-948B-1728B52AA6E4}">
+                <adec:decorative xmlns:adec="http://schemas.microsoft.com/office/drawing/2017/decorative" val="1"/>
+              </a:ext>
+            </a:extLst>
+          </p:cNvPr>
+          <p:cNvSpPr>
+            <a:spLocks noGrp="1" noRot="1" noChangeAspect="1" noMove="1" noResize="1" noEditPoints="1" noAdjustHandles="1" noChangeArrowheads="1" noChangeShapeType="1" noTextEdit="1"/>
+          </p:cNvSpPr>
+          <p:nvPr>
+            <p:extLst>
+              <p:ext uri="{386F3935-93C4-4BCD-93E2-E3B085C9AB24}">
+                <p16:designElem xmlns:p16="http://schemas.microsoft.com/office/powerpoint/2015/main" val="1"/>
+              </p:ext>
+            </p:extLst>
+          </p:nvPr>
+        </p:nvSpPr>
+        <p:spPr>
+          <a:xfrm>
+            <a:off x="0" y="0"/>
+            <a:ext cx="12192000" cy="6858000"/>
+          </a:xfrm>
+          <a:prstGeom prst="rect">
+            <a:avLst/>
+          </a:prstGeom>
+          <a:solidFill>
+            <a:schemeClr val="accent2"/>
+          </a:solidFill>
+          <a:ln>
+            <a:noFill/>
+          </a:ln>
+        </p:spPr>
+        <p:style>
+          <a:lnRef idx="2">
+            <a:schemeClr val="accent1">
+              <a:shade val="50000"/>
+            </a:schemeClr>
+          </a:lnRef>
+          <a:fillRef idx="1">
+            <a:schemeClr val="accent1"/>
+          </a:fillRef>
+          <a:effectRef idx="0">
+            <a:schemeClr val="accent1"/>
+          </a:effectRef>
+          <a:fontRef idx="minor">
+            <a:schemeClr val="lt1"/>
+          </a:fontRef>
+        </p:style>
+        <p:txBody>
+          <a:bodyPr rtlCol="0" anchor="ctr"/>
+          <a:lstStyle/>
+          <a:p>
+            <a:pPr algn="ctr"/>
+            <a:endParaRPr lang="en-US"/>
+          </a:p>
+        </p:txBody>
+      </p:sp>
+      <p:sp>
+        <p:nvSpPr>
+          <p:cNvPr id="2" name="Title 1">
+            <a:extLst>
+              <a:ext uri="{FF2B5EF4-FFF2-40B4-BE49-F238E27FC236}">
+                <a16:creationId xmlns:a16="http://schemas.microsoft.com/office/drawing/2014/main" id="{19042E9B-F100-C1B4-FD9B-285E728A1D6F}"/>
+              </a:ext>
+            </a:extLst>
+          </p:cNvPr>
+          <p:cNvSpPr>
+            <a:spLocks noGrp="1"/>
+          </p:cNvSpPr>
+          <p:nvPr>
+            <p:ph type="title"/>
+          </p:nvPr>
+        </p:nvSpPr>
+        <p:spPr>
+          <a:xfrm>
+            <a:off x="838199" y="451381"/>
+            <a:ext cx="10512552" cy="4066540"/>
+          </a:xfrm>
+        </p:spPr>
+        <p:txBody>
+          <a:bodyPr vert="horz" lIns="91440" tIns="45720" rIns="91440" bIns="45720" rtlCol="0" anchor="b">
+            <a:normAutofit/>
+          </a:bodyPr>
+          <a:lstStyle/>
+          <a:p>
+            <a:r>
+              <a:rPr lang="en-US" sz="6600" kern="1200" dirty="0">
+                <a:solidFill>
+                  <a:srgbClr val="FFFFFF"/>
+                </a:solidFill>
+                <a:latin typeface="+mj-lt"/>
+                <a:ea typeface="+mj-ea"/>
+                <a:cs typeface="+mj-cs"/>
+              </a:rPr>
+              <a:t>Quiz 6 – Study Case </a:t>
+            </a:r>
+            <a:br>
+              <a:rPr lang="en-US" sz="6600" kern="1200" dirty="0">
+                <a:solidFill>
+                  <a:srgbClr val="FFFFFF"/>
+                </a:solidFill>
+                <a:latin typeface="+mj-lt"/>
+                <a:ea typeface="+mj-ea"/>
+                <a:cs typeface="+mj-cs"/>
+              </a:rPr>
+            </a:br>
+            <a:r>
+              <a:rPr lang="en-US" sz="6600" kern="1200" dirty="0">
+                <a:solidFill>
+                  <a:srgbClr val="FFFFFF"/>
+                </a:solidFill>
+                <a:latin typeface="+mj-lt"/>
+                <a:ea typeface="+mj-ea"/>
+                <a:cs typeface="+mj-cs"/>
+              </a:rPr>
+              <a:t>(Bumame Clinic)</a:t>
+            </a:r>
+          </a:p>
+        </p:txBody>
+      </p:sp>
+      <p:sp>
+        <p:nvSpPr>
+          <p:cNvPr id="12" name="sketch line">
+            <a:extLst>
+              <a:ext uri="{FF2B5EF4-FFF2-40B4-BE49-F238E27FC236}">
+                <a16:creationId xmlns:a16="http://schemas.microsoft.com/office/drawing/2014/main" id="{9D1E2788-F6B5-40EE-A733-8187EB22BD13}"/>
+              </a:ext>
+              <a:ext uri="{C183D7F6-B498-43B3-948B-1728B52AA6E4}">
+                <adec:decorative xmlns:adec="http://schemas.microsoft.com/office/drawing/2017/decorative" val="1"/>
+              </a:ext>
+            </a:extLst>
+          </p:cNvPr>
+          <p:cNvSpPr>
+            <a:spLocks noGrp="1" noRot="1" noChangeAspect="1" noMove="1" noResize="1" noEditPoints="1" noAdjustHandles="1" noChangeArrowheads="1" noChangeShapeType="1" noTextEdit="1"/>
+          </p:cNvSpPr>
+          <p:nvPr>
+            <p:extLst>
+              <p:ext uri="{386F3935-93C4-4BCD-93E2-E3B085C9AB24}">
+                <p16:designElem xmlns:p16="http://schemas.microsoft.com/office/powerpoint/2015/main" val="1"/>
+              </p:ext>
+            </p:extLst>
+          </p:nvPr>
+        </p:nvSpPr>
+        <p:spPr>
+          <a:xfrm>
+            <a:off x="838199" y="4747614"/>
+            <a:ext cx="4243589" cy="18288"/>
+          </a:xfrm>
+          <a:custGeom>
+            <a:avLst/>
+            <a:gdLst>
+              <a:gd name="connsiteX0" fmla="*/ 0 w 4243589"/>
+              <a:gd name="connsiteY0" fmla="*/ 0 h 18288"/>
+              <a:gd name="connsiteX1" fmla="*/ 563791 w 4243589"/>
+              <a:gd name="connsiteY1" fmla="*/ 0 h 18288"/>
+              <a:gd name="connsiteX2" fmla="*/ 1042710 w 4243589"/>
+              <a:gd name="connsiteY2" fmla="*/ 0 h 18288"/>
+              <a:gd name="connsiteX3" fmla="*/ 1564066 w 4243589"/>
+              <a:gd name="connsiteY3" fmla="*/ 0 h 18288"/>
+              <a:gd name="connsiteX4" fmla="*/ 2212729 w 4243589"/>
+              <a:gd name="connsiteY4" fmla="*/ 0 h 18288"/>
+              <a:gd name="connsiteX5" fmla="*/ 2776520 w 4243589"/>
+              <a:gd name="connsiteY5" fmla="*/ 0 h 18288"/>
+              <a:gd name="connsiteX6" fmla="*/ 3297875 w 4243589"/>
+              <a:gd name="connsiteY6" fmla="*/ 0 h 18288"/>
+              <a:gd name="connsiteX7" fmla="*/ 4243589 w 4243589"/>
+              <a:gd name="connsiteY7" fmla="*/ 0 h 18288"/>
+              <a:gd name="connsiteX8" fmla="*/ 4243589 w 4243589"/>
+              <a:gd name="connsiteY8" fmla="*/ 18288 h 18288"/>
+              <a:gd name="connsiteX9" fmla="*/ 3637362 w 4243589"/>
+              <a:gd name="connsiteY9" fmla="*/ 18288 h 18288"/>
+              <a:gd name="connsiteX10" fmla="*/ 3116007 w 4243589"/>
+              <a:gd name="connsiteY10" fmla="*/ 18288 h 18288"/>
+              <a:gd name="connsiteX11" fmla="*/ 2424908 w 4243589"/>
+              <a:gd name="connsiteY11" fmla="*/ 18288 h 18288"/>
+              <a:gd name="connsiteX12" fmla="*/ 1861117 w 4243589"/>
+              <a:gd name="connsiteY12" fmla="*/ 18288 h 18288"/>
+              <a:gd name="connsiteX13" fmla="*/ 1382198 w 4243589"/>
+              <a:gd name="connsiteY13" fmla="*/ 18288 h 18288"/>
+              <a:gd name="connsiteX14" fmla="*/ 733535 w 4243589"/>
+              <a:gd name="connsiteY14" fmla="*/ 18288 h 18288"/>
+              <a:gd name="connsiteX15" fmla="*/ 0 w 4243589"/>
+              <a:gd name="connsiteY15" fmla="*/ 18288 h 18288"/>
+              <a:gd name="connsiteX16" fmla="*/ 0 w 4243589"/>
+              <a:gd name="connsiteY16" fmla="*/ 0 h 18288"/>
+            </a:gdLst>
+            <a:ahLst/>
+            <a:cxnLst>
+              <a:cxn ang="0">
+                <a:pos x="connsiteX0" y="connsiteY0"/>
+              </a:cxn>
+              <a:cxn ang="0">
+                <a:pos x="connsiteX1" y="connsiteY1"/>
+              </a:cxn>
+              <a:cxn ang="0">
+                <a:pos x="connsiteX2" y="connsiteY2"/>
+              </a:cxn>
+              <a:cxn ang="0">
+                <a:pos x="connsiteX3" y="connsiteY3"/>
+              </a:cxn>
+              <a:cxn ang="0">
+                <a:pos x="connsiteX4" y="connsiteY4"/>
+              </a:cxn>
+              <a:cxn ang="0">
+                <a:pos x="connsiteX5" y="connsiteY5"/>
+              </a:cxn>
+              <a:cxn ang="0">
+                <a:pos x="connsiteX6" y="connsiteY6"/>
+              </a:cxn>
+              <a:cxn ang="0">
+                <a:pos x="connsiteX7" y="connsiteY7"/>
+              </a:cxn>
+              <a:cxn ang="0">
+                <a:pos x="connsiteX8" y="connsiteY8"/>
+              </a:cxn>
+              <a:cxn ang="0">
+                <a:pos x="connsiteX9" y="connsiteY9"/>
+              </a:cxn>
+              <a:cxn ang="0">
+                <a:pos x="connsiteX10" y="connsiteY10"/>
+              </a:cxn>
+              <a:cxn ang="0">
+                <a:pos x="connsiteX11" y="connsiteY11"/>
+              </a:cxn>
+              <a:cxn ang="0">
+                <a:pos x="connsiteX12" y="connsiteY12"/>
+              </a:cxn>
+              <a:cxn ang="0">
+                <a:pos x="connsiteX13" y="connsiteY13"/>
+              </a:cxn>
+              <a:cxn ang="0">
+                <a:pos x="connsiteX14" y="connsiteY14"/>
+              </a:cxn>
+              <a:cxn ang="0">
+                <a:pos x="connsiteX15" y="connsiteY15"/>
+              </a:cxn>
+              <a:cxn ang="0">
+                <a:pos x="connsiteX16" y="connsiteY16"/>
+              </a:cxn>
+            </a:cxnLst>
+            <a:rect l="l" t="t" r="r" b="b"/>
+            <a:pathLst>
+              <a:path w="4243589" h="18288" fill="none" extrusionOk="0">
+                <a:moveTo>
+                  <a:pt x="0" y="0"/>
+                </a:moveTo>
+                <a:cubicBezTo>
+                  <a:pt x="157351" y="-15653"/>
+                  <a:pt x="378877" y="-5828"/>
+                  <a:pt x="563791" y="0"/>
+                </a:cubicBezTo>
+                <a:cubicBezTo>
+                  <a:pt x="748705" y="5828"/>
+                  <a:pt x="905659" y="-5525"/>
+                  <a:pt x="1042710" y="0"/>
+                </a:cubicBezTo>
+                <a:cubicBezTo>
+                  <a:pt x="1179761" y="5525"/>
+                  <a:pt x="1356845" y="-21288"/>
+                  <a:pt x="1564066" y="0"/>
+                </a:cubicBezTo>
+                <a:cubicBezTo>
+                  <a:pt x="1771287" y="21288"/>
+                  <a:pt x="1912099" y="25135"/>
+                  <a:pt x="2212729" y="0"/>
+                </a:cubicBezTo>
+                <a:cubicBezTo>
+                  <a:pt x="2513359" y="-25135"/>
+                  <a:pt x="2514918" y="-27119"/>
+                  <a:pt x="2776520" y="0"/>
+                </a:cubicBezTo>
+                <a:cubicBezTo>
+                  <a:pt x="3038122" y="27119"/>
+                  <a:pt x="3178771" y="18116"/>
+                  <a:pt x="3297875" y="0"/>
+                </a:cubicBezTo>
+                <a:cubicBezTo>
+                  <a:pt x="3416980" y="-18116"/>
+                  <a:pt x="4012240" y="-40869"/>
+                  <a:pt x="4243589" y="0"/>
+                </a:cubicBezTo>
+                <a:cubicBezTo>
+                  <a:pt x="4243987" y="7429"/>
+                  <a:pt x="4243569" y="10822"/>
+                  <a:pt x="4243589" y="18288"/>
+                </a:cubicBezTo>
+                <a:cubicBezTo>
+                  <a:pt x="4112949" y="-2855"/>
+                  <a:pt x="3928037" y="1831"/>
+                  <a:pt x="3637362" y="18288"/>
+                </a:cubicBezTo>
+                <a:cubicBezTo>
+                  <a:pt x="3346687" y="34745"/>
+                  <a:pt x="3254446" y="26669"/>
+                  <a:pt x="3116007" y="18288"/>
+                </a:cubicBezTo>
+                <a:cubicBezTo>
+                  <a:pt x="2977569" y="9907"/>
+                  <a:pt x="2620228" y="28873"/>
+                  <a:pt x="2424908" y="18288"/>
+                </a:cubicBezTo>
+                <a:cubicBezTo>
+                  <a:pt x="2229588" y="7703"/>
+                  <a:pt x="2088287" y="-3854"/>
+                  <a:pt x="1861117" y="18288"/>
+                </a:cubicBezTo>
+                <a:cubicBezTo>
+                  <a:pt x="1633947" y="40430"/>
+                  <a:pt x="1502447" y="-871"/>
+                  <a:pt x="1382198" y="18288"/>
+                </a:cubicBezTo>
+                <a:cubicBezTo>
+                  <a:pt x="1261949" y="37447"/>
+                  <a:pt x="1045440" y="28353"/>
+                  <a:pt x="733535" y="18288"/>
+                </a:cubicBezTo>
+                <a:cubicBezTo>
+                  <a:pt x="421630" y="8223"/>
+                  <a:pt x="341257" y="-18359"/>
+                  <a:pt x="0" y="18288"/>
+                </a:cubicBezTo>
+                <a:cubicBezTo>
+                  <a:pt x="-591" y="13205"/>
+                  <a:pt x="-663" y="6329"/>
+                  <a:pt x="0" y="0"/>
+                </a:cubicBezTo>
+                <a:close/>
+              </a:path>
+              <a:path w="4243589" h="18288" stroke="0" extrusionOk="0">
+                <a:moveTo>
+                  <a:pt x="0" y="0"/>
+                </a:moveTo>
+                <a:cubicBezTo>
+                  <a:pt x="128164" y="17204"/>
+                  <a:pt x="312653" y="1129"/>
+                  <a:pt x="563791" y="0"/>
+                </a:cubicBezTo>
+                <a:cubicBezTo>
+                  <a:pt x="814929" y="-1129"/>
+                  <a:pt x="837271" y="8503"/>
+                  <a:pt x="1042710" y="0"/>
+                </a:cubicBezTo>
+                <a:cubicBezTo>
+                  <a:pt x="1248149" y="-8503"/>
+                  <a:pt x="1588432" y="-28862"/>
+                  <a:pt x="1733809" y="0"/>
+                </a:cubicBezTo>
+                <a:cubicBezTo>
+                  <a:pt x="1879186" y="28862"/>
+                  <a:pt x="2052815" y="5974"/>
+                  <a:pt x="2297600" y="0"/>
+                </a:cubicBezTo>
+                <a:cubicBezTo>
+                  <a:pt x="2542385" y="-5974"/>
+                  <a:pt x="2699960" y="-23550"/>
+                  <a:pt x="2861391" y="0"/>
+                </a:cubicBezTo>
+                <a:cubicBezTo>
+                  <a:pt x="3022822" y="23550"/>
+                  <a:pt x="3390411" y="25272"/>
+                  <a:pt x="3552490" y="0"/>
+                </a:cubicBezTo>
+                <a:cubicBezTo>
+                  <a:pt x="3714569" y="-25272"/>
+                  <a:pt x="3950585" y="-31327"/>
+                  <a:pt x="4243589" y="0"/>
+                </a:cubicBezTo>
+                <a:cubicBezTo>
+                  <a:pt x="4242703" y="5429"/>
+                  <a:pt x="4244410" y="14046"/>
+                  <a:pt x="4243589" y="18288"/>
+                </a:cubicBezTo>
+                <a:cubicBezTo>
+                  <a:pt x="4130424" y="-1240"/>
+                  <a:pt x="3932803" y="42249"/>
+                  <a:pt x="3722234" y="18288"/>
+                </a:cubicBezTo>
+                <a:cubicBezTo>
+                  <a:pt x="3511665" y="-5673"/>
+                  <a:pt x="3269903" y="45994"/>
+                  <a:pt x="3116007" y="18288"/>
+                </a:cubicBezTo>
+                <a:cubicBezTo>
+                  <a:pt x="2962111" y="-9418"/>
+                  <a:pt x="2744280" y="23224"/>
+                  <a:pt x="2509780" y="18288"/>
+                </a:cubicBezTo>
+                <a:cubicBezTo>
+                  <a:pt x="2275280" y="13352"/>
+                  <a:pt x="2066059" y="43664"/>
+                  <a:pt x="1945989" y="18288"/>
+                </a:cubicBezTo>
+                <a:cubicBezTo>
+                  <a:pt x="1825919" y="-7088"/>
+                  <a:pt x="1407329" y="12616"/>
+                  <a:pt x="1254890" y="18288"/>
+                </a:cubicBezTo>
+                <a:cubicBezTo>
+                  <a:pt x="1102451" y="23960"/>
+                  <a:pt x="837950" y="31673"/>
+                  <a:pt x="563791" y="18288"/>
+                </a:cubicBezTo>
+                <a:cubicBezTo>
+                  <a:pt x="289632" y="4903"/>
+                  <a:pt x="132768" y="7105"/>
+                  <a:pt x="0" y="18288"/>
+                </a:cubicBezTo>
+                <a:cubicBezTo>
+                  <a:pt x="668" y="13665"/>
+                  <a:pt x="578" y="5675"/>
+                  <a:pt x="0" y="0"/>
+                </a:cubicBezTo>
+                <a:close/>
+              </a:path>
+            </a:pathLst>
+          </a:custGeom>
+          <a:solidFill>
+            <a:srgbClr val="FFFFFF"/>
+          </a:solidFill>
+          <a:ln w="41275" cap="rnd">
+            <a:solidFill>
+              <a:srgbClr val="FFFFFF"/>
+            </a:solidFill>
+            <a:round/>
+            <a:extLst>
+              <a:ext uri="{C807C97D-BFC1-408E-A445-0C87EB9F89A2}">
+                <ask:lineSketchStyleProps xmlns:ask="http://schemas.microsoft.com/office/drawing/2018/sketchyshapes" sd="1219033472">
+                  <a:prstGeom prst="rect">
+                    <a:avLst/>
+                  </a:prstGeom>
+                  <ask:type>
+                    <ask:lineSketchFreehand/>
+                  </ask:type>
+                </ask:lineSketchStyleProps>
+              </a:ext>
+            </a:extLst>
+          </a:ln>
+        </p:spPr>
+        <p:style>
+          <a:lnRef idx="2">
+            <a:schemeClr val="accent1">
+              <a:shade val="50000"/>
+            </a:schemeClr>
+          </a:lnRef>
+          <a:fillRef idx="1">
+            <a:schemeClr val="accent1"/>
+          </a:fillRef>
+          <a:effectRef idx="0">
+            <a:schemeClr val="accent1"/>
+          </a:effectRef>
+          <a:fontRef idx="minor">
+            <a:schemeClr val="lt1"/>
+          </a:fontRef>
+        </p:style>
+        <p:txBody>
+          <a:bodyPr rtlCol="0" anchor="ctr"/>
+          <a:lstStyle/>
+          <a:p>
+            <a:pPr algn="ctr"/>
+            <a:endParaRPr lang="en-US"/>
+          </a:p>
+        </p:txBody>
+      </p:sp>
+    </p:spTree>
+    <p:extLst>
+      <p:ext uri="{BB962C8B-B14F-4D97-AF65-F5344CB8AC3E}">
+        <p14:creationId xmlns:p14="http://schemas.microsoft.com/office/powerpoint/2010/main" val="1786886740"/>
       </p:ext>
     </p:extLst>
   </p:cSld>
@@ -39452,16 +41181,302 @@
 </a:theme>
 </file>
 
-<file path=customXml/item1.xml><?xml version="1.0" encoding="utf-8"?>
-<?mso-contentType ?>
-<FormTemplates xmlns="http://schemas.microsoft.com/sharepoint/v3/contenttype/forms">
-  <Display>DocumentLibraryForm</Display>
-  <Edit>DocumentLibraryForm</Edit>
-  <New>DocumentLibraryForm</New>
-</FormTemplates>
+<file path=ppt/theme/theme2.xml><?xml version="1.0" encoding="utf-8"?>
+<a:theme xmlns:a="http://schemas.openxmlformats.org/drawingml/2006/main" name="Office Theme">
+  <a:themeElements>
+    <a:clrScheme name="Office">
+      <a:dk1>
+        <a:sysClr val="windowText" lastClr="000000"/>
+      </a:dk1>
+      <a:lt1>
+        <a:sysClr val="window" lastClr="FFFFFF"/>
+      </a:lt1>
+      <a:dk2>
+        <a:srgbClr val="44546A"/>
+      </a:dk2>
+      <a:lt2>
+        <a:srgbClr val="E7E6E6"/>
+      </a:lt2>
+      <a:accent1>
+        <a:srgbClr val="4472C4"/>
+      </a:accent1>
+      <a:accent2>
+        <a:srgbClr val="ED7D31"/>
+      </a:accent2>
+      <a:accent3>
+        <a:srgbClr val="A5A5A5"/>
+      </a:accent3>
+      <a:accent4>
+        <a:srgbClr val="FFC000"/>
+      </a:accent4>
+      <a:accent5>
+        <a:srgbClr val="5B9BD5"/>
+      </a:accent5>
+      <a:accent6>
+        <a:srgbClr val="70AD47"/>
+      </a:accent6>
+      <a:hlink>
+        <a:srgbClr val="0563C1"/>
+      </a:hlink>
+      <a:folHlink>
+        <a:srgbClr val="954F72"/>
+      </a:folHlink>
+    </a:clrScheme>
+    <a:fontScheme name="Office">
+      <a:majorFont>
+        <a:latin typeface="Calibri Light" panose="020F0302020204030204"/>
+        <a:ea typeface=""/>
+        <a:cs typeface=""/>
+        <a:font script="Jpan" typeface="游ゴシック Light"/>
+        <a:font script="Hang" typeface="맑은 고딕"/>
+        <a:font script="Hans" typeface="等线 Light"/>
+        <a:font script="Hant" typeface="新細明體"/>
+        <a:font script="Arab" typeface="Times New Roman"/>
+        <a:font script="Hebr" typeface="Times New Roman"/>
+        <a:font script="Thai" typeface="Angsana New"/>
+        <a:font script="Ethi" typeface="Nyala"/>
+        <a:font script="Beng" typeface="Vrinda"/>
+        <a:font script="Gujr" typeface="Shruti"/>
+        <a:font script="Khmr" typeface="MoolBoran"/>
+        <a:font script="Knda" typeface="Tunga"/>
+        <a:font script="Guru" typeface="Raavi"/>
+        <a:font script="Cans" typeface="Euphemia"/>
+        <a:font script="Cher" typeface="Plantagenet Cherokee"/>
+        <a:font script="Yiii" typeface="Microsoft Yi Baiti"/>
+        <a:font script="Tibt" typeface="Microsoft Himalaya"/>
+        <a:font script="Thaa" typeface="MV Boli"/>
+        <a:font script="Deva" typeface="Mangal"/>
+        <a:font script="Telu" typeface="Gautami"/>
+        <a:font script="Taml" typeface="Latha"/>
+        <a:font script="Syrc" typeface="Estrangelo Edessa"/>
+        <a:font script="Orya" typeface="Kalinga"/>
+        <a:font script="Mlym" typeface="Kartika"/>
+        <a:font script="Laoo" typeface="DokChampa"/>
+        <a:font script="Sinh" typeface="Iskoola Pota"/>
+        <a:font script="Mong" typeface="Mongolian Baiti"/>
+        <a:font script="Viet" typeface="Times New Roman"/>
+        <a:font script="Uigh" typeface="Microsoft Uighur"/>
+        <a:font script="Geor" typeface="Sylfaen"/>
+        <a:font script="Armn" typeface="Arial"/>
+        <a:font script="Bugi" typeface="Leelawadee UI"/>
+        <a:font script="Bopo" typeface="Microsoft JhengHei"/>
+        <a:font script="Java" typeface="Javanese Text"/>
+        <a:font script="Lisu" typeface="Segoe UI"/>
+        <a:font script="Mymr" typeface="Myanmar Text"/>
+        <a:font script="Nkoo" typeface="Ebrima"/>
+        <a:font script="Olck" typeface="Nirmala UI"/>
+        <a:font script="Osma" typeface="Ebrima"/>
+        <a:font script="Phag" typeface="Phagspa"/>
+        <a:font script="Syrn" typeface="Estrangelo Edessa"/>
+        <a:font script="Syrj" typeface="Estrangelo Edessa"/>
+        <a:font script="Syre" typeface="Estrangelo Edessa"/>
+        <a:font script="Sora" typeface="Nirmala UI"/>
+        <a:font script="Tale" typeface="Microsoft Tai Le"/>
+        <a:font script="Talu" typeface="Microsoft New Tai Lue"/>
+        <a:font script="Tfng" typeface="Ebrima"/>
+      </a:majorFont>
+      <a:minorFont>
+        <a:latin typeface="Calibri" panose="020F0502020204030204"/>
+        <a:ea typeface=""/>
+        <a:cs typeface=""/>
+        <a:font script="Jpan" typeface="游ゴシック"/>
+        <a:font script="Hang" typeface="맑은 고딕"/>
+        <a:font script="Hans" typeface="等线"/>
+        <a:font script="Hant" typeface="新細明體"/>
+        <a:font script="Arab" typeface="Arial"/>
+        <a:font script="Hebr" typeface="Arial"/>
+        <a:font script="Thai" typeface="Cordia New"/>
+        <a:font script="Ethi" typeface="Nyala"/>
+        <a:font script="Beng" typeface="Vrinda"/>
+        <a:font script="Gujr" typeface="Shruti"/>
+        <a:font script="Khmr" typeface="DaunPenh"/>
+        <a:font script="Knda" typeface="Tunga"/>
+        <a:font script="Guru" typeface="Raavi"/>
+        <a:font script="Cans" typeface="Euphemia"/>
+        <a:font script="Cher" typeface="Plantagenet Cherokee"/>
+        <a:font script="Yiii" typeface="Microsoft Yi Baiti"/>
+        <a:font script="Tibt" typeface="Microsoft Himalaya"/>
+        <a:font script="Thaa" typeface="MV Boli"/>
+        <a:font script="Deva" typeface="Mangal"/>
+        <a:font script="Telu" typeface="Gautami"/>
+        <a:font script="Taml" typeface="Latha"/>
+        <a:font script="Syrc" typeface="Estrangelo Edessa"/>
+        <a:font script="Orya" typeface="Kalinga"/>
+        <a:font script="Mlym" typeface="Kartika"/>
+        <a:font script="Laoo" typeface="DokChampa"/>
+        <a:font script="Sinh" typeface="Iskoola Pota"/>
+        <a:font script="Mong" typeface="Mongolian Baiti"/>
+        <a:font script="Viet" typeface="Arial"/>
+        <a:font script="Uigh" typeface="Microsoft Uighur"/>
+        <a:font script="Geor" typeface="Sylfaen"/>
+        <a:font script="Armn" typeface="Arial"/>
+        <a:font script="Bugi" typeface="Leelawadee UI"/>
+        <a:font script="Bopo" typeface="Microsoft JhengHei"/>
+        <a:font script="Java" typeface="Javanese Text"/>
+        <a:font script="Lisu" typeface="Segoe UI"/>
+        <a:font script="Mymr" typeface="Myanmar Text"/>
+        <a:font script="Nkoo" typeface="Ebrima"/>
+        <a:font script="Olck" typeface="Nirmala UI"/>
+        <a:font script="Osma" typeface="Ebrima"/>
+        <a:font script="Phag" typeface="Phagspa"/>
+        <a:font script="Syrn" typeface="Estrangelo Edessa"/>
+        <a:font script="Syrj" typeface="Estrangelo Edessa"/>
+        <a:font script="Syre" typeface="Estrangelo Edessa"/>
+        <a:font script="Sora" typeface="Nirmala UI"/>
+        <a:font script="Tale" typeface="Microsoft Tai Le"/>
+        <a:font script="Talu" typeface="Microsoft New Tai Lue"/>
+        <a:font script="Tfng" typeface="Ebrima"/>
+      </a:minorFont>
+    </a:fontScheme>
+    <a:fmtScheme name="Office">
+      <a:fillStyleLst>
+        <a:solidFill>
+          <a:schemeClr val="phClr"/>
+        </a:solidFill>
+        <a:gradFill rotWithShape="1">
+          <a:gsLst>
+            <a:gs pos="0">
+              <a:schemeClr val="phClr">
+                <a:lumMod val="110000"/>
+                <a:satMod val="105000"/>
+                <a:tint val="67000"/>
+              </a:schemeClr>
+            </a:gs>
+            <a:gs pos="50000">
+              <a:schemeClr val="phClr">
+                <a:lumMod val="105000"/>
+                <a:satMod val="103000"/>
+                <a:tint val="73000"/>
+              </a:schemeClr>
+            </a:gs>
+            <a:gs pos="100000">
+              <a:schemeClr val="phClr">
+                <a:lumMod val="105000"/>
+                <a:satMod val="109000"/>
+                <a:tint val="81000"/>
+              </a:schemeClr>
+            </a:gs>
+          </a:gsLst>
+          <a:lin ang="5400000" scaled="0"/>
+        </a:gradFill>
+        <a:gradFill rotWithShape="1">
+          <a:gsLst>
+            <a:gs pos="0">
+              <a:schemeClr val="phClr">
+                <a:satMod val="103000"/>
+                <a:lumMod val="102000"/>
+                <a:tint val="94000"/>
+              </a:schemeClr>
+            </a:gs>
+            <a:gs pos="50000">
+              <a:schemeClr val="phClr">
+                <a:satMod val="110000"/>
+                <a:lumMod val="100000"/>
+                <a:shade val="100000"/>
+              </a:schemeClr>
+            </a:gs>
+            <a:gs pos="100000">
+              <a:schemeClr val="phClr">
+                <a:lumMod val="99000"/>
+                <a:satMod val="120000"/>
+                <a:shade val="78000"/>
+              </a:schemeClr>
+            </a:gs>
+          </a:gsLst>
+          <a:lin ang="5400000" scaled="0"/>
+        </a:gradFill>
+      </a:fillStyleLst>
+      <a:lnStyleLst>
+        <a:ln w="6350" cap="flat" cmpd="sng" algn="ctr">
+          <a:solidFill>
+            <a:schemeClr val="phClr"/>
+          </a:solidFill>
+          <a:prstDash val="solid"/>
+          <a:miter lim="800000"/>
+        </a:ln>
+        <a:ln w="12700" cap="flat" cmpd="sng" algn="ctr">
+          <a:solidFill>
+            <a:schemeClr val="phClr"/>
+          </a:solidFill>
+          <a:prstDash val="solid"/>
+          <a:miter lim="800000"/>
+        </a:ln>
+        <a:ln w="19050" cap="flat" cmpd="sng" algn="ctr">
+          <a:solidFill>
+            <a:schemeClr val="phClr"/>
+          </a:solidFill>
+          <a:prstDash val="solid"/>
+          <a:miter lim="800000"/>
+        </a:ln>
+      </a:lnStyleLst>
+      <a:effectStyleLst>
+        <a:effectStyle>
+          <a:effectLst/>
+        </a:effectStyle>
+        <a:effectStyle>
+          <a:effectLst/>
+        </a:effectStyle>
+        <a:effectStyle>
+          <a:effectLst>
+            <a:outerShdw blurRad="57150" dist="19050" dir="5400000" algn="ctr" rotWithShape="0">
+              <a:srgbClr val="000000">
+                <a:alpha val="63000"/>
+              </a:srgbClr>
+            </a:outerShdw>
+          </a:effectLst>
+        </a:effectStyle>
+      </a:effectStyleLst>
+      <a:bgFillStyleLst>
+        <a:solidFill>
+          <a:schemeClr val="phClr"/>
+        </a:solidFill>
+        <a:solidFill>
+          <a:schemeClr val="phClr">
+            <a:tint val="95000"/>
+            <a:satMod val="170000"/>
+          </a:schemeClr>
+        </a:solidFill>
+        <a:gradFill rotWithShape="1">
+          <a:gsLst>
+            <a:gs pos="0">
+              <a:schemeClr val="phClr">
+                <a:tint val="93000"/>
+                <a:satMod val="150000"/>
+                <a:shade val="98000"/>
+                <a:lumMod val="102000"/>
+              </a:schemeClr>
+            </a:gs>
+            <a:gs pos="50000">
+              <a:schemeClr val="phClr">
+                <a:tint val="98000"/>
+                <a:satMod val="130000"/>
+                <a:shade val="90000"/>
+                <a:lumMod val="103000"/>
+              </a:schemeClr>
+            </a:gs>
+            <a:gs pos="100000">
+              <a:schemeClr val="phClr">
+                <a:shade val="63000"/>
+                <a:satMod val="120000"/>
+              </a:schemeClr>
+            </a:gs>
+          </a:gsLst>
+          <a:lin ang="5400000" scaled="0"/>
+        </a:gradFill>
+      </a:bgFillStyleLst>
+    </a:fmtScheme>
+  </a:themeElements>
+  <a:objectDefaults/>
+  <a:extraClrSchemeLst/>
+  <a:extLst>
+    <a:ext uri="{05A4C25C-085E-4340-85A3-A5531E510DB2}">
+      <thm15:themeFamily xmlns:thm15="http://schemas.microsoft.com/office/thememl/2012/main" name="Office Theme" id="{62F939B6-93AF-4DB8-9C6B-D6C7DFDC589F}" vid="{4A3C46E8-61CC-4603-A589-7422A47A8E4A}"/>
+    </a:ext>
+  </a:extLst>
+</a:theme>
 </file>
 
-<file path=customXml/item2.xml><?xml version="1.0" encoding="utf-8"?>
+<file path=customXml/item1.xml><?xml version="1.0" encoding="utf-8"?>
 <ct:contentTypeSchema xmlns:ct="http://schemas.microsoft.com/office/2006/metadata/contentType" xmlns:ma="http://schemas.microsoft.com/office/2006/metadata/properties/metaAttributes" ct:_="" ma:_="" ma:contentTypeName="Document" ma:contentTypeID="0x010100960A94A4081F7A419AF399B2391F9816" ma:contentTypeVersion="12" ma:contentTypeDescription="Create a new document." ma:contentTypeScope="" ma:versionID="fb0109192144fcf2b04f4033960305d8">
   <xsd:schema xmlns:xsd="http://www.w3.org/2001/XMLSchema" xmlns:xs="http://www.w3.org/2001/XMLSchema" xmlns:p="http://schemas.microsoft.com/office/2006/metadata/properties" xmlns:ns3="42cabe23-7959-4588-8a28-0442f93682b2" xmlns:ns4="c80a3b3e-c391-432c-9966-cc572c0c3304" targetNamespace="http://schemas.microsoft.com/office/2006/metadata/properties" ma:root="true" ma:fieldsID="8bddab92036ffbaa97c6ee22d4ba26d4" ns3:_="" ns4:_="">
     <xsd:import namespace="42cabe23-7959-4588-8a28-0442f93682b2"/>
@@ -39676,6 +41691,15 @@
 </ct:contentTypeSchema>
 </file>
 
+<file path=customXml/item2.xml><?xml version="1.0" encoding="utf-8"?>
+<?mso-contentType ?>
+<FormTemplates xmlns="http://schemas.microsoft.com/sharepoint/v3/contenttype/forms">
+  <Display>DocumentLibraryForm</Display>
+  <Edit>DocumentLibraryForm</Edit>
+  <New>DocumentLibraryForm</New>
+</FormTemplates>
+</file>
+
 <file path=customXml/item3.xml><?xml version="1.0" encoding="utf-8"?>
 <p:properties xmlns:p="http://schemas.microsoft.com/office/2006/metadata/properties" xmlns:xsi="http://www.w3.org/2001/XMLSchema-instance" xmlns:pc="http://schemas.microsoft.com/office/infopath/2007/PartnerControls">
   <documentManagement>
@@ -39685,14 +41709,6 @@
 </file>
 
 <file path=customXml/itemProps1.xml><?xml version="1.0" encoding="utf-8"?>
-<ds:datastoreItem xmlns:ds="http://schemas.openxmlformats.org/officeDocument/2006/customXml" ds:itemID="{703FE316-C58D-434D-A47D-86CD91649803}">
-  <ds:schemaRefs>
-    <ds:schemaRef ds:uri="http://schemas.microsoft.com/sharepoint/v3/contenttype/forms"/>
-  </ds:schemaRefs>
-</ds:datastoreItem>
-</file>
-
-<file path=customXml/itemProps2.xml><?xml version="1.0" encoding="utf-8"?>
 <ds:datastoreItem xmlns:ds="http://schemas.openxmlformats.org/officeDocument/2006/customXml" ds:itemID="{6978A399-4333-4753-A446-8B9651314735}">
   <ds:schemaRefs>
     <ds:schemaRef ds:uri="http://schemas.microsoft.com/office/2006/metadata/contentType"/>
@@ -39707,6 +41723,14 @@
     <ds:schemaRef ds:uri="http://purl.org/dc/elements/1.1/"/>
     <ds:schemaRef ds:uri="http://purl.org/dc/terms/"/>
     <ds:schemaRef ds:uri="http://schemas.microsoft.com/internal/obd"/>
+  </ds:schemaRefs>
+</ds:datastoreItem>
+</file>
+
+<file path=customXml/itemProps2.xml><?xml version="1.0" encoding="utf-8"?>
+<ds:datastoreItem xmlns:ds="http://schemas.openxmlformats.org/officeDocument/2006/customXml" ds:itemID="{703FE316-C58D-434D-A47D-86CD91649803}">
+  <ds:schemaRefs>
+    <ds:schemaRef ds:uri="http://schemas.microsoft.com/sharepoint/v3/contenttype/forms"/>
   </ds:schemaRefs>
 </ds:datastoreItem>
 </file>
